--- a/Лекция 5 18_11_2020.pptx
+++ b/Лекция 5 18_11_2020.pptx
@@ -5,7 +5,7 @@
     <p:sldMasterId id="2147483648" r:id="rId1"/>
   </p:sldMasterIdLst>
   <p:notesMasterIdLst>
-    <p:notesMasterId r:id="rId35"/>
+    <p:notesMasterId r:id="rId45"/>
   </p:notesMasterIdLst>
   <p:sldIdLst>
     <p:sldId id="256" r:id="rId2"/>
@@ -18,29 +18,39 @@
     <p:sldId id="268" r:id="rId9"/>
     <p:sldId id="269" r:id="rId10"/>
     <p:sldId id="270" r:id="rId11"/>
-    <p:sldId id="262" r:id="rId12"/>
-    <p:sldId id="272" r:id="rId13"/>
-    <p:sldId id="276" r:id="rId14"/>
-    <p:sldId id="278" r:id="rId15"/>
-    <p:sldId id="277" r:id="rId16"/>
-    <p:sldId id="279" r:id="rId17"/>
-    <p:sldId id="271" r:id="rId18"/>
-    <p:sldId id="275" r:id="rId19"/>
-    <p:sldId id="280" r:id="rId20"/>
-    <p:sldId id="282" r:id="rId21"/>
-    <p:sldId id="283" r:id="rId22"/>
-    <p:sldId id="284" r:id="rId23"/>
-    <p:sldId id="285" r:id="rId24"/>
-    <p:sldId id="286" r:id="rId25"/>
-    <p:sldId id="287" r:id="rId26"/>
-    <p:sldId id="288" r:id="rId27"/>
-    <p:sldId id="263" r:id="rId28"/>
-    <p:sldId id="290" r:id="rId29"/>
-    <p:sldId id="291" r:id="rId30"/>
-    <p:sldId id="289" r:id="rId31"/>
-    <p:sldId id="292" r:id="rId32"/>
-    <p:sldId id="259" r:id="rId33"/>
-    <p:sldId id="260" r:id="rId34"/>
+    <p:sldId id="293" r:id="rId12"/>
+    <p:sldId id="294" r:id="rId13"/>
+    <p:sldId id="295" r:id="rId14"/>
+    <p:sldId id="262" r:id="rId15"/>
+    <p:sldId id="272" r:id="rId16"/>
+    <p:sldId id="276" r:id="rId17"/>
+    <p:sldId id="278" r:id="rId18"/>
+    <p:sldId id="277" r:id="rId19"/>
+    <p:sldId id="279" r:id="rId20"/>
+    <p:sldId id="271" r:id="rId21"/>
+    <p:sldId id="275" r:id="rId22"/>
+    <p:sldId id="280" r:id="rId23"/>
+    <p:sldId id="282" r:id="rId24"/>
+    <p:sldId id="283" r:id="rId25"/>
+    <p:sldId id="284" r:id="rId26"/>
+    <p:sldId id="285" r:id="rId27"/>
+    <p:sldId id="296" r:id="rId28"/>
+    <p:sldId id="297" r:id="rId29"/>
+    <p:sldId id="298" r:id="rId30"/>
+    <p:sldId id="299" r:id="rId31"/>
+    <p:sldId id="300" r:id="rId32"/>
+    <p:sldId id="301" r:id="rId33"/>
+    <p:sldId id="302" r:id="rId34"/>
+    <p:sldId id="286" r:id="rId35"/>
+    <p:sldId id="287" r:id="rId36"/>
+    <p:sldId id="288" r:id="rId37"/>
+    <p:sldId id="263" r:id="rId38"/>
+    <p:sldId id="290" r:id="rId39"/>
+    <p:sldId id="291" r:id="rId40"/>
+    <p:sldId id="289" r:id="rId41"/>
+    <p:sldId id="292" r:id="rId42"/>
+    <p:sldId id="259" r:id="rId43"/>
+    <p:sldId id="260" r:id="rId44"/>
   </p:sldIdLst>
   <p:sldSz cx="12192000" cy="6858000"/>
   <p:notesSz cx="6858000" cy="9144000"/>
@@ -241,7 +251,7 @@
           <a:p>
             <a:fld id="{44DBC884-B382-4302-8488-D4E467EB670D}" type="datetimeFigureOut">
               <a:rPr lang="ru-RU" smtClean="0"/>
-              <a:t>28.10.2020</a:t>
+              <a:t>31.10.2020</a:t>
             </a:fld>
             <a:endParaRPr lang="ru-RU" dirty="0"/>
           </a:p>
@@ -640,7 +650,7 @@
           <a:p>
             <a:fld id="{9F4DF3D0-C105-404D-A43B-7CBA1B97B744}" type="datetimeFigureOut">
               <a:rPr lang="ru-RU" smtClean="0"/>
-              <a:t>28.10.2020</a:t>
+              <a:t>31.10.2020</a:t>
             </a:fld>
             <a:endParaRPr lang="ru-RU" dirty="0"/>
           </a:p>
@@ -810,7 +820,7 @@
           <a:p>
             <a:fld id="{9F4DF3D0-C105-404D-A43B-7CBA1B97B744}" type="datetimeFigureOut">
               <a:rPr lang="ru-RU" smtClean="0"/>
-              <a:t>28.10.2020</a:t>
+              <a:t>31.10.2020</a:t>
             </a:fld>
             <a:endParaRPr lang="ru-RU" dirty="0"/>
           </a:p>
@@ -990,7 +1000,7 @@
           <a:p>
             <a:fld id="{9F4DF3D0-C105-404D-A43B-7CBA1B97B744}" type="datetimeFigureOut">
               <a:rPr lang="ru-RU" smtClean="0"/>
-              <a:t>28.10.2020</a:t>
+              <a:t>31.10.2020</a:t>
             </a:fld>
             <a:endParaRPr lang="ru-RU" dirty="0"/>
           </a:p>
@@ -1160,7 +1170,7 @@
           <a:p>
             <a:fld id="{9F4DF3D0-C105-404D-A43B-7CBA1B97B744}" type="datetimeFigureOut">
               <a:rPr lang="ru-RU" smtClean="0"/>
-              <a:t>28.10.2020</a:t>
+              <a:t>31.10.2020</a:t>
             </a:fld>
             <a:endParaRPr lang="ru-RU" dirty="0"/>
           </a:p>
@@ -1406,7 +1416,7 @@
           <a:p>
             <a:fld id="{9F4DF3D0-C105-404D-A43B-7CBA1B97B744}" type="datetimeFigureOut">
               <a:rPr lang="ru-RU" smtClean="0"/>
-              <a:t>28.10.2020</a:t>
+              <a:t>31.10.2020</a:t>
             </a:fld>
             <a:endParaRPr lang="ru-RU" dirty="0"/>
           </a:p>
@@ -1638,7 +1648,7 @@
           <a:p>
             <a:fld id="{9F4DF3D0-C105-404D-A43B-7CBA1B97B744}" type="datetimeFigureOut">
               <a:rPr lang="ru-RU" smtClean="0"/>
-              <a:t>28.10.2020</a:t>
+              <a:t>31.10.2020</a:t>
             </a:fld>
             <a:endParaRPr lang="ru-RU" dirty="0"/>
           </a:p>
@@ -2005,7 +2015,7 @@
           <a:p>
             <a:fld id="{9F4DF3D0-C105-404D-A43B-7CBA1B97B744}" type="datetimeFigureOut">
               <a:rPr lang="ru-RU" smtClean="0"/>
-              <a:t>28.10.2020</a:t>
+              <a:t>31.10.2020</a:t>
             </a:fld>
             <a:endParaRPr lang="ru-RU" dirty="0"/>
           </a:p>
@@ -2123,7 +2133,7 @@
           <a:p>
             <a:fld id="{9F4DF3D0-C105-404D-A43B-7CBA1B97B744}" type="datetimeFigureOut">
               <a:rPr lang="ru-RU" smtClean="0"/>
-              <a:t>28.10.2020</a:t>
+              <a:t>31.10.2020</a:t>
             </a:fld>
             <a:endParaRPr lang="ru-RU" dirty="0"/>
           </a:p>
@@ -2218,7 +2228,7 @@
           <a:p>
             <a:fld id="{9F4DF3D0-C105-404D-A43B-7CBA1B97B744}" type="datetimeFigureOut">
               <a:rPr lang="ru-RU" smtClean="0"/>
-              <a:t>28.10.2020</a:t>
+              <a:t>31.10.2020</a:t>
             </a:fld>
             <a:endParaRPr lang="ru-RU" dirty="0"/>
           </a:p>
@@ -2495,7 +2505,7 @@
           <a:p>
             <a:fld id="{9F4DF3D0-C105-404D-A43B-7CBA1B97B744}" type="datetimeFigureOut">
               <a:rPr lang="ru-RU" smtClean="0"/>
-              <a:t>28.10.2020</a:t>
+              <a:t>31.10.2020</a:t>
             </a:fld>
             <a:endParaRPr lang="ru-RU" dirty="0"/>
           </a:p>
@@ -2748,7 +2758,7 @@
           <a:p>
             <a:fld id="{9F4DF3D0-C105-404D-A43B-7CBA1B97B744}" type="datetimeFigureOut">
               <a:rPr lang="ru-RU" smtClean="0"/>
-              <a:t>28.10.2020</a:t>
+              <a:t>31.10.2020</a:t>
             </a:fld>
             <a:endParaRPr lang="ru-RU" dirty="0"/>
           </a:p>
@@ -2961,7 +2971,7 @@
           <a:p>
             <a:fld id="{9F4DF3D0-C105-404D-A43B-7CBA1B97B744}" type="datetimeFigureOut">
               <a:rPr lang="ru-RU" smtClean="0"/>
-              <a:t>28.10.2020</a:t>
+              <a:t>31.10.2020</a:t>
             </a:fld>
             <a:endParaRPr lang="ru-RU" dirty="0"/>
           </a:p>
@@ -3871,6 +3881,1335 @@
 </file>
 
 <file path=ppt/slides/slide11.xml><?xml version="1.0" encoding="utf-8"?>
+<p:sld xmlns:a="http://schemas.openxmlformats.org/drawingml/2006/main" xmlns:r="http://schemas.openxmlformats.org/officeDocument/2006/relationships" xmlns:p="http://schemas.openxmlformats.org/presentationml/2006/main">
+  <p:cSld>
+    <p:spTree>
+      <p:nvGrpSpPr>
+        <p:cNvPr id="1" name=""/>
+        <p:cNvGrpSpPr/>
+        <p:nvPr/>
+      </p:nvGrpSpPr>
+      <p:grpSpPr>
+        <a:xfrm>
+          <a:off x="0" y="0"/>
+          <a:ext cx="0" cy="0"/>
+          <a:chOff x="0" y="0"/>
+          <a:chExt cx="0" cy="0"/>
+        </a:xfrm>
+      </p:grpSpPr>
+      <p:sp>
+        <p:nvSpPr>
+          <p:cNvPr id="2" name="Заголовок 1"/>
+          <p:cNvSpPr>
+            <a:spLocks noGrp="1"/>
+          </p:cNvSpPr>
+          <p:nvPr>
+            <p:ph type="title"/>
+          </p:nvPr>
+        </p:nvSpPr>
+        <p:spPr/>
+        <p:txBody>
+          <a:bodyPr/>
+          <a:lstStyle/>
+          <a:p>
+            <a:r>
+              <a:rPr lang="ru-RU" dirty="0" smtClean="0"/>
+              <a:t>Теорема Байеса</a:t>
+            </a:r>
+            <a:endParaRPr lang="ru-RU" dirty="0"/>
+          </a:p>
+        </p:txBody>
+      </p:sp>
+      <mc:AlternateContent xmlns:mc="http://schemas.openxmlformats.org/markup-compatibility/2006">
+        <mc:Choice xmlns:a14="http://schemas.microsoft.com/office/drawing/2010/main" Requires="a14">
+          <p:sp>
+            <p:nvSpPr>
+              <p:cNvPr id="3" name="Объект 2"/>
+              <p:cNvSpPr>
+                <a:spLocks noGrp="1"/>
+              </p:cNvSpPr>
+              <p:nvPr>
+                <p:ph idx="1"/>
+              </p:nvPr>
+            </p:nvSpPr>
+            <p:spPr/>
+            <p:txBody>
+              <a:bodyPr>
+                <a:normAutofit/>
+              </a:bodyPr>
+              <a:lstStyle/>
+              <a:p>
+                <a:pPr marL="0" indent="0">
+                  <a:buNone/>
+                </a:pPr>
+                <a:r>
+                  <a:rPr lang="ru-RU" dirty="0" smtClean="0"/>
+                  <a:t>Пример:</a:t>
+                </a:r>
+              </a:p>
+              <a:p>
+                <a:pPr marL="0" indent="0">
+                  <a:buNone/>
+                </a:pPr>
+                <a:r>
+                  <a:rPr lang="ru-RU" dirty="0" smtClean="0"/>
+                  <a:t>Два студента каждый вечер бросают монету, чтобы определить, кто будет готовить ужин.</a:t>
+                </a:r>
+              </a:p>
+              <a:p>
+                <a:pPr marL="0" indent="0">
+                  <a:buNone/>
+                </a:pPr>
+                <a:endParaRPr lang="ru-RU" dirty="0" smtClean="0"/>
+              </a:p>
+              <a:p>
+                <a:pPr marL="0" indent="0">
+                  <a:buNone/>
+                </a:pPr>
+                <a:r>
+                  <a:rPr lang="ru-RU" dirty="0" smtClean="0"/>
+                  <a:t>Гипотеза </a:t>
+                </a:r>
+                <a:r>
+                  <a:rPr lang="en-US" i="1" dirty="0" smtClean="0"/>
+                  <a:t>A</a:t>
+                </a:r>
+                <a:r>
+                  <a:rPr lang="ru-RU" dirty="0" smtClean="0"/>
+                  <a:t> – сегодня ужин готовил первый студент.</a:t>
+                </a:r>
+              </a:p>
+              <a:p>
+                <a:pPr marL="0" indent="0">
+                  <a:buNone/>
+                </a:pPr>
+                <a:endParaRPr lang="ru-RU" dirty="0" smtClean="0"/>
+              </a:p>
+              <a:p>
+                <a:pPr marL="0" indent="0">
+                  <a:buNone/>
+                </a:pPr>
+                <a:r>
+                  <a:rPr lang="ru-RU" dirty="0" smtClean="0"/>
+                  <a:t>Априорная вероятность равна:</a:t>
+                </a:r>
+                <a:endParaRPr lang="ru-RU" dirty="0"/>
+              </a:p>
+              <a:p>
+                <a:pPr marL="0" indent="0">
+                  <a:buNone/>
+                </a:pPr>
+                <a14:m>
+                  <m:oMathPara xmlns:m="http://schemas.openxmlformats.org/officeDocument/2006/math">
+                    <m:oMathParaPr>
+                      <m:jc m:val="left"/>
+                    </m:oMathParaPr>
+                    <m:oMath xmlns:m="http://schemas.openxmlformats.org/officeDocument/2006/math">
+                      <m:r>
+                        <m:rPr>
+                          <m:sty m:val="p"/>
+                        </m:rPr>
+                        <a:rPr lang="en-US" b="0" i="0" smtClean="0">
+                          <a:latin typeface="Cambria Math" panose="02040503050406030204" pitchFamily="18" charset="0"/>
+                        </a:rPr>
+                        <m:t>P</m:t>
+                      </m:r>
+                      <m:d>
+                        <m:dPr>
+                          <m:ctrlPr>
+                            <a:rPr lang="en-US" b="0" i="1" smtClean="0">
+                              <a:latin typeface="Cambria Math" panose="02040503050406030204" pitchFamily="18" charset="0"/>
+                            </a:rPr>
+                          </m:ctrlPr>
+                        </m:dPr>
+                        <m:e>
+                          <m:r>
+                            <a:rPr lang="en-US" b="0" i="1" smtClean="0">
+                              <a:latin typeface="Cambria Math" panose="02040503050406030204" pitchFamily="18" charset="0"/>
+                            </a:rPr>
+                            <m:t>𝐴</m:t>
+                          </m:r>
+                        </m:e>
+                      </m:d>
+                      <m:r>
+                        <a:rPr lang="en-US" b="0" i="1" smtClean="0">
+                          <a:latin typeface="Cambria Math" panose="02040503050406030204" pitchFamily="18" charset="0"/>
+                        </a:rPr>
+                        <m:t>=</m:t>
+                      </m:r>
+                      <m:r>
+                        <m:rPr>
+                          <m:sty m:val="p"/>
+                        </m:rPr>
+                        <a:rPr lang="en-US" b="0" i="0" smtClean="0">
+                          <a:latin typeface="Cambria Math" panose="02040503050406030204" pitchFamily="18" charset="0"/>
+                        </a:rPr>
+                        <m:t>P</m:t>
+                      </m:r>
+                      <m:d>
+                        <m:dPr>
+                          <m:ctrlPr>
+                            <a:rPr lang="en-US" b="0" i="1" smtClean="0">
+                              <a:latin typeface="Cambria Math" panose="02040503050406030204" pitchFamily="18" charset="0"/>
+                            </a:rPr>
+                          </m:ctrlPr>
+                        </m:dPr>
+                        <m:e>
+                          <m:r>
+                            <a:rPr lang="en-US" b="0" i="1" smtClean="0">
+                              <a:latin typeface="Cambria Math" panose="02040503050406030204" pitchFamily="18" charset="0"/>
+                              <a:ea typeface="Cambria Math" panose="02040503050406030204" pitchFamily="18" charset="0"/>
+                            </a:rPr>
+                            <m:t>¬</m:t>
+                          </m:r>
+                          <m:r>
+                            <a:rPr lang="en-US" b="0" i="1" smtClean="0">
+                              <a:latin typeface="Cambria Math" panose="02040503050406030204" pitchFamily="18" charset="0"/>
+                              <a:ea typeface="Cambria Math" panose="02040503050406030204" pitchFamily="18" charset="0"/>
+                            </a:rPr>
+                            <m:t>𝐴</m:t>
+                          </m:r>
+                        </m:e>
+                      </m:d>
+                      <m:r>
+                        <a:rPr lang="en-US" b="0" i="1" smtClean="0">
+                          <a:latin typeface="Cambria Math" panose="02040503050406030204" pitchFamily="18" charset="0"/>
+                          <a:ea typeface="Cambria Math" panose="02040503050406030204" pitchFamily="18" charset="0"/>
+                        </a:rPr>
+                        <m:t>=</m:t>
+                      </m:r>
+                      <m:r>
+                        <a:rPr lang="ru-RU" b="0" i="1" smtClean="0">
+                          <a:latin typeface="Cambria Math" panose="02040503050406030204" pitchFamily="18" charset="0"/>
+                          <a:ea typeface="Cambria Math" panose="02040503050406030204" pitchFamily="18" charset="0"/>
+                        </a:rPr>
+                        <m:t>0,5</m:t>
+                      </m:r>
+                    </m:oMath>
+                  </m:oMathPara>
+                </a14:m>
+                <a:endParaRPr lang="ru-RU" dirty="0" smtClean="0"/>
+              </a:p>
+            </p:txBody>
+          </p:sp>
+        </mc:Choice>
+        <mc:Fallback>
+          <p:sp>
+            <p:nvSpPr>
+              <p:cNvPr id="3" name="Объект 2"/>
+              <p:cNvSpPr>
+                <a:spLocks noGrp="1" noRot="1" noChangeAspect="1" noMove="1" noResize="1" noEditPoints="1" noAdjustHandles="1" noChangeArrowheads="1" noChangeShapeType="1" noTextEdit="1"/>
+              </p:cNvSpPr>
+              <p:nvPr>
+                <p:ph idx="1"/>
+              </p:nvPr>
+            </p:nvSpPr>
+            <p:spPr>
+              <a:blipFill rotWithShape="0">
+                <a:blip r:embed="rId2"/>
+                <a:stretch>
+                  <a:fillRect l="-1217" t="-2241" r="-1681"/>
+                </a:stretch>
+              </a:blipFill>
+            </p:spPr>
+            <p:txBody>
+              <a:bodyPr/>
+              <a:lstStyle/>
+              <a:p>
+                <a:r>
+                  <a:rPr lang="ru-RU">
+                    <a:noFill/>
+                  </a:rPr>
+                  <a:t> </a:t>
+                </a:r>
+              </a:p>
+            </p:txBody>
+          </p:sp>
+        </mc:Fallback>
+      </mc:AlternateContent>
+    </p:spTree>
+    <p:extLst>
+      <p:ext uri="{BB962C8B-B14F-4D97-AF65-F5344CB8AC3E}">
+        <p14:creationId xmlns:p14="http://schemas.microsoft.com/office/powerpoint/2010/main" val="2726927198"/>
+      </p:ext>
+    </p:extLst>
+  </p:cSld>
+  <p:clrMapOvr>
+    <a:masterClrMapping/>
+  </p:clrMapOvr>
+</p:sld>
+</file>
+
+<file path=ppt/slides/slide12.xml><?xml version="1.0" encoding="utf-8"?>
+<p:sld xmlns:a="http://schemas.openxmlformats.org/drawingml/2006/main" xmlns:r="http://schemas.openxmlformats.org/officeDocument/2006/relationships" xmlns:p="http://schemas.openxmlformats.org/presentationml/2006/main">
+  <p:cSld>
+    <p:spTree>
+      <p:nvGrpSpPr>
+        <p:cNvPr id="1" name=""/>
+        <p:cNvGrpSpPr/>
+        <p:nvPr/>
+      </p:nvGrpSpPr>
+      <p:grpSpPr>
+        <a:xfrm>
+          <a:off x="0" y="0"/>
+          <a:ext cx="0" cy="0"/>
+          <a:chOff x="0" y="0"/>
+          <a:chExt cx="0" cy="0"/>
+        </a:xfrm>
+      </p:grpSpPr>
+      <p:sp>
+        <p:nvSpPr>
+          <p:cNvPr id="2" name="Заголовок 1"/>
+          <p:cNvSpPr>
+            <a:spLocks noGrp="1"/>
+          </p:cNvSpPr>
+          <p:nvPr>
+            <p:ph type="title"/>
+          </p:nvPr>
+        </p:nvSpPr>
+        <p:spPr/>
+        <p:txBody>
+          <a:bodyPr/>
+          <a:lstStyle/>
+          <a:p>
+            <a:r>
+              <a:rPr lang="ru-RU" dirty="0" smtClean="0"/>
+              <a:t>Теорема Байеса</a:t>
+            </a:r>
+            <a:endParaRPr lang="ru-RU" dirty="0"/>
+          </a:p>
+        </p:txBody>
+      </p:sp>
+      <mc:AlternateContent xmlns:mc="http://schemas.openxmlformats.org/markup-compatibility/2006">
+        <mc:Choice xmlns:a14="http://schemas.microsoft.com/office/drawing/2010/main" Requires="a14">
+          <p:sp>
+            <p:nvSpPr>
+              <p:cNvPr id="3" name="Объект 2"/>
+              <p:cNvSpPr>
+                <a:spLocks noGrp="1"/>
+              </p:cNvSpPr>
+              <p:nvPr>
+                <p:ph idx="1"/>
+              </p:nvPr>
+            </p:nvSpPr>
+            <p:spPr/>
+            <p:txBody>
+              <a:bodyPr>
+                <a:normAutofit/>
+              </a:bodyPr>
+              <a:lstStyle/>
+              <a:p>
+                <a:pPr marL="0" indent="0">
+                  <a:buNone/>
+                </a:pPr>
+                <a:r>
+                  <a:rPr lang="ru-RU" dirty="0" smtClean="0"/>
+                  <a:t>Допустим, известно, что у первого студента ужин не пригорит с вероятностью 90%, а у второго – с вероятностью 30%, т.е.</a:t>
+                </a:r>
+                <a:r>
+                  <a:rPr lang="ru-RU" dirty="0"/>
+                  <a:t> </a:t>
+                </a:r>
+                <a:r>
+                  <a:rPr lang="ru-RU" dirty="0" smtClean="0"/>
+                  <a:t>условная вероятность события </a:t>
+                </a:r>
+                <a:r>
+                  <a:rPr lang="en-US" i="1" dirty="0" smtClean="0"/>
+                  <a:t>B</a:t>
+                </a:r>
+                <a:r>
+                  <a:rPr lang="en-US" dirty="0" smtClean="0"/>
+                  <a:t> – </a:t>
+                </a:r>
+                <a:r>
+                  <a:rPr lang="ru-RU" dirty="0" smtClean="0"/>
+                  <a:t>ужин не сгорел</a:t>
+                </a:r>
+                <a:r>
+                  <a:rPr lang="en-US" dirty="0" smtClean="0"/>
+                  <a:t>:</a:t>
+                </a:r>
+              </a:p>
+              <a:p>
+                <a:pPr marL="0" indent="0">
+                  <a:buNone/>
+                </a:pPr>
+                <a14:m>
+                  <m:oMathPara xmlns:m="http://schemas.openxmlformats.org/officeDocument/2006/math">
+                    <m:oMathParaPr>
+                      <m:jc m:val="left"/>
+                    </m:oMathParaPr>
+                    <m:oMath xmlns:m="http://schemas.openxmlformats.org/officeDocument/2006/math">
+                      <m:r>
+                        <m:rPr>
+                          <m:sty m:val="p"/>
+                        </m:rPr>
+                        <a:rPr lang="en-US" b="0" i="0" smtClean="0">
+                          <a:latin typeface="Cambria Math" panose="02040503050406030204" pitchFamily="18" charset="0"/>
+                        </a:rPr>
+                        <m:t>P</m:t>
+                      </m:r>
+                      <m:d>
+                        <m:dPr>
+                          <m:ctrlPr>
+                            <a:rPr lang="en-US" b="0" i="1" smtClean="0">
+                              <a:latin typeface="Cambria Math" panose="02040503050406030204" pitchFamily="18" charset="0"/>
+                            </a:rPr>
+                          </m:ctrlPr>
+                        </m:dPr>
+                        <m:e>
+                          <m:r>
+                            <a:rPr lang="en-US" b="0" i="1" smtClean="0">
+                              <a:latin typeface="Cambria Math" panose="02040503050406030204" pitchFamily="18" charset="0"/>
+                            </a:rPr>
+                            <m:t>𝐵</m:t>
+                          </m:r>
+                        </m:e>
+                        <m:e>
+                          <m:r>
+                            <a:rPr lang="en-US" b="0" i="1" smtClean="0">
+                              <a:latin typeface="Cambria Math" panose="02040503050406030204" pitchFamily="18" charset="0"/>
+                            </a:rPr>
+                            <m:t>𝐴</m:t>
+                          </m:r>
+                        </m:e>
+                      </m:d>
+                      <m:r>
+                        <a:rPr lang="en-US" b="0" i="1" smtClean="0">
+                          <a:latin typeface="Cambria Math" panose="02040503050406030204" pitchFamily="18" charset="0"/>
+                        </a:rPr>
+                        <m:t>=0,9</m:t>
+                      </m:r>
+                    </m:oMath>
+                  </m:oMathPara>
+                </a14:m>
+                <a:endParaRPr lang="en-US" dirty="0" smtClean="0"/>
+              </a:p>
+              <a:p>
+                <a:pPr marL="0" indent="0">
+                  <a:buNone/>
+                </a:pPr>
+                <a14:m>
+                  <m:oMathPara xmlns:m="http://schemas.openxmlformats.org/officeDocument/2006/math">
+                    <m:oMathParaPr>
+                      <m:jc m:val="left"/>
+                    </m:oMathParaPr>
+                    <m:oMath xmlns:m="http://schemas.openxmlformats.org/officeDocument/2006/math">
+                      <m:r>
+                        <m:rPr>
+                          <m:sty m:val="p"/>
+                        </m:rPr>
+                        <a:rPr lang="en-US">
+                          <a:latin typeface="Cambria Math" panose="02040503050406030204" pitchFamily="18" charset="0"/>
+                        </a:rPr>
+                        <m:t>P</m:t>
+                      </m:r>
+                      <m:d>
+                        <m:dPr>
+                          <m:ctrlPr>
+                            <a:rPr lang="en-US" i="1">
+                              <a:latin typeface="Cambria Math" panose="02040503050406030204" pitchFamily="18" charset="0"/>
+                            </a:rPr>
+                          </m:ctrlPr>
+                        </m:dPr>
+                        <m:e>
+                          <m:r>
+                            <a:rPr lang="en-US" i="1">
+                              <a:latin typeface="Cambria Math" panose="02040503050406030204" pitchFamily="18" charset="0"/>
+                            </a:rPr>
+                            <m:t>𝐵</m:t>
+                          </m:r>
+                        </m:e>
+                        <m:e>
+                          <m:r>
+                            <a:rPr lang="en-US" i="1" smtClean="0">
+                              <a:latin typeface="Cambria Math" panose="02040503050406030204" pitchFamily="18" charset="0"/>
+                              <a:ea typeface="Cambria Math" panose="02040503050406030204" pitchFamily="18" charset="0"/>
+                            </a:rPr>
+                            <m:t>¬</m:t>
+                          </m:r>
+                          <m:r>
+                            <a:rPr lang="en-US" i="1">
+                              <a:latin typeface="Cambria Math" panose="02040503050406030204" pitchFamily="18" charset="0"/>
+                            </a:rPr>
+                            <m:t>𝐴</m:t>
+                          </m:r>
+                        </m:e>
+                      </m:d>
+                      <m:r>
+                        <a:rPr lang="en-US" i="1">
+                          <a:latin typeface="Cambria Math" panose="02040503050406030204" pitchFamily="18" charset="0"/>
+                        </a:rPr>
+                        <m:t>=0,</m:t>
+                      </m:r>
+                      <m:r>
+                        <a:rPr lang="en-US" b="0" i="1" smtClean="0">
+                          <a:latin typeface="Cambria Math" panose="02040503050406030204" pitchFamily="18" charset="0"/>
+                        </a:rPr>
+                        <m:t>3</m:t>
+                      </m:r>
+                    </m:oMath>
+                  </m:oMathPara>
+                </a14:m>
+                <a:endParaRPr lang="ru-RU" dirty="0"/>
+              </a:p>
+              <a:p>
+                <a:pPr marL="0" indent="0">
+                  <a:buNone/>
+                </a:pPr>
+                <a:endParaRPr lang="en-US" dirty="0" smtClean="0"/>
+              </a:p>
+              <a:p>
+                <a:pPr marL="0" indent="0">
+                  <a:buNone/>
+                </a:pPr>
+                <a:r>
+                  <a:rPr lang="ru-RU" dirty="0" smtClean="0"/>
+                  <a:t>Полная вероятность события </a:t>
+                </a:r>
+                <a:r>
+                  <a:rPr lang="en-US" i="1" dirty="0" smtClean="0"/>
+                  <a:t>B</a:t>
+                </a:r>
+                <a:r>
+                  <a:rPr lang="en-US" dirty="0" smtClean="0"/>
+                  <a:t>:</a:t>
+                </a:r>
+              </a:p>
+              <a:p>
+                <a:pPr marL="0" indent="0">
+                  <a:buNone/>
+                </a:pPr>
+                <a14:m>
+                  <m:oMathPara xmlns:m="http://schemas.openxmlformats.org/officeDocument/2006/math">
+                    <m:oMathParaPr>
+                      <m:jc m:val="left"/>
+                    </m:oMathParaPr>
+                    <m:oMath xmlns:m="http://schemas.openxmlformats.org/officeDocument/2006/math">
+                      <m:r>
+                        <m:rPr>
+                          <m:sty m:val="p"/>
+                        </m:rPr>
+                        <a:rPr lang="en-US" b="0" i="0" smtClean="0">
+                          <a:latin typeface="Cambria Math" panose="02040503050406030204" pitchFamily="18" charset="0"/>
+                        </a:rPr>
+                        <m:t>P</m:t>
+                      </m:r>
+                      <m:d>
+                        <m:dPr>
+                          <m:ctrlPr>
+                            <a:rPr lang="en-US" b="0" i="1" smtClean="0">
+                              <a:latin typeface="Cambria Math" panose="02040503050406030204" pitchFamily="18" charset="0"/>
+                            </a:rPr>
+                          </m:ctrlPr>
+                        </m:dPr>
+                        <m:e>
+                          <m:r>
+                            <a:rPr lang="en-US" b="0" i="1" smtClean="0">
+                              <a:latin typeface="Cambria Math" panose="02040503050406030204" pitchFamily="18" charset="0"/>
+                            </a:rPr>
+                            <m:t>𝐵</m:t>
+                          </m:r>
+                        </m:e>
+                      </m:d>
+                      <m:r>
+                        <a:rPr lang="en-US" b="0" i="1" smtClean="0">
+                          <a:latin typeface="Cambria Math" panose="02040503050406030204" pitchFamily="18" charset="0"/>
+                        </a:rPr>
+                        <m:t>=</m:t>
+                      </m:r>
+                      <m:r>
+                        <m:rPr>
+                          <m:sty m:val="p"/>
+                        </m:rPr>
+                        <a:rPr lang="en-US" b="0" i="0" smtClean="0">
+                          <a:latin typeface="Cambria Math" panose="02040503050406030204" pitchFamily="18" charset="0"/>
+                        </a:rPr>
+                        <m:t>P</m:t>
+                      </m:r>
+                      <m:d>
+                        <m:dPr>
+                          <m:ctrlPr>
+                            <a:rPr lang="en-US" b="0" i="1" smtClean="0">
+                              <a:latin typeface="Cambria Math" panose="02040503050406030204" pitchFamily="18" charset="0"/>
+                            </a:rPr>
+                          </m:ctrlPr>
+                        </m:dPr>
+                        <m:e>
+                          <m:r>
+                            <a:rPr lang="en-US" b="0" i="1" smtClean="0">
+                              <a:latin typeface="Cambria Math" panose="02040503050406030204" pitchFamily="18" charset="0"/>
+                            </a:rPr>
+                            <m:t>𝐵</m:t>
+                          </m:r>
+                        </m:e>
+                        <m:e>
+                          <m:r>
+                            <a:rPr lang="en-US" b="0" i="1" smtClean="0">
+                              <a:latin typeface="Cambria Math" panose="02040503050406030204" pitchFamily="18" charset="0"/>
+                            </a:rPr>
+                            <m:t>𝐴</m:t>
+                          </m:r>
+                        </m:e>
+                      </m:d>
+                      <m:r>
+                        <m:rPr>
+                          <m:sty m:val="p"/>
+                        </m:rPr>
+                        <a:rPr lang="en-US" b="0" i="0" smtClean="0">
+                          <a:latin typeface="Cambria Math" panose="02040503050406030204" pitchFamily="18" charset="0"/>
+                        </a:rPr>
+                        <m:t>P</m:t>
+                      </m:r>
+                      <m:d>
+                        <m:dPr>
+                          <m:ctrlPr>
+                            <a:rPr lang="en-US" b="0" i="1" smtClean="0">
+                              <a:latin typeface="Cambria Math" panose="02040503050406030204" pitchFamily="18" charset="0"/>
+                            </a:rPr>
+                          </m:ctrlPr>
+                        </m:dPr>
+                        <m:e>
+                          <m:r>
+                            <a:rPr lang="en-US" b="0" i="1" smtClean="0">
+                              <a:latin typeface="Cambria Math" panose="02040503050406030204" pitchFamily="18" charset="0"/>
+                            </a:rPr>
+                            <m:t>𝐴</m:t>
+                          </m:r>
+                        </m:e>
+                      </m:d>
+                      <m:r>
+                        <a:rPr lang="en-US" b="0" i="1" smtClean="0">
+                          <a:latin typeface="Cambria Math" panose="02040503050406030204" pitchFamily="18" charset="0"/>
+                        </a:rPr>
+                        <m:t>+</m:t>
+                      </m:r>
+                      <m:r>
+                        <m:rPr>
+                          <m:sty m:val="p"/>
+                        </m:rPr>
+                        <a:rPr lang="en-US" b="0" i="0" smtClean="0">
+                          <a:latin typeface="Cambria Math" panose="02040503050406030204" pitchFamily="18" charset="0"/>
+                        </a:rPr>
+                        <m:t>P</m:t>
+                      </m:r>
+                      <m:d>
+                        <m:dPr>
+                          <m:ctrlPr>
+                            <a:rPr lang="en-US" b="0" i="1" smtClean="0">
+                              <a:latin typeface="Cambria Math" panose="02040503050406030204" pitchFamily="18" charset="0"/>
+                            </a:rPr>
+                          </m:ctrlPr>
+                        </m:dPr>
+                        <m:e>
+                          <m:r>
+                            <a:rPr lang="en-US" b="0" i="1" smtClean="0">
+                              <a:latin typeface="Cambria Math" panose="02040503050406030204" pitchFamily="18" charset="0"/>
+                            </a:rPr>
+                            <m:t>𝐵</m:t>
+                          </m:r>
+                        </m:e>
+                        <m:e>
+                          <m:r>
+                            <a:rPr lang="en-US" b="0" i="1" smtClean="0">
+                              <a:latin typeface="Cambria Math" panose="02040503050406030204" pitchFamily="18" charset="0"/>
+                              <a:ea typeface="Cambria Math" panose="02040503050406030204" pitchFamily="18" charset="0"/>
+                            </a:rPr>
+                            <m:t>¬</m:t>
+                          </m:r>
+                          <m:r>
+                            <a:rPr lang="en-US" b="0" i="1" smtClean="0">
+                              <a:latin typeface="Cambria Math" panose="02040503050406030204" pitchFamily="18" charset="0"/>
+                              <a:ea typeface="Cambria Math" panose="02040503050406030204" pitchFamily="18" charset="0"/>
+                            </a:rPr>
+                            <m:t>𝐴</m:t>
+                          </m:r>
+                        </m:e>
+                      </m:d>
+                      <m:r>
+                        <m:rPr>
+                          <m:sty m:val="p"/>
+                        </m:rPr>
+                        <a:rPr lang="en-US" b="0" i="0" smtClean="0">
+                          <a:latin typeface="Cambria Math" panose="02040503050406030204" pitchFamily="18" charset="0"/>
+                        </a:rPr>
+                        <m:t>P</m:t>
+                      </m:r>
+                      <m:d>
+                        <m:dPr>
+                          <m:ctrlPr>
+                            <a:rPr lang="en-US" b="0" i="1" smtClean="0">
+                              <a:latin typeface="Cambria Math" panose="02040503050406030204" pitchFamily="18" charset="0"/>
+                            </a:rPr>
+                          </m:ctrlPr>
+                        </m:dPr>
+                        <m:e>
+                          <m:r>
+                            <a:rPr lang="en-US" b="0" i="1" smtClean="0">
+                              <a:latin typeface="Cambria Math" panose="02040503050406030204" pitchFamily="18" charset="0"/>
+                              <a:ea typeface="Cambria Math" panose="02040503050406030204" pitchFamily="18" charset="0"/>
+                            </a:rPr>
+                            <m:t>¬</m:t>
+                          </m:r>
+                          <m:r>
+                            <a:rPr lang="en-US" b="0" i="1" smtClean="0">
+                              <a:latin typeface="Cambria Math" panose="02040503050406030204" pitchFamily="18" charset="0"/>
+                              <a:ea typeface="Cambria Math" panose="02040503050406030204" pitchFamily="18" charset="0"/>
+                            </a:rPr>
+                            <m:t>𝐴</m:t>
+                          </m:r>
+                        </m:e>
+                      </m:d>
+                      <m:r>
+                        <a:rPr lang="en-US" b="0" i="1" smtClean="0">
+                          <a:latin typeface="Cambria Math" panose="02040503050406030204" pitchFamily="18" charset="0"/>
+                          <a:ea typeface="Cambria Math" panose="02040503050406030204" pitchFamily="18" charset="0"/>
+                        </a:rPr>
+                        <m:t>=</m:t>
+                      </m:r>
+                    </m:oMath>
+                  </m:oMathPara>
+                </a14:m>
+                <a:endParaRPr lang="en-US" b="0" dirty="0" smtClean="0">
+                  <a:ea typeface="Cambria Math" panose="02040503050406030204" pitchFamily="18" charset="0"/>
+                </a:endParaRPr>
+              </a:p>
+              <a:p>
+                <a:pPr marL="0" indent="0">
+                  <a:buNone/>
+                </a:pPr>
+                <a14:m>
+                  <m:oMathPara xmlns:m="http://schemas.openxmlformats.org/officeDocument/2006/math">
+                    <m:oMathParaPr>
+                      <m:jc m:val="left"/>
+                    </m:oMathParaPr>
+                    <m:oMath xmlns:m="http://schemas.openxmlformats.org/officeDocument/2006/math">
+                      <m:r>
+                        <a:rPr lang="en-US" b="0" i="1" smtClean="0">
+                          <a:latin typeface="Cambria Math" panose="02040503050406030204" pitchFamily="18" charset="0"/>
+                        </a:rPr>
+                        <m:t>=0,9∗0,5+0,3∗0,5=0,6</m:t>
+                      </m:r>
+                    </m:oMath>
+                  </m:oMathPara>
+                </a14:m>
+                <a:endParaRPr lang="ru-RU" dirty="0" smtClean="0"/>
+              </a:p>
+            </p:txBody>
+          </p:sp>
+        </mc:Choice>
+        <mc:Fallback>
+          <p:sp>
+            <p:nvSpPr>
+              <p:cNvPr id="3" name="Объект 2"/>
+              <p:cNvSpPr>
+                <a:spLocks noGrp="1" noRot="1" noChangeAspect="1" noMove="1" noResize="1" noEditPoints="1" noAdjustHandles="1" noChangeArrowheads="1" noChangeShapeType="1" noTextEdit="1"/>
+              </p:cNvSpPr>
+              <p:nvPr>
+                <p:ph idx="1"/>
+              </p:nvPr>
+            </p:nvSpPr>
+            <p:spPr>
+              <a:blipFill rotWithShape="0">
+                <a:blip r:embed="rId2"/>
+                <a:stretch>
+                  <a:fillRect l="-1217" t="-2241" r="-116"/>
+                </a:stretch>
+              </a:blipFill>
+            </p:spPr>
+            <p:txBody>
+              <a:bodyPr/>
+              <a:lstStyle/>
+              <a:p>
+                <a:r>
+                  <a:rPr lang="ru-RU">
+                    <a:noFill/>
+                  </a:rPr>
+                  <a:t> </a:t>
+                </a:r>
+              </a:p>
+            </p:txBody>
+          </p:sp>
+        </mc:Fallback>
+      </mc:AlternateContent>
+    </p:spTree>
+    <p:extLst>
+      <p:ext uri="{BB962C8B-B14F-4D97-AF65-F5344CB8AC3E}">
+        <p14:creationId xmlns:p14="http://schemas.microsoft.com/office/powerpoint/2010/main" val="1022447486"/>
+      </p:ext>
+    </p:extLst>
+  </p:cSld>
+  <p:clrMapOvr>
+    <a:masterClrMapping/>
+  </p:clrMapOvr>
+</p:sld>
+</file>
+
+<file path=ppt/slides/slide13.xml><?xml version="1.0" encoding="utf-8"?>
+<p:sld xmlns:a="http://schemas.openxmlformats.org/drawingml/2006/main" xmlns:r="http://schemas.openxmlformats.org/officeDocument/2006/relationships" xmlns:p="http://schemas.openxmlformats.org/presentationml/2006/main">
+  <p:cSld>
+    <p:spTree>
+      <p:nvGrpSpPr>
+        <p:cNvPr id="1" name=""/>
+        <p:cNvGrpSpPr/>
+        <p:nvPr/>
+      </p:nvGrpSpPr>
+      <p:grpSpPr>
+        <a:xfrm>
+          <a:off x="0" y="0"/>
+          <a:ext cx="0" cy="0"/>
+          <a:chOff x="0" y="0"/>
+          <a:chExt cx="0" cy="0"/>
+        </a:xfrm>
+      </p:grpSpPr>
+      <p:sp>
+        <p:nvSpPr>
+          <p:cNvPr id="2" name="Заголовок 1"/>
+          <p:cNvSpPr>
+            <a:spLocks noGrp="1"/>
+          </p:cNvSpPr>
+          <p:nvPr>
+            <p:ph type="title"/>
+          </p:nvPr>
+        </p:nvSpPr>
+        <p:spPr/>
+        <p:txBody>
+          <a:bodyPr/>
+          <a:lstStyle/>
+          <a:p>
+            <a:r>
+              <a:rPr lang="ru-RU" dirty="0" smtClean="0"/>
+              <a:t>Теорема Байеса</a:t>
+            </a:r>
+            <a:endParaRPr lang="ru-RU" dirty="0"/>
+          </a:p>
+        </p:txBody>
+      </p:sp>
+      <mc:AlternateContent xmlns:mc="http://schemas.openxmlformats.org/markup-compatibility/2006">
+        <mc:Choice xmlns:a14="http://schemas.microsoft.com/office/drawing/2010/main" Requires="a14">
+          <p:sp>
+            <p:nvSpPr>
+              <p:cNvPr id="3" name="Объект 2"/>
+              <p:cNvSpPr>
+                <a:spLocks noGrp="1"/>
+              </p:cNvSpPr>
+              <p:nvPr>
+                <p:ph idx="1"/>
+              </p:nvPr>
+            </p:nvSpPr>
+            <p:spPr/>
+            <p:txBody>
+              <a:bodyPr>
+                <a:normAutofit/>
+              </a:bodyPr>
+              <a:lstStyle/>
+              <a:p>
+                <a:pPr marL="0" indent="0">
+                  <a:buNone/>
+                </a:pPr>
+                <a:r>
+                  <a:rPr lang="ru-RU" dirty="0" smtClean="0"/>
+                  <a:t>После проведения эксперимента, т.е. уже зная, что ужин не сгорел, можно вычислить апостериорную вероятность:</a:t>
+                </a:r>
+                <a:endParaRPr lang="en-US" dirty="0" smtClean="0"/>
+              </a:p>
+              <a:p>
+                <a:pPr marL="0" indent="0">
+                  <a:buNone/>
+                </a:pPr>
+                <a:endParaRPr lang="ru-RU" dirty="0" smtClean="0"/>
+              </a:p>
+              <a:p>
+                <a:pPr marL="0" indent="0">
+                  <a:buNone/>
+                </a:pPr>
+                <a14:m>
+                  <m:oMathPara xmlns:m="http://schemas.openxmlformats.org/officeDocument/2006/math">
+                    <m:oMathParaPr>
+                      <m:jc m:val="left"/>
+                    </m:oMathParaPr>
+                    <m:oMath xmlns:m="http://schemas.openxmlformats.org/officeDocument/2006/math">
+                      <m:r>
+                        <m:rPr>
+                          <m:sty m:val="p"/>
+                        </m:rPr>
+                        <a:rPr lang="en-US" b="0" i="0" smtClean="0">
+                          <a:latin typeface="Cambria Math" panose="02040503050406030204" pitchFamily="18" charset="0"/>
+                        </a:rPr>
+                        <m:t>P</m:t>
+                      </m:r>
+                      <m:d>
+                        <m:dPr>
+                          <m:ctrlPr>
+                            <a:rPr lang="en-US" b="0" i="1" smtClean="0">
+                              <a:latin typeface="Cambria Math" panose="02040503050406030204" pitchFamily="18" charset="0"/>
+                            </a:rPr>
+                          </m:ctrlPr>
+                        </m:dPr>
+                        <m:e>
+                          <m:r>
+                            <a:rPr lang="en-US" b="0" i="1" smtClean="0">
+                              <a:latin typeface="Cambria Math" panose="02040503050406030204" pitchFamily="18" charset="0"/>
+                            </a:rPr>
+                            <m:t>𝐴</m:t>
+                          </m:r>
+                        </m:e>
+                        <m:e>
+                          <m:r>
+                            <a:rPr lang="en-US" b="0" i="1" smtClean="0">
+                              <a:latin typeface="Cambria Math" panose="02040503050406030204" pitchFamily="18" charset="0"/>
+                            </a:rPr>
+                            <m:t>𝐵</m:t>
+                          </m:r>
+                        </m:e>
+                      </m:d>
+                      <m:r>
+                        <a:rPr lang="en-US" b="0" i="1" smtClean="0">
+                          <a:latin typeface="Cambria Math" panose="02040503050406030204" pitchFamily="18" charset="0"/>
+                        </a:rPr>
+                        <m:t>=</m:t>
+                      </m:r>
+                      <m:f>
+                        <m:fPr>
+                          <m:ctrlPr>
+                            <a:rPr lang="en-US" b="0" i="1" smtClean="0">
+                              <a:latin typeface="Cambria Math" panose="02040503050406030204" pitchFamily="18" charset="0"/>
+                            </a:rPr>
+                          </m:ctrlPr>
+                        </m:fPr>
+                        <m:num>
+                          <m:r>
+                            <m:rPr>
+                              <m:sty m:val="p"/>
+                            </m:rPr>
+                            <a:rPr lang="en-US" b="0" i="0" smtClean="0">
+                              <a:latin typeface="Cambria Math" panose="02040503050406030204" pitchFamily="18" charset="0"/>
+                            </a:rPr>
+                            <m:t>P</m:t>
+                          </m:r>
+                          <m:d>
+                            <m:dPr>
+                              <m:ctrlPr>
+                                <a:rPr lang="en-US" b="0" i="1" smtClean="0">
+                                  <a:latin typeface="Cambria Math" panose="02040503050406030204" pitchFamily="18" charset="0"/>
+                                </a:rPr>
+                              </m:ctrlPr>
+                            </m:dPr>
+                            <m:e>
+                              <m:r>
+                                <a:rPr lang="en-US" b="0" i="1" smtClean="0">
+                                  <a:latin typeface="Cambria Math" panose="02040503050406030204" pitchFamily="18" charset="0"/>
+                                </a:rPr>
+                                <m:t>𝐵</m:t>
+                              </m:r>
+                            </m:e>
+                            <m:e>
+                              <m:r>
+                                <a:rPr lang="en-US" b="0" i="1" smtClean="0">
+                                  <a:latin typeface="Cambria Math" panose="02040503050406030204" pitchFamily="18" charset="0"/>
+                                </a:rPr>
+                                <m:t>𝐴</m:t>
+                              </m:r>
+                            </m:e>
+                          </m:d>
+                          <m:r>
+                            <m:rPr>
+                              <m:sty m:val="p"/>
+                            </m:rPr>
+                            <a:rPr lang="en-US" b="0" i="0" smtClean="0">
+                              <a:latin typeface="Cambria Math" panose="02040503050406030204" pitchFamily="18" charset="0"/>
+                            </a:rPr>
+                            <m:t>P</m:t>
+                          </m:r>
+                          <m:r>
+                            <a:rPr lang="en-US" b="0" i="1" smtClean="0">
+                              <a:latin typeface="Cambria Math" panose="02040503050406030204" pitchFamily="18" charset="0"/>
+                            </a:rPr>
+                            <m:t>(</m:t>
+                          </m:r>
+                          <m:r>
+                            <a:rPr lang="en-US" b="0" i="1" smtClean="0">
+                              <a:latin typeface="Cambria Math" panose="02040503050406030204" pitchFamily="18" charset="0"/>
+                            </a:rPr>
+                            <m:t>𝐴</m:t>
+                          </m:r>
+                          <m:r>
+                            <a:rPr lang="en-US" b="0" i="1" smtClean="0">
+                              <a:latin typeface="Cambria Math" panose="02040503050406030204" pitchFamily="18" charset="0"/>
+                            </a:rPr>
+                            <m:t>)</m:t>
+                          </m:r>
+                        </m:num>
+                        <m:den>
+                          <m:r>
+                            <m:rPr>
+                              <m:sty m:val="p"/>
+                            </m:rPr>
+                            <a:rPr lang="en-US" b="0" i="0" smtClean="0">
+                              <a:latin typeface="Cambria Math" panose="02040503050406030204" pitchFamily="18" charset="0"/>
+                            </a:rPr>
+                            <m:t>P</m:t>
+                          </m:r>
+                          <m:r>
+                            <a:rPr lang="en-US" b="0" i="1" smtClean="0">
+                              <a:latin typeface="Cambria Math" panose="02040503050406030204" pitchFamily="18" charset="0"/>
+                            </a:rPr>
+                            <m:t>(</m:t>
+                          </m:r>
+                          <m:r>
+                            <a:rPr lang="en-US" b="0" i="1" smtClean="0">
+                              <a:latin typeface="Cambria Math" panose="02040503050406030204" pitchFamily="18" charset="0"/>
+                            </a:rPr>
+                            <m:t>𝐵</m:t>
+                          </m:r>
+                          <m:r>
+                            <a:rPr lang="en-US" b="0" i="1" smtClean="0">
+                              <a:latin typeface="Cambria Math" panose="02040503050406030204" pitchFamily="18" charset="0"/>
+                            </a:rPr>
+                            <m:t>)</m:t>
+                          </m:r>
+                        </m:den>
+                      </m:f>
+                      <m:r>
+                        <a:rPr lang="en-US" b="0" i="1" smtClean="0">
+                          <a:latin typeface="Cambria Math" panose="02040503050406030204" pitchFamily="18" charset="0"/>
+                        </a:rPr>
+                        <m:t>=</m:t>
+                      </m:r>
+                      <m:f>
+                        <m:fPr>
+                          <m:ctrlPr>
+                            <a:rPr lang="en-US" b="0" i="1" smtClean="0">
+                              <a:latin typeface="Cambria Math" panose="02040503050406030204" pitchFamily="18" charset="0"/>
+                            </a:rPr>
+                          </m:ctrlPr>
+                        </m:fPr>
+                        <m:num>
+                          <m:r>
+                            <a:rPr lang="en-US" b="0" i="1" smtClean="0">
+                              <a:latin typeface="Cambria Math" panose="02040503050406030204" pitchFamily="18" charset="0"/>
+                            </a:rPr>
+                            <m:t>0,9∗0,5</m:t>
+                          </m:r>
+                        </m:num>
+                        <m:den>
+                          <m:r>
+                            <a:rPr lang="en-US" b="0" i="1" smtClean="0">
+                              <a:latin typeface="Cambria Math" panose="02040503050406030204" pitchFamily="18" charset="0"/>
+                            </a:rPr>
+                            <m:t>0,6</m:t>
+                          </m:r>
+                        </m:den>
+                      </m:f>
+                      <m:r>
+                        <a:rPr lang="en-US" b="0" i="1" smtClean="0">
+                          <a:latin typeface="Cambria Math" panose="02040503050406030204" pitchFamily="18" charset="0"/>
+                        </a:rPr>
+                        <m:t>=0,75</m:t>
+                      </m:r>
+                    </m:oMath>
+                  </m:oMathPara>
+                </a14:m>
+                <a:endParaRPr lang="en-US" dirty="0" smtClean="0"/>
+              </a:p>
+              <a:p>
+                <a:pPr marL="0" indent="0">
+                  <a:buNone/>
+                </a:pPr>
+                <a:endParaRPr lang="en-US" dirty="0" smtClean="0">
+                  <a:latin typeface="Cambria Math" panose="02040503050406030204" pitchFamily="18" charset="0"/>
+                </a:endParaRPr>
+              </a:p>
+              <a:p>
+                <a:pPr marL="0" indent="0">
+                  <a:buNone/>
+                </a:pPr>
+                <a14:m>
+                  <m:oMathPara xmlns:m="http://schemas.openxmlformats.org/officeDocument/2006/math">
+                    <m:oMathParaPr>
+                      <m:jc m:val="left"/>
+                    </m:oMathParaPr>
+                    <m:oMath xmlns:m="http://schemas.openxmlformats.org/officeDocument/2006/math">
+                      <m:r>
+                        <m:rPr>
+                          <m:sty m:val="p"/>
+                        </m:rPr>
+                        <a:rPr lang="en-US">
+                          <a:latin typeface="Cambria Math" panose="02040503050406030204" pitchFamily="18" charset="0"/>
+                        </a:rPr>
+                        <m:t>P</m:t>
+                      </m:r>
+                      <m:d>
+                        <m:dPr>
+                          <m:ctrlPr>
+                            <a:rPr lang="en-US" i="1">
+                              <a:latin typeface="Cambria Math" panose="02040503050406030204" pitchFamily="18" charset="0"/>
+                            </a:rPr>
+                          </m:ctrlPr>
+                        </m:dPr>
+                        <m:e>
+                          <m:r>
+                            <a:rPr lang="en-US" i="1" smtClean="0">
+                              <a:latin typeface="Cambria Math" panose="02040503050406030204" pitchFamily="18" charset="0"/>
+                              <a:ea typeface="Cambria Math" panose="02040503050406030204" pitchFamily="18" charset="0"/>
+                            </a:rPr>
+                            <m:t>¬</m:t>
+                          </m:r>
+                          <m:r>
+                            <a:rPr lang="en-US" i="1">
+                              <a:latin typeface="Cambria Math" panose="02040503050406030204" pitchFamily="18" charset="0"/>
+                            </a:rPr>
+                            <m:t>𝐴</m:t>
+                          </m:r>
+                        </m:e>
+                        <m:e>
+                          <m:r>
+                            <a:rPr lang="en-US" i="1">
+                              <a:latin typeface="Cambria Math" panose="02040503050406030204" pitchFamily="18" charset="0"/>
+                            </a:rPr>
+                            <m:t>𝐵</m:t>
+                          </m:r>
+                        </m:e>
+                      </m:d>
+                      <m:r>
+                        <a:rPr lang="en-US" i="1">
+                          <a:latin typeface="Cambria Math" panose="02040503050406030204" pitchFamily="18" charset="0"/>
+                        </a:rPr>
+                        <m:t>=</m:t>
+                      </m:r>
+                      <m:f>
+                        <m:fPr>
+                          <m:ctrlPr>
+                            <a:rPr lang="en-US" i="1">
+                              <a:latin typeface="Cambria Math" panose="02040503050406030204" pitchFamily="18" charset="0"/>
+                            </a:rPr>
+                          </m:ctrlPr>
+                        </m:fPr>
+                        <m:num>
+                          <m:r>
+                            <m:rPr>
+                              <m:sty m:val="p"/>
+                            </m:rPr>
+                            <a:rPr lang="en-US">
+                              <a:latin typeface="Cambria Math" panose="02040503050406030204" pitchFamily="18" charset="0"/>
+                            </a:rPr>
+                            <m:t>P</m:t>
+                          </m:r>
+                          <m:d>
+                            <m:dPr>
+                              <m:ctrlPr>
+                                <a:rPr lang="en-US" i="1">
+                                  <a:latin typeface="Cambria Math" panose="02040503050406030204" pitchFamily="18" charset="0"/>
+                                </a:rPr>
+                              </m:ctrlPr>
+                            </m:dPr>
+                            <m:e>
+                              <m:r>
+                                <a:rPr lang="en-US" i="1">
+                                  <a:latin typeface="Cambria Math" panose="02040503050406030204" pitchFamily="18" charset="0"/>
+                                </a:rPr>
+                                <m:t>𝐵</m:t>
+                              </m:r>
+                            </m:e>
+                            <m:e>
+                              <m:r>
+                                <a:rPr lang="en-US" i="1" smtClean="0">
+                                  <a:latin typeface="Cambria Math" panose="02040503050406030204" pitchFamily="18" charset="0"/>
+                                  <a:ea typeface="Cambria Math" panose="02040503050406030204" pitchFamily="18" charset="0"/>
+                                </a:rPr>
+                                <m:t>¬</m:t>
+                              </m:r>
+                              <m:r>
+                                <a:rPr lang="en-US" i="1">
+                                  <a:latin typeface="Cambria Math" panose="02040503050406030204" pitchFamily="18" charset="0"/>
+                                </a:rPr>
+                                <m:t>𝐴</m:t>
+                              </m:r>
+                            </m:e>
+                          </m:d>
+                          <m:r>
+                            <m:rPr>
+                              <m:sty m:val="p"/>
+                            </m:rPr>
+                            <a:rPr lang="en-US">
+                              <a:latin typeface="Cambria Math" panose="02040503050406030204" pitchFamily="18" charset="0"/>
+                            </a:rPr>
+                            <m:t>P</m:t>
+                          </m:r>
+                          <m:r>
+                            <a:rPr lang="en-US" i="1">
+                              <a:latin typeface="Cambria Math" panose="02040503050406030204" pitchFamily="18" charset="0"/>
+                            </a:rPr>
+                            <m:t>(</m:t>
+                          </m:r>
+                          <m:r>
+                            <a:rPr lang="en-US" i="1" smtClean="0">
+                              <a:latin typeface="Cambria Math" panose="02040503050406030204" pitchFamily="18" charset="0"/>
+                              <a:ea typeface="Cambria Math" panose="02040503050406030204" pitchFamily="18" charset="0"/>
+                            </a:rPr>
+                            <m:t>¬</m:t>
+                          </m:r>
+                          <m:r>
+                            <a:rPr lang="en-US" i="1">
+                              <a:latin typeface="Cambria Math" panose="02040503050406030204" pitchFamily="18" charset="0"/>
+                            </a:rPr>
+                            <m:t>𝐴</m:t>
+                          </m:r>
+                          <m:r>
+                            <a:rPr lang="en-US" i="1">
+                              <a:latin typeface="Cambria Math" panose="02040503050406030204" pitchFamily="18" charset="0"/>
+                            </a:rPr>
+                            <m:t>)</m:t>
+                          </m:r>
+                        </m:num>
+                        <m:den>
+                          <m:r>
+                            <m:rPr>
+                              <m:sty m:val="p"/>
+                            </m:rPr>
+                            <a:rPr lang="en-US">
+                              <a:latin typeface="Cambria Math" panose="02040503050406030204" pitchFamily="18" charset="0"/>
+                            </a:rPr>
+                            <m:t>P</m:t>
+                          </m:r>
+                          <m:r>
+                            <a:rPr lang="en-US" i="1">
+                              <a:latin typeface="Cambria Math" panose="02040503050406030204" pitchFamily="18" charset="0"/>
+                            </a:rPr>
+                            <m:t>(</m:t>
+                          </m:r>
+                          <m:r>
+                            <a:rPr lang="en-US" i="1">
+                              <a:latin typeface="Cambria Math" panose="02040503050406030204" pitchFamily="18" charset="0"/>
+                            </a:rPr>
+                            <m:t>𝐵</m:t>
+                          </m:r>
+                          <m:r>
+                            <a:rPr lang="en-US" i="1">
+                              <a:latin typeface="Cambria Math" panose="02040503050406030204" pitchFamily="18" charset="0"/>
+                            </a:rPr>
+                            <m:t>)</m:t>
+                          </m:r>
+                        </m:den>
+                      </m:f>
+                      <m:r>
+                        <a:rPr lang="en-US" i="1">
+                          <a:latin typeface="Cambria Math" panose="02040503050406030204" pitchFamily="18" charset="0"/>
+                        </a:rPr>
+                        <m:t>=</m:t>
+                      </m:r>
+                      <m:f>
+                        <m:fPr>
+                          <m:ctrlPr>
+                            <a:rPr lang="en-US" i="1">
+                              <a:latin typeface="Cambria Math" panose="02040503050406030204" pitchFamily="18" charset="0"/>
+                            </a:rPr>
+                          </m:ctrlPr>
+                        </m:fPr>
+                        <m:num>
+                          <m:r>
+                            <a:rPr lang="en-US" i="1">
+                              <a:latin typeface="Cambria Math" panose="02040503050406030204" pitchFamily="18" charset="0"/>
+                            </a:rPr>
+                            <m:t>0,</m:t>
+                          </m:r>
+                          <m:r>
+                            <a:rPr lang="en-US" b="0" i="1" smtClean="0">
+                              <a:latin typeface="Cambria Math" panose="02040503050406030204" pitchFamily="18" charset="0"/>
+                            </a:rPr>
+                            <m:t>3</m:t>
+                          </m:r>
+                          <m:r>
+                            <a:rPr lang="en-US" i="1">
+                              <a:latin typeface="Cambria Math" panose="02040503050406030204" pitchFamily="18" charset="0"/>
+                            </a:rPr>
+                            <m:t>∗0,5</m:t>
+                          </m:r>
+                        </m:num>
+                        <m:den>
+                          <m:r>
+                            <a:rPr lang="en-US" i="1">
+                              <a:latin typeface="Cambria Math" panose="02040503050406030204" pitchFamily="18" charset="0"/>
+                            </a:rPr>
+                            <m:t>0,6</m:t>
+                          </m:r>
+                        </m:den>
+                      </m:f>
+                      <m:r>
+                        <a:rPr lang="en-US" i="1">
+                          <a:latin typeface="Cambria Math" panose="02040503050406030204" pitchFamily="18" charset="0"/>
+                        </a:rPr>
+                        <m:t>=0,</m:t>
+                      </m:r>
+                      <m:r>
+                        <a:rPr lang="en-US" b="0" i="1" smtClean="0">
+                          <a:latin typeface="Cambria Math" panose="02040503050406030204" pitchFamily="18" charset="0"/>
+                        </a:rPr>
+                        <m:t>2</m:t>
+                      </m:r>
+                      <m:r>
+                        <a:rPr lang="en-US" i="1">
+                          <a:latin typeface="Cambria Math" panose="02040503050406030204" pitchFamily="18" charset="0"/>
+                        </a:rPr>
+                        <m:t>5</m:t>
+                      </m:r>
+                    </m:oMath>
+                  </m:oMathPara>
+                </a14:m>
+                <a:endParaRPr lang="ru-RU" dirty="0"/>
+              </a:p>
+            </p:txBody>
+          </p:sp>
+        </mc:Choice>
+        <mc:Fallback>
+          <p:sp>
+            <p:nvSpPr>
+              <p:cNvPr id="3" name="Объект 2"/>
+              <p:cNvSpPr>
+                <a:spLocks noGrp="1" noRot="1" noChangeAspect="1" noMove="1" noResize="1" noEditPoints="1" noAdjustHandles="1" noChangeArrowheads="1" noChangeShapeType="1" noTextEdit="1"/>
+              </p:cNvSpPr>
+              <p:nvPr>
+                <p:ph idx="1"/>
+              </p:nvPr>
+            </p:nvSpPr>
+            <p:spPr>
+              <a:blipFill rotWithShape="0">
+                <a:blip r:embed="rId2"/>
+                <a:stretch>
+                  <a:fillRect l="-1217" t="-2241" r="-986"/>
+                </a:stretch>
+              </a:blipFill>
+            </p:spPr>
+            <p:txBody>
+              <a:bodyPr/>
+              <a:lstStyle/>
+              <a:p>
+                <a:r>
+                  <a:rPr lang="ru-RU">
+                    <a:noFill/>
+                  </a:rPr>
+                  <a:t> </a:t>
+                </a:r>
+              </a:p>
+            </p:txBody>
+          </p:sp>
+        </mc:Fallback>
+      </mc:AlternateContent>
+    </p:spTree>
+    <p:extLst>
+      <p:ext uri="{BB962C8B-B14F-4D97-AF65-F5344CB8AC3E}">
+        <p14:creationId xmlns:p14="http://schemas.microsoft.com/office/powerpoint/2010/main" val="3534001968"/>
+      </p:ext>
+    </p:extLst>
+  </p:cSld>
+  <p:clrMapOvr>
+    <a:masterClrMapping/>
+  </p:clrMapOvr>
+</p:sld>
+</file>
+
+<file path=ppt/slides/slide14.xml><?xml version="1.0" encoding="utf-8"?>
 <p:sld xmlns:a="http://schemas.openxmlformats.org/drawingml/2006/main" xmlns:r="http://schemas.openxmlformats.org/officeDocument/2006/relationships" xmlns:p="http://schemas.openxmlformats.org/presentationml/2006/main">
   <p:cSld>
     <p:spTree>
@@ -4522,7 +5861,7 @@
 </p:sld>
 </file>
 
-<file path=ppt/slides/slide12.xml><?xml version="1.0" encoding="utf-8"?>
+<file path=ppt/slides/slide15.xml><?xml version="1.0" encoding="utf-8"?>
 <p:sld xmlns:a="http://schemas.openxmlformats.org/drawingml/2006/main" xmlns:r="http://schemas.openxmlformats.org/officeDocument/2006/relationships" xmlns:p="http://schemas.openxmlformats.org/presentationml/2006/main">
   <p:cSld>
     <p:spTree>
@@ -5065,7 +6404,7 @@
 </p:sld>
 </file>
 
-<file path=ppt/slides/slide13.xml><?xml version="1.0" encoding="utf-8"?>
+<file path=ppt/slides/slide16.xml><?xml version="1.0" encoding="utf-8"?>
 <p:sld xmlns:a="http://schemas.openxmlformats.org/drawingml/2006/main" xmlns:r="http://schemas.openxmlformats.org/officeDocument/2006/relationships" xmlns:p="http://schemas.openxmlformats.org/presentationml/2006/main">
   <p:cSld>
     <p:spTree>
@@ -5721,7 +7060,7 @@
 </p:sld>
 </file>
 
-<file path=ppt/slides/slide14.xml><?xml version="1.0" encoding="utf-8"?>
+<file path=ppt/slides/slide17.xml><?xml version="1.0" encoding="utf-8"?>
 <p:sld xmlns:a="http://schemas.openxmlformats.org/drawingml/2006/main" xmlns:r="http://schemas.openxmlformats.org/officeDocument/2006/relationships" xmlns:p="http://schemas.openxmlformats.org/presentationml/2006/main">
   <p:cSld>
     <p:spTree>
@@ -6578,7 +7917,7 @@
 </p:sld>
 </file>
 
-<file path=ppt/slides/slide15.xml><?xml version="1.0" encoding="utf-8"?>
+<file path=ppt/slides/slide18.xml><?xml version="1.0" encoding="utf-8"?>
 <p:sld xmlns:a="http://schemas.openxmlformats.org/drawingml/2006/main" xmlns:r="http://schemas.openxmlformats.org/officeDocument/2006/relationships" xmlns:p="http://schemas.openxmlformats.org/presentationml/2006/main">
   <p:cSld>
     <p:spTree>
@@ -7707,7 +9046,7 @@
 </p:sld>
 </file>
 
-<file path=ppt/slides/slide16.xml><?xml version="1.0" encoding="utf-8"?>
+<file path=ppt/slides/slide19.xml><?xml version="1.0" encoding="utf-8"?>
 <p:sld xmlns:a="http://schemas.openxmlformats.org/drawingml/2006/main" xmlns:r="http://schemas.openxmlformats.org/officeDocument/2006/relationships" xmlns:p="http://schemas.openxmlformats.org/presentationml/2006/main">
   <p:cSld>
     <p:spTree>
@@ -8782,7 +10121,104 @@
 </p:sld>
 </file>
 
-<file path=ppt/slides/slide17.xml><?xml version="1.0" encoding="utf-8"?>
+<file path=ppt/slides/slide2.xml><?xml version="1.0" encoding="utf-8"?>
+<p:sld xmlns:a="http://schemas.openxmlformats.org/drawingml/2006/main" xmlns:r="http://schemas.openxmlformats.org/officeDocument/2006/relationships" xmlns:p="http://schemas.openxmlformats.org/presentationml/2006/main">
+  <p:cSld>
+    <p:spTree>
+      <p:nvGrpSpPr>
+        <p:cNvPr id="1" name=""/>
+        <p:cNvGrpSpPr/>
+        <p:nvPr/>
+      </p:nvGrpSpPr>
+      <p:grpSpPr>
+        <a:xfrm>
+          <a:off x="0" y="0"/>
+          <a:ext cx="0" cy="0"/>
+          <a:chOff x="0" y="0"/>
+          <a:chExt cx="0" cy="0"/>
+        </a:xfrm>
+      </p:grpSpPr>
+      <p:sp>
+        <p:nvSpPr>
+          <p:cNvPr id="2" name="Заголовок 1"/>
+          <p:cNvSpPr>
+            <a:spLocks noGrp="1"/>
+          </p:cNvSpPr>
+          <p:nvPr>
+            <p:ph type="title"/>
+          </p:nvPr>
+        </p:nvSpPr>
+        <p:spPr/>
+        <p:txBody>
+          <a:bodyPr>
+            <a:normAutofit/>
+          </a:bodyPr>
+          <a:lstStyle/>
+          <a:p>
+            <a:r>
+              <a:rPr lang="ru-RU" sz="3600" dirty="0" smtClean="0"/>
+              <a:t>Содержание</a:t>
+            </a:r>
+            <a:endParaRPr lang="ru-RU" sz="3600" dirty="0"/>
+          </a:p>
+        </p:txBody>
+      </p:sp>
+      <p:sp>
+        <p:nvSpPr>
+          <p:cNvPr id="3" name="Объект 2"/>
+          <p:cNvSpPr>
+            <a:spLocks noGrp="1"/>
+          </p:cNvSpPr>
+          <p:nvPr>
+            <p:ph idx="1"/>
+          </p:nvPr>
+        </p:nvSpPr>
+        <p:spPr/>
+        <p:txBody>
+          <a:bodyPr/>
+          <a:lstStyle/>
+          <a:p>
+            <a:r>
+              <a:rPr lang="ru-RU" dirty="0" smtClean="0"/>
+              <a:t>Теорема Байеса</a:t>
+            </a:r>
+          </a:p>
+          <a:p>
+            <a:r>
+              <a:rPr lang="ru-RU" dirty="0" smtClean="0"/>
+              <a:t>Наивный байесовский классификатор</a:t>
+            </a:r>
+          </a:p>
+          <a:p>
+            <a:r>
+              <a:rPr lang="ru-RU" dirty="0" smtClean="0"/>
+              <a:t>Сравнение с логистической регрессией</a:t>
+            </a:r>
+            <a:endParaRPr lang="ru-RU" dirty="0"/>
+          </a:p>
+        </p:txBody>
+      </p:sp>
+    </p:spTree>
+    <p:extLst>
+      <p:ext uri="{BB962C8B-B14F-4D97-AF65-F5344CB8AC3E}">
+        <p14:creationId xmlns:p14="http://schemas.microsoft.com/office/powerpoint/2010/main" val="3341153424"/>
+      </p:ext>
+    </p:extLst>
+  </p:cSld>
+  <p:clrMapOvr>
+    <a:masterClrMapping/>
+  </p:clrMapOvr>
+  <p:timing>
+    <p:tnLst>
+      <p:par>
+        <p:cTn id="1" dur="indefinite" restart="never" nodeType="tmRoot"/>
+      </p:par>
+    </p:tnLst>
+  </p:timing>
+</p:sld>
+</file>
+
+<file path=ppt/slides/slide20.xml><?xml version="1.0" encoding="utf-8"?>
 <p:sld xmlns:a="http://schemas.openxmlformats.org/drawingml/2006/main" xmlns:r="http://schemas.openxmlformats.org/officeDocument/2006/relationships" xmlns:p="http://schemas.openxmlformats.org/presentationml/2006/main">
   <p:cSld>
     <p:spTree>
@@ -8906,7 +10342,7 @@
 </p:sld>
 </file>
 
-<file path=ppt/slides/slide18.xml><?xml version="1.0" encoding="utf-8"?>
+<file path=ppt/slides/slide21.xml><?xml version="1.0" encoding="utf-8"?>
 <p:sld xmlns:a="http://schemas.openxmlformats.org/drawingml/2006/main" xmlns:r="http://schemas.openxmlformats.org/officeDocument/2006/relationships" xmlns:p="http://schemas.openxmlformats.org/presentationml/2006/main">
   <p:cSld>
     <p:spTree>
@@ -9309,7 +10745,7 @@
 </p:sld>
 </file>
 
-<file path=ppt/slides/slide19.xml><?xml version="1.0" encoding="utf-8"?>
+<file path=ppt/slides/slide22.xml><?xml version="1.0" encoding="utf-8"?>
 <p:sld xmlns:a="http://schemas.openxmlformats.org/drawingml/2006/main" xmlns:r="http://schemas.openxmlformats.org/officeDocument/2006/relationships" xmlns:p="http://schemas.openxmlformats.org/presentationml/2006/main">
   <p:cSld>
     <p:spTree>
@@ -9883,104 +11319,7 @@
 </p:sld>
 </file>
 
-<file path=ppt/slides/slide2.xml><?xml version="1.0" encoding="utf-8"?>
-<p:sld xmlns:a="http://schemas.openxmlformats.org/drawingml/2006/main" xmlns:r="http://schemas.openxmlformats.org/officeDocument/2006/relationships" xmlns:p="http://schemas.openxmlformats.org/presentationml/2006/main">
-  <p:cSld>
-    <p:spTree>
-      <p:nvGrpSpPr>
-        <p:cNvPr id="1" name=""/>
-        <p:cNvGrpSpPr/>
-        <p:nvPr/>
-      </p:nvGrpSpPr>
-      <p:grpSpPr>
-        <a:xfrm>
-          <a:off x="0" y="0"/>
-          <a:ext cx="0" cy="0"/>
-          <a:chOff x="0" y="0"/>
-          <a:chExt cx="0" cy="0"/>
-        </a:xfrm>
-      </p:grpSpPr>
-      <p:sp>
-        <p:nvSpPr>
-          <p:cNvPr id="2" name="Заголовок 1"/>
-          <p:cNvSpPr>
-            <a:spLocks noGrp="1"/>
-          </p:cNvSpPr>
-          <p:nvPr>
-            <p:ph type="title"/>
-          </p:nvPr>
-        </p:nvSpPr>
-        <p:spPr/>
-        <p:txBody>
-          <a:bodyPr>
-            <a:normAutofit/>
-          </a:bodyPr>
-          <a:lstStyle/>
-          <a:p>
-            <a:r>
-              <a:rPr lang="ru-RU" sz="3600" dirty="0" smtClean="0"/>
-              <a:t>Содержание</a:t>
-            </a:r>
-            <a:endParaRPr lang="ru-RU" sz="3600" dirty="0"/>
-          </a:p>
-        </p:txBody>
-      </p:sp>
-      <p:sp>
-        <p:nvSpPr>
-          <p:cNvPr id="3" name="Объект 2"/>
-          <p:cNvSpPr>
-            <a:spLocks noGrp="1"/>
-          </p:cNvSpPr>
-          <p:nvPr>
-            <p:ph idx="1"/>
-          </p:nvPr>
-        </p:nvSpPr>
-        <p:spPr/>
-        <p:txBody>
-          <a:bodyPr/>
-          <a:lstStyle/>
-          <a:p>
-            <a:r>
-              <a:rPr lang="ru-RU" dirty="0" smtClean="0"/>
-              <a:t>Теорема Байеса</a:t>
-            </a:r>
-          </a:p>
-          <a:p>
-            <a:r>
-              <a:rPr lang="ru-RU" dirty="0" smtClean="0"/>
-              <a:t>Наивный байесовский классификатор</a:t>
-            </a:r>
-          </a:p>
-          <a:p>
-            <a:r>
-              <a:rPr lang="ru-RU" dirty="0" smtClean="0"/>
-              <a:t>Сравнение с логистической регрессией</a:t>
-            </a:r>
-            <a:endParaRPr lang="ru-RU" dirty="0"/>
-          </a:p>
-        </p:txBody>
-      </p:sp>
-    </p:spTree>
-    <p:extLst>
-      <p:ext uri="{BB962C8B-B14F-4D97-AF65-F5344CB8AC3E}">
-        <p14:creationId xmlns:p14="http://schemas.microsoft.com/office/powerpoint/2010/main" val="3341153424"/>
-      </p:ext>
-    </p:extLst>
-  </p:cSld>
-  <p:clrMapOvr>
-    <a:masterClrMapping/>
-  </p:clrMapOvr>
-  <p:timing>
-    <p:tnLst>
-      <p:par>
-        <p:cTn id="1" dur="indefinite" restart="never" nodeType="tmRoot"/>
-      </p:par>
-    </p:tnLst>
-  </p:timing>
-</p:sld>
-</file>
-
-<file path=ppt/slides/slide20.xml><?xml version="1.0" encoding="utf-8"?>
+<file path=ppt/slides/slide23.xml><?xml version="1.0" encoding="utf-8"?>
 <p:sld xmlns:a="http://schemas.openxmlformats.org/drawingml/2006/main" xmlns:r="http://schemas.openxmlformats.org/officeDocument/2006/relationships" xmlns:p="http://schemas.openxmlformats.org/presentationml/2006/main">
   <p:cSld>
     <p:spTree>
@@ -10552,7 +11891,7 @@
 </p:sld>
 </file>
 
-<file path=ppt/slides/slide21.xml><?xml version="1.0" encoding="utf-8"?>
+<file path=ppt/slides/slide24.xml><?xml version="1.0" encoding="utf-8"?>
 <p:sld xmlns:a="http://schemas.openxmlformats.org/drawingml/2006/main" xmlns:r="http://schemas.openxmlformats.org/officeDocument/2006/relationships" xmlns:p="http://schemas.openxmlformats.org/presentationml/2006/main">
   <p:cSld>
     <p:spTree>
@@ -11461,7 +12800,7 @@
 </p:sld>
 </file>
 
-<file path=ppt/slides/slide22.xml><?xml version="1.0" encoding="utf-8"?>
+<file path=ppt/slides/slide25.xml><?xml version="1.0" encoding="utf-8"?>
 <p:sld xmlns:a="http://schemas.openxmlformats.org/drawingml/2006/main" xmlns:r="http://schemas.openxmlformats.org/officeDocument/2006/relationships" xmlns:p="http://schemas.openxmlformats.org/presentationml/2006/main">
   <p:cSld>
     <p:spTree>
@@ -11500,8 +12839,8 @@
           </a:p>
         </p:txBody>
       </p:sp>
-      <mc:AlternateContent xmlns:mc="http://schemas.openxmlformats.org/markup-compatibility/2006" xmlns:a14="http://schemas.microsoft.com/office/drawing/2010/main">
-        <mc:Choice Requires="a14">
+      <mc:AlternateContent xmlns:mc="http://schemas.openxmlformats.org/markup-compatibility/2006">
+        <mc:Choice xmlns:a14="http://schemas.microsoft.com/office/drawing/2010/main" Requires="a14">
           <p:sp>
             <p:nvSpPr>
               <p:cNvPr id="3" name="Объект 2"/>
@@ -11751,11 +13090,14 @@
                       </m:dPr>
                       <m:e>
                         <m:r>
-                          <a:rPr lang="el-GR" i="1">
+                          <m:rPr>
+                            <m:sty m:val="p"/>
+                          </m:rPr>
+                          <a:rPr lang="el-GR" i="0">
                             <a:latin typeface="Cambria Math" panose="02040503050406030204" pitchFamily="18" charset="0"/>
                             <a:ea typeface="Cambria Math" panose="02040503050406030204" pitchFamily="18" charset="0"/>
                           </a:rPr>
-                          <m:t>𝛺</m:t>
+                          <m:t>Ω</m:t>
                         </m:r>
                       </m:e>
                     </m:d>
@@ -11778,7 +13120,7 @@
             </p:txBody>
           </p:sp>
         </mc:Choice>
-        <mc:Fallback xmlns="">
+        <mc:Fallback>
           <p:sp>
             <p:nvSpPr>
               <p:cNvPr id="3" name="Объект 2"/>
@@ -11825,7 +13167,7 @@
 </p:sld>
 </file>
 
-<file path=ppt/slides/slide23.xml><?xml version="1.0" encoding="utf-8"?>
+<file path=ppt/slides/slide26.xml><?xml version="1.0" encoding="utf-8"?>
 <p:sld xmlns:a="http://schemas.openxmlformats.org/drawingml/2006/main" xmlns:r="http://schemas.openxmlformats.org/officeDocument/2006/relationships" xmlns:p="http://schemas.openxmlformats.org/presentationml/2006/main">
   <p:cSld>
     <p:spTree>
@@ -12252,761 +13594,6 @@
 </p:sld>
 </file>
 
-<file path=ppt/slides/slide24.xml><?xml version="1.0" encoding="utf-8"?>
-<p:sld xmlns:a="http://schemas.openxmlformats.org/drawingml/2006/main" xmlns:r="http://schemas.openxmlformats.org/officeDocument/2006/relationships" xmlns:p="http://schemas.openxmlformats.org/presentationml/2006/main">
-  <p:cSld>
-    <p:spTree>
-      <p:nvGrpSpPr>
-        <p:cNvPr id="1" name=""/>
-        <p:cNvGrpSpPr/>
-        <p:nvPr/>
-      </p:nvGrpSpPr>
-      <p:grpSpPr>
-        <a:xfrm>
-          <a:off x="0" y="0"/>
-          <a:ext cx="0" cy="0"/>
-          <a:chOff x="0" y="0"/>
-          <a:chExt cx="0" cy="0"/>
-        </a:xfrm>
-      </p:grpSpPr>
-      <p:sp>
-        <p:nvSpPr>
-          <p:cNvPr id="2" name="Заголовок 1"/>
-          <p:cNvSpPr>
-            <a:spLocks noGrp="1"/>
-          </p:cNvSpPr>
-          <p:nvPr>
-            <p:ph type="title"/>
-          </p:nvPr>
-        </p:nvSpPr>
-        <p:spPr/>
-        <p:txBody>
-          <a:bodyPr/>
-          <a:lstStyle/>
-          <a:p>
-            <a:r>
-              <a:rPr lang="ru-RU" dirty="0"/>
-              <a:t>Наивный байесовский классификатор</a:t>
-            </a:r>
-          </a:p>
-        </p:txBody>
-      </p:sp>
-      <p:sp>
-        <p:nvSpPr>
-          <p:cNvPr id="3" name="Объект 2"/>
-          <p:cNvSpPr>
-            <a:spLocks noGrp="1"/>
-          </p:cNvSpPr>
-          <p:nvPr>
-            <p:ph idx="1"/>
-          </p:nvPr>
-        </p:nvSpPr>
-        <p:spPr/>
-        <p:txBody>
-          <a:bodyPr/>
-          <a:lstStyle/>
-          <a:p>
-            <a:pPr marL="0" indent="0">
-              <a:buNone/>
-            </a:pPr>
-            <a:r>
-              <a:rPr lang="ru-RU" dirty="0" smtClean="0"/>
-              <a:t>Плюсы:</a:t>
-            </a:r>
-          </a:p>
-          <a:p>
-            <a:r>
-              <a:rPr lang="ru-RU" dirty="0" smtClean="0"/>
-              <a:t>Простая реализация.</a:t>
-            </a:r>
-          </a:p>
-          <a:p>
-            <a:r>
-              <a:rPr lang="ru-RU" dirty="0" smtClean="0"/>
-              <a:t>Быстрые обучение и работа.</a:t>
-            </a:r>
-          </a:p>
-          <a:p>
-            <a:r>
-              <a:rPr lang="ru-RU" dirty="0" smtClean="0"/>
-              <a:t>Хорошо работает в случае большой размерности элементов.</a:t>
-            </a:r>
-          </a:p>
-          <a:p>
-            <a:r>
-              <a:rPr lang="ru-RU" dirty="0" smtClean="0"/>
-              <a:t>Хорошо работает в случае малого количества элементов.</a:t>
-            </a:r>
-          </a:p>
-          <a:p>
-            <a:r>
-              <a:rPr lang="ru-RU" dirty="0" smtClean="0"/>
-              <a:t>Высокая интерпретируемость.</a:t>
-            </a:r>
-          </a:p>
-          <a:p>
-            <a:r>
-              <a:rPr lang="ru-RU" dirty="0" smtClean="0"/>
-              <a:t>Возможность дообучения в реальном времени.</a:t>
-            </a:r>
-          </a:p>
-        </p:txBody>
-      </p:sp>
-    </p:spTree>
-    <p:extLst>
-      <p:ext uri="{BB962C8B-B14F-4D97-AF65-F5344CB8AC3E}">
-        <p14:creationId xmlns:p14="http://schemas.microsoft.com/office/powerpoint/2010/main" val="2618185733"/>
-      </p:ext>
-    </p:extLst>
-  </p:cSld>
-  <p:clrMapOvr>
-    <a:masterClrMapping/>
-  </p:clrMapOvr>
-</p:sld>
-</file>
-
-<file path=ppt/slides/slide25.xml><?xml version="1.0" encoding="utf-8"?>
-<p:sld xmlns:a="http://schemas.openxmlformats.org/drawingml/2006/main" xmlns:r="http://schemas.openxmlformats.org/officeDocument/2006/relationships" xmlns:p="http://schemas.openxmlformats.org/presentationml/2006/main">
-  <p:cSld>
-    <p:spTree>
-      <p:nvGrpSpPr>
-        <p:cNvPr id="1" name=""/>
-        <p:cNvGrpSpPr/>
-        <p:nvPr/>
-      </p:nvGrpSpPr>
-      <p:grpSpPr>
-        <a:xfrm>
-          <a:off x="0" y="0"/>
-          <a:ext cx="0" cy="0"/>
-          <a:chOff x="0" y="0"/>
-          <a:chExt cx="0" cy="0"/>
-        </a:xfrm>
-      </p:grpSpPr>
-      <p:sp>
-        <p:nvSpPr>
-          <p:cNvPr id="2" name="Заголовок 1"/>
-          <p:cNvSpPr>
-            <a:spLocks noGrp="1"/>
-          </p:cNvSpPr>
-          <p:nvPr>
-            <p:ph type="title"/>
-          </p:nvPr>
-        </p:nvSpPr>
-        <p:spPr/>
-        <p:txBody>
-          <a:bodyPr/>
-          <a:lstStyle/>
-          <a:p>
-            <a:r>
-              <a:rPr lang="ru-RU" dirty="0"/>
-              <a:t>Наивный байесовский классификатор</a:t>
-            </a:r>
-          </a:p>
-        </p:txBody>
-      </p:sp>
-      <p:sp>
-        <p:nvSpPr>
-          <p:cNvPr id="3" name="Объект 2"/>
-          <p:cNvSpPr>
-            <a:spLocks noGrp="1"/>
-          </p:cNvSpPr>
-          <p:nvPr>
-            <p:ph idx="1"/>
-          </p:nvPr>
-        </p:nvSpPr>
-        <p:spPr/>
-        <p:txBody>
-          <a:bodyPr/>
-          <a:lstStyle/>
-          <a:p>
-            <a:pPr marL="0" indent="0">
-              <a:buNone/>
-            </a:pPr>
-            <a:r>
-              <a:rPr lang="ru-RU" dirty="0" smtClean="0"/>
-              <a:t>Минусы:</a:t>
-            </a:r>
-          </a:p>
-          <a:p>
-            <a:r>
-              <a:rPr lang="ru-RU" dirty="0" smtClean="0"/>
-              <a:t>Параметры должны быть независимы.</a:t>
-            </a:r>
-          </a:p>
-          <a:p>
-            <a:r>
-              <a:rPr lang="ru-RU" dirty="0" smtClean="0"/>
-              <a:t>Значения параметров должны быть категориальными.</a:t>
-            </a:r>
-          </a:p>
-          <a:p>
-            <a:r>
-              <a:rPr lang="ru-RU" dirty="0" smtClean="0"/>
-              <a:t>Невозможно обрабатывать значения параметров, которых не было в обучающей выборке.</a:t>
-            </a:r>
-          </a:p>
-          <a:p>
-            <a:endParaRPr lang="ru-RU" dirty="0" smtClean="0"/>
-          </a:p>
-        </p:txBody>
-      </p:sp>
-    </p:spTree>
-    <p:extLst>
-      <p:ext uri="{BB962C8B-B14F-4D97-AF65-F5344CB8AC3E}">
-        <p14:creationId xmlns:p14="http://schemas.microsoft.com/office/powerpoint/2010/main" val="4097814693"/>
-      </p:ext>
-    </p:extLst>
-  </p:cSld>
-  <p:clrMapOvr>
-    <a:masterClrMapping/>
-  </p:clrMapOvr>
-</p:sld>
-</file>
-
-<file path=ppt/slides/slide26.xml><?xml version="1.0" encoding="utf-8"?>
-<p:sld xmlns:a="http://schemas.openxmlformats.org/drawingml/2006/main" xmlns:r="http://schemas.openxmlformats.org/officeDocument/2006/relationships" xmlns:p="http://schemas.openxmlformats.org/presentationml/2006/main">
-  <p:cSld>
-    <p:spTree>
-      <p:nvGrpSpPr>
-        <p:cNvPr id="1" name=""/>
-        <p:cNvGrpSpPr/>
-        <p:nvPr/>
-      </p:nvGrpSpPr>
-      <p:grpSpPr>
-        <a:xfrm>
-          <a:off x="0" y="0"/>
-          <a:ext cx="0" cy="0"/>
-          <a:chOff x="0" y="0"/>
-          <a:chExt cx="0" cy="0"/>
-        </a:xfrm>
-      </p:grpSpPr>
-      <p:sp>
-        <p:nvSpPr>
-          <p:cNvPr id="2" name="Заголовок 1"/>
-          <p:cNvSpPr>
-            <a:spLocks noGrp="1"/>
-          </p:cNvSpPr>
-          <p:nvPr>
-            <p:ph type="title"/>
-          </p:nvPr>
-        </p:nvSpPr>
-        <p:spPr/>
-        <p:txBody>
-          <a:bodyPr/>
-          <a:lstStyle/>
-          <a:p>
-            <a:r>
-              <a:rPr lang="ru-RU" dirty="0"/>
-              <a:t>Наивный байесовский классификатор</a:t>
-            </a:r>
-          </a:p>
-        </p:txBody>
-      </p:sp>
-      <p:sp>
-        <p:nvSpPr>
-          <p:cNvPr id="5" name="Скругленный прямоугольник 4"/>
-          <p:cNvSpPr/>
-          <p:nvPr/>
-        </p:nvSpPr>
-        <p:spPr>
-          <a:xfrm>
-            <a:off x="285008" y="1781299"/>
-            <a:ext cx="11578441" cy="4845132"/>
-          </a:xfrm>
-          <a:prstGeom prst="roundRect">
-            <a:avLst/>
-          </a:prstGeom>
-        </p:spPr>
-        <p:style>
-          <a:lnRef idx="2">
-            <a:schemeClr val="accent1">
-              <a:shade val="50000"/>
-            </a:schemeClr>
-          </a:lnRef>
-          <a:fillRef idx="1">
-            <a:schemeClr val="accent1"/>
-          </a:fillRef>
-          <a:effectRef idx="0">
-            <a:schemeClr val="accent1"/>
-          </a:effectRef>
-          <a:fontRef idx="minor">
-            <a:schemeClr val="lt1"/>
-          </a:fontRef>
-        </p:style>
-        <p:txBody>
-          <a:bodyPr rtlCol="0" anchor="t" anchorCtr="0"/>
-          <a:lstStyle/>
-          <a:p>
-            <a:r>
-              <a:rPr lang="ru-RU" dirty="0" smtClean="0"/>
-              <a:t>Искусственный интеллект</a:t>
-            </a:r>
-            <a:endParaRPr lang="ru-RU" dirty="0"/>
-          </a:p>
-        </p:txBody>
-      </p:sp>
-      <p:sp>
-        <p:nvSpPr>
-          <p:cNvPr id="6" name="Скругленный прямоугольник 5"/>
-          <p:cNvSpPr/>
-          <p:nvPr/>
-        </p:nvSpPr>
-        <p:spPr>
-          <a:xfrm>
-            <a:off x="838200" y="2543695"/>
-            <a:ext cx="10849495" cy="3956858"/>
-          </a:xfrm>
-          <a:prstGeom prst="roundRect">
-            <a:avLst/>
-          </a:prstGeom>
-        </p:spPr>
-        <p:style>
-          <a:lnRef idx="2">
-            <a:schemeClr val="accent6"/>
-          </a:lnRef>
-          <a:fillRef idx="1">
-            <a:schemeClr val="lt1"/>
-          </a:fillRef>
-          <a:effectRef idx="0">
-            <a:schemeClr val="accent6"/>
-          </a:effectRef>
-          <a:fontRef idx="minor">
-            <a:schemeClr val="dk1"/>
-          </a:fontRef>
-        </p:style>
-        <p:txBody>
-          <a:bodyPr rtlCol="0" anchor="t"/>
-          <a:lstStyle/>
-          <a:p>
-            <a:r>
-              <a:rPr lang="ru-RU" dirty="0" smtClean="0"/>
-              <a:t>Машинное обучение</a:t>
-            </a:r>
-            <a:endParaRPr lang="ru-RU" dirty="0"/>
-          </a:p>
-        </p:txBody>
-      </p:sp>
-      <p:sp>
-        <p:nvSpPr>
-          <p:cNvPr id="3" name="Скругленный прямоугольник 2"/>
-          <p:cNvSpPr/>
-          <p:nvPr/>
-        </p:nvSpPr>
-        <p:spPr>
-          <a:xfrm>
-            <a:off x="1242204" y="3312543"/>
-            <a:ext cx="3148641" cy="2915729"/>
-          </a:xfrm>
-          <a:prstGeom prst="roundRect">
-            <a:avLst/>
-          </a:prstGeom>
-        </p:spPr>
-        <p:style>
-          <a:lnRef idx="1">
-            <a:schemeClr val="accent1"/>
-          </a:lnRef>
-          <a:fillRef idx="2">
-            <a:schemeClr val="accent1"/>
-          </a:fillRef>
-          <a:effectRef idx="1">
-            <a:schemeClr val="accent1"/>
-          </a:effectRef>
-          <a:fontRef idx="minor">
-            <a:schemeClr val="dk1"/>
-          </a:fontRef>
-        </p:style>
-        <p:txBody>
-          <a:bodyPr rtlCol="0" anchor="t"/>
-          <a:lstStyle/>
-          <a:p>
-            <a:r>
-              <a:rPr lang="ru-RU" dirty="0" smtClean="0"/>
-              <a:t>Обучение с учителем</a:t>
-            </a:r>
-            <a:endParaRPr lang="ru-RU" dirty="0"/>
-          </a:p>
-        </p:txBody>
-      </p:sp>
-      <p:sp>
-        <p:nvSpPr>
-          <p:cNvPr id="7" name="Скругленный прямоугольник 6"/>
-          <p:cNvSpPr/>
-          <p:nvPr/>
-        </p:nvSpPr>
-        <p:spPr>
-          <a:xfrm>
-            <a:off x="4794849" y="3312543"/>
-            <a:ext cx="3148641" cy="2915729"/>
-          </a:xfrm>
-          <a:prstGeom prst="roundRect">
-            <a:avLst/>
-          </a:prstGeom>
-        </p:spPr>
-        <p:style>
-          <a:lnRef idx="1">
-            <a:schemeClr val="accent1"/>
-          </a:lnRef>
-          <a:fillRef idx="2">
-            <a:schemeClr val="accent1"/>
-          </a:fillRef>
-          <a:effectRef idx="1">
-            <a:schemeClr val="accent1"/>
-          </a:effectRef>
-          <a:fontRef idx="minor">
-            <a:schemeClr val="dk1"/>
-          </a:fontRef>
-        </p:style>
-        <p:txBody>
-          <a:bodyPr rtlCol="0" anchor="t"/>
-          <a:lstStyle/>
-          <a:p>
-            <a:r>
-              <a:rPr lang="ru-RU" dirty="0" smtClean="0">
-                <a:solidFill>
-                  <a:schemeClr val="dk1"/>
-                </a:solidFill>
-              </a:rPr>
-              <a:t>Обучение без учителя</a:t>
-            </a:r>
-            <a:endParaRPr lang="ru-RU" dirty="0">
-              <a:solidFill>
-                <a:schemeClr val="dk1"/>
-              </a:solidFill>
-            </a:endParaRPr>
-          </a:p>
-        </p:txBody>
-      </p:sp>
-      <p:sp>
-        <p:nvSpPr>
-          <p:cNvPr id="8" name="Скругленный прямоугольник 7"/>
-          <p:cNvSpPr/>
-          <p:nvPr/>
-        </p:nvSpPr>
-        <p:spPr>
-          <a:xfrm>
-            <a:off x="8347494" y="3312542"/>
-            <a:ext cx="3148641" cy="2915729"/>
-          </a:xfrm>
-          <a:prstGeom prst="roundRect">
-            <a:avLst/>
-          </a:prstGeom>
-        </p:spPr>
-        <p:style>
-          <a:lnRef idx="1">
-            <a:schemeClr val="accent1"/>
-          </a:lnRef>
-          <a:fillRef idx="2">
-            <a:schemeClr val="accent1"/>
-          </a:fillRef>
-          <a:effectRef idx="1">
-            <a:schemeClr val="accent1"/>
-          </a:effectRef>
-          <a:fontRef idx="minor">
-            <a:schemeClr val="dk1"/>
-          </a:fontRef>
-        </p:style>
-        <p:txBody>
-          <a:bodyPr rtlCol="0" anchor="t"/>
-          <a:lstStyle/>
-          <a:p>
-            <a:r>
-              <a:rPr lang="ru-RU" dirty="0" smtClean="0">
-                <a:solidFill>
-                  <a:schemeClr val="dk1"/>
-                </a:solidFill>
-              </a:rPr>
-              <a:t>Обучение с подкреплением</a:t>
-            </a:r>
-            <a:endParaRPr lang="ru-RU" dirty="0">
-              <a:solidFill>
-                <a:schemeClr val="dk1"/>
-              </a:solidFill>
-            </a:endParaRPr>
-          </a:p>
-        </p:txBody>
-      </p:sp>
-      <p:sp>
-        <p:nvSpPr>
-          <p:cNvPr id="4" name="Скругленный прямоугольник 3"/>
-          <p:cNvSpPr/>
-          <p:nvPr/>
-        </p:nvSpPr>
-        <p:spPr>
-          <a:xfrm>
-            <a:off x="1426271" y="3915383"/>
-            <a:ext cx="2813220" cy="855023"/>
-          </a:xfrm>
-          <a:prstGeom prst="roundRect">
-            <a:avLst/>
-          </a:prstGeom>
-        </p:spPr>
-        <p:style>
-          <a:lnRef idx="2">
-            <a:schemeClr val="accent6">
-              <a:shade val="50000"/>
-            </a:schemeClr>
-          </a:lnRef>
-          <a:fillRef idx="1">
-            <a:schemeClr val="accent6"/>
-          </a:fillRef>
-          <a:effectRef idx="0">
-            <a:schemeClr val="accent6"/>
-          </a:effectRef>
-          <a:fontRef idx="minor">
-            <a:schemeClr val="lt1"/>
-          </a:fontRef>
-        </p:style>
-        <p:txBody>
-          <a:bodyPr rtlCol="0" anchor="t"/>
-          <a:lstStyle/>
-          <a:p>
-            <a:r>
-              <a:rPr lang="ru-RU" dirty="0" smtClean="0"/>
-              <a:t>Регрессия</a:t>
-            </a:r>
-            <a:endParaRPr lang="ru-RU" dirty="0"/>
-          </a:p>
-        </p:txBody>
-      </p:sp>
-      <p:sp>
-        <p:nvSpPr>
-          <p:cNvPr id="10" name="Скругленный прямоугольник 9"/>
-          <p:cNvSpPr/>
-          <p:nvPr/>
-        </p:nvSpPr>
-        <p:spPr>
-          <a:xfrm>
-            <a:off x="1426271" y="5081878"/>
-            <a:ext cx="2813220" cy="855023"/>
-          </a:xfrm>
-          <a:prstGeom prst="roundRect">
-            <a:avLst/>
-          </a:prstGeom>
-        </p:spPr>
-        <p:style>
-          <a:lnRef idx="2">
-            <a:schemeClr val="accent6">
-              <a:shade val="50000"/>
-            </a:schemeClr>
-          </a:lnRef>
-          <a:fillRef idx="1">
-            <a:schemeClr val="accent6"/>
-          </a:fillRef>
-          <a:effectRef idx="0">
-            <a:schemeClr val="accent6"/>
-          </a:effectRef>
-          <a:fontRef idx="minor">
-            <a:schemeClr val="lt1"/>
-          </a:fontRef>
-        </p:style>
-        <p:txBody>
-          <a:bodyPr rtlCol="0" anchor="t"/>
-          <a:lstStyle/>
-          <a:p>
-            <a:r>
-              <a:rPr lang="ru-RU" dirty="0" smtClean="0"/>
-              <a:t>Классификация</a:t>
-            </a:r>
-            <a:endParaRPr lang="ru-RU" dirty="0"/>
-          </a:p>
-        </p:txBody>
-      </p:sp>
-      <p:sp>
-        <p:nvSpPr>
-          <p:cNvPr id="11" name="Скругленный прямоугольник 10"/>
-          <p:cNvSpPr/>
-          <p:nvPr/>
-        </p:nvSpPr>
-        <p:spPr>
-          <a:xfrm>
-            <a:off x="4962560" y="3915383"/>
-            <a:ext cx="2813220" cy="855023"/>
-          </a:xfrm>
-          <a:prstGeom prst="roundRect">
-            <a:avLst/>
-          </a:prstGeom>
-        </p:spPr>
-        <p:style>
-          <a:lnRef idx="2">
-            <a:schemeClr val="accent6">
-              <a:shade val="50000"/>
-            </a:schemeClr>
-          </a:lnRef>
-          <a:fillRef idx="1">
-            <a:schemeClr val="accent6"/>
-          </a:fillRef>
-          <a:effectRef idx="0">
-            <a:schemeClr val="accent6"/>
-          </a:effectRef>
-          <a:fontRef idx="minor">
-            <a:schemeClr val="lt1"/>
-          </a:fontRef>
-        </p:style>
-        <p:txBody>
-          <a:bodyPr rtlCol="0" anchor="ctr"/>
-          <a:lstStyle/>
-          <a:p>
-            <a:pPr algn="ctr"/>
-            <a:r>
-              <a:rPr lang="ru-RU" dirty="0" smtClean="0"/>
-              <a:t>Кластеризация</a:t>
-            </a:r>
-            <a:endParaRPr lang="ru-RU" dirty="0"/>
-          </a:p>
-        </p:txBody>
-      </p:sp>
-      <p:sp>
-        <p:nvSpPr>
-          <p:cNvPr id="9" name="Скругленный прямоугольник 8"/>
-          <p:cNvSpPr/>
-          <p:nvPr/>
-        </p:nvSpPr>
-        <p:spPr>
-          <a:xfrm>
-            <a:off x="3408219" y="4010387"/>
-            <a:ext cx="748146" cy="288482"/>
-          </a:xfrm>
-          <a:prstGeom prst="roundRect">
-            <a:avLst/>
-          </a:prstGeom>
-        </p:spPr>
-        <p:style>
-          <a:lnRef idx="2">
-            <a:schemeClr val="accent4">
-              <a:shade val="50000"/>
-            </a:schemeClr>
-          </a:lnRef>
-          <a:fillRef idx="1">
-            <a:schemeClr val="accent4"/>
-          </a:fillRef>
-          <a:effectRef idx="0">
-            <a:schemeClr val="accent4"/>
-          </a:effectRef>
-          <a:fontRef idx="minor">
-            <a:schemeClr val="lt1"/>
-          </a:fontRef>
-        </p:style>
-        <p:txBody>
-          <a:bodyPr rtlCol="0" anchor="ctr"/>
-          <a:lstStyle/>
-          <a:p>
-            <a:pPr algn="ctr"/>
-            <a:r>
-              <a:rPr lang="ru-RU" sz="1200" dirty="0" smtClean="0"/>
-              <a:t>Лин.рег.</a:t>
-            </a:r>
-            <a:endParaRPr lang="ru-RU" sz="1200" dirty="0"/>
-          </a:p>
-        </p:txBody>
-      </p:sp>
-      <p:sp>
-        <p:nvSpPr>
-          <p:cNvPr id="12" name="Скругленный прямоугольник 11"/>
-          <p:cNvSpPr/>
-          <p:nvPr/>
-        </p:nvSpPr>
-        <p:spPr>
-          <a:xfrm>
-            <a:off x="3408219" y="5173405"/>
-            <a:ext cx="748146" cy="288482"/>
-          </a:xfrm>
-          <a:prstGeom prst="roundRect">
-            <a:avLst/>
-          </a:prstGeom>
-        </p:spPr>
-        <p:style>
-          <a:lnRef idx="2">
-            <a:schemeClr val="accent4">
-              <a:shade val="50000"/>
-            </a:schemeClr>
-          </a:lnRef>
-          <a:fillRef idx="1">
-            <a:schemeClr val="accent4"/>
-          </a:fillRef>
-          <a:effectRef idx="0">
-            <a:schemeClr val="accent4"/>
-          </a:effectRef>
-          <a:fontRef idx="minor">
-            <a:schemeClr val="lt1"/>
-          </a:fontRef>
-        </p:style>
-        <p:txBody>
-          <a:bodyPr rtlCol="0" anchor="ctr"/>
-          <a:lstStyle/>
-          <a:p>
-            <a:pPr algn="ctr"/>
-            <a:r>
-              <a:rPr lang="ru-RU" sz="1200" dirty="0" smtClean="0"/>
-              <a:t>Лог.рег.</a:t>
-            </a:r>
-            <a:endParaRPr lang="ru-RU" sz="1200" dirty="0"/>
-          </a:p>
-        </p:txBody>
-      </p:sp>
-      <p:sp>
-        <p:nvSpPr>
-          <p:cNvPr id="13" name="Скругленный прямоугольник 12"/>
-          <p:cNvSpPr/>
-          <p:nvPr/>
-        </p:nvSpPr>
-        <p:spPr>
-          <a:xfrm>
-            <a:off x="3408219" y="5552498"/>
-            <a:ext cx="748146" cy="288482"/>
-          </a:xfrm>
-          <a:prstGeom prst="roundRect">
-            <a:avLst/>
-          </a:prstGeom>
-        </p:spPr>
-        <p:style>
-          <a:lnRef idx="2">
-            <a:schemeClr val="accent4">
-              <a:shade val="50000"/>
-            </a:schemeClr>
-          </a:lnRef>
-          <a:fillRef idx="1">
-            <a:schemeClr val="accent4"/>
-          </a:fillRef>
-          <a:effectRef idx="0">
-            <a:schemeClr val="accent4"/>
-          </a:effectRef>
-          <a:fontRef idx="minor">
-            <a:schemeClr val="lt1"/>
-          </a:fontRef>
-        </p:style>
-        <p:txBody>
-          <a:bodyPr rtlCol="0" anchor="ctr"/>
-          <a:lstStyle/>
-          <a:p>
-            <a:pPr algn="ctr"/>
-            <a:r>
-              <a:rPr lang="ru-RU" sz="1200" dirty="0" smtClean="0"/>
-              <a:t>Н.Байес</a:t>
-            </a:r>
-            <a:endParaRPr lang="ru-RU" sz="1200" dirty="0"/>
-          </a:p>
-        </p:txBody>
-      </p:sp>
-    </p:spTree>
-    <p:extLst>
-      <p:ext uri="{BB962C8B-B14F-4D97-AF65-F5344CB8AC3E}">
-        <p14:creationId xmlns:p14="http://schemas.microsoft.com/office/powerpoint/2010/main" val="759191209"/>
-      </p:ext>
-    </p:extLst>
-  </p:cSld>
-  <p:clrMapOvr>
-    <a:masterClrMapping/>
-  </p:clrMapOvr>
-  <p:timing>
-    <p:tnLst>
-      <p:par>
-        <p:cTn id="1" dur="indefinite" restart="never" nodeType="tmRoot"/>
-      </p:par>
-    </p:tnLst>
-  </p:timing>
-</p:sld>
-</file>
-
 <file path=ppt/slides/slide27.xml><?xml version="1.0" encoding="utf-8"?>
 <p:sld xmlns:a="http://schemas.openxmlformats.org/drawingml/2006/main" xmlns:r="http://schemas.openxmlformats.org/officeDocument/2006/relationships" xmlns:p="http://schemas.openxmlformats.org/presentationml/2006/main">
   <p:cSld>
@@ -13041,58 +13628,613 @@
           <a:p>
             <a:r>
               <a:rPr lang="ru-RU" dirty="0"/>
-              <a:t>Сравнение с логистической </a:t>
-            </a:r>
-            <a:r>
-              <a:rPr lang="ru-RU" dirty="0" smtClean="0"/>
-              <a:t>регрессией</a:t>
-            </a:r>
-            <a:endParaRPr lang="ru-RU" dirty="0"/>
+              <a:t>Наивный байесовский классификатор</a:t>
+            </a:r>
           </a:p>
         </p:txBody>
       </p:sp>
-      <p:sp>
-        <p:nvSpPr>
-          <p:cNvPr id="3" name="Объект 2"/>
-          <p:cNvSpPr>
-            <a:spLocks noGrp="1"/>
-          </p:cNvSpPr>
-          <p:nvPr>
-            <p:ph idx="1"/>
-          </p:nvPr>
-        </p:nvSpPr>
-        <p:spPr/>
-        <p:txBody>
-          <a:bodyPr/>
-          <a:lstStyle/>
-          <a:p>
-            <a:pPr marL="0" indent="0">
-              <a:buNone/>
-            </a:pPr>
-            <a:r>
-              <a:rPr lang="ru-RU" dirty="0" smtClean="0"/>
-              <a:t>Оба алгоритма относятся к</a:t>
-            </a:r>
-          </a:p>
-          <a:p>
-            <a:r>
-              <a:rPr lang="ru-RU" dirty="0" smtClean="0"/>
-              <a:t>обучению с учителем</a:t>
-            </a:r>
-          </a:p>
-          <a:p>
-            <a:r>
-              <a:rPr lang="ru-RU" dirty="0" smtClean="0"/>
-              <a:t>задаче классификации</a:t>
-            </a:r>
-            <a:endParaRPr lang="ru-RU" dirty="0"/>
-          </a:p>
-        </p:txBody>
-      </p:sp>
+      <mc:AlternateContent xmlns:mc="http://schemas.openxmlformats.org/markup-compatibility/2006">
+        <mc:Choice xmlns:a14="http://schemas.microsoft.com/office/drawing/2010/main" Requires="a14">
+          <p:sp>
+            <p:nvSpPr>
+              <p:cNvPr id="3" name="Объект 2"/>
+              <p:cNvSpPr>
+                <a:spLocks noGrp="1"/>
+              </p:cNvSpPr>
+              <p:nvPr>
+                <p:ph idx="1"/>
+              </p:nvPr>
+            </p:nvSpPr>
+            <p:spPr/>
+            <p:txBody>
+              <a:bodyPr>
+                <a:normAutofit lnSpcReduction="10000"/>
+              </a:bodyPr>
+              <a:lstStyle/>
+              <a:p>
+                <a:pPr marL="0" indent="0">
+                  <a:buNone/>
+                </a:pPr>
+                <a:r>
+                  <a:rPr lang="ru-RU" dirty="0" smtClean="0"/>
+                  <a:t>Пример</a:t>
+                </a:r>
+              </a:p>
+              <a:p>
+                <a:pPr marL="0" indent="0">
+                  <a:buNone/>
+                </a:pPr>
+                <a:r>
+                  <a:rPr lang="ru-RU" dirty="0" smtClean="0"/>
+                  <a:t>Набор данных:</a:t>
+                </a:r>
+              </a:p>
+              <a:p>
+                <a:pPr marL="0" indent="0">
+                  <a:buNone/>
+                </a:pPr>
+                <a14:m>
+                  <m:oMathPara xmlns:m="http://schemas.openxmlformats.org/officeDocument/2006/math">
+                    <m:oMathParaPr>
+                      <m:jc m:val="left"/>
+                    </m:oMathParaPr>
+                    <m:oMath xmlns:m="http://schemas.openxmlformats.org/officeDocument/2006/math">
+                      <m:sSub>
+                        <m:sSubPr>
+                          <m:ctrlPr>
+                            <a:rPr lang="ru-RU" i="1" smtClean="0">
+                              <a:latin typeface="Cambria Math" panose="02040503050406030204" pitchFamily="18" charset="0"/>
+                            </a:rPr>
+                          </m:ctrlPr>
+                        </m:sSubPr>
+                        <m:e>
+                          <m:r>
+                            <a:rPr lang="en-US" b="0" i="1" smtClean="0">
+                              <a:latin typeface="Cambria Math" panose="02040503050406030204" pitchFamily="18" charset="0"/>
+                            </a:rPr>
+                            <m:t>𝑋</m:t>
+                          </m:r>
+                        </m:e>
+                        <m:sub>
+                          <m:r>
+                            <a:rPr lang="en-US" b="0" i="1" smtClean="0">
+                              <a:latin typeface="Cambria Math" panose="02040503050406030204" pitchFamily="18" charset="0"/>
+                            </a:rPr>
+                            <m:t>1</m:t>
+                          </m:r>
+                        </m:sub>
+                      </m:sSub>
+                      <m:r>
+                        <a:rPr lang="en-US" b="0" i="1" smtClean="0">
+                          <a:latin typeface="Cambria Math" panose="02040503050406030204" pitchFamily="18" charset="0"/>
+                        </a:rPr>
+                        <m:t>=</m:t>
+                      </m:r>
+                      <m:d>
+                        <m:dPr>
+                          <m:begChr m:val="{"/>
+                          <m:endChr m:val="}"/>
+                          <m:ctrlPr>
+                            <a:rPr lang="en-US" b="0" i="1" smtClean="0">
+                              <a:latin typeface="Cambria Math" panose="02040503050406030204" pitchFamily="18" charset="0"/>
+                            </a:rPr>
+                          </m:ctrlPr>
+                        </m:dPr>
+                        <m:e>
+                          <m:r>
+                            <a:rPr lang="ru-RU" b="0" i="1" smtClean="0">
+                              <a:latin typeface="Cambria Math" panose="02040503050406030204" pitchFamily="18" charset="0"/>
+                            </a:rPr>
+                            <m:t>купи, пачку, сигарет</m:t>
+                          </m:r>
+                        </m:e>
+                      </m:d>
+                      <m:r>
+                        <a:rPr lang="en-US" b="0" i="1" smtClean="0">
+                          <a:latin typeface="Cambria Math" panose="02040503050406030204" pitchFamily="18" charset="0"/>
+                        </a:rPr>
+                        <m:t>,</m:t>
+                      </m:r>
+                      <m:sSub>
+                        <m:sSubPr>
+                          <m:ctrlPr>
+                            <a:rPr lang="en-US" b="0" i="1" smtClean="0">
+                              <a:latin typeface="Cambria Math" panose="02040503050406030204" pitchFamily="18" charset="0"/>
+                            </a:rPr>
+                          </m:ctrlPr>
+                        </m:sSubPr>
+                        <m:e>
+                          <m:r>
+                            <a:rPr lang="en-US" b="0" i="1" smtClean="0">
+                              <a:latin typeface="Cambria Math" panose="02040503050406030204" pitchFamily="18" charset="0"/>
+                            </a:rPr>
+                            <m:t>𝑦</m:t>
+                          </m:r>
+                        </m:e>
+                        <m:sub>
+                          <m:r>
+                            <a:rPr lang="en-US" b="0" i="1" smtClean="0">
+                              <a:latin typeface="Cambria Math" panose="02040503050406030204" pitchFamily="18" charset="0"/>
+                            </a:rPr>
+                            <m:t>1</m:t>
+                          </m:r>
+                        </m:sub>
+                      </m:sSub>
+                      <m:r>
+                        <a:rPr lang="en-US" b="0" i="1" smtClean="0">
+                          <a:latin typeface="Cambria Math" panose="02040503050406030204" pitchFamily="18" charset="0"/>
+                        </a:rPr>
+                        <m:t>=0</m:t>
+                      </m:r>
+                    </m:oMath>
+                  </m:oMathPara>
+                </a14:m>
+                <a:endParaRPr lang="ru-RU" dirty="0" smtClean="0"/>
+              </a:p>
+              <a:p>
+                <a:pPr marL="0" indent="0">
+                  <a:buNone/>
+                </a:pPr>
+                <a14:m>
+                  <m:oMathPara xmlns:m="http://schemas.openxmlformats.org/officeDocument/2006/math">
+                    <m:oMathParaPr>
+                      <m:jc m:val="left"/>
+                    </m:oMathParaPr>
+                    <m:oMath xmlns:m="http://schemas.openxmlformats.org/officeDocument/2006/math">
+                      <m:sSub>
+                        <m:sSubPr>
+                          <m:ctrlPr>
+                            <a:rPr lang="ru-RU" i="1">
+                              <a:latin typeface="Cambria Math" panose="02040503050406030204" pitchFamily="18" charset="0"/>
+                            </a:rPr>
+                          </m:ctrlPr>
+                        </m:sSubPr>
+                        <m:e>
+                          <m:r>
+                            <a:rPr lang="en-US" i="1">
+                              <a:latin typeface="Cambria Math" panose="02040503050406030204" pitchFamily="18" charset="0"/>
+                            </a:rPr>
+                            <m:t>𝑋</m:t>
+                          </m:r>
+                        </m:e>
+                        <m:sub>
+                          <m:r>
+                            <a:rPr lang="ru-RU" b="0" i="1" smtClean="0">
+                              <a:latin typeface="Cambria Math" panose="02040503050406030204" pitchFamily="18" charset="0"/>
+                            </a:rPr>
+                            <m:t>2</m:t>
+                          </m:r>
+                        </m:sub>
+                      </m:sSub>
+                      <m:r>
+                        <a:rPr lang="en-US" i="1">
+                          <a:latin typeface="Cambria Math" panose="02040503050406030204" pitchFamily="18" charset="0"/>
+                        </a:rPr>
+                        <m:t>=</m:t>
+                      </m:r>
+                      <m:d>
+                        <m:dPr>
+                          <m:begChr m:val="{"/>
+                          <m:endChr m:val="}"/>
+                          <m:ctrlPr>
+                            <a:rPr lang="en-US" i="1">
+                              <a:latin typeface="Cambria Math" panose="02040503050406030204" pitchFamily="18" charset="0"/>
+                            </a:rPr>
+                          </m:ctrlPr>
+                        </m:dPr>
+                        <m:e>
+                          <m:r>
+                            <a:rPr lang="ru-RU" i="1">
+                              <a:latin typeface="Cambria Math" panose="02040503050406030204" pitchFamily="18" charset="0"/>
+                            </a:rPr>
+                            <m:t>купи, </m:t>
+                          </m:r>
+                          <m:r>
+                            <a:rPr lang="ru-RU" b="0" i="1" smtClean="0">
+                              <a:latin typeface="Cambria Math" panose="02040503050406030204" pitchFamily="18" charset="0"/>
+                            </a:rPr>
+                            <m:t>билетов</m:t>
+                          </m:r>
+                          <m:r>
+                            <a:rPr lang="ru-RU" i="1">
+                              <a:latin typeface="Cambria Math" panose="02040503050406030204" pitchFamily="18" charset="0"/>
+                            </a:rPr>
+                            <m:t>, </m:t>
+                          </m:r>
+                          <m:r>
+                            <a:rPr lang="ru-RU" b="0" i="1" smtClean="0">
+                              <a:latin typeface="Cambria Math" panose="02040503050406030204" pitchFamily="18" charset="0"/>
+                            </a:rPr>
+                            <m:t>пачку</m:t>
+                          </m:r>
+                        </m:e>
+                      </m:d>
+                      <m:r>
+                        <a:rPr lang="en-US" b="0" i="1" smtClean="0">
+                          <a:latin typeface="Cambria Math" panose="02040503050406030204" pitchFamily="18" charset="0"/>
+                        </a:rPr>
+                        <m:t>,</m:t>
+                      </m:r>
+                      <m:sSub>
+                        <m:sSubPr>
+                          <m:ctrlPr>
+                            <a:rPr lang="en-US" b="0" i="1" smtClean="0">
+                              <a:latin typeface="Cambria Math" panose="02040503050406030204" pitchFamily="18" charset="0"/>
+                            </a:rPr>
+                          </m:ctrlPr>
+                        </m:sSubPr>
+                        <m:e>
+                          <m:r>
+                            <a:rPr lang="en-US" b="0" i="1" smtClean="0">
+                              <a:latin typeface="Cambria Math" panose="02040503050406030204" pitchFamily="18" charset="0"/>
+                            </a:rPr>
+                            <m:t>𝑦</m:t>
+                          </m:r>
+                        </m:e>
+                        <m:sub>
+                          <m:r>
+                            <a:rPr lang="en-US" b="0" i="1" smtClean="0">
+                              <a:latin typeface="Cambria Math" panose="02040503050406030204" pitchFamily="18" charset="0"/>
+                            </a:rPr>
+                            <m:t>2</m:t>
+                          </m:r>
+                        </m:sub>
+                      </m:sSub>
+                      <m:r>
+                        <a:rPr lang="en-US" b="0" i="1" smtClean="0">
+                          <a:latin typeface="Cambria Math" panose="02040503050406030204" pitchFamily="18" charset="0"/>
+                        </a:rPr>
+                        <m:t>=1</m:t>
+                      </m:r>
+                    </m:oMath>
+                  </m:oMathPara>
+                </a14:m>
+                <a:endParaRPr lang="ru-RU" dirty="0" smtClean="0"/>
+              </a:p>
+              <a:p>
+                <a:pPr marL="0" indent="0">
+                  <a:buNone/>
+                </a:pPr>
+                <a14:m>
+                  <m:oMathPara xmlns:m="http://schemas.openxmlformats.org/officeDocument/2006/math">
+                    <m:oMathParaPr>
+                      <m:jc m:val="left"/>
+                    </m:oMathParaPr>
+                    <m:oMath xmlns:m="http://schemas.openxmlformats.org/officeDocument/2006/math">
+                      <m:sSub>
+                        <m:sSubPr>
+                          <m:ctrlPr>
+                            <a:rPr lang="ru-RU" i="1">
+                              <a:latin typeface="Cambria Math" panose="02040503050406030204" pitchFamily="18" charset="0"/>
+                            </a:rPr>
+                          </m:ctrlPr>
+                        </m:sSubPr>
+                        <m:e>
+                          <m:r>
+                            <a:rPr lang="en-US" i="1">
+                              <a:latin typeface="Cambria Math" panose="02040503050406030204" pitchFamily="18" charset="0"/>
+                            </a:rPr>
+                            <m:t>𝑋</m:t>
+                          </m:r>
+                        </m:e>
+                        <m:sub>
+                          <m:r>
+                            <a:rPr lang="ru-RU" b="0" i="1" smtClean="0">
+                              <a:latin typeface="Cambria Math" panose="02040503050406030204" pitchFamily="18" charset="0"/>
+                            </a:rPr>
+                            <m:t>3</m:t>
+                          </m:r>
+                        </m:sub>
+                      </m:sSub>
+                      <m:r>
+                        <a:rPr lang="en-US" i="1">
+                          <a:latin typeface="Cambria Math" panose="02040503050406030204" pitchFamily="18" charset="0"/>
+                        </a:rPr>
+                        <m:t>=</m:t>
+                      </m:r>
+                      <m:d>
+                        <m:dPr>
+                          <m:begChr m:val="{"/>
+                          <m:endChr m:val="}"/>
+                          <m:ctrlPr>
+                            <a:rPr lang="en-US" i="1">
+                              <a:latin typeface="Cambria Math" panose="02040503050406030204" pitchFamily="18" charset="0"/>
+                            </a:rPr>
+                          </m:ctrlPr>
+                        </m:dPr>
+                        <m:e>
+                          <m:r>
+                            <a:rPr lang="ru-RU" b="0" i="1" smtClean="0">
+                              <a:latin typeface="Cambria Math" panose="02040503050406030204" pitchFamily="18" charset="0"/>
+                            </a:rPr>
+                            <m:t>молоко</m:t>
+                          </m:r>
+                          <m:r>
+                            <a:rPr lang="ru-RU" i="1">
+                              <a:latin typeface="Cambria Math" panose="02040503050406030204" pitchFamily="18" charset="0"/>
+                            </a:rPr>
+                            <m:t>, </m:t>
+                          </m:r>
+                          <m:r>
+                            <a:rPr lang="ru-RU" b="0" i="1" smtClean="0">
+                              <a:latin typeface="Cambria Math" panose="02040503050406030204" pitchFamily="18" charset="0"/>
+                            </a:rPr>
+                            <m:t>это</m:t>
+                          </m:r>
+                          <m:r>
+                            <a:rPr lang="ru-RU" i="1">
+                              <a:latin typeface="Cambria Math" panose="02040503050406030204" pitchFamily="18" charset="0"/>
+                            </a:rPr>
+                            <m:t>, </m:t>
+                          </m:r>
+                          <m:r>
+                            <a:rPr lang="ru-RU" b="0" i="1" smtClean="0">
+                              <a:latin typeface="Cambria Math" panose="02040503050406030204" pitchFamily="18" charset="0"/>
+                            </a:rPr>
+                            <m:t>яд</m:t>
+                          </m:r>
+                        </m:e>
+                      </m:d>
+                      <m:r>
+                        <a:rPr lang="en-US" b="0" i="1" smtClean="0">
+                          <a:latin typeface="Cambria Math" panose="02040503050406030204" pitchFamily="18" charset="0"/>
+                        </a:rPr>
+                        <m:t>,</m:t>
+                      </m:r>
+                      <m:sSub>
+                        <m:sSubPr>
+                          <m:ctrlPr>
+                            <a:rPr lang="en-US" b="0" i="1" smtClean="0">
+                              <a:latin typeface="Cambria Math" panose="02040503050406030204" pitchFamily="18" charset="0"/>
+                            </a:rPr>
+                          </m:ctrlPr>
+                        </m:sSubPr>
+                        <m:e>
+                          <m:r>
+                            <a:rPr lang="en-US" b="0" i="1" smtClean="0">
+                              <a:latin typeface="Cambria Math" panose="02040503050406030204" pitchFamily="18" charset="0"/>
+                            </a:rPr>
+                            <m:t>𝑦</m:t>
+                          </m:r>
+                        </m:e>
+                        <m:sub>
+                          <m:r>
+                            <a:rPr lang="en-US" b="0" i="1" smtClean="0">
+                              <a:latin typeface="Cambria Math" panose="02040503050406030204" pitchFamily="18" charset="0"/>
+                            </a:rPr>
+                            <m:t>3</m:t>
+                          </m:r>
+                        </m:sub>
+                      </m:sSub>
+                      <m:r>
+                        <a:rPr lang="en-US" b="0" i="1" smtClean="0">
+                          <a:latin typeface="Cambria Math" panose="02040503050406030204" pitchFamily="18" charset="0"/>
+                        </a:rPr>
+                        <m:t>=1</m:t>
+                      </m:r>
+                    </m:oMath>
+                  </m:oMathPara>
+                </a14:m>
+                <a:endParaRPr lang="ru-RU" dirty="0"/>
+              </a:p>
+              <a:p>
+                <a:pPr marL="0" indent="0">
+                  <a:buNone/>
+                </a:pPr>
+                <a:endParaRPr lang="ru-RU" dirty="0" smtClean="0"/>
+              </a:p>
+              <a:p>
+                <a:pPr marL="0" indent="0">
+                  <a:buNone/>
+                </a:pPr>
+                <a:r>
+                  <a:rPr lang="ru-RU" dirty="0" smtClean="0"/>
+                  <a:t>Классы: </a:t>
+                </a:r>
+                <a14:m>
+                  <m:oMath xmlns:m="http://schemas.openxmlformats.org/officeDocument/2006/math">
+                    <m:sSub>
+                      <m:sSubPr>
+                        <m:ctrlPr>
+                          <a:rPr lang="ru-RU" i="1" smtClean="0">
+                            <a:latin typeface="Cambria Math" panose="02040503050406030204" pitchFamily="18" charset="0"/>
+                          </a:rPr>
+                        </m:ctrlPr>
+                      </m:sSubPr>
+                      <m:e>
+                        <m:r>
+                          <a:rPr lang="en-US" b="0" i="1" smtClean="0">
+                            <a:latin typeface="Cambria Math" panose="02040503050406030204" pitchFamily="18" charset="0"/>
+                          </a:rPr>
+                          <m:t>𝑌</m:t>
+                        </m:r>
+                      </m:e>
+                      <m:sub>
+                        <m:r>
+                          <a:rPr lang="en-US" b="0" i="1" smtClean="0">
+                            <a:latin typeface="Cambria Math" panose="02040503050406030204" pitchFamily="18" charset="0"/>
+                          </a:rPr>
+                          <m:t>0</m:t>
+                        </m:r>
+                      </m:sub>
+                    </m:sSub>
+                    <m:r>
+                      <a:rPr lang="en-US" b="0" i="1" smtClean="0">
+                        <a:latin typeface="Cambria Math" panose="02040503050406030204" pitchFamily="18" charset="0"/>
+                      </a:rPr>
+                      <m:t>=0, </m:t>
+                    </m:r>
+                    <m:sSub>
+                      <m:sSubPr>
+                        <m:ctrlPr>
+                          <a:rPr lang="en-US" b="0" i="1" smtClean="0">
+                            <a:latin typeface="Cambria Math" panose="02040503050406030204" pitchFamily="18" charset="0"/>
+                          </a:rPr>
+                        </m:ctrlPr>
+                      </m:sSubPr>
+                      <m:e>
+                        <m:r>
+                          <a:rPr lang="en-US" b="0" i="1" smtClean="0">
+                            <a:latin typeface="Cambria Math" panose="02040503050406030204" pitchFamily="18" charset="0"/>
+                          </a:rPr>
+                          <m:t>𝑌</m:t>
+                        </m:r>
+                      </m:e>
+                      <m:sub>
+                        <m:r>
+                          <a:rPr lang="en-US" b="0" i="1" smtClean="0">
+                            <a:latin typeface="Cambria Math" panose="02040503050406030204" pitchFamily="18" charset="0"/>
+                          </a:rPr>
+                          <m:t>1</m:t>
+                        </m:r>
+                      </m:sub>
+                    </m:sSub>
+                    <m:r>
+                      <a:rPr lang="en-US" b="0" i="1" smtClean="0">
+                        <a:latin typeface="Cambria Math" panose="02040503050406030204" pitchFamily="18" charset="0"/>
+                      </a:rPr>
+                      <m:t>=1</m:t>
+                    </m:r>
+                  </m:oMath>
+                </a14:m>
+                <a:r>
+                  <a:rPr lang="en-US" dirty="0" smtClean="0"/>
+                  <a:t>.</a:t>
+                </a:r>
+                <a:endParaRPr lang="ru-RU" dirty="0"/>
+              </a:p>
+              <a:p>
+                <a:pPr marL="0" indent="0">
+                  <a:buNone/>
+                </a:pPr>
+                <a:endParaRPr lang="ru-RU" dirty="0" smtClean="0"/>
+              </a:p>
+              <a:p>
+                <a:pPr marL="0" indent="0">
+                  <a:buNone/>
+                </a:pPr>
+                <a:r>
+                  <a:rPr lang="ru-RU" dirty="0" smtClean="0"/>
+                  <a:t>Проверяемое значение:</a:t>
+                </a:r>
+              </a:p>
+              <a:p>
+                <a:pPr marL="0" indent="0">
+                  <a:buNone/>
+                </a:pPr>
+                <a14:m>
+                  <m:oMathPara xmlns:m="http://schemas.openxmlformats.org/officeDocument/2006/math">
+                    <m:oMathParaPr>
+                      <m:jc m:val="left"/>
+                    </m:oMathParaPr>
+                    <m:oMath xmlns:m="http://schemas.openxmlformats.org/officeDocument/2006/math">
+                      <m:r>
+                        <a:rPr lang="en-US" b="0" i="1" smtClean="0">
+                          <a:latin typeface="Cambria Math" panose="02040503050406030204" pitchFamily="18" charset="0"/>
+                        </a:rPr>
+                        <m:t>𝑋</m:t>
+                      </m:r>
+                      <m:r>
+                        <a:rPr lang="en-US" i="1">
+                          <a:latin typeface="Cambria Math" panose="02040503050406030204" pitchFamily="18" charset="0"/>
+                        </a:rPr>
+                        <m:t>=</m:t>
+                      </m:r>
+                      <m:d>
+                        <m:dPr>
+                          <m:begChr m:val="{"/>
+                          <m:endChr m:val="}"/>
+                          <m:ctrlPr>
+                            <a:rPr lang="en-US" i="1">
+                              <a:latin typeface="Cambria Math" panose="02040503050406030204" pitchFamily="18" charset="0"/>
+                            </a:rPr>
+                          </m:ctrlPr>
+                        </m:dPr>
+                        <m:e>
+                          <m:r>
+                            <a:rPr lang="ru-RU" i="1">
+                              <a:latin typeface="Cambria Math" panose="02040503050406030204" pitchFamily="18" charset="0"/>
+                            </a:rPr>
+                            <m:t>купи,</m:t>
+                          </m:r>
+                          <m:r>
+                            <a:rPr lang="ru-RU" b="0" i="1" smtClean="0">
+                              <a:latin typeface="Cambria Math" panose="02040503050406030204" pitchFamily="18" charset="0"/>
+                            </a:rPr>
+                            <m:t>литр</m:t>
+                          </m:r>
+                          <m:r>
+                            <a:rPr lang="ru-RU" i="1">
+                              <a:latin typeface="Cambria Math" panose="02040503050406030204" pitchFamily="18" charset="0"/>
+                            </a:rPr>
+                            <m:t>, </m:t>
+                          </m:r>
+                          <m:r>
+                            <a:rPr lang="ru-RU" b="0" i="1" smtClean="0">
+                              <a:latin typeface="Cambria Math" panose="02040503050406030204" pitchFamily="18" charset="0"/>
+                            </a:rPr>
+                            <m:t>молока</m:t>
+                          </m:r>
+                        </m:e>
+                      </m:d>
+                    </m:oMath>
+                  </m:oMathPara>
+                </a14:m>
+                <a:endParaRPr lang="ru-RU" dirty="0"/>
+              </a:p>
+              <a:p>
+                <a:pPr marL="0" indent="0">
+                  <a:buNone/>
+                </a:pPr>
+                <a:endParaRPr lang="ru-RU" dirty="0"/>
+              </a:p>
+              <a:p>
+                <a:pPr marL="0" indent="0">
+                  <a:buNone/>
+                </a:pPr>
+                <a:endParaRPr lang="ru-RU" dirty="0" smtClean="0"/>
+              </a:p>
+            </p:txBody>
+          </p:sp>
+        </mc:Choice>
+        <mc:Fallback>
+          <p:sp>
+            <p:nvSpPr>
+              <p:cNvPr id="3" name="Объект 2"/>
+              <p:cNvSpPr>
+                <a:spLocks noGrp="1" noRot="1" noChangeAspect="1" noMove="1" noResize="1" noEditPoints="1" noAdjustHandles="1" noChangeArrowheads="1" noChangeShapeType="1" noTextEdit="1"/>
+              </p:cNvSpPr>
+              <p:nvPr>
+                <p:ph idx="1"/>
+              </p:nvPr>
+            </p:nvSpPr>
+            <p:spPr>
+              <a:blipFill rotWithShape="0">
+                <a:blip r:embed="rId2"/>
+                <a:stretch>
+                  <a:fillRect l="-1217" t="-3081" b="-420"/>
+                </a:stretch>
+              </a:blipFill>
+            </p:spPr>
+            <p:txBody>
+              <a:bodyPr/>
+              <a:lstStyle/>
+              <a:p>
+                <a:r>
+                  <a:rPr lang="ru-RU">
+                    <a:noFill/>
+                  </a:rPr>
+                  <a:t> </a:t>
+                </a:r>
+              </a:p>
+            </p:txBody>
+          </p:sp>
+        </mc:Fallback>
+      </mc:AlternateContent>
     </p:spTree>
     <p:extLst>
       <p:ext uri="{BB962C8B-B14F-4D97-AF65-F5344CB8AC3E}">
-        <p14:creationId xmlns:p14="http://schemas.microsoft.com/office/powerpoint/2010/main" val="1007737692"/>
+        <p14:creationId xmlns:p14="http://schemas.microsoft.com/office/powerpoint/2010/main" val="3206926180"/>
       </p:ext>
     </p:extLst>
   </p:cSld>
@@ -13136,94 +14278,275 @@
           <a:p>
             <a:r>
               <a:rPr lang="ru-RU" dirty="0"/>
-              <a:t>Сравнение с логистической </a:t>
-            </a:r>
-            <a:r>
-              <a:rPr lang="ru-RU" dirty="0" smtClean="0"/>
-              <a:t>регрессией</a:t>
-            </a:r>
-            <a:endParaRPr lang="ru-RU" dirty="0"/>
+              <a:t>Наивный байесовский классификатор</a:t>
+            </a:r>
           </a:p>
         </p:txBody>
       </p:sp>
-      <p:sp>
-        <p:nvSpPr>
-          <p:cNvPr id="3" name="Объект 2"/>
-          <p:cNvSpPr>
-            <a:spLocks noGrp="1"/>
-          </p:cNvSpPr>
-          <p:nvPr>
-            <p:ph idx="1"/>
-          </p:nvPr>
-        </p:nvSpPr>
-        <p:spPr/>
-        <p:txBody>
-          <a:bodyPr/>
-          <a:lstStyle/>
-          <a:p>
-            <a:pPr marL="0" indent="0">
-              <a:buNone/>
-            </a:pPr>
-            <a:r>
-              <a:rPr lang="ru-RU" dirty="0" smtClean="0"/>
-              <a:t>Предположения о зависимости параметров:</a:t>
-            </a:r>
-          </a:p>
-          <a:p>
-            <a:pPr marL="0" indent="0">
-              <a:buNone/>
-            </a:pPr>
-            <a:endParaRPr lang="ru-RU" dirty="0" smtClean="0"/>
-          </a:p>
-          <a:p>
-            <a:r>
-              <a:rPr lang="ru-RU" dirty="0" smtClean="0"/>
-              <a:t>Наивный байесовский классификатор:</a:t>
-            </a:r>
-          </a:p>
-          <a:p>
-            <a:pPr marL="0" indent="0">
-              <a:buNone/>
-            </a:pPr>
-            <a:r>
-              <a:rPr lang="ru-RU" dirty="0" smtClean="0"/>
-              <a:t>	Параметры должны быть независимы.</a:t>
-            </a:r>
-          </a:p>
-          <a:p>
-            <a:pPr marL="0" indent="0">
-              <a:buNone/>
-            </a:pPr>
-            <a:endParaRPr lang="ru-RU" dirty="0" smtClean="0"/>
-          </a:p>
-          <a:p>
-            <a:r>
-              <a:rPr lang="ru-RU" dirty="0" smtClean="0"/>
-              <a:t>Логистическая регрессия:</a:t>
-            </a:r>
-          </a:p>
-          <a:p>
-            <a:pPr marL="914400" lvl="2" indent="0">
-              <a:buNone/>
-            </a:pPr>
-            <a:r>
-              <a:rPr lang="ru-RU" sz="2800" dirty="0" smtClean="0"/>
-              <a:t>Параметры могут зависеть друг от друга.</a:t>
-            </a:r>
-            <a:endParaRPr lang="ru-RU" sz="2800" dirty="0"/>
-          </a:p>
-          <a:p>
-            <a:pPr marL="0" indent="0">
-              <a:buNone/>
-            </a:pPr>
-            <a:endParaRPr lang="ru-RU" dirty="0"/>
-          </a:p>
-        </p:txBody>
-      </p:sp>
+      <mc:AlternateContent xmlns:mc="http://schemas.openxmlformats.org/markup-compatibility/2006">
+        <mc:Choice xmlns:a14="http://schemas.microsoft.com/office/drawing/2010/main" Requires="a14">
+          <p:sp>
+            <p:nvSpPr>
+              <p:cNvPr id="3" name="Объект 2"/>
+              <p:cNvSpPr>
+                <a:spLocks noGrp="1"/>
+              </p:cNvSpPr>
+              <p:nvPr>
+                <p:ph idx="1"/>
+              </p:nvPr>
+            </p:nvSpPr>
+            <p:spPr/>
+            <p:txBody>
+              <a:bodyPr>
+                <a:normAutofit/>
+              </a:bodyPr>
+              <a:lstStyle/>
+              <a:p>
+                <a:pPr marL="0" indent="0">
+                  <a:buNone/>
+                </a:pPr>
+                <a:r>
+                  <a:rPr lang="ru-RU" dirty="0" smtClean="0"/>
+                  <a:t>Количество </a:t>
+                </a:r>
+                <a:r>
+                  <a:rPr lang="ru-RU" dirty="0"/>
+                  <a:t>элементов в наборе </a:t>
+                </a:r>
+                <a:r>
+                  <a:rPr lang="ru-RU" dirty="0" smtClean="0"/>
+                  <a:t>данных:</a:t>
+                </a:r>
+                <a:endParaRPr lang="en-US" b="0" i="1" dirty="0" smtClean="0">
+                  <a:latin typeface="Cambria Math" panose="02040503050406030204" pitchFamily="18" charset="0"/>
+                </a:endParaRPr>
+              </a:p>
+              <a:p>
+                <a:pPr marL="0" indent="0">
+                  <a:buNone/>
+                </a:pPr>
+                <a14:m>
+                  <m:oMathPara xmlns:m="http://schemas.openxmlformats.org/officeDocument/2006/math">
+                    <m:oMathParaPr>
+                      <m:jc m:val="left"/>
+                    </m:oMathParaPr>
+                    <m:oMath xmlns:m="http://schemas.openxmlformats.org/officeDocument/2006/math">
+                      <m:r>
+                        <a:rPr lang="en-US" b="0" i="1" smtClean="0">
+                          <a:latin typeface="Cambria Math" panose="02040503050406030204" pitchFamily="18" charset="0"/>
+                        </a:rPr>
+                        <m:t>𝑁</m:t>
+                      </m:r>
+                      <m:r>
+                        <a:rPr lang="en-US" b="0" i="1" smtClean="0">
+                          <a:latin typeface="Cambria Math" panose="02040503050406030204" pitchFamily="18" charset="0"/>
+                        </a:rPr>
+                        <m:t>=3</m:t>
+                      </m:r>
+                    </m:oMath>
+                  </m:oMathPara>
+                </a14:m>
+                <a:endParaRPr lang="ru-RU" b="0" dirty="0" smtClean="0"/>
+              </a:p>
+              <a:p>
+                <a:pPr marL="0" indent="0">
+                  <a:buNone/>
+                </a:pPr>
+                <a:endParaRPr lang="ru-RU" dirty="0" smtClean="0"/>
+              </a:p>
+              <a:p>
+                <a:pPr marL="0" indent="0">
+                  <a:buNone/>
+                </a:pPr>
+                <a:r>
+                  <a:rPr lang="ru-RU" dirty="0" smtClean="0"/>
+                  <a:t>Количество элементов в каждом классе:</a:t>
+                </a:r>
+                <a:endParaRPr lang="ru-RU" dirty="0" smtClean="0"/>
+              </a:p>
+              <a:p>
+                <a:pPr marL="0" indent="0">
+                  <a:buNone/>
+                </a:pPr>
+                <a14:m>
+                  <m:oMathPara xmlns:m="http://schemas.openxmlformats.org/officeDocument/2006/math">
+                    <m:oMathParaPr>
+                      <m:jc m:val="left"/>
+                    </m:oMathParaPr>
+                    <m:oMath xmlns:m="http://schemas.openxmlformats.org/officeDocument/2006/math">
+                      <m:sSub>
+                        <m:sSubPr>
+                          <m:ctrlPr>
+                            <a:rPr lang="ru-RU" i="1" smtClean="0">
+                              <a:latin typeface="Cambria Math" panose="02040503050406030204" pitchFamily="18" charset="0"/>
+                            </a:rPr>
+                          </m:ctrlPr>
+                        </m:sSubPr>
+                        <m:e>
+                          <m:r>
+                            <a:rPr lang="en-US" b="0" i="1" smtClean="0">
+                              <a:latin typeface="Cambria Math" panose="02040503050406030204" pitchFamily="18" charset="0"/>
+                            </a:rPr>
+                            <m:t>𝑁</m:t>
+                          </m:r>
+                        </m:e>
+                        <m:sub>
+                          <m:r>
+                            <a:rPr lang="en-US" b="0" i="1" smtClean="0">
+                              <a:latin typeface="Cambria Math" panose="02040503050406030204" pitchFamily="18" charset="0"/>
+                            </a:rPr>
+                            <m:t>0</m:t>
+                          </m:r>
+                        </m:sub>
+                      </m:sSub>
+                      <m:r>
+                        <a:rPr lang="en-US" b="0" i="1" smtClean="0">
+                          <a:latin typeface="Cambria Math" panose="02040503050406030204" pitchFamily="18" charset="0"/>
+                        </a:rPr>
+                        <m:t>=1,</m:t>
+                      </m:r>
+                      <m:sSub>
+                        <m:sSubPr>
+                          <m:ctrlPr>
+                            <a:rPr lang="en-US" b="0" i="1" smtClean="0">
+                              <a:latin typeface="Cambria Math" panose="02040503050406030204" pitchFamily="18" charset="0"/>
+                            </a:rPr>
+                          </m:ctrlPr>
+                        </m:sSubPr>
+                        <m:e>
+                          <m:r>
+                            <a:rPr lang="en-US" b="0" i="1" smtClean="0">
+                              <a:latin typeface="Cambria Math" panose="02040503050406030204" pitchFamily="18" charset="0"/>
+                            </a:rPr>
+                            <m:t>𝑁</m:t>
+                          </m:r>
+                        </m:e>
+                        <m:sub>
+                          <m:r>
+                            <a:rPr lang="en-US" b="0" i="1" smtClean="0">
+                              <a:latin typeface="Cambria Math" panose="02040503050406030204" pitchFamily="18" charset="0"/>
+                            </a:rPr>
+                            <m:t>1</m:t>
+                          </m:r>
+                        </m:sub>
+                      </m:sSub>
+                      <m:r>
+                        <a:rPr lang="en-US" b="0" i="1" smtClean="0">
+                          <a:latin typeface="Cambria Math" panose="02040503050406030204" pitchFamily="18" charset="0"/>
+                        </a:rPr>
+                        <m:t>=2</m:t>
+                      </m:r>
+                    </m:oMath>
+                  </m:oMathPara>
+                </a14:m>
+                <a:endParaRPr lang="en-US" dirty="0" smtClean="0"/>
+              </a:p>
+              <a:p>
+                <a:pPr marL="0" indent="0">
+                  <a:buNone/>
+                </a:pPr>
+                <a:endParaRPr lang="en-US" dirty="0"/>
+              </a:p>
+              <a:p>
+                <a:pPr marL="0" indent="0">
+                  <a:buNone/>
+                </a:pPr>
+                <a:r>
+                  <a:rPr lang="ru-RU" dirty="0" smtClean="0"/>
+                  <a:t>Количество уникальных значений параметров:</a:t>
+                </a:r>
+              </a:p>
+              <a:p>
+                <a:pPr marL="0" indent="0">
+                  <a:buNone/>
+                </a:pPr>
+                <a14:m>
+                  <m:oMath xmlns:m="http://schemas.openxmlformats.org/officeDocument/2006/math">
+                    <m:d>
+                      <m:dPr>
+                        <m:begChr m:val="|"/>
+                        <m:endChr m:val="|"/>
+                        <m:ctrlPr>
+                          <a:rPr lang="ru-RU" i="1">
+                            <a:latin typeface="Cambria Math" panose="02040503050406030204" pitchFamily="18" charset="0"/>
+                          </a:rPr>
+                        </m:ctrlPr>
+                      </m:dPr>
+                      <m:e>
+                        <m:r>
+                          <m:rPr>
+                            <m:sty m:val="p"/>
+                          </m:rPr>
+                          <a:rPr lang="el-GR" i="0">
+                            <a:latin typeface="Cambria Math" panose="02040503050406030204" pitchFamily="18" charset="0"/>
+                            <a:ea typeface="Cambria Math" panose="02040503050406030204" pitchFamily="18" charset="0"/>
+                          </a:rPr>
+                          <m:t>Ω</m:t>
+                        </m:r>
+                      </m:e>
+                    </m:d>
+                    <m:r>
+                      <a:rPr lang="ru-RU" b="0" i="1" smtClean="0">
+                        <a:latin typeface="Cambria Math" panose="02040503050406030204" pitchFamily="18" charset="0"/>
+                        <a:ea typeface="Cambria Math" panose="02040503050406030204" pitchFamily="18" charset="0"/>
+                      </a:rPr>
+                      <m:t>=7</m:t>
+                    </m:r>
+                  </m:oMath>
+                </a14:m>
+                <a:r>
+                  <a:rPr lang="en-US" i="1" dirty="0"/>
+                  <a:t> </a:t>
+                </a:r>
+                <a:endParaRPr lang="ru-RU" dirty="0"/>
+              </a:p>
+              <a:p>
+                <a:pPr marL="0" indent="0">
+                  <a:buNone/>
+                </a:pPr>
+                <a:endParaRPr lang="ru-RU" dirty="0" smtClean="0"/>
+              </a:p>
+            </p:txBody>
+          </p:sp>
+        </mc:Choice>
+        <mc:Fallback>
+          <p:sp>
+            <p:nvSpPr>
+              <p:cNvPr id="3" name="Объект 2"/>
+              <p:cNvSpPr>
+                <a:spLocks noGrp="1" noRot="1" noChangeAspect="1" noMove="1" noResize="1" noEditPoints="1" noAdjustHandles="1" noChangeArrowheads="1" noChangeShapeType="1" noTextEdit="1"/>
+              </p:cNvSpPr>
+              <p:nvPr>
+                <p:ph idx="1"/>
+              </p:nvPr>
+            </p:nvSpPr>
+            <p:spPr>
+              <a:blipFill rotWithShape="0">
+                <a:blip r:embed="rId2"/>
+                <a:stretch>
+                  <a:fillRect l="-1217" t="-2241"/>
+                </a:stretch>
+              </a:blipFill>
+            </p:spPr>
+            <p:txBody>
+              <a:bodyPr/>
+              <a:lstStyle/>
+              <a:p>
+                <a:r>
+                  <a:rPr lang="ru-RU">
+                    <a:noFill/>
+                  </a:rPr>
+                  <a:t> </a:t>
+                </a:r>
+              </a:p>
+            </p:txBody>
+          </p:sp>
+        </mc:Fallback>
+      </mc:AlternateContent>
     </p:spTree>
     <p:extLst>
       <p:ext uri="{BB962C8B-B14F-4D97-AF65-F5344CB8AC3E}">
-        <p14:creationId xmlns:p14="http://schemas.microsoft.com/office/powerpoint/2010/main" val="3494800535"/>
+        <p14:creationId xmlns:p14="http://schemas.microsoft.com/office/powerpoint/2010/main" val="4211393161"/>
       </p:ext>
     </p:extLst>
   </p:cSld>
@@ -13267,94 +14590,303 @@
           <a:p>
             <a:r>
               <a:rPr lang="ru-RU" dirty="0"/>
-              <a:t>Сравнение с логистической </a:t>
-            </a:r>
-            <a:r>
-              <a:rPr lang="ru-RU" dirty="0" smtClean="0"/>
-              <a:t>регрессией</a:t>
-            </a:r>
-            <a:endParaRPr lang="ru-RU" dirty="0"/>
+              <a:t>Наивный байесовский классификатор</a:t>
+            </a:r>
           </a:p>
         </p:txBody>
       </p:sp>
-      <p:sp>
-        <p:nvSpPr>
-          <p:cNvPr id="3" name="Объект 2"/>
-          <p:cNvSpPr>
-            <a:spLocks noGrp="1"/>
-          </p:cNvSpPr>
-          <p:nvPr>
-            <p:ph idx="1"/>
-          </p:nvPr>
-        </p:nvSpPr>
-        <p:spPr/>
-        <p:txBody>
-          <a:bodyPr/>
-          <a:lstStyle/>
-          <a:p>
-            <a:pPr marL="0" indent="0">
-              <a:buNone/>
-            </a:pPr>
-            <a:r>
-              <a:rPr lang="ru-RU" dirty="0" smtClean="0"/>
-              <a:t>Борьба с переобучением при небольшом количестве элементов в наборе данных:</a:t>
-            </a:r>
-          </a:p>
-          <a:p>
-            <a:pPr marL="0" indent="0">
-              <a:buNone/>
-            </a:pPr>
-            <a:endParaRPr lang="ru-RU" dirty="0" smtClean="0"/>
-          </a:p>
-          <a:p>
-            <a:r>
-              <a:rPr lang="ru-RU" dirty="0" smtClean="0"/>
-              <a:t>Наивный байесовский классификатор:</a:t>
-            </a:r>
-          </a:p>
-          <a:p>
-            <a:pPr marL="0" indent="0">
-              <a:buNone/>
-            </a:pPr>
-            <a:r>
-              <a:rPr lang="ru-RU" dirty="0" smtClean="0"/>
-              <a:t>	Получить более точные априорные условные вероятности.</a:t>
-            </a:r>
-          </a:p>
-          <a:p>
-            <a:pPr marL="0" indent="0">
-              <a:buNone/>
-            </a:pPr>
-            <a:endParaRPr lang="ru-RU" dirty="0" smtClean="0"/>
-          </a:p>
-          <a:p>
-            <a:r>
-              <a:rPr lang="ru-RU" dirty="0" smtClean="0"/>
-              <a:t>Логистическая регрессия:</a:t>
-            </a:r>
-          </a:p>
-          <a:p>
-            <a:pPr marL="914400" lvl="2" indent="0">
-              <a:buNone/>
-            </a:pPr>
-            <a:r>
-              <a:rPr lang="ru-RU" sz="2800" dirty="0" smtClean="0"/>
-              <a:t>Использовать регуляризацию.</a:t>
-            </a:r>
-            <a:endParaRPr lang="ru-RU" sz="2800" dirty="0"/>
-          </a:p>
-          <a:p>
-            <a:pPr marL="0" indent="0">
-              <a:buNone/>
-            </a:pPr>
-            <a:endParaRPr lang="ru-RU" dirty="0"/>
-          </a:p>
-        </p:txBody>
-      </p:sp>
+      <mc:AlternateContent xmlns:mc="http://schemas.openxmlformats.org/markup-compatibility/2006">
+        <mc:Choice xmlns:a14="http://schemas.microsoft.com/office/drawing/2010/main" Requires="a14">
+          <p:sp>
+            <p:nvSpPr>
+              <p:cNvPr id="3" name="Объект 2"/>
+              <p:cNvSpPr>
+                <a:spLocks noGrp="1"/>
+              </p:cNvSpPr>
+              <p:nvPr>
+                <p:ph idx="1"/>
+              </p:nvPr>
+            </p:nvSpPr>
+            <p:spPr/>
+            <p:txBody>
+              <a:bodyPr>
+                <a:normAutofit/>
+              </a:bodyPr>
+              <a:lstStyle/>
+              <a:p>
+                <a:pPr marL="0" indent="0">
+                  <a:buNone/>
+                </a:pPr>
+                <a:r>
+                  <a:rPr lang="ru-RU" dirty="0" smtClean="0"/>
+                  <a:t>Количество </a:t>
+                </a:r>
+                <a:r>
+                  <a:rPr lang="ru-RU" dirty="0"/>
+                  <a:t>параметров в элементах, отнесенных к каждому </a:t>
+                </a:r>
+                <a:r>
+                  <a:rPr lang="ru-RU" dirty="0" smtClean="0"/>
+                  <a:t>классу:</a:t>
+                </a:r>
+              </a:p>
+              <a:p>
+                <a:pPr marL="0" indent="0">
+                  <a:buNone/>
+                </a:pPr>
+                <a:endParaRPr lang="ru-RU" i="1" dirty="0" smtClean="0">
+                  <a:latin typeface="Cambria Math" panose="02040503050406030204" pitchFamily="18" charset="0"/>
+                </a:endParaRPr>
+              </a:p>
+              <a:p>
+                <a:pPr marL="0" indent="0">
+                  <a:buNone/>
+                </a:pPr>
+                <a14:m>
+                  <m:oMathPara xmlns:m="http://schemas.openxmlformats.org/officeDocument/2006/math">
+                    <m:oMathParaPr>
+                      <m:jc m:val="left"/>
+                    </m:oMathParaPr>
+                    <m:oMath xmlns:m="http://schemas.openxmlformats.org/officeDocument/2006/math">
+                      <m:nary>
+                        <m:naryPr>
+                          <m:chr m:val="∑"/>
+                          <m:supHide m:val="on"/>
+                          <m:ctrlPr>
+                            <a:rPr lang="en-US" i="1">
+                              <a:latin typeface="Cambria Math" panose="02040503050406030204" pitchFamily="18" charset="0"/>
+                            </a:rPr>
+                          </m:ctrlPr>
+                        </m:naryPr>
+                        <m:sub>
+                          <m:r>
+                            <a:rPr lang="en-US" i="1">
+                              <a:latin typeface="Cambria Math" panose="02040503050406030204" pitchFamily="18" charset="0"/>
+                            </a:rPr>
+                            <m:t>𝑚</m:t>
+                          </m:r>
+                          <m:r>
+                            <a:rPr lang="en-US" i="1">
+                              <a:latin typeface="Cambria Math" panose="02040503050406030204" pitchFamily="18" charset="0"/>
+                              <a:ea typeface="Cambria Math" panose="02040503050406030204" pitchFamily="18" charset="0"/>
+                            </a:rPr>
+                            <m:t>∈</m:t>
+                          </m:r>
+                          <m:r>
+                            <m:rPr>
+                              <m:sty m:val="p"/>
+                            </m:rPr>
+                            <a:rPr lang="en-US" i="1">
+                              <a:latin typeface="Cambria Math" panose="02040503050406030204" pitchFamily="18" charset="0"/>
+                              <a:ea typeface="Cambria Math" panose="02040503050406030204" pitchFamily="18" charset="0"/>
+                            </a:rPr>
+                            <m:t>Ω</m:t>
+                          </m:r>
+                        </m:sub>
+                        <m:sup/>
+                        <m:e>
+                          <m:sSub>
+                            <m:sSubPr>
+                              <m:ctrlPr>
+                                <a:rPr lang="en-US" i="1">
+                                  <a:latin typeface="Cambria Math" panose="02040503050406030204" pitchFamily="18" charset="0"/>
+                                </a:rPr>
+                              </m:ctrlPr>
+                            </m:sSubPr>
+                            <m:e>
+                              <m:r>
+                                <a:rPr lang="en-US" i="1">
+                                  <a:latin typeface="Cambria Math" panose="02040503050406030204" pitchFamily="18" charset="0"/>
+                                </a:rPr>
+                                <m:t>𝑊</m:t>
+                              </m:r>
+                            </m:e>
+                            <m:sub>
+                              <m:r>
+                                <a:rPr lang="en-US" i="1">
+                                  <a:latin typeface="Cambria Math" panose="02040503050406030204" pitchFamily="18" charset="0"/>
+                                </a:rPr>
+                                <m:t>𝑚</m:t>
+                              </m:r>
+                              <m:r>
+                                <a:rPr lang="ru-RU" b="0" i="1" smtClean="0">
+                                  <a:latin typeface="Cambria Math" panose="02040503050406030204" pitchFamily="18" charset="0"/>
+                                </a:rPr>
+                                <m:t>0</m:t>
+                              </m:r>
+                            </m:sub>
+                          </m:sSub>
+                        </m:e>
+                      </m:nary>
+                      <m:r>
+                        <a:rPr lang="ru-RU" b="0" i="1" smtClean="0">
+                          <a:latin typeface="Cambria Math" panose="02040503050406030204" pitchFamily="18" charset="0"/>
+                        </a:rPr>
+                        <m:t>=3</m:t>
+                      </m:r>
+                    </m:oMath>
+                  </m:oMathPara>
+                </a14:m>
+                <a:endParaRPr lang="ru-RU" dirty="0" smtClean="0"/>
+              </a:p>
+              <a:p>
+                <a:pPr marL="0" indent="0">
+                  <a:buNone/>
+                </a:pPr>
+                <a:endParaRPr lang="ru-RU" i="1" dirty="0" smtClean="0">
+                  <a:latin typeface="Cambria Math" panose="02040503050406030204" pitchFamily="18" charset="0"/>
+                </a:endParaRPr>
+              </a:p>
+              <a:p>
+                <a:pPr marL="0" indent="0">
+                  <a:buNone/>
+                </a:pPr>
+                <a14:m>
+                  <m:oMathPara xmlns:m="http://schemas.openxmlformats.org/officeDocument/2006/math">
+                    <m:oMathParaPr>
+                      <m:jc m:val="left"/>
+                    </m:oMathParaPr>
+                    <m:oMath xmlns:m="http://schemas.openxmlformats.org/officeDocument/2006/math">
+                      <m:nary>
+                        <m:naryPr>
+                          <m:chr m:val="∑"/>
+                          <m:supHide m:val="on"/>
+                          <m:ctrlPr>
+                            <a:rPr lang="en-US" i="1">
+                              <a:latin typeface="Cambria Math" panose="02040503050406030204" pitchFamily="18" charset="0"/>
+                            </a:rPr>
+                          </m:ctrlPr>
+                        </m:naryPr>
+                        <m:sub>
+                          <m:r>
+                            <a:rPr lang="en-US" i="1">
+                              <a:latin typeface="Cambria Math" panose="02040503050406030204" pitchFamily="18" charset="0"/>
+                            </a:rPr>
+                            <m:t>𝑚</m:t>
+                          </m:r>
+                          <m:r>
+                            <a:rPr lang="en-US" i="1">
+                              <a:latin typeface="Cambria Math" panose="02040503050406030204" pitchFamily="18" charset="0"/>
+                              <a:ea typeface="Cambria Math" panose="02040503050406030204" pitchFamily="18" charset="0"/>
+                            </a:rPr>
+                            <m:t>∈</m:t>
+                          </m:r>
+                          <m:r>
+                            <m:rPr>
+                              <m:sty m:val="p"/>
+                            </m:rPr>
+                            <a:rPr lang="en-US" i="1">
+                              <a:latin typeface="Cambria Math" panose="02040503050406030204" pitchFamily="18" charset="0"/>
+                              <a:ea typeface="Cambria Math" panose="02040503050406030204" pitchFamily="18" charset="0"/>
+                            </a:rPr>
+                            <m:t>Ω</m:t>
+                          </m:r>
+                        </m:sub>
+                        <m:sup/>
+                        <m:e>
+                          <m:sSub>
+                            <m:sSubPr>
+                              <m:ctrlPr>
+                                <a:rPr lang="en-US" i="1">
+                                  <a:latin typeface="Cambria Math" panose="02040503050406030204" pitchFamily="18" charset="0"/>
+                                </a:rPr>
+                              </m:ctrlPr>
+                            </m:sSubPr>
+                            <m:e>
+                              <m:r>
+                                <a:rPr lang="en-US" i="1">
+                                  <a:latin typeface="Cambria Math" panose="02040503050406030204" pitchFamily="18" charset="0"/>
+                                </a:rPr>
+                                <m:t>𝑊</m:t>
+                              </m:r>
+                            </m:e>
+                            <m:sub>
+                              <m:r>
+                                <a:rPr lang="en-US" i="1">
+                                  <a:latin typeface="Cambria Math" panose="02040503050406030204" pitchFamily="18" charset="0"/>
+                                </a:rPr>
+                                <m:t>𝑚</m:t>
+                              </m:r>
+                              <m:r>
+                                <a:rPr lang="ru-RU" b="0" i="1" smtClean="0">
+                                  <a:latin typeface="Cambria Math" panose="02040503050406030204" pitchFamily="18" charset="0"/>
+                                </a:rPr>
+                                <m:t>1</m:t>
+                              </m:r>
+                            </m:sub>
+                          </m:sSub>
+                        </m:e>
+                      </m:nary>
+                      <m:r>
+                        <a:rPr lang="ru-RU" i="1">
+                          <a:latin typeface="Cambria Math" panose="02040503050406030204" pitchFamily="18" charset="0"/>
+                        </a:rPr>
+                        <m:t>=</m:t>
+                      </m:r>
+                      <m:r>
+                        <a:rPr lang="ru-RU" b="0" i="1" smtClean="0">
+                          <a:latin typeface="Cambria Math" panose="02040503050406030204" pitchFamily="18" charset="0"/>
+                        </a:rPr>
+                        <m:t>6</m:t>
+                      </m:r>
+                    </m:oMath>
+                  </m:oMathPara>
+                </a14:m>
+                <a:endParaRPr lang="ru-RU" dirty="0"/>
+              </a:p>
+              <a:p>
+                <a:pPr marL="0" indent="0">
+                  <a:buNone/>
+                </a:pPr>
+                <a:endParaRPr lang="ru-RU" dirty="0" smtClean="0"/>
+              </a:p>
+              <a:p>
+                <a:pPr marL="0" indent="0">
+                  <a:buNone/>
+                </a:pPr>
+                <a:endParaRPr lang="ru-RU" dirty="0" smtClean="0"/>
+              </a:p>
+            </p:txBody>
+          </p:sp>
+        </mc:Choice>
+        <mc:Fallback>
+          <p:sp>
+            <p:nvSpPr>
+              <p:cNvPr id="3" name="Объект 2"/>
+              <p:cNvSpPr>
+                <a:spLocks noGrp="1" noRot="1" noChangeAspect="1" noMove="1" noResize="1" noEditPoints="1" noAdjustHandles="1" noChangeArrowheads="1" noChangeShapeType="1" noTextEdit="1"/>
+              </p:cNvSpPr>
+              <p:nvPr>
+                <p:ph idx="1"/>
+              </p:nvPr>
+            </p:nvSpPr>
+            <p:spPr>
+              <a:blipFill rotWithShape="0">
+                <a:blip r:embed="rId2"/>
+                <a:stretch>
+                  <a:fillRect l="-1217" t="-2241" r="-1101"/>
+                </a:stretch>
+              </a:blipFill>
+            </p:spPr>
+            <p:txBody>
+              <a:bodyPr/>
+              <a:lstStyle/>
+              <a:p>
+                <a:r>
+                  <a:rPr lang="ru-RU">
+                    <a:noFill/>
+                  </a:rPr>
+                  <a:t> </a:t>
+                </a:r>
+              </a:p>
+            </p:txBody>
+          </p:sp>
+        </mc:Fallback>
+      </mc:AlternateContent>
     </p:spTree>
     <p:extLst>
       <p:ext uri="{BB962C8B-B14F-4D97-AF65-F5344CB8AC3E}">
-        <p14:creationId xmlns:p14="http://schemas.microsoft.com/office/powerpoint/2010/main" val="2866182779"/>
+        <p14:creationId xmlns:p14="http://schemas.microsoft.com/office/powerpoint/2010/main" val="3143068632"/>
       </p:ext>
     </p:extLst>
   </p:cSld>
@@ -13590,96 +15122,606 @@
           <a:p>
             <a:r>
               <a:rPr lang="ru-RU" dirty="0"/>
-              <a:t>Сравнение с логистической </a:t>
-            </a:r>
-            <a:r>
-              <a:rPr lang="ru-RU" dirty="0" smtClean="0"/>
-              <a:t>регрессией</a:t>
-            </a:r>
-            <a:endParaRPr lang="ru-RU" dirty="0"/>
+              <a:t>Наивный байесовский классификатор</a:t>
+            </a:r>
           </a:p>
         </p:txBody>
       </p:sp>
-      <p:sp>
-        <p:nvSpPr>
-          <p:cNvPr id="3" name="Объект 2"/>
-          <p:cNvSpPr>
-            <a:spLocks noGrp="1"/>
-          </p:cNvSpPr>
-          <p:nvPr>
-            <p:ph idx="1"/>
-          </p:nvPr>
-        </p:nvSpPr>
-        <p:spPr/>
-        <p:txBody>
-          <a:bodyPr>
-            <a:normAutofit lnSpcReduction="10000"/>
-          </a:bodyPr>
-          <a:lstStyle/>
-          <a:p>
-            <a:pPr marL="0" indent="0">
-              <a:buNone/>
-            </a:pPr>
-            <a:r>
-              <a:rPr lang="ru-RU" dirty="0" smtClean="0"/>
-              <a:t>Интересующие нас условные вероятности принадлежности к классу для имеющихся значений параметров:</a:t>
-            </a:r>
-          </a:p>
-          <a:p>
-            <a:pPr marL="0" indent="0">
-              <a:buNone/>
-            </a:pPr>
-            <a:endParaRPr lang="ru-RU" dirty="0" smtClean="0"/>
-          </a:p>
-          <a:p>
-            <a:r>
-              <a:rPr lang="ru-RU" dirty="0" smtClean="0"/>
-              <a:t>Наивный байесовский классификатор:</a:t>
-            </a:r>
-          </a:p>
-          <a:p>
-            <a:pPr marL="0" indent="0">
-              <a:buNone/>
-            </a:pPr>
-            <a:r>
-              <a:rPr lang="ru-RU" dirty="0" smtClean="0"/>
-              <a:t>	Вычисляются на основании вероятностей этих значений 	параметров (генеративный подход).</a:t>
-            </a:r>
-          </a:p>
-          <a:p>
-            <a:pPr marL="0" indent="0">
-              <a:buNone/>
-            </a:pPr>
-            <a:endParaRPr lang="ru-RU" dirty="0" smtClean="0"/>
-          </a:p>
-          <a:p>
-            <a:r>
-              <a:rPr lang="ru-RU" dirty="0" smtClean="0"/>
-              <a:t>Логистическая регрессия:</a:t>
-            </a:r>
-          </a:p>
-          <a:p>
-            <a:pPr marL="914400" lvl="2" indent="0">
-              <a:buNone/>
-            </a:pPr>
-            <a:r>
-              <a:rPr lang="ru-RU" sz="2800" dirty="0" smtClean="0"/>
-              <a:t>Вычисляются напрямую с помощью минимизации ошибки (дискриминативный подход).</a:t>
-            </a:r>
-            <a:endParaRPr lang="ru-RU" sz="2800" dirty="0"/>
-          </a:p>
-          <a:p>
-            <a:pPr marL="0" indent="0">
-              <a:buNone/>
-            </a:pPr>
-            <a:endParaRPr lang="ru-RU" dirty="0"/>
-          </a:p>
-        </p:txBody>
-      </p:sp>
+      <mc:AlternateContent xmlns:mc="http://schemas.openxmlformats.org/markup-compatibility/2006">
+        <mc:Choice xmlns:a14="http://schemas.microsoft.com/office/drawing/2010/main" Requires="a14">
+          <p:sp>
+            <p:nvSpPr>
+              <p:cNvPr id="3" name="Объект 2"/>
+              <p:cNvSpPr>
+                <a:spLocks noGrp="1"/>
+              </p:cNvSpPr>
+              <p:nvPr>
+                <p:ph idx="1"/>
+              </p:nvPr>
+            </p:nvSpPr>
+            <p:spPr/>
+            <p:txBody>
+              <a:bodyPr>
+                <a:normAutofit/>
+              </a:bodyPr>
+              <a:lstStyle/>
+              <a:p>
+                <a:pPr marL="0" indent="0">
+                  <a:buNone/>
+                </a:pPr>
+                <a:r>
+                  <a:rPr lang="ru-RU" dirty="0" smtClean="0"/>
+                  <a:t>Для п</a:t>
+                </a:r>
+                <a:r>
+                  <a:rPr lang="ru-RU" dirty="0" smtClean="0"/>
+                  <a:t>роверяемого значения </a:t>
+                </a:r>
+                <a14:m>
+                  <m:oMath xmlns:m="http://schemas.openxmlformats.org/officeDocument/2006/math">
+                    <m:r>
+                      <a:rPr lang="en-US" i="1">
+                        <a:latin typeface="Cambria Math" panose="02040503050406030204" pitchFamily="18" charset="0"/>
+                      </a:rPr>
+                      <m:t>𝑋</m:t>
+                    </m:r>
+                    <m:r>
+                      <a:rPr lang="en-US" i="1">
+                        <a:latin typeface="Cambria Math" panose="02040503050406030204" pitchFamily="18" charset="0"/>
+                      </a:rPr>
+                      <m:t>=</m:t>
+                    </m:r>
+                    <m:d>
+                      <m:dPr>
+                        <m:begChr m:val="{"/>
+                        <m:endChr m:val="}"/>
+                        <m:ctrlPr>
+                          <a:rPr lang="en-US" i="1">
+                            <a:latin typeface="Cambria Math" panose="02040503050406030204" pitchFamily="18" charset="0"/>
+                          </a:rPr>
+                        </m:ctrlPr>
+                      </m:dPr>
+                      <m:e>
+                        <m:r>
+                          <a:rPr lang="ru-RU" i="1">
+                            <a:latin typeface="Cambria Math" panose="02040503050406030204" pitchFamily="18" charset="0"/>
+                          </a:rPr>
+                          <m:t>купи,</m:t>
+                        </m:r>
+                        <m:r>
+                          <a:rPr lang="ru-RU" i="1">
+                            <a:latin typeface="Cambria Math" panose="02040503050406030204" pitchFamily="18" charset="0"/>
+                          </a:rPr>
+                          <m:t>литр</m:t>
+                        </m:r>
+                        <m:r>
+                          <a:rPr lang="ru-RU" i="1">
+                            <a:latin typeface="Cambria Math" panose="02040503050406030204" pitchFamily="18" charset="0"/>
+                          </a:rPr>
+                          <m:t>, </m:t>
+                        </m:r>
+                        <m:r>
+                          <a:rPr lang="ru-RU" i="1">
+                            <a:latin typeface="Cambria Math" panose="02040503050406030204" pitchFamily="18" charset="0"/>
+                          </a:rPr>
+                          <m:t>молока</m:t>
+                        </m:r>
+                      </m:e>
+                    </m:d>
+                  </m:oMath>
+                </a14:m>
+                <a:r>
+                  <a:rPr lang="ru-RU" dirty="0" smtClean="0"/>
+                  <a:t>:</a:t>
+                </a:r>
+              </a:p>
+              <a:p>
+                <a:pPr marL="0" indent="0">
+                  <a:buNone/>
+                </a:pPr>
+                <a14:m>
+                  <m:oMathPara xmlns:m="http://schemas.openxmlformats.org/officeDocument/2006/math">
+                    <m:oMathParaPr>
+                      <m:jc m:val="left"/>
+                    </m:oMathParaPr>
+                    <m:oMath xmlns:m="http://schemas.openxmlformats.org/officeDocument/2006/math">
+                      <m:sSub>
+                        <m:sSubPr>
+                          <m:ctrlPr>
+                            <a:rPr lang="en-US" i="1" smtClean="0">
+                              <a:latin typeface="Cambria Math" panose="02040503050406030204" pitchFamily="18" charset="0"/>
+                            </a:rPr>
+                          </m:ctrlPr>
+                        </m:sSubPr>
+                        <m:e>
+                          <m:r>
+                            <a:rPr lang="en-US" b="0" i="1" smtClean="0">
+                              <a:latin typeface="Cambria Math" panose="02040503050406030204" pitchFamily="18" charset="0"/>
+                            </a:rPr>
+                            <m:t>𝑥</m:t>
+                          </m:r>
+                        </m:e>
+                        <m:sub>
+                          <m:r>
+                            <a:rPr lang="en-US" b="0" i="1" smtClean="0">
+                              <a:latin typeface="Cambria Math" panose="02040503050406030204" pitchFamily="18" charset="0"/>
+                            </a:rPr>
+                            <m:t>1</m:t>
+                          </m:r>
+                        </m:sub>
+                      </m:sSub>
+                      <m:r>
+                        <a:rPr lang="en-US" b="0" i="1" smtClean="0">
+                          <a:latin typeface="Cambria Math" panose="02040503050406030204" pitchFamily="18" charset="0"/>
+                        </a:rPr>
+                        <m:t>=</m:t>
+                      </m:r>
+                      <m:r>
+                        <a:rPr lang="ru-RU" b="0" i="1" smtClean="0">
+                          <a:latin typeface="Cambria Math" panose="02040503050406030204" pitchFamily="18" charset="0"/>
+                        </a:rPr>
+                        <m:t>купить;</m:t>
+                      </m:r>
+                      <m:sSub>
+                        <m:sSubPr>
+                          <m:ctrlPr>
+                            <a:rPr lang="ru-RU" b="0" i="1" smtClean="0">
+                              <a:latin typeface="Cambria Math" panose="02040503050406030204" pitchFamily="18" charset="0"/>
+                            </a:rPr>
+                          </m:ctrlPr>
+                        </m:sSubPr>
+                        <m:e>
+                          <m:r>
+                            <a:rPr lang="en-US" b="0" i="1" smtClean="0">
+                              <a:latin typeface="Cambria Math" panose="02040503050406030204" pitchFamily="18" charset="0"/>
+                            </a:rPr>
+                            <m:t>𝑥</m:t>
+                          </m:r>
+                        </m:e>
+                        <m:sub>
+                          <m:r>
+                            <a:rPr lang="en-US" b="0" i="1" smtClean="0">
+                              <a:latin typeface="Cambria Math" panose="02040503050406030204" pitchFamily="18" charset="0"/>
+                            </a:rPr>
+                            <m:t>2</m:t>
+                          </m:r>
+                        </m:sub>
+                      </m:sSub>
+                      <m:r>
+                        <a:rPr lang="en-US" b="0" i="1" smtClean="0">
+                          <a:latin typeface="Cambria Math" panose="02040503050406030204" pitchFamily="18" charset="0"/>
+                        </a:rPr>
+                        <m:t>=</m:t>
+                      </m:r>
+                      <m:r>
+                        <a:rPr lang="ru-RU" b="0" i="1" smtClean="0">
+                          <a:latin typeface="Cambria Math" panose="02040503050406030204" pitchFamily="18" charset="0"/>
+                        </a:rPr>
+                        <m:t>литр;</m:t>
+                      </m:r>
+                      <m:sSub>
+                        <m:sSubPr>
+                          <m:ctrlPr>
+                            <a:rPr lang="ru-RU" b="0" i="1" smtClean="0">
+                              <a:latin typeface="Cambria Math" panose="02040503050406030204" pitchFamily="18" charset="0"/>
+                            </a:rPr>
+                          </m:ctrlPr>
+                        </m:sSubPr>
+                        <m:e>
+                          <m:r>
+                            <a:rPr lang="en-US" b="0" i="1" smtClean="0">
+                              <a:latin typeface="Cambria Math" panose="02040503050406030204" pitchFamily="18" charset="0"/>
+                            </a:rPr>
+                            <m:t>𝑥</m:t>
+                          </m:r>
+                        </m:e>
+                        <m:sub>
+                          <m:r>
+                            <a:rPr lang="en-US" b="0" i="1" smtClean="0">
+                              <a:latin typeface="Cambria Math" panose="02040503050406030204" pitchFamily="18" charset="0"/>
+                            </a:rPr>
+                            <m:t>3</m:t>
+                          </m:r>
+                        </m:sub>
+                      </m:sSub>
+                      <m:r>
+                        <a:rPr lang="en-US" b="0" i="1" smtClean="0">
+                          <a:latin typeface="Cambria Math" panose="02040503050406030204" pitchFamily="18" charset="0"/>
+                        </a:rPr>
+                        <m:t>=</m:t>
+                      </m:r>
+                      <m:r>
+                        <a:rPr lang="ru-RU" b="0" i="1" smtClean="0">
+                          <a:latin typeface="Cambria Math" panose="02040503050406030204" pitchFamily="18" charset="0"/>
+                        </a:rPr>
+                        <m:t>молоко</m:t>
+                      </m:r>
+                    </m:oMath>
+                  </m:oMathPara>
+                </a14:m>
+                <a:endParaRPr lang="en-US" i="1" dirty="0" smtClean="0">
+                  <a:latin typeface="Cambria Math" panose="02040503050406030204" pitchFamily="18" charset="0"/>
+                </a:endParaRPr>
+              </a:p>
+              <a:p>
+                <a:pPr marL="0" indent="0">
+                  <a:buNone/>
+                </a:pPr>
+                <a:endParaRPr lang="en-US" i="1" dirty="0" smtClean="0">
+                  <a:latin typeface="Cambria Math" panose="02040503050406030204" pitchFamily="18" charset="0"/>
+                </a:endParaRPr>
+              </a:p>
+              <a:p>
+                <a:pPr marL="0" indent="0">
+                  <a:buNone/>
+                </a:pPr>
+                <a14:m>
+                  <m:oMathPara xmlns:m="http://schemas.openxmlformats.org/officeDocument/2006/math">
+                    <m:oMathParaPr>
+                      <m:jc m:val="left"/>
+                    </m:oMathParaPr>
+                    <m:oMath xmlns:m="http://schemas.openxmlformats.org/officeDocument/2006/math">
+                      <m:sSub>
+                        <m:sSubPr>
+                          <m:ctrlPr>
+                            <a:rPr lang="ru-RU" i="1" smtClean="0">
+                              <a:latin typeface="Cambria Math" panose="02040503050406030204" pitchFamily="18" charset="0"/>
+                            </a:rPr>
+                          </m:ctrlPr>
+                        </m:sSubPr>
+                        <m:e>
+                          <m:r>
+                            <a:rPr lang="en-US" b="0" i="1" smtClean="0">
+                              <a:latin typeface="Cambria Math" panose="02040503050406030204" pitchFamily="18" charset="0"/>
+                            </a:rPr>
+                            <m:t>𝑊</m:t>
+                          </m:r>
+                        </m:e>
+                        <m:sub>
+                          <m:r>
+                            <a:rPr lang="en-US" b="0" i="1" smtClean="0">
+                              <a:latin typeface="Cambria Math" panose="02040503050406030204" pitchFamily="18" charset="0"/>
+                            </a:rPr>
+                            <m:t>10</m:t>
+                          </m:r>
+                        </m:sub>
+                      </m:sSub>
+                      <m:r>
+                        <a:rPr lang="en-US" b="0" i="1" smtClean="0">
+                          <a:latin typeface="Cambria Math" panose="02040503050406030204" pitchFamily="18" charset="0"/>
+                        </a:rPr>
+                        <m:t>=</m:t>
+                      </m:r>
+                      <m:r>
+                        <a:rPr lang="ru-RU" b="0" i="1" smtClean="0">
+                          <a:latin typeface="Cambria Math" panose="02040503050406030204" pitchFamily="18" charset="0"/>
+                        </a:rPr>
+                        <m:t>1</m:t>
+                      </m:r>
+                    </m:oMath>
+                  </m:oMathPara>
+                </a14:m>
+                <a:endParaRPr lang="en-US" dirty="0" smtClean="0"/>
+              </a:p>
+              <a:p>
+                <a:pPr marL="0" indent="0">
+                  <a:buNone/>
+                </a:pPr>
+                <a14:m>
+                  <m:oMathPara xmlns:m="http://schemas.openxmlformats.org/officeDocument/2006/math">
+                    <m:oMathParaPr>
+                      <m:jc m:val="left"/>
+                    </m:oMathParaPr>
+                    <m:oMath xmlns:m="http://schemas.openxmlformats.org/officeDocument/2006/math">
+                      <m:sSub>
+                        <m:sSubPr>
+                          <m:ctrlPr>
+                            <a:rPr lang="ru-RU" i="1">
+                              <a:latin typeface="Cambria Math" panose="02040503050406030204" pitchFamily="18" charset="0"/>
+                            </a:rPr>
+                          </m:ctrlPr>
+                        </m:sSubPr>
+                        <m:e>
+                          <m:r>
+                            <a:rPr lang="en-US" i="1">
+                              <a:latin typeface="Cambria Math" panose="02040503050406030204" pitchFamily="18" charset="0"/>
+                            </a:rPr>
+                            <m:t>𝑊</m:t>
+                          </m:r>
+                        </m:e>
+                        <m:sub>
+                          <m:r>
+                            <a:rPr lang="en-US" b="0" i="1" smtClean="0">
+                              <a:latin typeface="Cambria Math" panose="02040503050406030204" pitchFamily="18" charset="0"/>
+                            </a:rPr>
+                            <m:t>2</m:t>
+                          </m:r>
+                          <m:r>
+                            <a:rPr lang="en-US" i="1">
+                              <a:latin typeface="Cambria Math" panose="02040503050406030204" pitchFamily="18" charset="0"/>
+                            </a:rPr>
+                            <m:t>0</m:t>
+                          </m:r>
+                        </m:sub>
+                      </m:sSub>
+                      <m:r>
+                        <a:rPr lang="en-US" i="1">
+                          <a:latin typeface="Cambria Math" panose="02040503050406030204" pitchFamily="18" charset="0"/>
+                        </a:rPr>
+                        <m:t>=</m:t>
+                      </m:r>
+                      <m:r>
+                        <a:rPr lang="ru-RU" b="0" i="1" smtClean="0">
+                          <a:latin typeface="Cambria Math" panose="02040503050406030204" pitchFamily="18" charset="0"/>
+                        </a:rPr>
+                        <m:t>0</m:t>
+                      </m:r>
+                    </m:oMath>
+                  </m:oMathPara>
+                </a14:m>
+                <a:endParaRPr lang="ru-RU" dirty="0"/>
+              </a:p>
+              <a:p>
+                <a:pPr marL="0" indent="0">
+                  <a:buNone/>
+                </a:pPr>
+                <a14:m>
+                  <m:oMathPara xmlns:m="http://schemas.openxmlformats.org/officeDocument/2006/math">
+                    <m:oMathParaPr>
+                      <m:jc m:val="left"/>
+                    </m:oMathParaPr>
+                    <m:oMath xmlns:m="http://schemas.openxmlformats.org/officeDocument/2006/math">
+                      <m:sSub>
+                        <m:sSubPr>
+                          <m:ctrlPr>
+                            <a:rPr lang="ru-RU" i="1">
+                              <a:latin typeface="Cambria Math" panose="02040503050406030204" pitchFamily="18" charset="0"/>
+                            </a:rPr>
+                          </m:ctrlPr>
+                        </m:sSubPr>
+                        <m:e>
+                          <m:r>
+                            <a:rPr lang="en-US" i="1">
+                              <a:latin typeface="Cambria Math" panose="02040503050406030204" pitchFamily="18" charset="0"/>
+                            </a:rPr>
+                            <m:t>𝑊</m:t>
+                          </m:r>
+                        </m:e>
+                        <m:sub>
+                          <m:r>
+                            <a:rPr lang="en-US" b="0" i="1" smtClean="0">
+                              <a:latin typeface="Cambria Math" panose="02040503050406030204" pitchFamily="18" charset="0"/>
+                            </a:rPr>
+                            <m:t>3</m:t>
+                          </m:r>
+                          <m:r>
+                            <a:rPr lang="en-US" i="1">
+                              <a:latin typeface="Cambria Math" panose="02040503050406030204" pitchFamily="18" charset="0"/>
+                            </a:rPr>
+                            <m:t>0</m:t>
+                          </m:r>
+                        </m:sub>
+                      </m:sSub>
+                      <m:r>
+                        <a:rPr lang="en-US" i="1">
+                          <a:latin typeface="Cambria Math" panose="02040503050406030204" pitchFamily="18" charset="0"/>
+                        </a:rPr>
+                        <m:t>=</m:t>
+                      </m:r>
+                      <m:r>
+                        <a:rPr lang="ru-RU" b="0" i="1" smtClean="0">
+                          <a:latin typeface="Cambria Math" panose="02040503050406030204" pitchFamily="18" charset="0"/>
+                        </a:rPr>
+                        <m:t>0</m:t>
+                      </m:r>
+                    </m:oMath>
+                  </m:oMathPara>
+                </a14:m>
+                <a:endParaRPr lang="ru-RU" dirty="0"/>
+              </a:p>
+              <a:p>
+                <a:pPr marL="0" indent="0">
+                  <a:buNone/>
+                </a:pPr>
+                <a14:m>
+                  <m:oMathPara xmlns:m="http://schemas.openxmlformats.org/officeDocument/2006/math">
+                    <m:oMathParaPr>
+                      <m:jc m:val="left"/>
+                    </m:oMathParaPr>
+                    <m:oMath xmlns:m="http://schemas.openxmlformats.org/officeDocument/2006/math">
+                      <m:sSub>
+                        <m:sSubPr>
+                          <m:ctrlPr>
+                            <a:rPr lang="ru-RU" i="1">
+                              <a:latin typeface="Cambria Math" panose="02040503050406030204" pitchFamily="18" charset="0"/>
+                            </a:rPr>
+                          </m:ctrlPr>
+                        </m:sSubPr>
+                        <m:e>
+                          <m:r>
+                            <a:rPr lang="en-US" i="1">
+                              <a:latin typeface="Cambria Math" panose="02040503050406030204" pitchFamily="18" charset="0"/>
+                            </a:rPr>
+                            <m:t>𝑊</m:t>
+                          </m:r>
+                        </m:e>
+                        <m:sub>
+                          <m:r>
+                            <a:rPr lang="en-US" b="0" i="1" smtClean="0">
+                              <a:latin typeface="Cambria Math" panose="02040503050406030204" pitchFamily="18" charset="0"/>
+                            </a:rPr>
+                            <m:t>11</m:t>
+                          </m:r>
+                        </m:sub>
+                      </m:sSub>
+                      <m:r>
+                        <a:rPr lang="en-US" i="1">
+                          <a:latin typeface="Cambria Math" panose="02040503050406030204" pitchFamily="18" charset="0"/>
+                        </a:rPr>
+                        <m:t>=</m:t>
+                      </m:r>
+                      <m:r>
+                        <a:rPr lang="ru-RU" b="0" i="1" smtClean="0">
+                          <a:latin typeface="Cambria Math" panose="02040503050406030204" pitchFamily="18" charset="0"/>
+                        </a:rPr>
+                        <m:t>1</m:t>
+                      </m:r>
+                    </m:oMath>
+                  </m:oMathPara>
+                </a14:m>
+                <a:endParaRPr lang="ru-RU" dirty="0"/>
+              </a:p>
+              <a:p>
+                <a:pPr marL="0" indent="0">
+                  <a:buNone/>
+                </a:pPr>
+                <a14:m>
+                  <m:oMathPara xmlns:m="http://schemas.openxmlformats.org/officeDocument/2006/math">
+                    <m:oMathParaPr>
+                      <m:jc m:val="left"/>
+                    </m:oMathParaPr>
+                    <m:oMath xmlns:m="http://schemas.openxmlformats.org/officeDocument/2006/math">
+                      <m:sSub>
+                        <m:sSubPr>
+                          <m:ctrlPr>
+                            <a:rPr lang="ru-RU" i="1">
+                              <a:latin typeface="Cambria Math" panose="02040503050406030204" pitchFamily="18" charset="0"/>
+                            </a:rPr>
+                          </m:ctrlPr>
+                        </m:sSubPr>
+                        <m:e>
+                          <m:r>
+                            <a:rPr lang="en-US" i="1">
+                              <a:latin typeface="Cambria Math" panose="02040503050406030204" pitchFamily="18" charset="0"/>
+                            </a:rPr>
+                            <m:t>𝑊</m:t>
+                          </m:r>
+                        </m:e>
+                        <m:sub>
+                          <m:r>
+                            <a:rPr lang="en-US" b="0" i="1" smtClean="0">
+                              <a:latin typeface="Cambria Math" panose="02040503050406030204" pitchFamily="18" charset="0"/>
+                            </a:rPr>
+                            <m:t>21</m:t>
+                          </m:r>
+                        </m:sub>
+                      </m:sSub>
+                      <m:r>
+                        <a:rPr lang="en-US" i="1">
+                          <a:latin typeface="Cambria Math" panose="02040503050406030204" pitchFamily="18" charset="0"/>
+                        </a:rPr>
+                        <m:t>=</m:t>
+                      </m:r>
+                      <m:r>
+                        <a:rPr lang="ru-RU" b="0" i="1" smtClean="0">
+                          <a:latin typeface="Cambria Math" panose="02040503050406030204" pitchFamily="18" charset="0"/>
+                        </a:rPr>
+                        <m:t>0</m:t>
+                      </m:r>
+                    </m:oMath>
+                  </m:oMathPara>
+                </a14:m>
+                <a:endParaRPr lang="ru-RU" dirty="0"/>
+              </a:p>
+              <a:p>
+                <a:pPr marL="0" indent="0">
+                  <a:buNone/>
+                </a:pPr>
+                <a14:m>
+                  <m:oMathPara xmlns:m="http://schemas.openxmlformats.org/officeDocument/2006/math">
+                    <m:oMathParaPr>
+                      <m:jc m:val="left"/>
+                    </m:oMathParaPr>
+                    <m:oMath xmlns:m="http://schemas.openxmlformats.org/officeDocument/2006/math">
+                      <m:sSub>
+                        <m:sSubPr>
+                          <m:ctrlPr>
+                            <a:rPr lang="ru-RU" i="1">
+                              <a:latin typeface="Cambria Math" panose="02040503050406030204" pitchFamily="18" charset="0"/>
+                            </a:rPr>
+                          </m:ctrlPr>
+                        </m:sSubPr>
+                        <m:e>
+                          <m:r>
+                            <a:rPr lang="en-US" i="1">
+                              <a:latin typeface="Cambria Math" panose="02040503050406030204" pitchFamily="18" charset="0"/>
+                            </a:rPr>
+                            <m:t>𝑊</m:t>
+                          </m:r>
+                        </m:e>
+                        <m:sub>
+                          <m:r>
+                            <a:rPr lang="en-US" b="0" i="1" smtClean="0">
+                              <a:latin typeface="Cambria Math" panose="02040503050406030204" pitchFamily="18" charset="0"/>
+                            </a:rPr>
+                            <m:t>31</m:t>
+                          </m:r>
+                        </m:sub>
+                      </m:sSub>
+                      <m:r>
+                        <a:rPr lang="en-US" i="1">
+                          <a:latin typeface="Cambria Math" panose="02040503050406030204" pitchFamily="18" charset="0"/>
+                        </a:rPr>
+                        <m:t>=</m:t>
+                      </m:r>
+                      <m:r>
+                        <a:rPr lang="ru-RU" b="0" i="1" smtClean="0">
+                          <a:latin typeface="Cambria Math" panose="02040503050406030204" pitchFamily="18" charset="0"/>
+                        </a:rPr>
+                        <m:t>1</m:t>
+                      </m:r>
+                    </m:oMath>
+                  </m:oMathPara>
+                </a14:m>
+                <a:endParaRPr lang="ru-RU" dirty="0"/>
+              </a:p>
+              <a:p>
+                <a:pPr marL="0" indent="0">
+                  <a:buNone/>
+                </a:pPr>
+                <a:endParaRPr lang="ru-RU" dirty="0" smtClean="0"/>
+              </a:p>
+            </p:txBody>
+          </p:sp>
+        </mc:Choice>
+        <mc:Fallback>
+          <p:sp>
+            <p:nvSpPr>
+              <p:cNvPr id="3" name="Объект 2"/>
+              <p:cNvSpPr>
+                <a:spLocks noGrp="1" noRot="1" noChangeAspect="1" noMove="1" noResize="1" noEditPoints="1" noAdjustHandles="1" noChangeArrowheads="1" noChangeShapeType="1" noTextEdit="1"/>
+              </p:cNvSpPr>
+              <p:nvPr>
+                <p:ph idx="1"/>
+              </p:nvPr>
+            </p:nvSpPr>
+            <p:spPr>
+              <a:blipFill rotWithShape="0">
+                <a:blip r:embed="rId2"/>
+                <a:stretch>
+                  <a:fillRect l="-1217" t="-2241"/>
+                </a:stretch>
+              </a:blipFill>
+            </p:spPr>
+            <p:txBody>
+              <a:bodyPr/>
+              <a:lstStyle/>
+              <a:p>
+                <a:r>
+                  <a:rPr lang="ru-RU">
+                    <a:noFill/>
+                  </a:rPr>
+                  <a:t> </a:t>
+                </a:r>
+              </a:p>
+            </p:txBody>
+          </p:sp>
+        </mc:Fallback>
+      </mc:AlternateContent>
     </p:spTree>
     <p:extLst>
       <p:ext uri="{BB962C8B-B14F-4D97-AF65-F5344CB8AC3E}">
-        <p14:creationId xmlns:p14="http://schemas.microsoft.com/office/powerpoint/2010/main" val="992422888"/>
+        <p14:creationId xmlns:p14="http://schemas.microsoft.com/office/powerpoint/2010/main" val="521015888"/>
       </p:ext>
     </p:extLst>
   </p:cSld>
@@ -13723,105 +15765,745 @@
           <a:p>
             <a:r>
               <a:rPr lang="ru-RU" dirty="0"/>
-              <a:t>Сравнение с логистической </a:t>
-            </a:r>
-            <a:r>
-              <a:rPr lang="ru-RU" dirty="0" smtClean="0"/>
-              <a:t>регрессией</a:t>
-            </a:r>
-            <a:endParaRPr lang="ru-RU" dirty="0"/>
+              <a:t>Наивный байесовский классификатор</a:t>
+            </a:r>
           </a:p>
         </p:txBody>
       </p:sp>
-      <p:sp>
-        <p:nvSpPr>
-          <p:cNvPr id="3" name="Объект 2"/>
-          <p:cNvSpPr>
-            <a:spLocks noGrp="1"/>
-          </p:cNvSpPr>
-          <p:nvPr>
-            <p:ph idx="1"/>
-          </p:nvPr>
-        </p:nvSpPr>
-        <p:spPr/>
-        <p:txBody>
-          <a:bodyPr>
-            <a:normAutofit/>
-          </a:bodyPr>
-          <a:lstStyle/>
-          <a:p>
-            <a:pPr marL="0" indent="0">
-              <a:buNone/>
-            </a:pPr>
-            <a:r>
-              <a:rPr lang="ru-RU" dirty="0" smtClean="0"/>
-              <a:t>Меньше данных</a:t>
-            </a:r>
-          </a:p>
-          <a:p>
-            <a:pPr marL="0" indent="0">
-              <a:buNone/>
-            </a:pPr>
-            <a:r>
-              <a:rPr lang="ru-RU" sz="2800" dirty="0" smtClean="0"/>
-              <a:t>Больше предположений</a:t>
-            </a:r>
-          </a:p>
-          <a:p>
-            <a:pPr marL="0" indent="0">
-              <a:buNone/>
-            </a:pPr>
-            <a:r>
-              <a:rPr lang="ru-RU" sz="2800" dirty="0" smtClean="0"/>
-              <a:t>Лучше генеративный подход</a:t>
-            </a:r>
-          </a:p>
-          <a:p>
-            <a:pPr marL="0" indent="0">
-              <a:buNone/>
-            </a:pPr>
-            <a:endParaRPr lang="ru-RU" dirty="0"/>
-          </a:p>
-          <a:p>
-            <a:pPr marL="0" indent="0">
-              <a:buNone/>
-            </a:pPr>
-            <a:r>
-              <a:rPr lang="ru-RU" sz="2800" dirty="0" smtClean="0"/>
-              <a:t>Больше данных</a:t>
-            </a:r>
-          </a:p>
-          <a:p>
-            <a:pPr marL="0" indent="0">
-              <a:buNone/>
-            </a:pPr>
-            <a:r>
-              <a:rPr lang="ru-RU" dirty="0" smtClean="0"/>
-              <a:t>Меньше предположений</a:t>
-            </a:r>
-          </a:p>
-          <a:p>
-            <a:pPr marL="0" indent="0">
-              <a:buNone/>
-            </a:pPr>
-            <a:r>
-              <a:rPr lang="ru-RU" sz="2800" dirty="0" smtClean="0"/>
-              <a:t>Лучше дискриминативный подход</a:t>
-            </a:r>
-            <a:endParaRPr lang="ru-RU" sz="2800" dirty="0"/>
-          </a:p>
-          <a:p>
-            <a:pPr marL="0" indent="0">
-              <a:buNone/>
-            </a:pPr>
-            <a:endParaRPr lang="ru-RU" dirty="0"/>
-          </a:p>
-        </p:txBody>
-      </p:sp>
+      <mc:AlternateContent xmlns:mc="http://schemas.openxmlformats.org/markup-compatibility/2006">
+        <mc:Choice xmlns:a14="http://schemas.microsoft.com/office/drawing/2010/main" Requires="a14">
+          <p:sp>
+            <p:nvSpPr>
+              <p:cNvPr id="3" name="Объект 2"/>
+              <p:cNvSpPr>
+                <a:spLocks noGrp="1"/>
+              </p:cNvSpPr>
+              <p:nvPr>
+                <p:ph idx="1"/>
+              </p:nvPr>
+            </p:nvSpPr>
+            <p:spPr>
+              <a:xfrm>
+                <a:off x="838200" y="1813750"/>
+                <a:ext cx="10515600" cy="4351338"/>
+              </a:xfrm>
+            </p:spPr>
+            <p:txBody>
+              <a:bodyPr>
+                <a:normAutofit/>
+              </a:bodyPr>
+              <a:lstStyle/>
+              <a:p>
+                <a:pPr marL="0" indent="0">
+                  <a:buNone/>
+                </a:pPr>
+                <a:r>
+                  <a:rPr lang="ru-RU" dirty="0" smtClean="0"/>
+                  <a:t>Для </a:t>
+                </a:r>
+                <a14:m>
+                  <m:oMath xmlns:m="http://schemas.openxmlformats.org/officeDocument/2006/math">
+                    <m:sSub>
+                      <m:sSubPr>
+                        <m:ctrlPr>
+                          <a:rPr lang="ru-RU" i="1" smtClean="0">
+                            <a:latin typeface="Cambria Math" panose="02040503050406030204" pitchFamily="18" charset="0"/>
+                          </a:rPr>
+                        </m:ctrlPr>
+                      </m:sSubPr>
+                      <m:e>
+                        <m:r>
+                          <a:rPr lang="en-US" b="0" i="1" smtClean="0">
+                            <a:latin typeface="Cambria Math" panose="02040503050406030204" pitchFamily="18" charset="0"/>
+                          </a:rPr>
+                          <m:t>𝑌</m:t>
+                        </m:r>
+                      </m:e>
+                      <m:sub>
+                        <m:r>
+                          <a:rPr lang="en-US" b="0" i="1" smtClean="0">
+                            <a:latin typeface="Cambria Math" panose="02040503050406030204" pitchFamily="18" charset="0"/>
+                          </a:rPr>
+                          <m:t>0</m:t>
+                        </m:r>
+                      </m:sub>
+                    </m:sSub>
+                  </m:oMath>
+                </a14:m>
+                <a:r>
+                  <a:rPr lang="en-US" dirty="0" smtClean="0"/>
+                  <a:t>:</a:t>
+                </a:r>
+              </a:p>
+              <a:p>
+                <a:pPr marL="0" indent="0">
+                  <a:buNone/>
+                </a:pPr>
+                <a:endParaRPr lang="en-US" dirty="0" smtClean="0"/>
+              </a:p>
+              <a:p>
+                <a:pPr marL="0" indent="0">
+                  <a:buNone/>
+                </a:pPr>
+                <a14:m>
+                  <m:oMathPara xmlns:m="http://schemas.openxmlformats.org/officeDocument/2006/math">
+                    <m:oMathParaPr>
+                      <m:jc m:val="left"/>
+                    </m:oMathParaPr>
+                    <m:oMath xmlns:m="http://schemas.openxmlformats.org/officeDocument/2006/math">
+                      <m:r>
+                        <m:rPr>
+                          <m:sty m:val="p"/>
+                        </m:rPr>
+                        <a:rPr lang="en-US">
+                          <a:latin typeface="Cambria Math" panose="02040503050406030204" pitchFamily="18" charset="0"/>
+                        </a:rPr>
+                        <m:t>log</m:t>
+                      </m:r>
+                      <m:d>
+                        <m:dPr>
+                          <m:ctrlPr>
+                            <a:rPr lang="en-US" i="1">
+                              <a:latin typeface="Cambria Math" panose="02040503050406030204" pitchFamily="18" charset="0"/>
+                            </a:rPr>
+                          </m:ctrlPr>
+                        </m:dPr>
+                        <m:e>
+                          <m:f>
+                            <m:fPr>
+                              <m:ctrlPr>
+                                <a:rPr lang="ru-RU" i="1">
+                                  <a:latin typeface="Cambria Math" panose="02040503050406030204" pitchFamily="18" charset="0"/>
+                                </a:rPr>
+                              </m:ctrlPr>
+                            </m:fPr>
+                            <m:num>
+                              <m:sSub>
+                                <m:sSubPr>
+                                  <m:ctrlPr>
+                                    <a:rPr lang="ru-RU" i="1">
+                                      <a:latin typeface="Cambria Math" panose="02040503050406030204" pitchFamily="18" charset="0"/>
+                                    </a:rPr>
+                                  </m:ctrlPr>
+                                </m:sSubPr>
+                                <m:e>
+                                  <m:r>
+                                    <a:rPr lang="en-US" i="1">
+                                      <a:latin typeface="Cambria Math" panose="02040503050406030204" pitchFamily="18" charset="0"/>
+                                    </a:rPr>
+                                    <m:t>𝑁</m:t>
+                                  </m:r>
+                                </m:e>
+                                <m:sub>
+                                  <m:r>
+                                    <a:rPr lang="en-US" i="1">
+                                      <a:latin typeface="Cambria Math" panose="02040503050406030204" pitchFamily="18" charset="0"/>
+                                    </a:rPr>
+                                    <m:t>𝑗</m:t>
+                                  </m:r>
+                                </m:sub>
+                              </m:sSub>
+                            </m:num>
+                            <m:den>
+                              <m:r>
+                                <a:rPr lang="en-US" i="1">
+                                  <a:latin typeface="Cambria Math" panose="02040503050406030204" pitchFamily="18" charset="0"/>
+                                </a:rPr>
+                                <m:t>𝑁</m:t>
+                              </m:r>
+                            </m:den>
+                          </m:f>
+                        </m:e>
+                      </m:d>
+                      <m:r>
+                        <a:rPr lang="en-US" i="1">
+                          <a:latin typeface="Cambria Math" panose="02040503050406030204" pitchFamily="18" charset="0"/>
+                        </a:rPr>
+                        <m:t>+</m:t>
+                      </m:r>
+                      <m:nary>
+                        <m:naryPr>
+                          <m:chr m:val="∑"/>
+                          <m:ctrlPr>
+                            <a:rPr lang="en-US" i="1">
+                              <a:latin typeface="Cambria Math" panose="02040503050406030204" pitchFamily="18" charset="0"/>
+                            </a:rPr>
+                          </m:ctrlPr>
+                        </m:naryPr>
+                        <m:sub>
+                          <m:r>
+                            <m:rPr>
+                              <m:brk m:alnAt="23"/>
+                            </m:rPr>
+                            <a:rPr lang="en-US" i="1">
+                              <a:latin typeface="Cambria Math" panose="02040503050406030204" pitchFamily="18" charset="0"/>
+                            </a:rPr>
+                            <m:t>𝑘</m:t>
+                          </m:r>
+                          <m:r>
+                            <a:rPr lang="en-US" i="1">
+                              <a:latin typeface="Cambria Math" panose="02040503050406030204" pitchFamily="18" charset="0"/>
+                            </a:rPr>
+                            <m:t>=1</m:t>
+                          </m:r>
+                        </m:sub>
+                        <m:sup>
+                          <m:r>
+                            <a:rPr lang="en-US" i="1">
+                              <a:latin typeface="Cambria Math" panose="02040503050406030204" pitchFamily="18" charset="0"/>
+                            </a:rPr>
+                            <m:t>𝐾</m:t>
+                          </m:r>
+                        </m:sup>
+                        <m:e>
+                          <m:func>
+                            <m:funcPr>
+                              <m:ctrlPr>
+                                <a:rPr lang="en-US" i="1">
+                                  <a:latin typeface="Cambria Math" panose="02040503050406030204" pitchFamily="18" charset="0"/>
+                                </a:rPr>
+                              </m:ctrlPr>
+                            </m:funcPr>
+                            <m:fName>
+                              <m:r>
+                                <m:rPr>
+                                  <m:sty m:val="p"/>
+                                </m:rPr>
+                                <a:rPr lang="en-US">
+                                  <a:latin typeface="Cambria Math" panose="02040503050406030204" pitchFamily="18" charset="0"/>
+                                </a:rPr>
+                                <m:t>log</m:t>
+                              </m:r>
+                            </m:fName>
+                            <m:e>
+                              <m:d>
+                                <m:dPr>
+                                  <m:ctrlPr>
+                                    <a:rPr lang="en-US" i="1">
+                                      <a:latin typeface="Cambria Math" panose="02040503050406030204" pitchFamily="18" charset="0"/>
+                                    </a:rPr>
+                                  </m:ctrlPr>
+                                </m:dPr>
+                                <m:e>
+                                  <m:f>
+                                    <m:fPr>
+                                      <m:ctrlPr>
+                                        <a:rPr lang="en-US" i="1">
+                                          <a:latin typeface="Cambria Math" panose="02040503050406030204" pitchFamily="18" charset="0"/>
+                                        </a:rPr>
+                                      </m:ctrlPr>
+                                    </m:fPr>
+                                    <m:num>
+                                      <m:sSub>
+                                        <m:sSubPr>
+                                          <m:ctrlPr>
+                                            <a:rPr lang="en-US" i="1">
+                                              <a:latin typeface="Cambria Math" panose="02040503050406030204" pitchFamily="18" charset="0"/>
+                                            </a:rPr>
+                                          </m:ctrlPr>
+                                        </m:sSubPr>
+                                        <m:e>
+                                          <m:r>
+                                            <a:rPr lang="en-US" i="1">
+                                              <a:latin typeface="Cambria Math" panose="02040503050406030204" pitchFamily="18" charset="0"/>
+                                            </a:rPr>
+                                            <m:t>𝑊</m:t>
+                                          </m:r>
+                                        </m:e>
+                                        <m:sub>
+                                          <m:r>
+                                            <a:rPr lang="en-US" i="1">
+                                              <a:latin typeface="Cambria Math" panose="02040503050406030204" pitchFamily="18" charset="0"/>
+                                            </a:rPr>
+                                            <m:t>𝑘𝑗</m:t>
+                                          </m:r>
+                                        </m:sub>
+                                      </m:sSub>
+                                      <m:r>
+                                        <a:rPr lang="ru-RU" i="1">
+                                          <a:latin typeface="Cambria Math" panose="02040503050406030204" pitchFamily="18" charset="0"/>
+                                        </a:rPr>
+                                        <m:t>+1</m:t>
+                                      </m:r>
+                                    </m:num>
+                                    <m:den>
+                                      <m:d>
+                                        <m:dPr>
+                                          <m:begChr m:val="|"/>
+                                          <m:endChr m:val="|"/>
+                                          <m:ctrlPr>
+                                            <a:rPr lang="ru-RU" i="1">
+                                              <a:latin typeface="Cambria Math" panose="02040503050406030204" pitchFamily="18" charset="0"/>
+                                            </a:rPr>
+                                          </m:ctrlPr>
+                                        </m:dPr>
+                                        <m:e>
+                                          <m:r>
+                                            <m:rPr>
+                                              <m:sty m:val="p"/>
+                                            </m:rPr>
+                                            <a:rPr lang="el-GR" i="0">
+                                              <a:latin typeface="Cambria Math" panose="02040503050406030204" pitchFamily="18" charset="0"/>
+                                              <a:ea typeface="Cambria Math" panose="02040503050406030204" pitchFamily="18" charset="0"/>
+                                            </a:rPr>
+                                            <m:t>Ω</m:t>
+                                          </m:r>
+                                        </m:e>
+                                      </m:d>
+                                      <m:r>
+                                        <a:rPr lang="ru-RU" i="1">
+                                          <a:latin typeface="Cambria Math" panose="02040503050406030204" pitchFamily="18" charset="0"/>
+                                        </a:rPr>
+                                        <m:t>+</m:t>
+                                      </m:r>
+                                      <m:nary>
+                                        <m:naryPr>
+                                          <m:chr m:val="∑"/>
+                                          <m:supHide m:val="on"/>
+                                          <m:ctrlPr>
+                                            <a:rPr lang="en-US" i="1">
+                                              <a:latin typeface="Cambria Math" panose="02040503050406030204" pitchFamily="18" charset="0"/>
+                                            </a:rPr>
+                                          </m:ctrlPr>
+                                        </m:naryPr>
+                                        <m:sub>
+                                          <m:r>
+                                            <a:rPr lang="en-US" i="1">
+                                              <a:latin typeface="Cambria Math" panose="02040503050406030204" pitchFamily="18" charset="0"/>
+                                            </a:rPr>
+                                            <m:t>𝑚</m:t>
+                                          </m:r>
+                                          <m:r>
+                                            <a:rPr lang="en-US" i="1">
+                                              <a:latin typeface="Cambria Math" panose="02040503050406030204" pitchFamily="18" charset="0"/>
+                                              <a:ea typeface="Cambria Math" panose="02040503050406030204" pitchFamily="18" charset="0"/>
+                                            </a:rPr>
+                                            <m:t>∈</m:t>
+                                          </m:r>
+                                          <m:r>
+                                            <m:rPr>
+                                              <m:sty m:val="p"/>
+                                            </m:rPr>
+                                            <a:rPr lang="en-US" i="1">
+                                              <a:latin typeface="Cambria Math" panose="02040503050406030204" pitchFamily="18" charset="0"/>
+                                              <a:ea typeface="Cambria Math" panose="02040503050406030204" pitchFamily="18" charset="0"/>
+                                            </a:rPr>
+                                            <m:t>Ω</m:t>
+                                          </m:r>
+                                        </m:sub>
+                                        <m:sup/>
+                                        <m:e>
+                                          <m:sSub>
+                                            <m:sSubPr>
+                                              <m:ctrlPr>
+                                                <a:rPr lang="en-US" i="1">
+                                                  <a:latin typeface="Cambria Math" panose="02040503050406030204" pitchFamily="18" charset="0"/>
+                                                </a:rPr>
+                                              </m:ctrlPr>
+                                            </m:sSubPr>
+                                            <m:e>
+                                              <m:r>
+                                                <a:rPr lang="en-US" i="1">
+                                                  <a:latin typeface="Cambria Math" panose="02040503050406030204" pitchFamily="18" charset="0"/>
+                                                </a:rPr>
+                                                <m:t>𝑊</m:t>
+                                              </m:r>
+                                            </m:e>
+                                            <m:sub>
+                                              <m:r>
+                                                <a:rPr lang="en-US" i="1">
+                                                  <a:latin typeface="Cambria Math" panose="02040503050406030204" pitchFamily="18" charset="0"/>
+                                                </a:rPr>
+                                                <m:t>𝑚𝑗</m:t>
+                                              </m:r>
+                                            </m:sub>
+                                          </m:sSub>
+                                        </m:e>
+                                      </m:nary>
+                                    </m:den>
+                                  </m:f>
+                                </m:e>
+                              </m:d>
+                            </m:e>
+                          </m:func>
+                        </m:e>
+                      </m:nary>
+                      <m:r>
+                        <a:rPr lang="en-US" b="0" i="1" smtClean="0">
+                          <a:latin typeface="Cambria Math" panose="02040503050406030204" pitchFamily="18" charset="0"/>
+                        </a:rPr>
+                        <m:t>=</m:t>
+                      </m:r>
+                    </m:oMath>
+                  </m:oMathPara>
+                </a14:m>
+                <a:endParaRPr lang="en-US" dirty="0" smtClean="0"/>
+              </a:p>
+              <a:p>
+                <a:pPr marL="0" indent="0">
+                  <a:buNone/>
+                </a:pPr>
+                <a:endParaRPr lang="en-US" b="0" i="1" dirty="0" smtClean="0">
+                  <a:latin typeface="Cambria Math" panose="02040503050406030204" pitchFamily="18" charset="0"/>
+                </a:endParaRPr>
+              </a:p>
+              <a:p>
+                <a:pPr marL="0" indent="0">
+                  <a:buNone/>
+                </a:pPr>
+                <a14:m>
+                  <m:oMathPara xmlns:m="http://schemas.openxmlformats.org/officeDocument/2006/math">
+                    <m:oMathParaPr>
+                      <m:jc m:val="left"/>
+                    </m:oMathParaPr>
+                    <m:oMath xmlns:m="http://schemas.openxmlformats.org/officeDocument/2006/math">
+                      <m:r>
+                        <a:rPr lang="en-US" b="0" i="1" smtClean="0">
+                          <a:latin typeface="Cambria Math" panose="02040503050406030204" pitchFamily="18" charset="0"/>
+                        </a:rPr>
+                        <m:t>=</m:t>
+                      </m:r>
+                      <m:func>
+                        <m:funcPr>
+                          <m:ctrlPr>
+                            <a:rPr lang="en-US" i="1">
+                              <a:latin typeface="Cambria Math" panose="02040503050406030204" pitchFamily="18" charset="0"/>
+                            </a:rPr>
+                          </m:ctrlPr>
+                        </m:funcPr>
+                        <m:fName>
+                          <m:r>
+                            <m:rPr>
+                              <m:sty m:val="p"/>
+                            </m:rPr>
+                            <a:rPr lang="en-US">
+                              <a:latin typeface="Cambria Math" panose="02040503050406030204" pitchFamily="18" charset="0"/>
+                            </a:rPr>
+                            <m:t>log</m:t>
+                          </m:r>
+                        </m:fName>
+                        <m:e>
+                          <m:d>
+                            <m:dPr>
+                              <m:ctrlPr>
+                                <a:rPr lang="en-US" i="1">
+                                  <a:latin typeface="Cambria Math" panose="02040503050406030204" pitchFamily="18" charset="0"/>
+                                </a:rPr>
+                              </m:ctrlPr>
+                            </m:dPr>
+                            <m:e>
+                              <m:f>
+                                <m:fPr>
+                                  <m:ctrlPr>
+                                    <a:rPr lang="en-US" i="1">
+                                      <a:latin typeface="Cambria Math" panose="02040503050406030204" pitchFamily="18" charset="0"/>
+                                    </a:rPr>
+                                  </m:ctrlPr>
+                                </m:fPr>
+                                <m:num>
+                                  <m:r>
+                                    <a:rPr lang="en-US" i="1">
+                                      <a:latin typeface="Cambria Math" panose="02040503050406030204" pitchFamily="18" charset="0"/>
+                                    </a:rPr>
+                                    <m:t>1</m:t>
+                                  </m:r>
+                                </m:num>
+                                <m:den>
+                                  <m:r>
+                                    <a:rPr lang="en-US" i="1">
+                                      <a:latin typeface="Cambria Math" panose="02040503050406030204" pitchFamily="18" charset="0"/>
+                                    </a:rPr>
+                                    <m:t>3</m:t>
+                                  </m:r>
+                                </m:den>
+                              </m:f>
+                            </m:e>
+                          </m:d>
+                        </m:e>
+                      </m:func>
+                      <m:r>
+                        <a:rPr lang="en-US" i="1">
+                          <a:latin typeface="Cambria Math" panose="02040503050406030204" pitchFamily="18" charset="0"/>
+                        </a:rPr>
+                        <m:t>+</m:t>
+                      </m:r>
+                      <m:func>
+                        <m:funcPr>
+                          <m:ctrlPr>
+                            <a:rPr lang="en-US" b="0" i="1" smtClean="0">
+                              <a:latin typeface="Cambria Math" panose="02040503050406030204" pitchFamily="18" charset="0"/>
+                            </a:rPr>
+                          </m:ctrlPr>
+                        </m:funcPr>
+                        <m:fName>
+                          <m:r>
+                            <m:rPr>
+                              <m:sty m:val="p"/>
+                            </m:rPr>
+                            <a:rPr lang="en-US" b="0" i="0" smtClean="0">
+                              <a:latin typeface="Cambria Math" panose="02040503050406030204" pitchFamily="18" charset="0"/>
+                            </a:rPr>
+                            <m:t>log</m:t>
+                          </m:r>
+                        </m:fName>
+                        <m:e>
+                          <m:d>
+                            <m:dPr>
+                              <m:ctrlPr>
+                                <a:rPr lang="en-US" b="0" i="1" smtClean="0">
+                                  <a:latin typeface="Cambria Math" panose="02040503050406030204" pitchFamily="18" charset="0"/>
+                                </a:rPr>
+                              </m:ctrlPr>
+                            </m:dPr>
+                            <m:e>
+                              <m:f>
+                                <m:fPr>
+                                  <m:ctrlPr>
+                                    <a:rPr lang="en-US" b="0" i="1" smtClean="0">
+                                      <a:latin typeface="Cambria Math" panose="02040503050406030204" pitchFamily="18" charset="0"/>
+                                    </a:rPr>
+                                  </m:ctrlPr>
+                                </m:fPr>
+                                <m:num>
+                                  <m:r>
+                                    <a:rPr lang="en-US" b="0" i="1" smtClean="0">
+                                      <a:latin typeface="Cambria Math" panose="02040503050406030204" pitchFamily="18" charset="0"/>
+                                    </a:rPr>
+                                    <m:t>2</m:t>
+                                  </m:r>
+                                </m:num>
+                                <m:den>
+                                  <m:r>
+                                    <a:rPr lang="en-US" b="0" i="1" smtClean="0">
+                                      <a:latin typeface="Cambria Math" panose="02040503050406030204" pitchFamily="18" charset="0"/>
+                                    </a:rPr>
+                                    <m:t>7+3</m:t>
+                                  </m:r>
+                                </m:den>
+                              </m:f>
+                            </m:e>
+                          </m:d>
+                        </m:e>
+                      </m:func>
+                      <m:r>
+                        <a:rPr lang="en-US" i="1">
+                          <a:latin typeface="Cambria Math" panose="02040503050406030204" pitchFamily="18" charset="0"/>
+                        </a:rPr>
+                        <m:t>+</m:t>
+                      </m:r>
+                      <m:func>
+                        <m:funcPr>
+                          <m:ctrlPr>
+                            <a:rPr lang="en-US" i="1">
+                              <a:latin typeface="Cambria Math" panose="02040503050406030204" pitchFamily="18" charset="0"/>
+                            </a:rPr>
+                          </m:ctrlPr>
+                        </m:funcPr>
+                        <m:fName>
+                          <m:r>
+                            <m:rPr>
+                              <m:sty m:val="p"/>
+                            </m:rPr>
+                            <a:rPr lang="en-US">
+                              <a:latin typeface="Cambria Math" panose="02040503050406030204" pitchFamily="18" charset="0"/>
+                            </a:rPr>
+                            <m:t>log</m:t>
+                          </m:r>
+                        </m:fName>
+                        <m:e>
+                          <m:d>
+                            <m:dPr>
+                              <m:ctrlPr>
+                                <a:rPr lang="en-US" i="1">
+                                  <a:latin typeface="Cambria Math" panose="02040503050406030204" pitchFamily="18" charset="0"/>
+                                </a:rPr>
+                              </m:ctrlPr>
+                            </m:dPr>
+                            <m:e>
+                              <m:f>
+                                <m:fPr>
+                                  <m:ctrlPr>
+                                    <a:rPr lang="en-US" i="1">
+                                      <a:latin typeface="Cambria Math" panose="02040503050406030204" pitchFamily="18" charset="0"/>
+                                    </a:rPr>
+                                  </m:ctrlPr>
+                                </m:fPr>
+                                <m:num>
+                                  <m:r>
+                                    <a:rPr lang="en-US" b="0" i="1" smtClean="0">
+                                      <a:latin typeface="Cambria Math" panose="02040503050406030204" pitchFamily="18" charset="0"/>
+                                    </a:rPr>
+                                    <m:t>1</m:t>
+                                  </m:r>
+                                </m:num>
+                                <m:den>
+                                  <m:r>
+                                    <a:rPr lang="en-US" b="0" i="1" smtClean="0">
+                                      <a:latin typeface="Cambria Math" panose="02040503050406030204" pitchFamily="18" charset="0"/>
+                                    </a:rPr>
+                                    <m:t>7+3</m:t>
+                                  </m:r>
+                                </m:den>
+                              </m:f>
+                            </m:e>
+                          </m:d>
+                        </m:e>
+                      </m:func>
+                      <m:r>
+                        <a:rPr lang="en-US" i="1">
+                          <a:latin typeface="Cambria Math" panose="02040503050406030204" pitchFamily="18" charset="0"/>
+                        </a:rPr>
+                        <m:t>+</m:t>
+                      </m:r>
+                      <m:func>
+                        <m:funcPr>
+                          <m:ctrlPr>
+                            <a:rPr lang="en-US" i="1">
+                              <a:latin typeface="Cambria Math" panose="02040503050406030204" pitchFamily="18" charset="0"/>
+                            </a:rPr>
+                          </m:ctrlPr>
+                        </m:funcPr>
+                        <m:fName>
+                          <m:r>
+                            <m:rPr>
+                              <m:sty m:val="p"/>
+                            </m:rPr>
+                            <a:rPr lang="en-US">
+                              <a:latin typeface="Cambria Math" panose="02040503050406030204" pitchFamily="18" charset="0"/>
+                            </a:rPr>
+                            <m:t>log</m:t>
+                          </m:r>
+                        </m:fName>
+                        <m:e>
+                          <m:d>
+                            <m:dPr>
+                              <m:ctrlPr>
+                                <a:rPr lang="en-US" i="1">
+                                  <a:latin typeface="Cambria Math" panose="02040503050406030204" pitchFamily="18" charset="0"/>
+                                </a:rPr>
+                              </m:ctrlPr>
+                            </m:dPr>
+                            <m:e>
+                              <m:f>
+                                <m:fPr>
+                                  <m:ctrlPr>
+                                    <a:rPr lang="en-US" i="1">
+                                      <a:latin typeface="Cambria Math" panose="02040503050406030204" pitchFamily="18" charset="0"/>
+                                    </a:rPr>
+                                  </m:ctrlPr>
+                                </m:fPr>
+                                <m:num>
+                                  <m:r>
+                                    <a:rPr lang="en-US" b="0" i="1" smtClean="0">
+                                      <a:latin typeface="Cambria Math" panose="02040503050406030204" pitchFamily="18" charset="0"/>
+                                    </a:rPr>
+                                    <m:t>1</m:t>
+                                  </m:r>
+                                </m:num>
+                                <m:den>
+                                  <m:r>
+                                    <a:rPr lang="en-US" b="0" i="1" smtClean="0">
+                                      <a:latin typeface="Cambria Math" panose="02040503050406030204" pitchFamily="18" charset="0"/>
+                                    </a:rPr>
+                                    <m:t>7+3</m:t>
+                                  </m:r>
+                                </m:den>
+                              </m:f>
+                            </m:e>
+                          </m:d>
+                        </m:e>
+                      </m:func>
+                      <m:r>
+                        <a:rPr lang="en-US" b="0" i="1" smtClean="0">
+                          <a:latin typeface="Cambria Math" panose="02040503050406030204" pitchFamily="18" charset="0"/>
+                        </a:rPr>
+                        <m:t>=</m:t>
+                      </m:r>
+                    </m:oMath>
+                  </m:oMathPara>
+                </a14:m>
+                <a:endParaRPr lang="en-US" b="0" dirty="0" smtClean="0"/>
+              </a:p>
+              <a:p>
+                <a:pPr marL="0" indent="0">
+                  <a:buNone/>
+                </a:pPr>
+                <a:endParaRPr lang="en-US" i="1" dirty="0" smtClean="0">
+                  <a:latin typeface="Cambria Math" panose="02040503050406030204" pitchFamily="18" charset="0"/>
+                </a:endParaRPr>
+              </a:p>
+              <a:p>
+                <a:pPr marL="0" indent="0">
+                  <a:buNone/>
+                </a:pPr>
+                <a14:m>
+                  <m:oMathPara xmlns:m="http://schemas.openxmlformats.org/officeDocument/2006/math">
+                    <m:oMathParaPr>
+                      <m:jc m:val="left"/>
+                    </m:oMathParaPr>
+                    <m:oMath xmlns:m="http://schemas.openxmlformats.org/officeDocument/2006/math">
+                      <m:r>
+                        <a:rPr lang="en-US" i="1">
+                          <a:latin typeface="Cambria Math" panose="02040503050406030204" pitchFamily="18" charset="0"/>
+                        </a:rPr>
+                        <m:t>=</m:t>
+                      </m:r>
+                      <m:r>
+                        <a:rPr lang="en-US" b="0" i="1" smtClean="0">
+                          <a:latin typeface="Cambria Math" panose="02040503050406030204" pitchFamily="18" charset="0"/>
+                        </a:rPr>
+                        <m:t>−1,1−1,61−2,3−2,3=−7,31</m:t>
+                      </m:r>
+                    </m:oMath>
+                  </m:oMathPara>
+                </a14:m>
+                <a:endParaRPr lang="ru-RU" dirty="0" smtClean="0"/>
+              </a:p>
+            </p:txBody>
+          </p:sp>
+        </mc:Choice>
+        <mc:Fallback>
+          <p:sp>
+            <p:nvSpPr>
+              <p:cNvPr id="3" name="Объект 2"/>
+              <p:cNvSpPr>
+                <a:spLocks noGrp="1" noRot="1" noChangeAspect="1" noMove="1" noResize="1" noEditPoints="1" noAdjustHandles="1" noChangeArrowheads="1" noChangeShapeType="1" noTextEdit="1"/>
+              </p:cNvSpPr>
+              <p:nvPr>
+                <p:ph idx="1"/>
+              </p:nvPr>
+            </p:nvSpPr>
+            <p:spPr>
+              <a:xfrm>
+                <a:off x="838200" y="1813750"/>
+                <a:ext cx="10515600" cy="4351338"/>
+              </a:xfrm>
+              <a:blipFill rotWithShape="0">
+                <a:blip r:embed="rId2"/>
+                <a:stretch>
+                  <a:fillRect l="-1217" t="-2384"/>
+                </a:stretch>
+              </a:blipFill>
+            </p:spPr>
+            <p:txBody>
+              <a:bodyPr/>
+              <a:lstStyle/>
+              <a:p>
+                <a:r>
+                  <a:rPr lang="ru-RU">
+                    <a:noFill/>
+                  </a:rPr>
+                  <a:t> </a:t>
+                </a:r>
+              </a:p>
+            </p:txBody>
+          </p:sp>
+        </mc:Fallback>
+      </mc:AlternateContent>
     </p:spTree>
     <p:extLst>
       <p:ext uri="{BB962C8B-B14F-4D97-AF65-F5344CB8AC3E}">
-        <p14:creationId xmlns:p14="http://schemas.microsoft.com/office/powerpoint/2010/main" val="2493750778"/>
+        <p14:creationId xmlns:p14="http://schemas.microsoft.com/office/powerpoint/2010/main" val="2377004186"/>
       </p:ext>
     </p:extLst>
   </p:cSld>
@@ -13864,6 +16546,2669 @@
           <a:lstStyle/>
           <a:p>
             <a:r>
+              <a:rPr lang="ru-RU" dirty="0"/>
+              <a:t>Наивный байесовский классификатор</a:t>
+            </a:r>
+          </a:p>
+        </p:txBody>
+      </p:sp>
+      <mc:AlternateContent xmlns:mc="http://schemas.openxmlformats.org/markup-compatibility/2006">
+        <mc:Choice xmlns:a14="http://schemas.microsoft.com/office/drawing/2010/main" Requires="a14">
+          <p:sp>
+            <p:nvSpPr>
+              <p:cNvPr id="3" name="Объект 2"/>
+              <p:cNvSpPr>
+                <a:spLocks noGrp="1"/>
+              </p:cNvSpPr>
+              <p:nvPr>
+                <p:ph idx="1"/>
+              </p:nvPr>
+            </p:nvSpPr>
+            <p:spPr>
+              <a:xfrm>
+                <a:off x="838200" y="1813750"/>
+                <a:ext cx="10515600" cy="4351338"/>
+              </a:xfrm>
+            </p:spPr>
+            <p:txBody>
+              <a:bodyPr>
+                <a:normAutofit/>
+              </a:bodyPr>
+              <a:lstStyle/>
+              <a:p>
+                <a:pPr marL="0" indent="0">
+                  <a:buNone/>
+                </a:pPr>
+                <a:r>
+                  <a:rPr lang="ru-RU" dirty="0" smtClean="0"/>
+                  <a:t>Для </a:t>
+                </a:r>
+                <a14:m>
+                  <m:oMath xmlns:m="http://schemas.openxmlformats.org/officeDocument/2006/math">
+                    <m:sSub>
+                      <m:sSubPr>
+                        <m:ctrlPr>
+                          <a:rPr lang="ru-RU" i="1" smtClean="0">
+                            <a:latin typeface="Cambria Math" panose="02040503050406030204" pitchFamily="18" charset="0"/>
+                          </a:rPr>
+                        </m:ctrlPr>
+                      </m:sSubPr>
+                      <m:e>
+                        <m:r>
+                          <a:rPr lang="en-US" b="0" i="1" smtClean="0">
+                            <a:latin typeface="Cambria Math" panose="02040503050406030204" pitchFamily="18" charset="0"/>
+                          </a:rPr>
+                          <m:t>𝑌</m:t>
+                        </m:r>
+                      </m:e>
+                      <m:sub>
+                        <m:r>
+                          <a:rPr lang="en-US" b="0" i="1" smtClean="0">
+                            <a:latin typeface="Cambria Math" panose="02040503050406030204" pitchFamily="18" charset="0"/>
+                          </a:rPr>
+                          <m:t>1</m:t>
+                        </m:r>
+                      </m:sub>
+                    </m:sSub>
+                  </m:oMath>
+                </a14:m>
+                <a:r>
+                  <a:rPr lang="en-US" dirty="0" smtClean="0"/>
+                  <a:t>:</a:t>
+                </a:r>
+              </a:p>
+              <a:p>
+                <a:pPr marL="0" indent="0">
+                  <a:buNone/>
+                </a:pPr>
+                <a:endParaRPr lang="en-US" dirty="0" smtClean="0"/>
+              </a:p>
+              <a:p>
+                <a:pPr marL="0" indent="0">
+                  <a:buNone/>
+                </a:pPr>
+                <a14:m>
+                  <m:oMathPara xmlns:m="http://schemas.openxmlformats.org/officeDocument/2006/math">
+                    <m:oMathParaPr>
+                      <m:jc m:val="left"/>
+                    </m:oMathParaPr>
+                    <m:oMath xmlns:m="http://schemas.openxmlformats.org/officeDocument/2006/math">
+                      <m:r>
+                        <m:rPr>
+                          <m:sty m:val="p"/>
+                        </m:rPr>
+                        <a:rPr lang="en-US">
+                          <a:latin typeface="Cambria Math" panose="02040503050406030204" pitchFamily="18" charset="0"/>
+                        </a:rPr>
+                        <m:t>log</m:t>
+                      </m:r>
+                      <m:d>
+                        <m:dPr>
+                          <m:ctrlPr>
+                            <a:rPr lang="en-US" i="1">
+                              <a:latin typeface="Cambria Math" panose="02040503050406030204" pitchFamily="18" charset="0"/>
+                            </a:rPr>
+                          </m:ctrlPr>
+                        </m:dPr>
+                        <m:e>
+                          <m:f>
+                            <m:fPr>
+                              <m:ctrlPr>
+                                <a:rPr lang="ru-RU" i="1">
+                                  <a:latin typeface="Cambria Math" panose="02040503050406030204" pitchFamily="18" charset="0"/>
+                                </a:rPr>
+                              </m:ctrlPr>
+                            </m:fPr>
+                            <m:num>
+                              <m:sSub>
+                                <m:sSubPr>
+                                  <m:ctrlPr>
+                                    <a:rPr lang="ru-RU" i="1">
+                                      <a:latin typeface="Cambria Math" panose="02040503050406030204" pitchFamily="18" charset="0"/>
+                                    </a:rPr>
+                                  </m:ctrlPr>
+                                </m:sSubPr>
+                                <m:e>
+                                  <m:r>
+                                    <a:rPr lang="en-US" i="1">
+                                      <a:latin typeface="Cambria Math" panose="02040503050406030204" pitchFamily="18" charset="0"/>
+                                    </a:rPr>
+                                    <m:t>𝑁</m:t>
+                                  </m:r>
+                                </m:e>
+                                <m:sub>
+                                  <m:r>
+                                    <a:rPr lang="en-US" i="1">
+                                      <a:latin typeface="Cambria Math" panose="02040503050406030204" pitchFamily="18" charset="0"/>
+                                    </a:rPr>
+                                    <m:t>𝑗</m:t>
+                                  </m:r>
+                                </m:sub>
+                              </m:sSub>
+                            </m:num>
+                            <m:den>
+                              <m:r>
+                                <a:rPr lang="en-US" i="1">
+                                  <a:latin typeface="Cambria Math" panose="02040503050406030204" pitchFamily="18" charset="0"/>
+                                </a:rPr>
+                                <m:t>𝑁</m:t>
+                              </m:r>
+                            </m:den>
+                          </m:f>
+                        </m:e>
+                      </m:d>
+                      <m:r>
+                        <a:rPr lang="en-US" i="1">
+                          <a:latin typeface="Cambria Math" panose="02040503050406030204" pitchFamily="18" charset="0"/>
+                        </a:rPr>
+                        <m:t>+</m:t>
+                      </m:r>
+                      <m:nary>
+                        <m:naryPr>
+                          <m:chr m:val="∑"/>
+                          <m:ctrlPr>
+                            <a:rPr lang="en-US" i="1">
+                              <a:latin typeface="Cambria Math" panose="02040503050406030204" pitchFamily="18" charset="0"/>
+                            </a:rPr>
+                          </m:ctrlPr>
+                        </m:naryPr>
+                        <m:sub>
+                          <m:r>
+                            <m:rPr>
+                              <m:brk m:alnAt="23"/>
+                            </m:rPr>
+                            <a:rPr lang="en-US" i="1">
+                              <a:latin typeface="Cambria Math" panose="02040503050406030204" pitchFamily="18" charset="0"/>
+                            </a:rPr>
+                            <m:t>𝑘</m:t>
+                          </m:r>
+                          <m:r>
+                            <a:rPr lang="en-US" i="1">
+                              <a:latin typeface="Cambria Math" panose="02040503050406030204" pitchFamily="18" charset="0"/>
+                            </a:rPr>
+                            <m:t>=1</m:t>
+                          </m:r>
+                        </m:sub>
+                        <m:sup>
+                          <m:r>
+                            <a:rPr lang="en-US" i="1">
+                              <a:latin typeface="Cambria Math" panose="02040503050406030204" pitchFamily="18" charset="0"/>
+                            </a:rPr>
+                            <m:t>𝐾</m:t>
+                          </m:r>
+                        </m:sup>
+                        <m:e>
+                          <m:func>
+                            <m:funcPr>
+                              <m:ctrlPr>
+                                <a:rPr lang="en-US" i="1">
+                                  <a:latin typeface="Cambria Math" panose="02040503050406030204" pitchFamily="18" charset="0"/>
+                                </a:rPr>
+                              </m:ctrlPr>
+                            </m:funcPr>
+                            <m:fName>
+                              <m:r>
+                                <m:rPr>
+                                  <m:sty m:val="p"/>
+                                </m:rPr>
+                                <a:rPr lang="en-US">
+                                  <a:latin typeface="Cambria Math" panose="02040503050406030204" pitchFamily="18" charset="0"/>
+                                </a:rPr>
+                                <m:t>log</m:t>
+                              </m:r>
+                            </m:fName>
+                            <m:e>
+                              <m:d>
+                                <m:dPr>
+                                  <m:ctrlPr>
+                                    <a:rPr lang="en-US" i="1">
+                                      <a:latin typeface="Cambria Math" panose="02040503050406030204" pitchFamily="18" charset="0"/>
+                                    </a:rPr>
+                                  </m:ctrlPr>
+                                </m:dPr>
+                                <m:e>
+                                  <m:f>
+                                    <m:fPr>
+                                      <m:ctrlPr>
+                                        <a:rPr lang="en-US" i="1">
+                                          <a:latin typeface="Cambria Math" panose="02040503050406030204" pitchFamily="18" charset="0"/>
+                                        </a:rPr>
+                                      </m:ctrlPr>
+                                    </m:fPr>
+                                    <m:num>
+                                      <m:sSub>
+                                        <m:sSubPr>
+                                          <m:ctrlPr>
+                                            <a:rPr lang="en-US" i="1">
+                                              <a:latin typeface="Cambria Math" panose="02040503050406030204" pitchFamily="18" charset="0"/>
+                                            </a:rPr>
+                                          </m:ctrlPr>
+                                        </m:sSubPr>
+                                        <m:e>
+                                          <m:r>
+                                            <a:rPr lang="en-US" i="1">
+                                              <a:latin typeface="Cambria Math" panose="02040503050406030204" pitchFamily="18" charset="0"/>
+                                            </a:rPr>
+                                            <m:t>𝑊</m:t>
+                                          </m:r>
+                                        </m:e>
+                                        <m:sub>
+                                          <m:r>
+                                            <a:rPr lang="en-US" i="1">
+                                              <a:latin typeface="Cambria Math" panose="02040503050406030204" pitchFamily="18" charset="0"/>
+                                            </a:rPr>
+                                            <m:t>𝑘𝑗</m:t>
+                                          </m:r>
+                                        </m:sub>
+                                      </m:sSub>
+                                      <m:r>
+                                        <a:rPr lang="ru-RU" i="1">
+                                          <a:latin typeface="Cambria Math" panose="02040503050406030204" pitchFamily="18" charset="0"/>
+                                        </a:rPr>
+                                        <m:t>+1</m:t>
+                                      </m:r>
+                                    </m:num>
+                                    <m:den>
+                                      <m:d>
+                                        <m:dPr>
+                                          <m:begChr m:val="|"/>
+                                          <m:endChr m:val="|"/>
+                                          <m:ctrlPr>
+                                            <a:rPr lang="ru-RU" i="1">
+                                              <a:latin typeface="Cambria Math" panose="02040503050406030204" pitchFamily="18" charset="0"/>
+                                            </a:rPr>
+                                          </m:ctrlPr>
+                                        </m:dPr>
+                                        <m:e>
+                                          <m:r>
+                                            <m:rPr>
+                                              <m:sty m:val="p"/>
+                                            </m:rPr>
+                                            <a:rPr lang="el-GR" i="0">
+                                              <a:latin typeface="Cambria Math" panose="02040503050406030204" pitchFamily="18" charset="0"/>
+                                              <a:ea typeface="Cambria Math" panose="02040503050406030204" pitchFamily="18" charset="0"/>
+                                            </a:rPr>
+                                            <m:t>Ω</m:t>
+                                          </m:r>
+                                        </m:e>
+                                      </m:d>
+                                      <m:r>
+                                        <a:rPr lang="ru-RU" i="1">
+                                          <a:latin typeface="Cambria Math" panose="02040503050406030204" pitchFamily="18" charset="0"/>
+                                        </a:rPr>
+                                        <m:t>+</m:t>
+                                      </m:r>
+                                      <m:nary>
+                                        <m:naryPr>
+                                          <m:chr m:val="∑"/>
+                                          <m:supHide m:val="on"/>
+                                          <m:ctrlPr>
+                                            <a:rPr lang="en-US" i="1">
+                                              <a:latin typeface="Cambria Math" panose="02040503050406030204" pitchFamily="18" charset="0"/>
+                                            </a:rPr>
+                                          </m:ctrlPr>
+                                        </m:naryPr>
+                                        <m:sub>
+                                          <m:r>
+                                            <a:rPr lang="en-US" i="1">
+                                              <a:latin typeface="Cambria Math" panose="02040503050406030204" pitchFamily="18" charset="0"/>
+                                            </a:rPr>
+                                            <m:t>𝑚</m:t>
+                                          </m:r>
+                                          <m:r>
+                                            <a:rPr lang="en-US" i="1">
+                                              <a:latin typeface="Cambria Math" panose="02040503050406030204" pitchFamily="18" charset="0"/>
+                                              <a:ea typeface="Cambria Math" panose="02040503050406030204" pitchFamily="18" charset="0"/>
+                                            </a:rPr>
+                                            <m:t>∈</m:t>
+                                          </m:r>
+                                          <m:r>
+                                            <m:rPr>
+                                              <m:sty m:val="p"/>
+                                            </m:rPr>
+                                            <a:rPr lang="en-US" i="1">
+                                              <a:latin typeface="Cambria Math" panose="02040503050406030204" pitchFamily="18" charset="0"/>
+                                              <a:ea typeface="Cambria Math" panose="02040503050406030204" pitchFamily="18" charset="0"/>
+                                            </a:rPr>
+                                            <m:t>Ω</m:t>
+                                          </m:r>
+                                        </m:sub>
+                                        <m:sup/>
+                                        <m:e>
+                                          <m:sSub>
+                                            <m:sSubPr>
+                                              <m:ctrlPr>
+                                                <a:rPr lang="en-US" i="1">
+                                                  <a:latin typeface="Cambria Math" panose="02040503050406030204" pitchFamily="18" charset="0"/>
+                                                </a:rPr>
+                                              </m:ctrlPr>
+                                            </m:sSubPr>
+                                            <m:e>
+                                              <m:r>
+                                                <a:rPr lang="en-US" i="1">
+                                                  <a:latin typeface="Cambria Math" panose="02040503050406030204" pitchFamily="18" charset="0"/>
+                                                </a:rPr>
+                                                <m:t>𝑊</m:t>
+                                              </m:r>
+                                            </m:e>
+                                            <m:sub>
+                                              <m:r>
+                                                <a:rPr lang="en-US" i="1">
+                                                  <a:latin typeface="Cambria Math" panose="02040503050406030204" pitchFamily="18" charset="0"/>
+                                                </a:rPr>
+                                                <m:t>𝑚𝑗</m:t>
+                                              </m:r>
+                                            </m:sub>
+                                          </m:sSub>
+                                        </m:e>
+                                      </m:nary>
+                                    </m:den>
+                                  </m:f>
+                                </m:e>
+                              </m:d>
+                            </m:e>
+                          </m:func>
+                        </m:e>
+                      </m:nary>
+                      <m:r>
+                        <a:rPr lang="en-US" b="0" i="1" smtClean="0">
+                          <a:latin typeface="Cambria Math" panose="02040503050406030204" pitchFamily="18" charset="0"/>
+                        </a:rPr>
+                        <m:t>=</m:t>
+                      </m:r>
+                    </m:oMath>
+                  </m:oMathPara>
+                </a14:m>
+                <a:endParaRPr lang="en-US" dirty="0" smtClean="0"/>
+              </a:p>
+              <a:p>
+                <a:pPr marL="0" indent="0">
+                  <a:buNone/>
+                </a:pPr>
+                <a:endParaRPr lang="en-US" b="0" i="1" dirty="0" smtClean="0">
+                  <a:latin typeface="Cambria Math" panose="02040503050406030204" pitchFamily="18" charset="0"/>
+                </a:endParaRPr>
+              </a:p>
+              <a:p>
+                <a:pPr marL="0" indent="0">
+                  <a:buNone/>
+                </a:pPr>
+                <a14:m>
+                  <m:oMathPara xmlns:m="http://schemas.openxmlformats.org/officeDocument/2006/math">
+                    <m:oMathParaPr>
+                      <m:jc m:val="left"/>
+                    </m:oMathParaPr>
+                    <m:oMath xmlns:m="http://schemas.openxmlformats.org/officeDocument/2006/math">
+                      <m:r>
+                        <a:rPr lang="en-US" b="0" i="1" smtClean="0">
+                          <a:latin typeface="Cambria Math" panose="02040503050406030204" pitchFamily="18" charset="0"/>
+                        </a:rPr>
+                        <m:t>=</m:t>
+                      </m:r>
+                      <m:func>
+                        <m:funcPr>
+                          <m:ctrlPr>
+                            <a:rPr lang="en-US" i="1">
+                              <a:latin typeface="Cambria Math" panose="02040503050406030204" pitchFamily="18" charset="0"/>
+                            </a:rPr>
+                          </m:ctrlPr>
+                        </m:funcPr>
+                        <m:fName>
+                          <m:r>
+                            <m:rPr>
+                              <m:sty m:val="p"/>
+                            </m:rPr>
+                            <a:rPr lang="en-US">
+                              <a:latin typeface="Cambria Math" panose="02040503050406030204" pitchFamily="18" charset="0"/>
+                            </a:rPr>
+                            <m:t>log</m:t>
+                          </m:r>
+                        </m:fName>
+                        <m:e>
+                          <m:d>
+                            <m:dPr>
+                              <m:ctrlPr>
+                                <a:rPr lang="en-US" i="1">
+                                  <a:latin typeface="Cambria Math" panose="02040503050406030204" pitchFamily="18" charset="0"/>
+                                </a:rPr>
+                              </m:ctrlPr>
+                            </m:dPr>
+                            <m:e>
+                              <m:f>
+                                <m:fPr>
+                                  <m:ctrlPr>
+                                    <a:rPr lang="en-US" i="1">
+                                      <a:latin typeface="Cambria Math" panose="02040503050406030204" pitchFamily="18" charset="0"/>
+                                    </a:rPr>
+                                  </m:ctrlPr>
+                                </m:fPr>
+                                <m:num>
+                                  <m:r>
+                                    <a:rPr lang="en-US" b="0" i="1" smtClean="0">
+                                      <a:latin typeface="Cambria Math" panose="02040503050406030204" pitchFamily="18" charset="0"/>
+                                    </a:rPr>
+                                    <m:t>2</m:t>
+                                  </m:r>
+                                </m:num>
+                                <m:den>
+                                  <m:r>
+                                    <a:rPr lang="en-US" i="1">
+                                      <a:latin typeface="Cambria Math" panose="02040503050406030204" pitchFamily="18" charset="0"/>
+                                    </a:rPr>
+                                    <m:t>3</m:t>
+                                  </m:r>
+                                </m:den>
+                              </m:f>
+                            </m:e>
+                          </m:d>
+                        </m:e>
+                      </m:func>
+                      <m:r>
+                        <a:rPr lang="en-US" i="1">
+                          <a:latin typeface="Cambria Math" panose="02040503050406030204" pitchFamily="18" charset="0"/>
+                        </a:rPr>
+                        <m:t>+</m:t>
+                      </m:r>
+                      <m:func>
+                        <m:funcPr>
+                          <m:ctrlPr>
+                            <a:rPr lang="en-US" b="0" i="1" smtClean="0">
+                              <a:latin typeface="Cambria Math" panose="02040503050406030204" pitchFamily="18" charset="0"/>
+                            </a:rPr>
+                          </m:ctrlPr>
+                        </m:funcPr>
+                        <m:fName>
+                          <m:r>
+                            <m:rPr>
+                              <m:sty m:val="p"/>
+                            </m:rPr>
+                            <a:rPr lang="en-US" b="0" i="0" smtClean="0">
+                              <a:latin typeface="Cambria Math" panose="02040503050406030204" pitchFamily="18" charset="0"/>
+                            </a:rPr>
+                            <m:t>log</m:t>
+                          </m:r>
+                        </m:fName>
+                        <m:e>
+                          <m:d>
+                            <m:dPr>
+                              <m:ctrlPr>
+                                <a:rPr lang="en-US" b="0" i="1" smtClean="0">
+                                  <a:latin typeface="Cambria Math" panose="02040503050406030204" pitchFamily="18" charset="0"/>
+                                </a:rPr>
+                              </m:ctrlPr>
+                            </m:dPr>
+                            <m:e>
+                              <m:f>
+                                <m:fPr>
+                                  <m:ctrlPr>
+                                    <a:rPr lang="en-US" b="0" i="1" smtClean="0">
+                                      <a:latin typeface="Cambria Math" panose="02040503050406030204" pitchFamily="18" charset="0"/>
+                                    </a:rPr>
+                                  </m:ctrlPr>
+                                </m:fPr>
+                                <m:num>
+                                  <m:r>
+                                    <a:rPr lang="en-US" b="0" i="1" smtClean="0">
+                                      <a:latin typeface="Cambria Math" panose="02040503050406030204" pitchFamily="18" charset="0"/>
+                                    </a:rPr>
+                                    <m:t>2</m:t>
+                                  </m:r>
+                                </m:num>
+                                <m:den>
+                                  <m:r>
+                                    <a:rPr lang="en-US" b="0" i="1" smtClean="0">
+                                      <a:latin typeface="Cambria Math" panose="02040503050406030204" pitchFamily="18" charset="0"/>
+                                    </a:rPr>
+                                    <m:t>7+6</m:t>
+                                  </m:r>
+                                </m:den>
+                              </m:f>
+                            </m:e>
+                          </m:d>
+                        </m:e>
+                      </m:func>
+                      <m:r>
+                        <a:rPr lang="en-US" i="1">
+                          <a:latin typeface="Cambria Math" panose="02040503050406030204" pitchFamily="18" charset="0"/>
+                        </a:rPr>
+                        <m:t>+</m:t>
+                      </m:r>
+                      <m:func>
+                        <m:funcPr>
+                          <m:ctrlPr>
+                            <a:rPr lang="en-US" i="1">
+                              <a:latin typeface="Cambria Math" panose="02040503050406030204" pitchFamily="18" charset="0"/>
+                            </a:rPr>
+                          </m:ctrlPr>
+                        </m:funcPr>
+                        <m:fName>
+                          <m:r>
+                            <m:rPr>
+                              <m:sty m:val="p"/>
+                            </m:rPr>
+                            <a:rPr lang="en-US">
+                              <a:latin typeface="Cambria Math" panose="02040503050406030204" pitchFamily="18" charset="0"/>
+                            </a:rPr>
+                            <m:t>log</m:t>
+                          </m:r>
+                        </m:fName>
+                        <m:e>
+                          <m:d>
+                            <m:dPr>
+                              <m:ctrlPr>
+                                <a:rPr lang="en-US" i="1">
+                                  <a:latin typeface="Cambria Math" panose="02040503050406030204" pitchFamily="18" charset="0"/>
+                                </a:rPr>
+                              </m:ctrlPr>
+                            </m:dPr>
+                            <m:e>
+                              <m:f>
+                                <m:fPr>
+                                  <m:ctrlPr>
+                                    <a:rPr lang="en-US" i="1">
+                                      <a:latin typeface="Cambria Math" panose="02040503050406030204" pitchFamily="18" charset="0"/>
+                                    </a:rPr>
+                                  </m:ctrlPr>
+                                </m:fPr>
+                                <m:num>
+                                  <m:r>
+                                    <a:rPr lang="en-US" b="0" i="1" smtClean="0">
+                                      <a:latin typeface="Cambria Math" panose="02040503050406030204" pitchFamily="18" charset="0"/>
+                                    </a:rPr>
+                                    <m:t>1</m:t>
+                                  </m:r>
+                                </m:num>
+                                <m:den>
+                                  <m:r>
+                                    <a:rPr lang="en-US" b="0" i="1" smtClean="0">
+                                      <a:latin typeface="Cambria Math" panose="02040503050406030204" pitchFamily="18" charset="0"/>
+                                    </a:rPr>
+                                    <m:t>7+6</m:t>
+                                  </m:r>
+                                </m:den>
+                              </m:f>
+                            </m:e>
+                          </m:d>
+                        </m:e>
+                      </m:func>
+                      <m:r>
+                        <a:rPr lang="en-US" i="1">
+                          <a:latin typeface="Cambria Math" panose="02040503050406030204" pitchFamily="18" charset="0"/>
+                        </a:rPr>
+                        <m:t>+</m:t>
+                      </m:r>
+                      <m:func>
+                        <m:funcPr>
+                          <m:ctrlPr>
+                            <a:rPr lang="en-US" i="1">
+                              <a:latin typeface="Cambria Math" panose="02040503050406030204" pitchFamily="18" charset="0"/>
+                            </a:rPr>
+                          </m:ctrlPr>
+                        </m:funcPr>
+                        <m:fName>
+                          <m:r>
+                            <m:rPr>
+                              <m:sty m:val="p"/>
+                            </m:rPr>
+                            <a:rPr lang="en-US">
+                              <a:latin typeface="Cambria Math" panose="02040503050406030204" pitchFamily="18" charset="0"/>
+                            </a:rPr>
+                            <m:t>log</m:t>
+                          </m:r>
+                        </m:fName>
+                        <m:e>
+                          <m:d>
+                            <m:dPr>
+                              <m:ctrlPr>
+                                <a:rPr lang="en-US" i="1">
+                                  <a:latin typeface="Cambria Math" panose="02040503050406030204" pitchFamily="18" charset="0"/>
+                                </a:rPr>
+                              </m:ctrlPr>
+                            </m:dPr>
+                            <m:e>
+                              <m:f>
+                                <m:fPr>
+                                  <m:ctrlPr>
+                                    <a:rPr lang="en-US" i="1">
+                                      <a:latin typeface="Cambria Math" panose="02040503050406030204" pitchFamily="18" charset="0"/>
+                                    </a:rPr>
+                                  </m:ctrlPr>
+                                </m:fPr>
+                                <m:num>
+                                  <m:r>
+                                    <a:rPr lang="en-US" b="0" i="1" smtClean="0">
+                                      <a:latin typeface="Cambria Math" panose="02040503050406030204" pitchFamily="18" charset="0"/>
+                                    </a:rPr>
+                                    <m:t>2</m:t>
+                                  </m:r>
+                                </m:num>
+                                <m:den>
+                                  <m:r>
+                                    <a:rPr lang="en-US" b="0" i="1" smtClean="0">
+                                      <a:latin typeface="Cambria Math" panose="02040503050406030204" pitchFamily="18" charset="0"/>
+                                    </a:rPr>
+                                    <m:t>7+6</m:t>
+                                  </m:r>
+                                </m:den>
+                              </m:f>
+                            </m:e>
+                          </m:d>
+                        </m:e>
+                      </m:func>
+                      <m:r>
+                        <a:rPr lang="en-US" b="0" i="1" smtClean="0">
+                          <a:latin typeface="Cambria Math" panose="02040503050406030204" pitchFamily="18" charset="0"/>
+                        </a:rPr>
+                        <m:t>=</m:t>
+                      </m:r>
+                    </m:oMath>
+                  </m:oMathPara>
+                </a14:m>
+                <a:endParaRPr lang="en-US" b="0" dirty="0" smtClean="0"/>
+              </a:p>
+              <a:p>
+                <a:pPr marL="0" indent="0">
+                  <a:buNone/>
+                </a:pPr>
+                <a:endParaRPr lang="en-US" i="1" dirty="0" smtClean="0">
+                  <a:latin typeface="Cambria Math" panose="02040503050406030204" pitchFamily="18" charset="0"/>
+                </a:endParaRPr>
+              </a:p>
+              <a:p>
+                <a:pPr marL="0" indent="0">
+                  <a:buNone/>
+                </a:pPr>
+                <a14:m>
+                  <m:oMathPara xmlns:m="http://schemas.openxmlformats.org/officeDocument/2006/math">
+                    <m:oMathParaPr>
+                      <m:jc m:val="left"/>
+                    </m:oMathParaPr>
+                    <m:oMath xmlns:m="http://schemas.openxmlformats.org/officeDocument/2006/math">
+                      <m:r>
+                        <a:rPr lang="en-US" i="1">
+                          <a:latin typeface="Cambria Math" panose="02040503050406030204" pitchFamily="18" charset="0"/>
+                        </a:rPr>
+                        <m:t>=</m:t>
+                      </m:r>
+                      <m:r>
+                        <a:rPr lang="en-US" b="0" i="1" smtClean="0">
+                          <a:latin typeface="Cambria Math" panose="02040503050406030204" pitchFamily="18" charset="0"/>
+                        </a:rPr>
+                        <m:t>−0,41−1,87−2,56−1,87=−6,</m:t>
+                      </m:r>
+                      <m:r>
+                        <a:rPr lang="en-US" b="0" i="0" smtClean="0">
+                          <a:latin typeface="Cambria Math" panose="02040503050406030204" pitchFamily="18" charset="0"/>
+                        </a:rPr>
+                        <m:t>71</m:t>
+                      </m:r>
+                    </m:oMath>
+                  </m:oMathPara>
+                </a14:m>
+                <a:endParaRPr lang="ru-RU" dirty="0" smtClean="0"/>
+              </a:p>
+            </p:txBody>
+          </p:sp>
+        </mc:Choice>
+        <mc:Fallback>
+          <p:sp>
+            <p:nvSpPr>
+              <p:cNvPr id="3" name="Объект 2"/>
+              <p:cNvSpPr>
+                <a:spLocks noGrp="1" noRot="1" noChangeAspect="1" noMove="1" noResize="1" noEditPoints="1" noAdjustHandles="1" noChangeArrowheads="1" noChangeShapeType="1" noTextEdit="1"/>
+              </p:cNvSpPr>
+              <p:nvPr>
+                <p:ph idx="1"/>
+              </p:nvPr>
+            </p:nvSpPr>
+            <p:spPr>
+              <a:xfrm>
+                <a:off x="838200" y="1813750"/>
+                <a:ext cx="10515600" cy="4351338"/>
+              </a:xfrm>
+              <a:blipFill rotWithShape="0">
+                <a:blip r:embed="rId2"/>
+                <a:stretch>
+                  <a:fillRect l="-1217" t="-2384"/>
+                </a:stretch>
+              </a:blipFill>
+            </p:spPr>
+            <p:txBody>
+              <a:bodyPr/>
+              <a:lstStyle/>
+              <a:p>
+                <a:r>
+                  <a:rPr lang="ru-RU">
+                    <a:noFill/>
+                  </a:rPr>
+                  <a:t> </a:t>
+                </a:r>
+              </a:p>
+            </p:txBody>
+          </p:sp>
+        </mc:Fallback>
+      </mc:AlternateContent>
+    </p:spTree>
+    <p:extLst>
+      <p:ext uri="{BB962C8B-B14F-4D97-AF65-F5344CB8AC3E}">
+        <p14:creationId xmlns:p14="http://schemas.microsoft.com/office/powerpoint/2010/main" val="773044138"/>
+      </p:ext>
+    </p:extLst>
+  </p:cSld>
+  <p:clrMapOvr>
+    <a:masterClrMapping/>
+  </p:clrMapOvr>
+</p:sld>
+</file>
+
+<file path=ppt/slides/slide33.xml><?xml version="1.0" encoding="utf-8"?>
+<p:sld xmlns:a="http://schemas.openxmlformats.org/drawingml/2006/main" xmlns:r="http://schemas.openxmlformats.org/officeDocument/2006/relationships" xmlns:p="http://schemas.openxmlformats.org/presentationml/2006/main">
+  <p:cSld>
+    <p:spTree>
+      <p:nvGrpSpPr>
+        <p:cNvPr id="1" name=""/>
+        <p:cNvGrpSpPr/>
+        <p:nvPr/>
+      </p:nvGrpSpPr>
+      <p:grpSpPr>
+        <a:xfrm>
+          <a:off x="0" y="0"/>
+          <a:ext cx="0" cy="0"/>
+          <a:chOff x="0" y="0"/>
+          <a:chExt cx="0" cy="0"/>
+        </a:xfrm>
+      </p:grpSpPr>
+      <p:sp>
+        <p:nvSpPr>
+          <p:cNvPr id="2" name="Заголовок 1"/>
+          <p:cNvSpPr>
+            <a:spLocks noGrp="1"/>
+          </p:cNvSpPr>
+          <p:nvPr>
+            <p:ph type="title"/>
+          </p:nvPr>
+        </p:nvSpPr>
+        <p:spPr/>
+        <p:txBody>
+          <a:bodyPr/>
+          <a:lstStyle/>
+          <a:p>
+            <a:r>
+              <a:rPr lang="ru-RU" dirty="0"/>
+              <a:t>Наивный байесовский классификатор</a:t>
+            </a:r>
+          </a:p>
+        </p:txBody>
+      </p:sp>
+      <mc:AlternateContent xmlns:mc="http://schemas.openxmlformats.org/markup-compatibility/2006">
+        <mc:Choice xmlns:a14="http://schemas.microsoft.com/office/drawing/2010/main" Requires="a14">
+          <p:sp>
+            <p:nvSpPr>
+              <p:cNvPr id="3" name="Объект 2"/>
+              <p:cNvSpPr>
+                <a:spLocks noGrp="1"/>
+              </p:cNvSpPr>
+              <p:nvPr>
+                <p:ph idx="1"/>
+              </p:nvPr>
+            </p:nvSpPr>
+            <p:spPr>
+              <a:xfrm>
+                <a:off x="838200" y="1801875"/>
+                <a:ext cx="10515600" cy="4351338"/>
+              </a:xfrm>
+            </p:spPr>
+            <p:txBody>
+              <a:bodyPr>
+                <a:normAutofit/>
+              </a:bodyPr>
+              <a:lstStyle/>
+              <a:p>
+                <a:pPr marL="0" indent="0">
+                  <a:buNone/>
+                </a:pPr>
+                <a:r>
+                  <a:rPr lang="ru-RU" dirty="0" smtClean="0"/>
+                  <a:t>Для </a:t>
+                </a:r>
+                <a14:m>
+                  <m:oMath xmlns:m="http://schemas.openxmlformats.org/officeDocument/2006/math">
+                    <m:sSub>
+                      <m:sSubPr>
+                        <m:ctrlPr>
+                          <a:rPr lang="ru-RU" i="1">
+                            <a:latin typeface="Cambria Math" panose="02040503050406030204" pitchFamily="18" charset="0"/>
+                          </a:rPr>
+                        </m:ctrlPr>
+                      </m:sSubPr>
+                      <m:e>
+                        <m:r>
+                          <a:rPr lang="en-US" i="1">
+                            <a:latin typeface="Cambria Math" panose="02040503050406030204" pitchFamily="18" charset="0"/>
+                          </a:rPr>
+                          <m:t>𝑌</m:t>
+                        </m:r>
+                      </m:e>
+                      <m:sub>
+                        <m:r>
+                          <a:rPr lang="en-US" i="1">
+                            <a:latin typeface="Cambria Math" panose="02040503050406030204" pitchFamily="18" charset="0"/>
+                          </a:rPr>
+                          <m:t>0</m:t>
+                        </m:r>
+                      </m:sub>
+                    </m:sSub>
+                  </m:oMath>
+                </a14:m>
+                <a:r>
+                  <a:rPr lang="en-US" dirty="0"/>
+                  <a:t>:</a:t>
+                </a:r>
+              </a:p>
+              <a:p>
+                <a:pPr marL="0" indent="0">
+                  <a:buNone/>
+                </a:pPr>
+                <a14:m>
+                  <m:oMathPara xmlns:m="http://schemas.openxmlformats.org/officeDocument/2006/math">
+                    <m:oMathParaPr>
+                      <m:jc m:val="left"/>
+                    </m:oMathParaPr>
+                    <m:oMath xmlns:m="http://schemas.openxmlformats.org/officeDocument/2006/math">
+                      <m:r>
+                        <a:rPr lang="en-US" i="1">
+                          <a:latin typeface="Cambria Math" panose="02040503050406030204" pitchFamily="18" charset="0"/>
+                        </a:rPr>
+                        <m:t>−7,31</m:t>
+                      </m:r>
+                    </m:oMath>
+                  </m:oMathPara>
+                </a14:m>
+                <a:endParaRPr lang="ru-RU" dirty="0"/>
+              </a:p>
+              <a:p>
+                <a:pPr marL="0" indent="0">
+                  <a:buNone/>
+                </a:pPr>
+                <a:endParaRPr lang="en-US" dirty="0" smtClean="0"/>
+              </a:p>
+              <a:p>
+                <a:pPr marL="0" indent="0">
+                  <a:buNone/>
+                </a:pPr>
+                <a:r>
+                  <a:rPr lang="ru-RU" dirty="0"/>
+                  <a:t>Для </a:t>
+                </a:r>
+                <a14:m>
+                  <m:oMath xmlns:m="http://schemas.openxmlformats.org/officeDocument/2006/math">
+                    <m:sSub>
+                      <m:sSubPr>
+                        <m:ctrlPr>
+                          <a:rPr lang="ru-RU" i="1">
+                            <a:latin typeface="Cambria Math" panose="02040503050406030204" pitchFamily="18" charset="0"/>
+                          </a:rPr>
+                        </m:ctrlPr>
+                      </m:sSubPr>
+                      <m:e>
+                        <m:r>
+                          <a:rPr lang="en-US" i="1">
+                            <a:latin typeface="Cambria Math" panose="02040503050406030204" pitchFamily="18" charset="0"/>
+                          </a:rPr>
+                          <m:t>𝑌</m:t>
+                        </m:r>
+                      </m:e>
+                      <m:sub>
+                        <m:r>
+                          <a:rPr lang="en-US" i="1">
+                            <a:latin typeface="Cambria Math" panose="02040503050406030204" pitchFamily="18" charset="0"/>
+                          </a:rPr>
+                          <m:t>1</m:t>
+                        </m:r>
+                      </m:sub>
+                    </m:sSub>
+                  </m:oMath>
+                </a14:m>
+                <a:r>
+                  <a:rPr lang="en-US" dirty="0"/>
+                  <a:t>:</a:t>
+                </a:r>
+              </a:p>
+              <a:p>
+                <a:pPr marL="0" indent="0">
+                  <a:buNone/>
+                </a:pPr>
+                <a14:m>
+                  <m:oMathPara xmlns:m="http://schemas.openxmlformats.org/officeDocument/2006/math">
+                    <m:oMathParaPr>
+                      <m:jc m:val="left"/>
+                    </m:oMathParaPr>
+                    <m:oMath xmlns:m="http://schemas.openxmlformats.org/officeDocument/2006/math">
+                      <m:r>
+                        <a:rPr lang="en-US" i="1">
+                          <a:latin typeface="Cambria Math" panose="02040503050406030204" pitchFamily="18" charset="0"/>
+                        </a:rPr>
+                        <m:t>−6,</m:t>
+                      </m:r>
+                      <m:r>
+                        <a:rPr lang="en-US">
+                          <a:latin typeface="Cambria Math" panose="02040503050406030204" pitchFamily="18" charset="0"/>
+                        </a:rPr>
+                        <m:t>71</m:t>
+                      </m:r>
+                    </m:oMath>
+                  </m:oMathPara>
+                </a14:m>
+                <a:endParaRPr lang="en-US" dirty="0" smtClean="0"/>
+              </a:p>
+              <a:p>
+                <a:pPr marL="0" indent="0">
+                  <a:buNone/>
+                </a:pPr>
+                <a:endParaRPr lang="en-US" dirty="0" smtClean="0"/>
+              </a:p>
+              <a:p>
+                <a:pPr marL="0" indent="0">
+                  <a:buNone/>
+                </a:pPr>
+                <a:r>
+                  <a:rPr lang="ru-RU" dirty="0" smtClean="0"/>
+                  <a:t>В итоге относим проверяемое значение к классу </a:t>
+                </a:r>
+                <a14:m>
+                  <m:oMath xmlns:m="http://schemas.openxmlformats.org/officeDocument/2006/math">
+                    <m:sSub>
+                      <m:sSubPr>
+                        <m:ctrlPr>
+                          <a:rPr lang="ru-RU" i="1">
+                            <a:latin typeface="Cambria Math" panose="02040503050406030204" pitchFamily="18" charset="0"/>
+                          </a:rPr>
+                        </m:ctrlPr>
+                      </m:sSubPr>
+                      <m:e>
+                        <m:r>
+                          <a:rPr lang="en-US" i="1">
+                            <a:latin typeface="Cambria Math" panose="02040503050406030204" pitchFamily="18" charset="0"/>
+                          </a:rPr>
+                          <m:t>𝑌</m:t>
+                        </m:r>
+                      </m:e>
+                      <m:sub>
+                        <m:r>
+                          <a:rPr lang="en-US" i="1">
+                            <a:latin typeface="Cambria Math" panose="02040503050406030204" pitchFamily="18" charset="0"/>
+                          </a:rPr>
+                          <m:t>1</m:t>
+                        </m:r>
+                      </m:sub>
+                    </m:sSub>
+                  </m:oMath>
+                </a14:m>
+                <a:r>
+                  <a:rPr lang="ru-RU" dirty="0" smtClean="0"/>
+                  <a:t>.</a:t>
+                </a:r>
+                <a:endParaRPr lang="ru-RU" dirty="0" smtClean="0"/>
+              </a:p>
+            </p:txBody>
+          </p:sp>
+        </mc:Choice>
+        <mc:Fallback>
+          <p:sp>
+            <p:nvSpPr>
+              <p:cNvPr id="3" name="Объект 2"/>
+              <p:cNvSpPr>
+                <a:spLocks noGrp="1" noRot="1" noChangeAspect="1" noMove="1" noResize="1" noEditPoints="1" noAdjustHandles="1" noChangeArrowheads="1" noChangeShapeType="1" noTextEdit="1"/>
+              </p:cNvSpPr>
+              <p:nvPr>
+                <p:ph idx="1"/>
+              </p:nvPr>
+            </p:nvSpPr>
+            <p:spPr>
+              <a:xfrm>
+                <a:off x="838200" y="1801875"/>
+                <a:ext cx="10515600" cy="4351338"/>
+              </a:xfrm>
+              <a:blipFill rotWithShape="0">
+                <a:blip r:embed="rId2"/>
+                <a:stretch>
+                  <a:fillRect l="-1217" t="-2384"/>
+                </a:stretch>
+              </a:blipFill>
+            </p:spPr>
+            <p:txBody>
+              <a:bodyPr/>
+              <a:lstStyle/>
+              <a:p>
+                <a:r>
+                  <a:rPr lang="ru-RU">
+                    <a:noFill/>
+                  </a:rPr>
+                  <a:t> </a:t>
+                </a:r>
+              </a:p>
+            </p:txBody>
+          </p:sp>
+        </mc:Fallback>
+      </mc:AlternateContent>
+    </p:spTree>
+    <p:extLst>
+      <p:ext uri="{BB962C8B-B14F-4D97-AF65-F5344CB8AC3E}">
+        <p14:creationId xmlns:p14="http://schemas.microsoft.com/office/powerpoint/2010/main" val="735982297"/>
+      </p:ext>
+    </p:extLst>
+  </p:cSld>
+  <p:clrMapOvr>
+    <a:masterClrMapping/>
+  </p:clrMapOvr>
+</p:sld>
+</file>
+
+<file path=ppt/slides/slide34.xml><?xml version="1.0" encoding="utf-8"?>
+<p:sld xmlns:a="http://schemas.openxmlformats.org/drawingml/2006/main" xmlns:r="http://schemas.openxmlformats.org/officeDocument/2006/relationships" xmlns:p="http://schemas.openxmlformats.org/presentationml/2006/main">
+  <p:cSld>
+    <p:spTree>
+      <p:nvGrpSpPr>
+        <p:cNvPr id="1" name=""/>
+        <p:cNvGrpSpPr/>
+        <p:nvPr/>
+      </p:nvGrpSpPr>
+      <p:grpSpPr>
+        <a:xfrm>
+          <a:off x="0" y="0"/>
+          <a:ext cx="0" cy="0"/>
+          <a:chOff x="0" y="0"/>
+          <a:chExt cx="0" cy="0"/>
+        </a:xfrm>
+      </p:grpSpPr>
+      <p:sp>
+        <p:nvSpPr>
+          <p:cNvPr id="2" name="Заголовок 1"/>
+          <p:cNvSpPr>
+            <a:spLocks noGrp="1"/>
+          </p:cNvSpPr>
+          <p:nvPr>
+            <p:ph type="title"/>
+          </p:nvPr>
+        </p:nvSpPr>
+        <p:spPr/>
+        <p:txBody>
+          <a:bodyPr/>
+          <a:lstStyle/>
+          <a:p>
+            <a:r>
+              <a:rPr lang="ru-RU" dirty="0"/>
+              <a:t>Наивный байесовский классификатор</a:t>
+            </a:r>
+          </a:p>
+        </p:txBody>
+      </p:sp>
+      <p:sp>
+        <p:nvSpPr>
+          <p:cNvPr id="3" name="Объект 2"/>
+          <p:cNvSpPr>
+            <a:spLocks noGrp="1"/>
+          </p:cNvSpPr>
+          <p:nvPr>
+            <p:ph idx="1"/>
+          </p:nvPr>
+        </p:nvSpPr>
+        <p:spPr/>
+        <p:txBody>
+          <a:bodyPr/>
+          <a:lstStyle/>
+          <a:p>
+            <a:pPr marL="0" indent="0">
+              <a:buNone/>
+            </a:pPr>
+            <a:r>
+              <a:rPr lang="ru-RU" dirty="0" smtClean="0"/>
+              <a:t>Плюсы:</a:t>
+            </a:r>
+          </a:p>
+          <a:p>
+            <a:r>
+              <a:rPr lang="ru-RU" dirty="0" smtClean="0"/>
+              <a:t>Простая реализация.</a:t>
+            </a:r>
+          </a:p>
+          <a:p>
+            <a:r>
+              <a:rPr lang="ru-RU" dirty="0" smtClean="0"/>
+              <a:t>Быстрые обучение и работа.</a:t>
+            </a:r>
+          </a:p>
+          <a:p>
+            <a:r>
+              <a:rPr lang="ru-RU" dirty="0" smtClean="0"/>
+              <a:t>Хорошо работает в случае большой размерности элементов.</a:t>
+            </a:r>
+          </a:p>
+          <a:p>
+            <a:r>
+              <a:rPr lang="ru-RU" dirty="0" smtClean="0"/>
+              <a:t>Хорошо работает в случае малого количества элементов.</a:t>
+            </a:r>
+          </a:p>
+          <a:p>
+            <a:r>
+              <a:rPr lang="ru-RU" dirty="0" smtClean="0"/>
+              <a:t>Высокая интерпретируемость.</a:t>
+            </a:r>
+          </a:p>
+          <a:p>
+            <a:r>
+              <a:rPr lang="ru-RU" dirty="0" smtClean="0"/>
+              <a:t>Возможность дообучения в реальном времени.</a:t>
+            </a:r>
+          </a:p>
+        </p:txBody>
+      </p:sp>
+    </p:spTree>
+    <p:extLst>
+      <p:ext uri="{BB962C8B-B14F-4D97-AF65-F5344CB8AC3E}">
+        <p14:creationId xmlns:p14="http://schemas.microsoft.com/office/powerpoint/2010/main" val="2618185733"/>
+      </p:ext>
+    </p:extLst>
+  </p:cSld>
+  <p:clrMapOvr>
+    <a:masterClrMapping/>
+  </p:clrMapOvr>
+</p:sld>
+</file>
+
+<file path=ppt/slides/slide35.xml><?xml version="1.0" encoding="utf-8"?>
+<p:sld xmlns:a="http://schemas.openxmlformats.org/drawingml/2006/main" xmlns:r="http://schemas.openxmlformats.org/officeDocument/2006/relationships" xmlns:p="http://schemas.openxmlformats.org/presentationml/2006/main">
+  <p:cSld>
+    <p:spTree>
+      <p:nvGrpSpPr>
+        <p:cNvPr id="1" name=""/>
+        <p:cNvGrpSpPr/>
+        <p:nvPr/>
+      </p:nvGrpSpPr>
+      <p:grpSpPr>
+        <a:xfrm>
+          <a:off x="0" y="0"/>
+          <a:ext cx="0" cy="0"/>
+          <a:chOff x="0" y="0"/>
+          <a:chExt cx="0" cy="0"/>
+        </a:xfrm>
+      </p:grpSpPr>
+      <p:sp>
+        <p:nvSpPr>
+          <p:cNvPr id="2" name="Заголовок 1"/>
+          <p:cNvSpPr>
+            <a:spLocks noGrp="1"/>
+          </p:cNvSpPr>
+          <p:nvPr>
+            <p:ph type="title"/>
+          </p:nvPr>
+        </p:nvSpPr>
+        <p:spPr/>
+        <p:txBody>
+          <a:bodyPr/>
+          <a:lstStyle/>
+          <a:p>
+            <a:r>
+              <a:rPr lang="ru-RU" dirty="0"/>
+              <a:t>Наивный байесовский классификатор</a:t>
+            </a:r>
+          </a:p>
+        </p:txBody>
+      </p:sp>
+      <p:sp>
+        <p:nvSpPr>
+          <p:cNvPr id="3" name="Объект 2"/>
+          <p:cNvSpPr>
+            <a:spLocks noGrp="1"/>
+          </p:cNvSpPr>
+          <p:nvPr>
+            <p:ph idx="1"/>
+          </p:nvPr>
+        </p:nvSpPr>
+        <p:spPr/>
+        <p:txBody>
+          <a:bodyPr/>
+          <a:lstStyle/>
+          <a:p>
+            <a:pPr marL="0" indent="0">
+              <a:buNone/>
+            </a:pPr>
+            <a:r>
+              <a:rPr lang="ru-RU" dirty="0" smtClean="0"/>
+              <a:t>Минусы:</a:t>
+            </a:r>
+          </a:p>
+          <a:p>
+            <a:r>
+              <a:rPr lang="ru-RU" dirty="0" smtClean="0"/>
+              <a:t>Параметры должны быть независимы.</a:t>
+            </a:r>
+          </a:p>
+          <a:p>
+            <a:r>
+              <a:rPr lang="ru-RU" dirty="0" smtClean="0"/>
+              <a:t>Значения параметров должны быть категориальными.</a:t>
+            </a:r>
+          </a:p>
+          <a:p>
+            <a:r>
+              <a:rPr lang="ru-RU" dirty="0" smtClean="0"/>
+              <a:t>Невозможно обрабатывать значения параметров, которых не было в обучающей выборке.</a:t>
+            </a:r>
+          </a:p>
+          <a:p>
+            <a:endParaRPr lang="ru-RU" dirty="0" smtClean="0"/>
+          </a:p>
+        </p:txBody>
+      </p:sp>
+    </p:spTree>
+    <p:extLst>
+      <p:ext uri="{BB962C8B-B14F-4D97-AF65-F5344CB8AC3E}">
+        <p14:creationId xmlns:p14="http://schemas.microsoft.com/office/powerpoint/2010/main" val="4097814693"/>
+      </p:ext>
+    </p:extLst>
+  </p:cSld>
+  <p:clrMapOvr>
+    <a:masterClrMapping/>
+  </p:clrMapOvr>
+</p:sld>
+</file>
+
+<file path=ppt/slides/slide36.xml><?xml version="1.0" encoding="utf-8"?>
+<p:sld xmlns:a="http://schemas.openxmlformats.org/drawingml/2006/main" xmlns:r="http://schemas.openxmlformats.org/officeDocument/2006/relationships" xmlns:p="http://schemas.openxmlformats.org/presentationml/2006/main">
+  <p:cSld>
+    <p:spTree>
+      <p:nvGrpSpPr>
+        <p:cNvPr id="1" name=""/>
+        <p:cNvGrpSpPr/>
+        <p:nvPr/>
+      </p:nvGrpSpPr>
+      <p:grpSpPr>
+        <a:xfrm>
+          <a:off x="0" y="0"/>
+          <a:ext cx="0" cy="0"/>
+          <a:chOff x="0" y="0"/>
+          <a:chExt cx="0" cy="0"/>
+        </a:xfrm>
+      </p:grpSpPr>
+      <p:sp>
+        <p:nvSpPr>
+          <p:cNvPr id="2" name="Заголовок 1"/>
+          <p:cNvSpPr>
+            <a:spLocks noGrp="1"/>
+          </p:cNvSpPr>
+          <p:nvPr>
+            <p:ph type="title"/>
+          </p:nvPr>
+        </p:nvSpPr>
+        <p:spPr/>
+        <p:txBody>
+          <a:bodyPr/>
+          <a:lstStyle/>
+          <a:p>
+            <a:r>
+              <a:rPr lang="ru-RU" dirty="0"/>
+              <a:t>Наивный байесовский классификатор</a:t>
+            </a:r>
+          </a:p>
+        </p:txBody>
+      </p:sp>
+      <p:sp>
+        <p:nvSpPr>
+          <p:cNvPr id="5" name="Скругленный прямоугольник 4"/>
+          <p:cNvSpPr/>
+          <p:nvPr/>
+        </p:nvSpPr>
+        <p:spPr>
+          <a:xfrm>
+            <a:off x="285008" y="1781299"/>
+            <a:ext cx="11578441" cy="4845132"/>
+          </a:xfrm>
+          <a:prstGeom prst="roundRect">
+            <a:avLst/>
+          </a:prstGeom>
+        </p:spPr>
+        <p:style>
+          <a:lnRef idx="2">
+            <a:schemeClr val="accent1">
+              <a:shade val="50000"/>
+            </a:schemeClr>
+          </a:lnRef>
+          <a:fillRef idx="1">
+            <a:schemeClr val="accent1"/>
+          </a:fillRef>
+          <a:effectRef idx="0">
+            <a:schemeClr val="accent1"/>
+          </a:effectRef>
+          <a:fontRef idx="minor">
+            <a:schemeClr val="lt1"/>
+          </a:fontRef>
+        </p:style>
+        <p:txBody>
+          <a:bodyPr rtlCol="0" anchor="t" anchorCtr="0"/>
+          <a:lstStyle/>
+          <a:p>
+            <a:r>
+              <a:rPr lang="ru-RU" dirty="0" smtClean="0"/>
+              <a:t>Искусственный интеллект</a:t>
+            </a:r>
+            <a:endParaRPr lang="ru-RU" dirty="0"/>
+          </a:p>
+        </p:txBody>
+      </p:sp>
+      <p:sp>
+        <p:nvSpPr>
+          <p:cNvPr id="6" name="Скругленный прямоугольник 5"/>
+          <p:cNvSpPr/>
+          <p:nvPr/>
+        </p:nvSpPr>
+        <p:spPr>
+          <a:xfrm>
+            <a:off x="838200" y="2543695"/>
+            <a:ext cx="10849495" cy="3956858"/>
+          </a:xfrm>
+          <a:prstGeom prst="roundRect">
+            <a:avLst/>
+          </a:prstGeom>
+        </p:spPr>
+        <p:style>
+          <a:lnRef idx="2">
+            <a:schemeClr val="accent6"/>
+          </a:lnRef>
+          <a:fillRef idx="1">
+            <a:schemeClr val="lt1"/>
+          </a:fillRef>
+          <a:effectRef idx="0">
+            <a:schemeClr val="accent6"/>
+          </a:effectRef>
+          <a:fontRef idx="minor">
+            <a:schemeClr val="dk1"/>
+          </a:fontRef>
+        </p:style>
+        <p:txBody>
+          <a:bodyPr rtlCol="0" anchor="t"/>
+          <a:lstStyle/>
+          <a:p>
+            <a:r>
+              <a:rPr lang="ru-RU" dirty="0" smtClean="0"/>
+              <a:t>Машинное обучение</a:t>
+            </a:r>
+            <a:endParaRPr lang="ru-RU" dirty="0"/>
+          </a:p>
+        </p:txBody>
+      </p:sp>
+      <p:sp>
+        <p:nvSpPr>
+          <p:cNvPr id="3" name="Скругленный прямоугольник 2"/>
+          <p:cNvSpPr/>
+          <p:nvPr/>
+        </p:nvSpPr>
+        <p:spPr>
+          <a:xfrm>
+            <a:off x="1242204" y="3312543"/>
+            <a:ext cx="3148641" cy="2915729"/>
+          </a:xfrm>
+          <a:prstGeom prst="roundRect">
+            <a:avLst/>
+          </a:prstGeom>
+        </p:spPr>
+        <p:style>
+          <a:lnRef idx="1">
+            <a:schemeClr val="accent1"/>
+          </a:lnRef>
+          <a:fillRef idx="2">
+            <a:schemeClr val="accent1"/>
+          </a:fillRef>
+          <a:effectRef idx="1">
+            <a:schemeClr val="accent1"/>
+          </a:effectRef>
+          <a:fontRef idx="minor">
+            <a:schemeClr val="dk1"/>
+          </a:fontRef>
+        </p:style>
+        <p:txBody>
+          <a:bodyPr rtlCol="0" anchor="t"/>
+          <a:lstStyle/>
+          <a:p>
+            <a:r>
+              <a:rPr lang="ru-RU" dirty="0" smtClean="0"/>
+              <a:t>Обучение с учителем</a:t>
+            </a:r>
+            <a:endParaRPr lang="ru-RU" dirty="0"/>
+          </a:p>
+        </p:txBody>
+      </p:sp>
+      <p:sp>
+        <p:nvSpPr>
+          <p:cNvPr id="7" name="Скругленный прямоугольник 6"/>
+          <p:cNvSpPr/>
+          <p:nvPr/>
+        </p:nvSpPr>
+        <p:spPr>
+          <a:xfrm>
+            <a:off x="4794849" y="3312543"/>
+            <a:ext cx="3148641" cy="2915729"/>
+          </a:xfrm>
+          <a:prstGeom prst="roundRect">
+            <a:avLst/>
+          </a:prstGeom>
+        </p:spPr>
+        <p:style>
+          <a:lnRef idx="1">
+            <a:schemeClr val="accent1"/>
+          </a:lnRef>
+          <a:fillRef idx="2">
+            <a:schemeClr val="accent1"/>
+          </a:fillRef>
+          <a:effectRef idx="1">
+            <a:schemeClr val="accent1"/>
+          </a:effectRef>
+          <a:fontRef idx="minor">
+            <a:schemeClr val="dk1"/>
+          </a:fontRef>
+        </p:style>
+        <p:txBody>
+          <a:bodyPr rtlCol="0" anchor="t"/>
+          <a:lstStyle/>
+          <a:p>
+            <a:r>
+              <a:rPr lang="ru-RU" dirty="0" smtClean="0">
+                <a:solidFill>
+                  <a:schemeClr val="dk1"/>
+                </a:solidFill>
+              </a:rPr>
+              <a:t>Обучение без учителя</a:t>
+            </a:r>
+            <a:endParaRPr lang="ru-RU" dirty="0">
+              <a:solidFill>
+                <a:schemeClr val="dk1"/>
+              </a:solidFill>
+            </a:endParaRPr>
+          </a:p>
+        </p:txBody>
+      </p:sp>
+      <p:sp>
+        <p:nvSpPr>
+          <p:cNvPr id="8" name="Скругленный прямоугольник 7"/>
+          <p:cNvSpPr/>
+          <p:nvPr/>
+        </p:nvSpPr>
+        <p:spPr>
+          <a:xfrm>
+            <a:off x="8347494" y="3312542"/>
+            <a:ext cx="3148641" cy="2915729"/>
+          </a:xfrm>
+          <a:prstGeom prst="roundRect">
+            <a:avLst/>
+          </a:prstGeom>
+        </p:spPr>
+        <p:style>
+          <a:lnRef idx="1">
+            <a:schemeClr val="accent1"/>
+          </a:lnRef>
+          <a:fillRef idx="2">
+            <a:schemeClr val="accent1"/>
+          </a:fillRef>
+          <a:effectRef idx="1">
+            <a:schemeClr val="accent1"/>
+          </a:effectRef>
+          <a:fontRef idx="minor">
+            <a:schemeClr val="dk1"/>
+          </a:fontRef>
+        </p:style>
+        <p:txBody>
+          <a:bodyPr rtlCol="0" anchor="t"/>
+          <a:lstStyle/>
+          <a:p>
+            <a:r>
+              <a:rPr lang="ru-RU" dirty="0" smtClean="0">
+                <a:solidFill>
+                  <a:schemeClr val="dk1"/>
+                </a:solidFill>
+              </a:rPr>
+              <a:t>Обучение с подкреплением</a:t>
+            </a:r>
+            <a:endParaRPr lang="ru-RU" dirty="0">
+              <a:solidFill>
+                <a:schemeClr val="dk1"/>
+              </a:solidFill>
+            </a:endParaRPr>
+          </a:p>
+        </p:txBody>
+      </p:sp>
+      <p:sp>
+        <p:nvSpPr>
+          <p:cNvPr id="4" name="Скругленный прямоугольник 3"/>
+          <p:cNvSpPr/>
+          <p:nvPr/>
+        </p:nvSpPr>
+        <p:spPr>
+          <a:xfrm>
+            <a:off x="1426271" y="3915383"/>
+            <a:ext cx="2813220" cy="855023"/>
+          </a:xfrm>
+          <a:prstGeom prst="roundRect">
+            <a:avLst/>
+          </a:prstGeom>
+        </p:spPr>
+        <p:style>
+          <a:lnRef idx="2">
+            <a:schemeClr val="accent6">
+              <a:shade val="50000"/>
+            </a:schemeClr>
+          </a:lnRef>
+          <a:fillRef idx="1">
+            <a:schemeClr val="accent6"/>
+          </a:fillRef>
+          <a:effectRef idx="0">
+            <a:schemeClr val="accent6"/>
+          </a:effectRef>
+          <a:fontRef idx="minor">
+            <a:schemeClr val="lt1"/>
+          </a:fontRef>
+        </p:style>
+        <p:txBody>
+          <a:bodyPr rtlCol="0" anchor="t"/>
+          <a:lstStyle/>
+          <a:p>
+            <a:r>
+              <a:rPr lang="ru-RU" dirty="0" smtClean="0"/>
+              <a:t>Регрессия</a:t>
+            </a:r>
+            <a:endParaRPr lang="ru-RU" dirty="0"/>
+          </a:p>
+        </p:txBody>
+      </p:sp>
+      <p:sp>
+        <p:nvSpPr>
+          <p:cNvPr id="10" name="Скругленный прямоугольник 9"/>
+          <p:cNvSpPr/>
+          <p:nvPr/>
+        </p:nvSpPr>
+        <p:spPr>
+          <a:xfrm>
+            <a:off x="1426271" y="5081878"/>
+            <a:ext cx="2813220" cy="855023"/>
+          </a:xfrm>
+          <a:prstGeom prst="roundRect">
+            <a:avLst/>
+          </a:prstGeom>
+        </p:spPr>
+        <p:style>
+          <a:lnRef idx="2">
+            <a:schemeClr val="accent6">
+              <a:shade val="50000"/>
+            </a:schemeClr>
+          </a:lnRef>
+          <a:fillRef idx="1">
+            <a:schemeClr val="accent6"/>
+          </a:fillRef>
+          <a:effectRef idx="0">
+            <a:schemeClr val="accent6"/>
+          </a:effectRef>
+          <a:fontRef idx="minor">
+            <a:schemeClr val="lt1"/>
+          </a:fontRef>
+        </p:style>
+        <p:txBody>
+          <a:bodyPr rtlCol="0" anchor="t"/>
+          <a:lstStyle/>
+          <a:p>
+            <a:r>
+              <a:rPr lang="ru-RU" dirty="0" smtClean="0"/>
+              <a:t>Классификация</a:t>
+            </a:r>
+            <a:endParaRPr lang="ru-RU" dirty="0"/>
+          </a:p>
+        </p:txBody>
+      </p:sp>
+      <p:sp>
+        <p:nvSpPr>
+          <p:cNvPr id="11" name="Скругленный прямоугольник 10"/>
+          <p:cNvSpPr/>
+          <p:nvPr/>
+        </p:nvSpPr>
+        <p:spPr>
+          <a:xfrm>
+            <a:off x="4962560" y="3915383"/>
+            <a:ext cx="2813220" cy="855023"/>
+          </a:xfrm>
+          <a:prstGeom prst="roundRect">
+            <a:avLst/>
+          </a:prstGeom>
+        </p:spPr>
+        <p:style>
+          <a:lnRef idx="2">
+            <a:schemeClr val="accent6">
+              <a:shade val="50000"/>
+            </a:schemeClr>
+          </a:lnRef>
+          <a:fillRef idx="1">
+            <a:schemeClr val="accent6"/>
+          </a:fillRef>
+          <a:effectRef idx="0">
+            <a:schemeClr val="accent6"/>
+          </a:effectRef>
+          <a:fontRef idx="minor">
+            <a:schemeClr val="lt1"/>
+          </a:fontRef>
+        </p:style>
+        <p:txBody>
+          <a:bodyPr rtlCol="0" anchor="ctr"/>
+          <a:lstStyle/>
+          <a:p>
+            <a:pPr algn="ctr"/>
+            <a:r>
+              <a:rPr lang="ru-RU" dirty="0" smtClean="0"/>
+              <a:t>Кластеризация</a:t>
+            </a:r>
+            <a:endParaRPr lang="ru-RU" dirty="0"/>
+          </a:p>
+        </p:txBody>
+      </p:sp>
+      <p:sp>
+        <p:nvSpPr>
+          <p:cNvPr id="9" name="Скругленный прямоугольник 8"/>
+          <p:cNvSpPr/>
+          <p:nvPr/>
+        </p:nvSpPr>
+        <p:spPr>
+          <a:xfrm>
+            <a:off x="3408219" y="4010387"/>
+            <a:ext cx="748146" cy="288482"/>
+          </a:xfrm>
+          <a:prstGeom prst="roundRect">
+            <a:avLst/>
+          </a:prstGeom>
+        </p:spPr>
+        <p:style>
+          <a:lnRef idx="2">
+            <a:schemeClr val="accent4">
+              <a:shade val="50000"/>
+            </a:schemeClr>
+          </a:lnRef>
+          <a:fillRef idx="1">
+            <a:schemeClr val="accent4"/>
+          </a:fillRef>
+          <a:effectRef idx="0">
+            <a:schemeClr val="accent4"/>
+          </a:effectRef>
+          <a:fontRef idx="minor">
+            <a:schemeClr val="lt1"/>
+          </a:fontRef>
+        </p:style>
+        <p:txBody>
+          <a:bodyPr rtlCol="0" anchor="ctr"/>
+          <a:lstStyle/>
+          <a:p>
+            <a:pPr algn="ctr"/>
+            <a:r>
+              <a:rPr lang="ru-RU" sz="1200" dirty="0" smtClean="0"/>
+              <a:t>Лин.рег.</a:t>
+            </a:r>
+            <a:endParaRPr lang="ru-RU" sz="1200" dirty="0"/>
+          </a:p>
+        </p:txBody>
+      </p:sp>
+      <p:sp>
+        <p:nvSpPr>
+          <p:cNvPr id="12" name="Скругленный прямоугольник 11"/>
+          <p:cNvSpPr/>
+          <p:nvPr/>
+        </p:nvSpPr>
+        <p:spPr>
+          <a:xfrm>
+            <a:off x="3408219" y="5173405"/>
+            <a:ext cx="748146" cy="288482"/>
+          </a:xfrm>
+          <a:prstGeom prst="roundRect">
+            <a:avLst/>
+          </a:prstGeom>
+        </p:spPr>
+        <p:style>
+          <a:lnRef idx="2">
+            <a:schemeClr val="accent4">
+              <a:shade val="50000"/>
+            </a:schemeClr>
+          </a:lnRef>
+          <a:fillRef idx="1">
+            <a:schemeClr val="accent4"/>
+          </a:fillRef>
+          <a:effectRef idx="0">
+            <a:schemeClr val="accent4"/>
+          </a:effectRef>
+          <a:fontRef idx="minor">
+            <a:schemeClr val="lt1"/>
+          </a:fontRef>
+        </p:style>
+        <p:txBody>
+          <a:bodyPr rtlCol="0" anchor="ctr"/>
+          <a:lstStyle/>
+          <a:p>
+            <a:pPr algn="ctr"/>
+            <a:r>
+              <a:rPr lang="ru-RU" sz="1200" dirty="0" smtClean="0"/>
+              <a:t>Лог.рег.</a:t>
+            </a:r>
+            <a:endParaRPr lang="ru-RU" sz="1200" dirty="0"/>
+          </a:p>
+        </p:txBody>
+      </p:sp>
+      <p:sp>
+        <p:nvSpPr>
+          <p:cNvPr id="13" name="Скругленный прямоугольник 12"/>
+          <p:cNvSpPr/>
+          <p:nvPr/>
+        </p:nvSpPr>
+        <p:spPr>
+          <a:xfrm>
+            <a:off x="3408219" y="5552498"/>
+            <a:ext cx="748146" cy="288482"/>
+          </a:xfrm>
+          <a:prstGeom prst="roundRect">
+            <a:avLst/>
+          </a:prstGeom>
+        </p:spPr>
+        <p:style>
+          <a:lnRef idx="2">
+            <a:schemeClr val="accent4">
+              <a:shade val="50000"/>
+            </a:schemeClr>
+          </a:lnRef>
+          <a:fillRef idx="1">
+            <a:schemeClr val="accent4"/>
+          </a:fillRef>
+          <a:effectRef idx="0">
+            <a:schemeClr val="accent4"/>
+          </a:effectRef>
+          <a:fontRef idx="minor">
+            <a:schemeClr val="lt1"/>
+          </a:fontRef>
+        </p:style>
+        <p:txBody>
+          <a:bodyPr rtlCol="0" anchor="ctr"/>
+          <a:lstStyle/>
+          <a:p>
+            <a:pPr algn="ctr"/>
+            <a:r>
+              <a:rPr lang="ru-RU" sz="1200" dirty="0" smtClean="0"/>
+              <a:t>Н.Байес</a:t>
+            </a:r>
+            <a:endParaRPr lang="ru-RU" sz="1200" dirty="0"/>
+          </a:p>
+        </p:txBody>
+      </p:sp>
+    </p:spTree>
+    <p:extLst>
+      <p:ext uri="{BB962C8B-B14F-4D97-AF65-F5344CB8AC3E}">
+        <p14:creationId xmlns:p14="http://schemas.microsoft.com/office/powerpoint/2010/main" val="759191209"/>
+      </p:ext>
+    </p:extLst>
+  </p:cSld>
+  <p:clrMapOvr>
+    <a:masterClrMapping/>
+  </p:clrMapOvr>
+  <p:timing>
+    <p:tnLst>
+      <p:par>
+        <p:cTn id="1" dur="indefinite" restart="never" nodeType="tmRoot"/>
+      </p:par>
+    </p:tnLst>
+  </p:timing>
+</p:sld>
+</file>
+
+<file path=ppt/slides/slide37.xml><?xml version="1.0" encoding="utf-8"?>
+<p:sld xmlns:a="http://schemas.openxmlformats.org/drawingml/2006/main" xmlns:r="http://schemas.openxmlformats.org/officeDocument/2006/relationships" xmlns:p="http://schemas.openxmlformats.org/presentationml/2006/main">
+  <p:cSld>
+    <p:spTree>
+      <p:nvGrpSpPr>
+        <p:cNvPr id="1" name=""/>
+        <p:cNvGrpSpPr/>
+        <p:nvPr/>
+      </p:nvGrpSpPr>
+      <p:grpSpPr>
+        <a:xfrm>
+          <a:off x="0" y="0"/>
+          <a:ext cx="0" cy="0"/>
+          <a:chOff x="0" y="0"/>
+          <a:chExt cx="0" cy="0"/>
+        </a:xfrm>
+      </p:grpSpPr>
+      <p:sp>
+        <p:nvSpPr>
+          <p:cNvPr id="2" name="Заголовок 1"/>
+          <p:cNvSpPr>
+            <a:spLocks noGrp="1"/>
+          </p:cNvSpPr>
+          <p:nvPr>
+            <p:ph type="title"/>
+          </p:nvPr>
+        </p:nvSpPr>
+        <p:spPr/>
+        <p:txBody>
+          <a:bodyPr/>
+          <a:lstStyle/>
+          <a:p>
+            <a:r>
+              <a:rPr lang="ru-RU" dirty="0"/>
+              <a:t>Сравнение с логистической </a:t>
+            </a:r>
+            <a:r>
+              <a:rPr lang="ru-RU" dirty="0" smtClean="0"/>
+              <a:t>регрессией</a:t>
+            </a:r>
+            <a:endParaRPr lang="ru-RU" dirty="0"/>
+          </a:p>
+        </p:txBody>
+      </p:sp>
+      <p:sp>
+        <p:nvSpPr>
+          <p:cNvPr id="3" name="Объект 2"/>
+          <p:cNvSpPr>
+            <a:spLocks noGrp="1"/>
+          </p:cNvSpPr>
+          <p:nvPr>
+            <p:ph idx="1"/>
+          </p:nvPr>
+        </p:nvSpPr>
+        <p:spPr/>
+        <p:txBody>
+          <a:bodyPr/>
+          <a:lstStyle/>
+          <a:p>
+            <a:pPr marL="0" indent="0">
+              <a:buNone/>
+            </a:pPr>
+            <a:r>
+              <a:rPr lang="ru-RU" dirty="0" smtClean="0"/>
+              <a:t>Оба алгоритма относятся к</a:t>
+            </a:r>
+          </a:p>
+          <a:p>
+            <a:r>
+              <a:rPr lang="ru-RU" dirty="0" smtClean="0"/>
+              <a:t>обучению с учителем</a:t>
+            </a:r>
+          </a:p>
+          <a:p>
+            <a:r>
+              <a:rPr lang="ru-RU" dirty="0" smtClean="0"/>
+              <a:t>задаче классификации</a:t>
+            </a:r>
+            <a:endParaRPr lang="ru-RU" dirty="0"/>
+          </a:p>
+        </p:txBody>
+      </p:sp>
+    </p:spTree>
+    <p:extLst>
+      <p:ext uri="{BB962C8B-B14F-4D97-AF65-F5344CB8AC3E}">
+        <p14:creationId xmlns:p14="http://schemas.microsoft.com/office/powerpoint/2010/main" val="1007737692"/>
+      </p:ext>
+    </p:extLst>
+  </p:cSld>
+  <p:clrMapOvr>
+    <a:masterClrMapping/>
+  </p:clrMapOvr>
+</p:sld>
+</file>
+
+<file path=ppt/slides/slide38.xml><?xml version="1.0" encoding="utf-8"?>
+<p:sld xmlns:a="http://schemas.openxmlformats.org/drawingml/2006/main" xmlns:r="http://schemas.openxmlformats.org/officeDocument/2006/relationships" xmlns:p="http://schemas.openxmlformats.org/presentationml/2006/main">
+  <p:cSld>
+    <p:spTree>
+      <p:nvGrpSpPr>
+        <p:cNvPr id="1" name=""/>
+        <p:cNvGrpSpPr/>
+        <p:nvPr/>
+      </p:nvGrpSpPr>
+      <p:grpSpPr>
+        <a:xfrm>
+          <a:off x="0" y="0"/>
+          <a:ext cx="0" cy="0"/>
+          <a:chOff x="0" y="0"/>
+          <a:chExt cx="0" cy="0"/>
+        </a:xfrm>
+      </p:grpSpPr>
+      <p:sp>
+        <p:nvSpPr>
+          <p:cNvPr id="2" name="Заголовок 1"/>
+          <p:cNvSpPr>
+            <a:spLocks noGrp="1"/>
+          </p:cNvSpPr>
+          <p:nvPr>
+            <p:ph type="title"/>
+          </p:nvPr>
+        </p:nvSpPr>
+        <p:spPr/>
+        <p:txBody>
+          <a:bodyPr/>
+          <a:lstStyle/>
+          <a:p>
+            <a:r>
+              <a:rPr lang="ru-RU" dirty="0"/>
+              <a:t>Сравнение с логистической </a:t>
+            </a:r>
+            <a:r>
+              <a:rPr lang="ru-RU" dirty="0" smtClean="0"/>
+              <a:t>регрессией</a:t>
+            </a:r>
+            <a:endParaRPr lang="ru-RU" dirty="0"/>
+          </a:p>
+        </p:txBody>
+      </p:sp>
+      <p:sp>
+        <p:nvSpPr>
+          <p:cNvPr id="3" name="Объект 2"/>
+          <p:cNvSpPr>
+            <a:spLocks noGrp="1"/>
+          </p:cNvSpPr>
+          <p:nvPr>
+            <p:ph idx="1"/>
+          </p:nvPr>
+        </p:nvSpPr>
+        <p:spPr/>
+        <p:txBody>
+          <a:bodyPr/>
+          <a:lstStyle/>
+          <a:p>
+            <a:pPr marL="0" indent="0">
+              <a:buNone/>
+            </a:pPr>
+            <a:r>
+              <a:rPr lang="ru-RU" dirty="0" smtClean="0"/>
+              <a:t>Предположения о зависимости параметров:</a:t>
+            </a:r>
+          </a:p>
+          <a:p>
+            <a:pPr marL="0" indent="0">
+              <a:buNone/>
+            </a:pPr>
+            <a:endParaRPr lang="ru-RU" dirty="0" smtClean="0"/>
+          </a:p>
+          <a:p>
+            <a:r>
+              <a:rPr lang="ru-RU" dirty="0" smtClean="0"/>
+              <a:t>Наивный байесовский классификатор:</a:t>
+            </a:r>
+          </a:p>
+          <a:p>
+            <a:pPr marL="0" indent="0">
+              <a:buNone/>
+            </a:pPr>
+            <a:r>
+              <a:rPr lang="ru-RU" dirty="0" smtClean="0"/>
+              <a:t>	Параметры должны быть независимы.</a:t>
+            </a:r>
+          </a:p>
+          <a:p>
+            <a:pPr marL="0" indent="0">
+              <a:buNone/>
+            </a:pPr>
+            <a:endParaRPr lang="ru-RU" dirty="0" smtClean="0"/>
+          </a:p>
+          <a:p>
+            <a:r>
+              <a:rPr lang="ru-RU" dirty="0" smtClean="0"/>
+              <a:t>Логистическая регрессия:</a:t>
+            </a:r>
+          </a:p>
+          <a:p>
+            <a:pPr marL="914400" lvl="2" indent="0">
+              <a:buNone/>
+            </a:pPr>
+            <a:r>
+              <a:rPr lang="ru-RU" sz="2800" dirty="0" smtClean="0"/>
+              <a:t>Параметры могут зависеть друг от друга.</a:t>
+            </a:r>
+            <a:endParaRPr lang="ru-RU" sz="2800" dirty="0"/>
+          </a:p>
+          <a:p>
+            <a:pPr marL="0" indent="0">
+              <a:buNone/>
+            </a:pPr>
+            <a:endParaRPr lang="ru-RU" dirty="0"/>
+          </a:p>
+        </p:txBody>
+      </p:sp>
+    </p:spTree>
+    <p:extLst>
+      <p:ext uri="{BB962C8B-B14F-4D97-AF65-F5344CB8AC3E}">
+        <p14:creationId xmlns:p14="http://schemas.microsoft.com/office/powerpoint/2010/main" val="3494800535"/>
+      </p:ext>
+    </p:extLst>
+  </p:cSld>
+  <p:clrMapOvr>
+    <a:masterClrMapping/>
+  </p:clrMapOvr>
+</p:sld>
+</file>
+
+<file path=ppt/slides/slide39.xml><?xml version="1.0" encoding="utf-8"?>
+<p:sld xmlns:a="http://schemas.openxmlformats.org/drawingml/2006/main" xmlns:r="http://schemas.openxmlformats.org/officeDocument/2006/relationships" xmlns:p="http://schemas.openxmlformats.org/presentationml/2006/main">
+  <p:cSld>
+    <p:spTree>
+      <p:nvGrpSpPr>
+        <p:cNvPr id="1" name=""/>
+        <p:cNvGrpSpPr/>
+        <p:nvPr/>
+      </p:nvGrpSpPr>
+      <p:grpSpPr>
+        <a:xfrm>
+          <a:off x="0" y="0"/>
+          <a:ext cx="0" cy="0"/>
+          <a:chOff x="0" y="0"/>
+          <a:chExt cx="0" cy="0"/>
+        </a:xfrm>
+      </p:grpSpPr>
+      <p:sp>
+        <p:nvSpPr>
+          <p:cNvPr id="2" name="Заголовок 1"/>
+          <p:cNvSpPr>
+            <a:spLocks noGrp="1"/>
+          </p:cNvSpPr>
+          <p:nvPr>
+            <p:ph type="title"/>
+          </p:nvPr>
+        </p:nvSpPr>
+        <p:spPr/>
+        <p:txBody>
+          <a:bodyPr/>
+          <a:lstStyle/>
+          <a:p>
+            <a:r>
+              <a:rPr lang="ru-RU" dirty="0"/>
+              <a:t>Сравнение с логистической </a:t>
+            </a:r>
+            <a:r>
+              <a:rPr lang="ru-RU" dirty="0" smtClean="0"/>
+              <a:t>регрессией</a:t>
+            </a:r>
+            <a:endParaRPr lang="ru-RU" dirty="0"/>
+          </a:p>
+        </p:txBody>
+      </p:sp>
+      <p:sp>
+        <p:nvSpPr>
+          <p:cNvPr id="3" name="Объект 2"/>
+          <p:cNvSpPr>
+            <a:spLocks noGrp="1"/>
+          </p:cNvSpPr>
+          <p:nvPr>
+            <p:ph idx="1"/>
+          </p:nvPr>
+        </p:nvSpPr>
+        <p:spPr/>
+        <p:txBody>
+          <a:bodyPr/>
+          <a:lstStyle/>
+          <a:p>
+            <a:pPr marL="0" indent="0">
+              <a:buNone/>
+            </a:pPr>
+            <a:r>
+              <a:rPr lang="ru-RU" dirty="0" smtClean="0"/>
+              <a:t>Борьба с переобучением при небольшом количестве элементов в наборе данных:</a:t>
+            </a:r>
+          </a:p>
+          <a:p>
+            <a:pPr marL="0" indent="0">
+              <a:buNone/>
+            </a:pPr>
+            <a:endParaRPr lang="ru-RU" dirty="0" smtClean="0"/>
+          </a:p>
+          <a:p>
+            <a:r>
+              <a:rPr lang="ru-RU" dirty="0" smtClean="0"/>
+              <a:t>Наивный байесовский классификатор:</a:t>
+            </a:r>
+          </a:p>
+          <a:p>
+            <a:pPr marL="0" indent="0">
+              <a:buNone/>
+            </a:pPr>
+            <a:r>
+              <a:rPr lang="ru-RU" dirty="0" smtClean="0"/>
+              <a:t>	Получить более точные априорные условные вероятности.</a:t>
+            </a:r>
+          </a:p>
+          <a:p>
+            <a:pPr marL="0" indent="0">
+              <a:buNone/>
+            </a:pPr>
+            <a:endParaRPr lang="ru-RU" dirty="0" smtClean="0"/>
+          </a:p>
+          <a:p>
+            <a:r>
+              <a:rPr lang="ru-RU" dirty="0" smtClean="0"/>
+              <a:t>Логистическая регрессия:</a:t>
+            </a:r>
+          </a:p>
+          <a:p>
+            <a:pPr marL="914400" lvl="2" indent="0">
+              <a:buNone/>
+            </a:pPr>
+            <a:r>
+              <a:rPr lang="ru-RU" sz="2800" dirty="0" smtClean="0"/>
+              <a:t>Использовать регуляризацию.</a:t>
+            </a:r>
+            <a:endParaRPr lang="ru-RU" sz="2800" dirty="0"/>
+          </a:p>
+          <a:p>
+            <a:pPr marL="0" indent="0">
+              <a:buNone/>
+            </a:pPr>
+            <a:endParaRPr lang="ru-RU" dirty="0"/>
+          </a:p>
+        </p:txBody>
+      </p:sp>
+    </p:spTree>
+    <p:extLst>
+      <p:ext uri="{BB962C8B-B14F-4D97-AF65-F5344CB8AC3E}">
+        <p14:creationId xmlns:p14="http://schemas.microsoft.com/office/powerpoint/2010/main" val="2866182779"/>
+      </p:ext>
+    </p:extLst>
+  </p:cSld>
+  <p:clrMapOvr>
+    <a:masterClrMapping/>
+  </p:clrMapOvr>
+</p:sld>
+</file>
+
+<file path=ppt/slides/slide4.xml><?xml version="1.0" encoding="utf-8"?>
+<p:sld xmlns:a="http://schemas.openxmlformats.org/drawingml/2006/main" xmlns:r="http://schemas.openxmlformats.org/officeDocument/2006/relationships" xmlns:p="http://schemas.openxmlformats.org/presentationml/2006/main">
+  <p:cSld>
+    <p:spTree>
+      <p:nvGrpSpPr>
+        <p:cNvPr id="1" name=""/>
+        <p:cNvGrpSpPr/>
+        <p:nvPr/>
+      </p:nvGrpSpPr>
+      <p:grpSpPr>
+        <a:xfrm>
+          <a:off x="0" y="0"/>
+          <a:ext cx="0" cy="0"/>
+          <a:chOff x="0" y="0"/>
+          <a:chExt cx="0" cy="0"/>
+        </a:xfrm>
+      </p:grpSpPr>
+      <p:sp>
+        <p:nvSpPr>
+          <p:cNvPr id="2" name="Заголовок 1"/>
+          <p:cNvSpPr>
+            <a:spLocks noGrp="1"/>
+          </p:cNvSpPr>
+          <p:nvPr>
+            <p:ph type="title"/>
+          </p:nvPr>
+        </p:nvSpPr>
+        <p:spPr/>
+        <p:txBody>
+          <a:bodyPr/>
+          <a:lstStyle/>
+          <a:p>
+            <a:r>
+              <a:rPr lang="ru-RU" dirty="0" smtClean="0"/>
+              <a:t>Теорема Байеса</a:t>
+            </a:r>
+            <a:endParaRPr lang="ru-RU" dirty="0"/>
+          </a:p>
+        </p:txBody>
+      </p:sp>
+      <p:sp>
+        <p:nvSpPr>
+          <p:cNvPr id="3" name="Объект 2"/>
+          <p:cNvSpPr>
+            <a:spLocks noGrp="1"/>
+          </p:cNvSpPr>
+          <p:nvPr>
+            <p:ph idx="1"/>
+          </p:nvPr>
+        </p:nvSpPr>
+        <p:spPr/>
+        <p:txBody>
+          <a:bodyPr>
+            <a:normAutofit fontScale="92500" lnSpcReduction="20000"/>
+          </a:bodyPr>
+          <a:lstStyle/>
+          <a:p>
+            <a:pPr marL="0" indent="0">
+              <a:buNone/>
+            </a:pPr>
+            <a:r>
+              <a:rPr lang="ru-RU" dirty="0" smtClean="0"/>
+              <a:t>Условная вероятность, пример:</a:t>
+            </a:r>
+          </a:p>
+          <a:p>
+            <a:pPr marL="0" indent="0">
+              <a:buNone/>
+            </a:pPr>
+            <a:r>
+              <a:rPr lang="ru-RU" dirty="0" smtClean="0"/>
+              <a:t>Событие </a:t>
+            </a:r>
+            <a:r>
+              <a:rPr lang="en-US" dirty="0" smtClean="0"/>
+              <a:t>A</a:t>
+            </a:r>
+            <a:r>
+              <a:rPr lang="ru-RU" dirty="0" smtClean="0"/>
+              <a:t> – студент посетил все лекции.</a:t>
+            </a:r>
+            <a:endParaRPr lang="en-US" dirty="0" smtClean="0"/>
+          </a:p>
+          <a:p>
+            <a:pPr marL="0" indent="0">
+              <a:buNone/>
+            </a:pPr>
+            <a:r>
+              <a:rPr lang="ru-RU" dirty="0" smtClean="0"/>
+              <a:t>Событие </a:t>
+            </a:r>
+            <a:r>
+              <a:rPr lang="en-US" dirty="0" smtClean="0"/>
+              <a:t>B</a:t>
+            </a:r>
+            <a:r>
+              <a:rPr lang="ru-RU" dirty="0" smtClean="0"/>
+              <a:t> – студент сдал зачёт на 5.</a:t>
+            </a:r>
+          </a:p>
+          <a:p>
+            <a:pPr marL="0" indent="0">
+              <a:buNone/>
+            </a:pPr>
+            <a:endParaRPr lang="ru-RU" dirty="0" smtClean="0"/>
+          </a:p>
+          <a:p>
+            <a:pPr marL="0" indent="0">
+              <a:buNone/>
+            </a:pPr>
+            <a:r>
+              <a:rPr lang="en-US" dirty="0" smtClean="0"/>
+              <a:t>P(A) – </a:t>
+            </a:r>
+            <a:r>
+              <a:rPr lang="ru-RU" dirty="0"/>
+              <a:t>вероятность того, что студент посетил все лекции.</a:t>
+            </a:r>
+            <a:endParaRPr lang="en-US" dirty="0" smtClean="0"/>
+          </a:p>
+          <a:p>
+            <a:pPr marL="0" indent="0">
+              <a:buNone/>
+            </a:pPr>
+            <a:r>
+              <a:rPr lang="en-US" dirty="0" smtClean="0"/>
+              <a:t>P(B) – </a:t>
+            </a:r>
+            <a:r>
+              <a:rPr lang="ru-RU" dirty="0"/>
+              <a:t>вероятность того, что студент сдал зачёт на 5.</a:t>
+            </a:r>
+          </a:p>
+          <a:p>
+            <a:pPr marL="0" indent="0">
+              <a:buNone/>
+            </a:pPr>
+            <a:endParaRPr lang="ru-RU" dirty="0"/>
+          </a:p>
+          <a:p>
+            <a:pPr marL="0" indent="0">
+              <a:buNone/>
+            </a:pPr>
+            <a:r>
+              <a:rPr lang="en-US" dirty="0" smtClean="0"/>
+              <a:t>P(A|B) – </a:t>
+            </a:r>
+            <a:r>
+              <a:rPr lang="ru-RU" dirty="0" smtClean="0"/>
+              <a:t>вероятность того, что студент посетил все лекции, если он сдал зачёт на 5.</a:t>
+            </a:r>
+          </a:p>
+          <a:p>
+            <a:pPr marL="0" indent="0">
+              <a:buNone/>
+            </a:pPr>
+            <a:r>
+              <a:rPr lang="en-US" dirty="0" smtClean="0"/>
+              <a:t>P(B|A) – </a:t>
+            </a:r>
+            <a:r>
+              <a:rPr lang="ru-RU" dirty="0"/>
+              <a:t>вероятность </a:t>
+            </a:r>
+            <a:r>
+              <a:rPr lang="ru-RU" dirty="0" smtClean="0"/>
+              <a:t>того, что студент сдал зачёт на 5, если он посетил все лекции.</a:t>
+            </a:r>
+            <a:endParaRPr lang="en-US" dirty="0" smtClean="0"/>
+          </a:p>
+        </p:txBody>
+      </p:sp>
+    </p:spTree>
+    <p:extLst>
+      <p:ext uri="{BB962C8B-B14F-4D97-AF65-F5344CB8AC3E}">
+        <p14:creationId xmlns:p14="http://schemas.microsoft.com/office/powerpoint/2010/main" val="1478325762"/>
+      </p:ext>
+    </p:extLst>
+  </p:cSld>
+  <p:clrMapOvr>
+    <a:masterClrMapping/>
+  </p:clrMapOvr>
+</p:sld>
+</file>
+
+<file path=ppt/slides/slide40.xml><?xml version="1.0" encoding="utf-8"?>
+<p:sld xmlns:a="http://schemas.openxmlformats.org/drawingml/2006/main" xmlns:r="http://schemas.openxmlformats.org/officeDocument/2006/relationships" xmlns:p="http://schemas.openxmlformats.org/presentationml/2006/main">
+  <p:cSld>
+    <p:spTree>
+      <p:nvGrpSpPr>
+        <p:cNvPr id="1" name=""/>
+        <p:cNvGrpSpPr/>
+        <p:nvPr/>
+      </p:nvGrpSpPr>
+      <p:grpSpPr>
+        <a:xfrm>
+          <a:off x="0" y="0"/>
+          <a:ext cx="0" cy="0"/>
+          <a:chOff x="0" y="0"/>
+          <a:chExt cx="0" cy="0"/>
+        </a:xfrm>
+      </p:grpSpPr>
+      <p:sp>
+        <p:nvSpPr>
+          <p:cNvPr id="2" name="Заголовок 1"/>
+          <p:cNvSpPr>
+            <a:spLocks noGrp="1"/>
+          </p:cNvSpPr>
+          <p:nvPr>
+            <p:ph type="title"/>
+          </p:nvPr>
+        </p:nvSpPr>
+        <p:spPr/>
+        <p:txBody>
+          <a:bodyPr/>
+          <a:lstStyle/>
+          <a:p>
+            <a:r>
+              <a:rPr lang="ru-RU" dirty="0"/>
+              <a:t>Сравнение с логистической </a:t>
+            </a:r>
+            <a:r>
+              <a:rPr lang="ru-RU" dirty="0" smtClean="0"/>
+              <a:t>регрессией</a:t>
+            </a:r>
+            <a:endParaRPr lang="ru-RU" dirty="0"/>
+          </a:p>
+        </p:txBody>
+      </p:sp>
+      <p:sp>
+        <p:nvSpPr>
+          <p:cNvPr id="3" name="Объект 2"/>
+          <p:cNvSpPr>
+            <a:spLocks noGrp="1"/>
+          </p:cNvSpPr>
+          <p:nvPr>
+            <p:ph idx="1"/>
+          </p:nvPr>
+        </p:nvSpPr>
+        <p:spPr/>
+        <p:txBody>
+          <a:bodyPr>
+            <a:normAutofit lnSpcReduction="10000"/>
+          </a:bodyPr>
+          <a:lstStyle/>
+          <a:p>
+            <a:pPr marL="0" indent="0">
+              <a:buNone/>
+            </a:pPr>
+            <a:r>
+              <a:rPr lang="ru-RU" dirty="0" smtClean="0"/>
+              <a:t>Интересующие нас условные вероятности принадлежности к классу для имеющихся значений параметров:</a:t>
+            </a:r>
+          </a:p>
+          <a:p>
+            <a:pPr marL="0" indent="0">
+              <a:buNone/>
+            </a:pPr>
+            <a:endParaRPr lang="ru-RU" dirty="0" smtClean="0"/>
+          </a:p>
+          <a:p>
+            <a:r>
+              <a:rPr lang="ru-RU" dirty="0" smtClean="0"/>
+              <a:t>Наивный байесовский классификатор:</a:t>
+            </a:r>
+          </a:p>
+          <a:p>
+            <a:pPr marL="0" indent="0">
+              <a:buNone/>
+            </a:pPr>
+            <a:r>
+              <a:rPr lang="ru-RU" dirty="0" smtClean="0"/>
+              <a:t>	Вычисляются на основании вероятностей этих значений 	параметров (генеративный подход).</a:t>
+            </a:r>
+          </a:p>
+          <a:p>
+            <a:pPr marL="0" indent="0">
+              <a:buNone/>
+            </a:pPr>
+            <a:endParaRPr lang="ru-RU" dirty="0" smtClean="0"/>
+          </a:p>
+          <a:p>
+            <a:r>
+              <a:rPr lang="ru-RU" dirty="0" smtClean="0"/>
+              <a:t>Логистическая регрессия:</a:t>
+            </a:r>
+          </a:p>
+          <a:p>
+            <a:pPr marL="914400" lvl="2" indent="0">
+              <a:buNone/>
+            </a:pPr>
+            <a:r>
+              <a:rPr lang="ru-RU" sz="2800" dirty="0" smtClean="0"/>
+              <a:t>Вычисляются напрямую с помощью минимизации ошибки (дискриминативный подход).</a:t>
+            </a:r>
+            <a:endParaRPr lang="ru-RU" sz="2800" dirty="0"/>
+          </a:p>
+          <a:p>
+            <a:pPr marL="0" indent="0">
+              <a:buNone/>
+            </a:pPr>
+            <a:endParaRPr lang="ru-RU" dirty="0"/>
+          </a:p>
+        </p:txBody>
+      </p:sp>
+    </p:spTree>
+    <p:extLst>
+      <p:ext uri="{BB962C8B-B14F-4D97-AF65-F5344CB8AC3E}">
+        <p14:creationId xmlns:p14="http://schemas.microsoft.com/office/powerpoint/2010/main" val="992422888"/>
+      </p:ext>
+    </p:extLst>
+  </p:cSld>
+  <p:clrMapOvr>
+    <a:masterClrMapping/>
+  </p:clrMapOvr>
+</p:sld>
+</file>
+
+<file path=ppt/slides/slide41.xml><?xml version="1.0" encoding="utf-8"?>
+<p:sld xmlns:a="http://schemas.openxmlformats.org/drawingml/2006/main" xmlns:r="http://schemas.openxmlformats.org/officeDocument/2006/relationships" xmlns:p="http://schemas.openxmlformats.org/presentationml/2006/main">
+  <p:cSld>
+    <p:spTree>
+      <p:nvGrpSpPr>
+        <p:cNvPr id="1" name=""/>
+        <p:cNvGrpSpPr/>
+        <p:nvPr/>
+      </p:nvGrpSpPr>
+      <p:grpSpPr>
+        <a:xfrm>
+          <a:off x="0" y="0"/>
+          <a:ext cx="0" cy="0"/>
+          <a:chOff x="0" y="0"/>
+          <a:chExt cx="0" cy="0"/>
+        </a:xfrm>
+      </p:grpSpPr>
+      <p:sp>
+        <p:nvSpPr>
+          <p:cNvPr id="2" name="Заголовок 1"/>
+          <p:cNvSpPr>
+            <a:spLocks noGrp="1"/>
+          </p:cNvSpPr>
+          <p:nvPr>
+            <p:ph type="title"/>
+          </p:nvPr>
+        </p:nvSpPr>
+        <p:spPr/>
+        <p:txBody>
+          <a:bodyPr/>
+          <a:lstStyle/>
+          <a:p>
+            <a:r>
+              <a:rPr lang="ru-RU" dirty="0"/>
+              <a:t>Сравнение с логистической </a:t>
+            </a:r>
+            <a:r>
+              <a:rPr lang="ru-RU" dirty="0" smtClean="0"/>
+              <a:t>регрессией</a:t>
+            </a:r>
+            <a:endParaRPr lang="ru-RU" dirty="0"/>
+          </a:p>
+        </p:txBody>
+      </p:sp>
+      <p:sp>
+        <p:nvSpPr>
+          <p:cNvPr id="3" name="Объект 2"/>
+          <p:cNvSpPr>
+            <a:spLocks noGrp="1"/>
+          </p:cNvSpPr>
+          <p:nvPr>
+            <p:ph idx="1"/>
+          </p:nvPr>
+        </p:nvSpPr>
+        <p:spPr/>
+        <p:txBody>
+          <a:bodyPr>
+            <a:normAutofit/>
+          </a:bodyPr>
+          <a:lstStyle/>
+          <a:p>
+            <a:pPr marL="0" indent="0">
+              <a:buNone/>
+            </a:pPr>
+            <a:r>
+              <a:rPr lang="ru-RU" dirty="0" smtClean="0"/>
+              <a:t>Меньше данных</a:t>
+            </a:r>
+          </a:p>
+          <a:p>
+            <a:pPr marL="0" indent="0">
+              <a:buNone/>
+            </a:pPr>
+            <a:r>
+              <a:rPr lang="ru-RU" sz="2800" dirty="0" smtClean="0"/>
+              <a:t>Больше предположений</a:t>
+            </a:r>
+          </a:p>
+          <a:p>
+            <a:pPr marL="0" indent="0">
+              <a:buNone/>
+            </a:pPr>
+            <a:r>
+              <a:rPr lang="ru-RU" sz="2800" dirty="0" smtClean="0"/>
+              <a:t>Лучше генеративный подход</a:t>
+            </a:r>
+          </a:p>
+          <a:p>
+            <a:pPr marL="0" indent="0">
+              <a:buNone/>
+            </a:pPr>
+            <a:endParaRPr lang="ru-RU" dirty="0"/>
+          </a:p>
+          <a:p>
+            <a:pPr marL="0" indent="0">
+              <a:buNone/>
+            </a:pPr>
+            <a:r>
+              <a:rPr lang="ru-RU" sz="2800" dirty="0" smtClean="0"/>
+              <a:t>Больше данных</a:t>
+            </a:r>
+          </a:p>
+          <a:p>
+            <a:pPr marL="0" indent="0">
+              <a:buNone/>
+            </a:pPr>
+            <a:r>
+              <a:rPr lang="ru-RU" dirty="0" smtClean="0"/>
+              <a:t>Меньше предположений</a:t>
+            </a:r>
+          </a:p>
+          <a:p>
+            <a:pPr marL="0" indent="0">
+              <a:buNone/>
+            </a:pPr>
+            <a:r>
+              <a:rPr lang="ru-RU" sz="2800" dirty="0" smtClean="0"/>
+              <a:t>Лучше дискриминативный подход</a:t>
+            </a:r>
+            <a:endParaRPr lang="ru-RU" sz="2800" dirty="0"/>
+          </a:p>
+          <a:p>
+            <a:pPr marL="0" indent="0">
+              <a:buNone/>
+            </a:pPr>
+            <a:endParaRPr lang="ru-RU" dirty="0"/>
+          </a:p>
+        </p:txBody>
+      </p:sp>
+    </p:spTree>
+    <p:extLst>
+      <p:ext uri="{BB962C8B-B14F-4D97-AF65-F5344CB8AC3E}">
+        <p14:creationId xmlns:p14="http://schemas.microsoft.com/office/powerpoint/2010/main" val="2493750778"/>
+      </p:ext>
+    </p:extLst>
+  </p:cSld>
+  <p:clrMapOvr>
+    <a:masterClrMapping/>
+  </p:clrMapOvr>
+</p:sld>
+</file>
+
+<file path=ppt/slides/slide42.xml><?xml version="1.0" encoding="utf-8"?>
+<p:sld xmlns:a="http://schemas.openxmlformats.org/drawingml/2006/main" xmlns:r="http://schemas.openxmlformats.org/officeDocument/2006/relationships" xmlns:p="http://schemas.openxmlformats.org/presentationml/2006/main">
+  <p:cSld>
+    <p:spTree>
+      <p:nvGrpSpPr>
+        <p:cNvPr id="1" name=""/>
+        <p:cNvGrpSpPr/>
+        <p:nvPr/>
+      </p:nvGrpSpPr>
+      <p:grpSpPr>
+        <a:xfrm>
+          <a:off x="0" y="0"/>
+          <a:ext cx="0" cy="0"/>
+          <a:chOff x="0" y="0"/>
+          <a:chExt cx="0" cy="0"/>
+        </a:xfrm>
+      </p:grpSpPr>
+      <p:sp>
+        <p:nvSpPr>
+          <p:cNvPr id="2" name="Заголовок 1"/>
+          <p:cNvSpPr>
+            <a:spLocks noGrp="1"/>
+          </p:cNvSpPr>
+          <p:nvPr>
+            <p:ph type="title"/>
+          </p:nvPr>
+        </p:nvSpPr>
+        <p:spPr/>
+        <p:txBody>
+          <a:bodyPr/>
+          <a:lstStyle/>
+          <a:p>
+            <a:r>
               <a:rPr lang="ru-RU" dirty="0" smtClean="0"/>
               <a:t>Ссылки</a:t>
             </a:r>
@@ -13996,7 +19341,7 @@
 </p:sld>
 </file>
 
-<file path=ppt/slides/slide33.xml><?xml version="1.0" encoding="utf-8"?>
+<file path=ppt/slides/slide43.xml><?xml version="1.0" encoding="utf-8"?>
 <p:sld xmlns:a="http://schemas.openxmlformats.org/drawingml/2006/main" xmlns:r="http://schemas.openxmlformats.org/officeDocument/2006/relationships" xmlns:p="http://schemas.openxmlformats.org/presentationml/2006/main">
   <p:cSld>
     <p:spTree>
@@ -14061,191 +19406,6 @@
       </p:par>
     </p:tnLst>
   </p:timing>
-</p:sld>
-</file>
-
-<file path=ppt/slides/slide4.xml><?xml version="1.0" encoding="utf-8"?>
-<p:sld xmlns:a="http://schemas.openxmlformats.org/drawingml/2006/main" xmlns:r="http://schemas.openxmlformats.org/officeDocument/2006/relationships" xmlns:p="http://schemas.openxmlformats.org/presentationml/2006/main">
-  <p:cSld>
-    <p:spTree>
-      <p:nvGrpSpPr>
-        <p:cNvPr id="1" name=""/>
-        <p:cNvGrpSpPr/>
-        <p:nvPr/>
-      </p:nvGrpSpPr>
-      <p:grpSpPr>
-        <a:xfrm>
-          <a:off x="0" y="0"/>
-          <a:ext cx="0" cy="0"/>
-          <a:chOff x="0" y="0"/>
-          <a:chExt cx="0" cy="0"/>
-        </a:xfrm>
-      </p:grpSpPr>
-      <p:sp>
-        <p:nvSpPr>
-          <p:cNvPr id="2" name="Заголовок 1"/>
-          <p:cNvSpPr>
-            <a:spLocks noGrp="1"/>
-          </p:cNvSpPr>
-          <p:nvPr>
-            <p:ph type="title"/>
-          </p:nvPr>
-        </p:nvSpPr>
-        <p:spPr/>
-        <p:txBody>
-          <a:bodyPr/>
-          <a:lstStyle/>
-          <a:p>
-            <a:r>
-              <a:rPr lang="ru-RU" dirty="0" smtClean="0"/>
-              <a:t>Теорема Байеса</a:t>
-            </a:r>
-            <a:endParaRPr lang="ru-RU" dirty="0"/>
-          </a:p>
-        </p:txBody>
-      </p:sp>
-      <p:sp>
-        <p:nvSpPr>
-          <p:cNvPr id="3" name="Объект 2"/>
-          <p:cNvSpPr>
-            <a:spLocks noGrp="1"/>
-          </p:cNvSpPr>
-          <p:nvPr>
-            <p:ph idx="1"/>
-          </p:nvPr>
-        </p:nvSpPr>
-        <p:spPr/>
-        <p:txBody>
-          <a:bodyPr>
-            <a:normAutofit fontScale="92500" lnSpcReduction="20000"/>
-          </a:bodyPr>
-          <a:lstStyle/>
-          <a:p>
-            <a:pPr marL="0" indent="0">
-              <a:buNone/>
-            </a:pPr>
-            <a:r>
-              <a:rPr lang="ru-RU" dirty="0" smtClean="0"/>
-              <a:t>Условная вероятность, пример:</a:t>
-            </a:r>
-          </a:p>
-          <a:p>
-            <a:pPr marL="0" indent="0">
-              <a:buNone/>
-            </a:pPr>
-            <a:r>
-              <a:rPr lang="ru-RU" dirty="0" smtClean="0"/>
-              <a:t>Событие </a:t>
-            </a:r>
-            <a:r>
-              <a:rPr lang="en-US" dirty="0" smtClean="0"/>
-              <a:t>A</a:t>
-            </a:r>
-            <a:r>
-              <a:rPr lang="ru-RU" dirty="0" smtClean="0"/>
-              <a:t> – студент посетил все лекции.</a:t>
-            </a:r>
-            <a:endParaRPr lang="en-US" dirty="0" smtClean="0"/>
-          </a:p>
-          <a:p>
-            <a:pPr marL="0" indent="0">
-              <a:buNone/>
-            </a:pPr>
-            <a:r>
-              <a:rPr lang="ru-RU" dirty="0" smtClean="0"/>
-              <a:t>Событие </a:t>
-            </a:r>
-            <a:r>
-              <a:rPr lang="en-US" dirty="0" smtClean="0"/>
-              <a:t>B</a:t>
-            </a:r>
-            <a:r>
-              <a:rPr lang="ru-RU" dirty="0" smtClean="0"/>
-              <a:t> – студент сдал зачёт на 5.</a:t>
-            </a:r>
-          </a:p>
-          <a:p>
-            <a:pPr marL="0" indent="0">
-              <a:buNone/>
-            </a:pPr>
-            <a:endParaRPr lang="ru-RU" dirty="0" smtClean="0"/>
-          </a:p>
-          <a:p>
-            <a:pPr marL="0" indent="0">
-              <a:buNone/>
-            </a:pPr>
-            <a:r>
-              <a:rPr lang="en-US" dirty="0" smtClean="0"/>
-              <a:t>P(A) – </a:t>
-            </a:r>
-            <a:r>
-              <a:rPr lang="ru-RU" dirty="0"/>
-              <a:t>вероятность того, что студент посетил все лекции.</a:t>
-            </a:r>
-            <a:endParaRPr lang="en-US" dirty="0" smtClean="0"/>
-          </a:p>
-          <a:p>
-            <a:pPr marL="0" indent="0">
-              <a:buNone/>
-            </a:pPr>
-            <a:r>
-              <a:rPr lang="en-US" dirty="0" smtClean="0"/>
-              <a:t>P(B) – </a:t>
-            </a:r>
-            <a:r>
-              <a:rPr lang="ru-RU" dirty="0"/>
-              <a:t>вероятность того, что студент сдал зачёт на 5.</a:t>
-            </a:r>
-          </a:p>
-          <a:p>
-            <a:pPr marL="0" indent="0">
-              <a:buNone/>
-            </a:pPr>
-            <a:endParaRPr lang="ru-RU" dirty="0"/>
-          </a:p>
-          <a:p>
-            <a:pPr marL="0" indent="0">
-              <a:buNone/>
-            </a:pPr>
-            <a:r>
-              <a:rPr lang="en-US" dirty="0" smtClean="0"/>
-              <a:t>P(A|B) – </a:t>
-            </a:r>
-            <a:r>
-              <a:rPr lang="ru-RU" dirty="0" smtClean="0"/>
-              <a:t>вероятность того, что студент посетил все лекции, если он сдал зачёт на 5.</a:t>
-            </a:r>
-          </a:p>
-          <a:p>
-            <a:pPr marL="0" indent="0">
-              <a:buNone/>
-            </a:pPr>
-            <a:r>
-              <a:rPr lang="en-US" dirty="0" smtClean="0"/>
-              <a:t>P(B|A) – </a:t>
-            </a:r>
-            <a:r>
-              <a:rPr lang="ru-RU" dirty="0"/>
-              <a:t>вероятность </a:t>
-            </a:r>
-            <a:r>
-              <a:rPr lang="ru-RU" dirty="0" smtClean="0"/>
-              <a:t>того, что студент сдал зачёт на 5, если он посетил все лекции.</a:t>
-            </a:r>
-            <a:endParaRPr lang="en-US" dirty="0" smtClean="0"/>
-          </a:p>
-        </p:txBody>
-      </p:sp>
-    </p:spTree>
-    <p:extLst>
-      <p:ext uri="{BB962C8B-B14F-4D97-AF65-F5344CB8AC3E}">
-        <p14:creationId xmlns:p14="http://schemas.microsoft.com/office/powerpoint/2010/main" val="1478325762"/>
-      </p:ext>
-    </p:extLst>
-  </p:cSld>
-  <p:clrMapOvr>
-    <a:masterClrMapping/>
-  </p:clrMapOvr>
 </p:sld>
 </file>
 

--- a/Лекция 5 18_11_2020.pptx
+++ b/Лекция 5 18_11_2020.pptx
@@ -5,7 +5,7 @@
     <p:sldMasterId id="2147483648" r:id="rId1"/>
   </p:sldMasterIdLst>
   <p:notesMasterIdLst>
-    <p:notesMasterId r:id="rId45"/>
+    <p:notesMasterId r:id="rId54"/>
   </p:notesMasterIdLst>
   <p:sldIdLst>
     <p:sldId id="256" r:id="rId2"/>
@@ -51,6 +51,15 @@
     <p:sldId id="292" r:id="rId42"/>
     <p:sldId id="259" r:id="rId43"/>
     <p:sldId id="260" r:id="rId44"/>
+    <p:sldId id="303" r:id="rId45"/>
+    <p:sldId id="304" r:id="rId46"/>
+    <p:sldId id="305" r:id="rId47"/>
+    <p:sldId id="306" r:id="rId48"/>
+    <p:sldId id="307" r:id="rId49"/>
+    <p:sldId id="308" r:id="rId50"/>
+    <p:sldId id="309" r:id="rId51"/>
+    <p:sldId id="310" r:id="rId52"/>
+    <p:sldId id="311" r:id="rId53"/>
   </p:sldIdLst>
   <p:sldSz cx="12192000" cy="6858000"/>
   <p:notesSz cx="6858000" cy="9144000"/>
@@ -251,7 +260,7 @@
           <a:p>
             <a:fld id="{44DBC884-B382-4302-8488-D4E467EB670D}" type="datetimeFigureOut">
               <a:rPr lang="ru-RU" smtClean="0"/>
-              <a:t>31.10.2020</a:t>
+              <a:t>02.11.2020</a:t>
             </a:fld>
             <a:endParaRPr lang="ru-RU" dirty="0"/>
           </a:p>
@@ -650,7 +659,7 @@
           <a:p>
             <a:fld id="{9F4DF3D0-C105-404D-A43B-7CBA1B97B744}" type="datetimeFigureOut">
               <a:rPr lang="ru-RU" smtClean="0"/>
-              <a:t>31.10.2020</a:t>
+              <a:t>02.11.2020</a:t>
             </a:fld>
             <a:endParaRPr lang="ru-RU" dirty="0"/>
           </a:p>
@@ -820,7 +829,7 @@
           <a:p>
             <a:fld id="{9F4DF3D0-C105-404D-A43B-7CBA1B97B744}" type="datetimeFigureOut">
               <a:rPr lang="ru-RU" smtClean="0"/>
-              <a:t>31.10.2020</a:t>
+              <a:t>02.11.2020</a:t>
             </a:fld>
             <a:endParaRPr lang="ru-RU" dirty="0"/>
           </a:p>
@@ -1000,7 +1009,7 @@
           <a:p>
             <a:fld id="{9F4DF3D0-C105-404D-A43B-7CBA1B97B744}" type="datetimeFigureOut">
               <a:rPr lang="ru-RU" smtClean="0"/>
-              <a:t>31.10.2020</a:t>
+              <a:t>02.11.2020</a:t>
             </a:fld>
             <a:endParaRPr lang="ru-RU" dirty="0"/>
           </a:p>
@@ -1170,7 +1179,7 @@
           <a:p>
             <a:fld id="{9F4DF3D0-C105-404D-A43B-7CBA1B97B744}" type="datetimeFigureOut">
               <a:rPr lang="ru-RU" smtClean="0"/>
-              <a:t>31.10.2020</a:t>
+              <a:t>02.11.2020</a:t>
             </a:fld>
             <a:endParaRPr lang="ru-RU" dirty="0"/>
           </a:p>
@@ -1416,7 +1425,7 @@
           <a:p>
             <a:fld id="{9F4DF3D0-C105-404D-A43B-7CBA1B97B744}" type="datetimeFigureOut">
               <a:rPr lang="ru-RU" smtClean="0"/>
-              <a:t>31.10.2020</a:t>
+              <a:t>02.11.2020</a:t>
             </a:fld>
             <a:endParaRPr lang="ru-RU" dirty="0"/>
           </a:p>
@@ -1648,7 +1657,7 @@
           <a:p>
             <a:fld id="{9F4DF3D0-C105-404D-A43B-7CBA1B97B744}" type="datetimeFigureOut">
               <a:rPr lang="ru-RU" smtClean="0"/>
-              <a:t>31.10.2020</a:t>
+              <a:t>02.11.2020</a:t>
             </a:fld>
             <a:endParaRPr lang="ru-RU" dirty="0"/>
           </a:p>
@@ -2015,7 +2024,7 @@
           <a:p>
             <a:fld id="{9F4DF3D0-C105-404D-A43B-7CBA1B97B744}" type="datetimeFigureOut">
               <a:rPr lang="ru-RU" smtClean="0"/>
-              <a:t>31.10.2020</a:t>
+              <a:t>02.11.2020</a:t>
             </a:fld>
             <a:endParaRPr lang="ru-RU" dirty="0"/>
           </a:p>
@@ -2133,7 +2142,7 @@
           <a:p>
             <a:fld id="{9F4DF3D0-C105-404D-A43B-7CBA1B97B744}" type="datetimeFigureOut">
               <a:rPr lang="ru-RU" smtClean="0"/>
-              <a:t>31.10.2020</a:t>
+              <a:t>02.11.2020</a:t>
             </a:fld>
             <a:endParaRPr lang="ru-RU" dirty="0"/>
           </a:p>
@@ -2228,7 +2237,7 @@
           <a:p>
             <a:fld id="{9F4DF3D0-C105-404D-A43B-7CBA1B97B744}" type="datetimeFigureOut">
               <a:rPr lang="ru-RU" smtClean="0"/>
-              <a:t>31.10.2020</a:t>
+              <a:t>02.11.2020</a:t>
             </a:fld>
             <a:endParaRPr lang="ru-RU" dirty="0"/>
           </a:p>
@@ -2505,7 +2514,7 @@
           <a:p>
             <a:fld id="{9F4DF3D0-C105-404D-A43B-7CBA1B97B744}" type="datetimeFigureOut">
               <a:rPr lang="ru-RU" smtClean="0"/>
-              <a:t>31.10.2020</a:t>
+              <a:t>02.11.2020</a:t>
             </a:fld>
             <a:endParaRPr lang="ru-RU" dirty="0"/>
           </a:p>
@@ -2758,7 +2767,7 @@
           <a:p>
             <a:fld id="{9F4DF3D0-C105-404D-A43B-7CBA1B97B744}" type="datetimeFigureOut">
               <a:rPr lang="ru-RU" smtClean="0"/>
-              <a:t>31.10.2020</a:t>
+              <a:t>02.11.2020</a:t>
             </a:fld>
             <a:endParaRPr lang="ru-RU" dirty="0"/>
           </a:p>
@@ -2971,7 +2980,7 @@
           <a:p>
             <a:fld id="{9F4DF3D0-C105-404D-A43B-7CBA1B97B744}" type="datetimeFigureOut">
               <a:rPr lang="ru-RU" smtClean="0"/>
-              <a:t>31.10.2020</a:t>
+              <a:t>02.11.2020</a:t>
             </a:fld>
             <a:endParaRPr lang="ru-RU" dirty="0"/>
           </a:p>
@@ -3920,8 +3929,8 @@
           </a:p>
         </p:txBody>
       </p:sp>
-      <mc:AlternateContent xmlns:mc="http://schemas.openxmlformats.org/markup-compatibility/2006">
-        <mc:Choice xmlns:a14="http://schemas.microsoft.com/office/drawing/2010/main" Requires="a14">
+      <mc:AlternateContent xmlns:mc="http://schemas.openxmlformats.org/markup-compatibility/2006" xmlns:a14="http://schemas.microsoft.com/office/drawing/2010/main">
+        <mc:Choice Requires="a14">
           <p:sp>
             <p:nvSpPr>
               <p:cNvPr id="3" name="Объект 2"/>
@@ -4093,7 +4102,7 @@
             </p:txBody>
           </p:sp>
         </mc:Choice>
-        <mc:Fallback>
+        <mc:Fallback xmlns="">
           <p:sp>
             <p:nvSpPr>
               <p:cNvPr id="3" name="Объект 2"/>
@@ -4180,8 +4189,8 @@
           </a:p>
         </p:txBody>
       </p:sp>
-      <mc:AlternateContent xmlns:mc="http://schemas.openxmlformats.org/markup-compatibility/2006">
-        <mc:Choice xmlns:a14="http://schemas.microsoft.com/office/drawing/2010/main" Requires="a14">
+      <mc:AlternateContent xmlns:mc="http://schemas.openxmlformats.org/markup-compatibility/2006" xmlns:a14="http://schemas.microsoft.com/office/drawing/2010/main">
+        <mc:Choice Requires="a14">
           <p:sp>
             <p:nvSpPr>
               <p:cNvPr id="3" name="Объект 2"/>
@@ -4599,7 +4608,7 @@
             </p:txBody>
           </p:sp>
         </mc:Choice>
-        <mc:Fallback>
+        <mc:Fallback xmlns="">
           <p:sp>
             <p:nvSpPr>
               <p:cNvPr id="3" name="Объект 2"/>
@@ -4686,8 +4695,8 @@
           </a:p>
         </p:txBody>
       </p:sp>
-      <mc:AlternateContent xmlns:mc="http://schemas.openxmlformats.org/markup-compatibility/2006">
-        <mc:Choice xmlns:a14="http://schemas.microsoft.com/office/drawing/2010/main" Requires="a14">
+      <mc:AlternateContent xmlns:mc="http://schemas.openxmlformats.org/markup-compatibility/2006" xmlns:a14="http://schemas.microsoft.com/office/drawing/2010/main">
+        <mc:Choice Requires="a14">
           <p:sp>
             <p:nvSpPr>
               <p:cNvPr id="3" name="Объект 2"/>
@@ -5162,7 +5171,7 @@
             </p:txBody>
           </p:sp>
         </mc:Choice>
-        <mc:Fallback>
+        <mc:Fallback xmlns="">
           <p:sp>
             <p:nvSpPr>
               <p:cNvPr id="3" name="Объект 2"/>
@@ -12839,8 +12848,8 @@
           </a:p>
         </p:txBody>
       </p:sp>
-      <mc:AlternateContent xmlns:mc="http://schemas.openxmlformats.org/markup-compatibility/2006">
-        <mc:Choice xmlns:a14="http://schemas.microsoft.com/office/drawing/2010/main" Requires="a14">
+      <mc:AlternateContent xmlns:mc="http://schemas.openxmlformats.org/markup-compatibility/2006" xmlns:a14="http://schemas.microsoft.com/office/drawing/2010/main">
+        <mc:Choice Requires="a14">
           <p:sp>
             <p:nvSpPr>
               <p:cNvPr id="3" name="Объект 2"/>
@@ -13120,7 +13129,7 @@
             </p:txBody>
           </p:sp>
         </mc:Choice>
-        <mc:Fallback>
+        <mc:Fallback xmlns="">
           <p:sp>
             <p:nvSpPr>
               <p:cNvPr id="3" name="Объект 2"/>
@@ -13633,8 +13642,8 @@
           </a:p>
         </p:txBody>
       </p:sp>
-      <mc:AlternateContent xmlns:mc="http://schemas.openxmlformats.org/markup-compatibility/2006">
-        <mc:Choice xmlns:a14="http://schemas.microsoft.com/office/drawing/2010/main" Requires="a14">
+      <mc:AlternateContent xmlns:mc="http://schemas.openxmlformats.org/markup-compatibility/2006" xmlns:a14="http://schemas.microsoft.com/office/drawing/2010/main">
+        <mc:Choice Requires="a14">
           <p:sp>
             <p:nvSpPr>
               <p:cNvPr id="3" name="Объект 2"/>
@@ -14197,7 +14206,7 @@
             </p:txBody>
           </p:sp>
         </mc:Choice>
-        <mc:Fallback>
+        <mc:Fallback xmlns="">
           <p:sp>
             <p:nvSpPr>
               <p:cNvPr id="3" name="Объект 2"/>
@@ -14283,8 +14292,8 @@
           </a:p>
         </p:txBody>
       </p:sp>
-      <mc:AlternateContent xmlns:mc="http://schemas.openxmlformats.org/markup-compatibility/2006">
-        <mc:Choice xmlns:a14="http://schemas.microsoft.com/office/drawing/2010/main" Requires="a14">
+      <mc:AlternateContent xmlns:mc="http://schemas.openxmlformats.org/markup-compatibility/2006" xmlns:a14="http://schemas.microsoft.com/office/drawing/2010/main">
+        <mc:Choice Requires="a14">
           <p:sp>
             <p:nvSpPr>
               <p:cNvPr id="3" name="Объект 2"/>
@@ -14362,7 +14371,6 @@
                   <a:rPr lang="ru-RU" dirty="0" smtClean="0"/>
                   <a:t>Количество элементов в каждом классе:</a:t>
                 </a:r>
-                <a:endParaRPr lang="ru-RU" dirty="0" smtClean="0"/>
               </a:p>
               <a:p>
                 <a:pPr marL="0" indent="0">
@@ -14509,7 +14517,7 @@
             </p:txBody>
           </p:sp>
         </mc:Choice>
-        <mc:Fallback>
+        <mc:Fallback xmlns="">
           <p:sp>
             <p:nvSpPr>
               <p:cNvPr id="3" name="Объект 2"/>
@@ -14595,8 +14603,8 @@
           </a:p>
         </p:txBody>
       </p:sp>
-      <mc:AlternateContent xmlns:mc="http://schemas.openxmlformats.org/markup-compatibility/2006">
-        <mc:Choice xmlns:a14="http://schemas.microsoft.com/office/drawing/2010/main" Requires="a14">
+      <mc:AlternateContent xmlns:mc="http://schemas.openxmlformats.org/markup-compatibility/2006" xmlns:a14="http://schemas.microsoft.com/office/drawing/2010/main">
+        <mc:Choice Requires="a14">
           <p:sp>
             <p:nvSpPr>
               <p:cNvPr id="3" name="Объект 2"/>
@@ -14849,7 +14857,7 @@
             </p:txBody>
           </p:sp>
         </mc:Choice>
-        <mc:Fallback>
+        <mc:Fallback xmlns="">
           <p:sp>
             <p:nvSpPr>
               <p:cNvPr id="3" name="Объект 2"/>
@@ -15127,8 +15135,8 @@
           </a:p>
         </p:txBody>
       </p:sp>
-      <mc:AlternateContent xmlns:mc="http://schemas.openxmlformats.org/markup-compatibility/2006">
-        <mc:Choice xmlns:a14="http://schemas.microsoft.com/office/drawing/2010/main" Requires="a14">
+      <mc:AlternateContent xmlns:mc="http://schemas.openxmlformats.org/markup-compatibility/2006" xmlns:a14="http://schemas.microsoft.com/office/drawing/2010/main">
+        <mc:Choice Requires="a14">
           <p:sp>
             <p:nvSpPr>
               <p:cNvPr id="3" name="Объект 2"/>
@@ -15151,11 +15159,7 @@
                 </a:pPr>
                 <a:r>
                   <a:rPr lang="ru-RU" dirty="0" smtClean="0"/>
-                  <a:t>Для п</a:t>
-                </a:r>
-                <a:r>
-                  <a:rPr lang="ru-RU" dirty="0" smtClean="0"/>
-                  <a:t>роверяемого значения </a:t>
+                  <a:t>Для проверяемого значения </a:t>
                 </a:r>
                 <a14:m>
                   <m:oMath xmlns:m="http://schemas.openxmlformats.org/officeDocument/2006/math">
@@ -15186,25 +15190,7 @@
                           <a:rPr lang="ru-RU" i="1">
                             <a:latin typeface="Cambria Math" panose="02040503050406030204" pitchFamily="18" charset="0"/>
                           </a:rPr>
-                          <m:t>купи,</m:t>
-                        </m:r>
-                        <m:r>
-                          <a:rPr lang="ru-RU" i="1">
-                            <a:latin typeface="Cambria Math" panose="02040503050406030204" pitchFamily="18" charset="0"/>
-                          </a:rPr>
-                          <m:t>литр</m:t>
-                        </m:r>
-                        <m:r>
-                          <a:rPr lang="ru-RU" i="1">
-                            <a:latin typeface="Cambria Math" panose="02040503050406030204" pitchFamily="18" charset="0"/>
-                          </a:rPr>
-                          <m:t>, </m:t>
-                        </m:r>
-                        <m:r>
-                          <a:rPr lang="ru-RU" i="1">
-                            <a:latin typeface="Cambria Math" panose="02040503050406030204" pitchFamily="18" charset="0"/>
-                          </a:rPr>
-                          <m:t>молока</m:t>
+                          <m:t>купи,литр, молока</m:t>
                         </m:r>
                       </m:e>
                     </m:d>
@@ -15684,7 +15670,7 @@
             </p:txBody>
           </p:sp>
         </mc:Choice>
-        <mc:Fallback>
+        <mc:Fallback xmlns="">
           <p:sp>
             <p:nvSpPr>
               <p:cNvPr id="3" name="Объект 2"/>
@@ -15770,8 +15756,8 @@
           </a:p>
         </p:txBody>
       </p:sp>
-      <mc:AlternateContent xmlns:mc="http://schemas.openxmlformats.org/markup-compatibility/2006">
-        <mc:Choice xmlns:a14="http://schemas.microsoft.com/office/drawing/2010/main" Requires="a14">
+      <mc:AlternateContent xmlns:mc="http://schemas.openxmlformats.org/markup-compatibility/2006" xmlns:a14="http://schemas.microsoft.com/office/drawing/2010/main">
+        <mc:Choice Requires="a14">
           <p:sp>
             <p:nvSpPr>
               <p:cNvPr id="3" name="Объект 2"/>
@@ -16462,7 +16448,7 @@
             </p:txBody>
           </p:sp>
         </mc:Choice>
-        <mc:Fallback>
+        <mc:Fallback xmlns="">
           <p:sp>
             <p:nvSpPr>
               <p:cNvPr id="3" name="Объект 2"/>
@@ -16552,8 +16538,8 @@
           </a:p>
         </p:txBody>
       </p:sp>
-      <mc:AlternateContent xmlns:mc="http://schemas.openxmlformats.org/markup-compatibility/2006">
-        <mc:Choice xmlns:a14="http://schemas.microsoft.com/office/drawing/2010/main" Requires="a14">
+      <mc:AlternateContent xmlns:mc="http://schemas.openxmlformats.org/markup-compatibility/2006" xmlns:a14="http://schemas.microsoft.com/office/drawing/2010/main">
+        <mc:Choice Requires="a14">
           <p:sp>
             <p:nvSpPr>
               <p:cNvPr id="3" name="Объект 2"/>
@@ -17250,7 +17236,7 @@
             </p:txBody>
           </p:sp>
         </mc:Choice>
-        <mc:Fallback>
+        <mc:Fallback xmlns="">
           <p:sp>
             <p:nvSpPr>
               <p:cNvPr id="3" name="Объект 2"/>
@@ -17340,8 +17326,8 @@
           </a:p>
         </p:txBody>
       </p:sp>
-      <mc:AlternateContent xmlns:mc="http://schemas.openxmlformats.org/markup-compatibility/2006">
-        <mc:Choice xmlns:a14="http://schemas.microsoft.com/office/drawing/2010/main" Requires="a14">
+      <mc:AlternateContent xmlns:mc="http://schemas.openxmlformats.org/markup-compatibility/2006" xmlns:a14="http://schemas.microsoft.com/office/drawing/2010/main">
+        <mc:Choice Requires="a14">
           <p:sp>
             <p:nvSpPr>
               <p:cNvPr id="3" name="Объект 2"/>
@@ -17548,12 +17534,11 @@
                   <a:rPr lang="ru-RU" dirty="0" smtClean="0"/>
                   <a:t>.</a:t>
                 </a:r>
-                <a:endParaRPr lang="ru-RU" dirty="0" smtClean="0"/>
               </a:p>
             </p:txBody>
           </p:sp>
         </mc:Choice>
-        <mc:Fallback>
+        <mc:Fallback xmlns="">
           <p:sp>
             <p:nvSpPr>
               <p:cNvPr id="3" name="Объект 2"/>
@@ -19409,6 +19394,885 @@
 </p:sld>
 </file>
 
+<file path=ppt/slides/slide44.xml><?xml version="1.0" encoding="utf-8"?>
+<p:sld xmlns:a="http://schemas.openxmlformats.org/drawingml/2006/main" xmlns:r="http://schemas.openxmlformats.org/officeDocument/2006/relationships" xmlns:p="http://schemas.openxmlformats.org/presentationml/2006/main">
+  <p:cSld>
+    <p:spTree>
+      <p:nvGrpSpPr>
+        <p:cNvPr id="1" name=""/>
+        <p:cNvGrpSpPr/>
+        <p:nvPr/>
+      </p:nvGrpSpPr>
+      <p:grpSpPr>
+        <a:xfrm>
+          <a:off x="0" y="0"/>
+          <a:ext cx="0" cy="0"/>
+          <a:chOff x="0" y="0"/>
+          <a:chExt cx="0" cy="0"/>
+        </a:xfrm>
+      </p:grpSpPr>
+      <p:sp>
+        <p:nvSpPr>
+          <p:cNvPr id="2" name="Заголовок 1"/>
+          <p:cNvSpPr>
+            <a:spLocks noGrp="1"/>
+          </p:cNvSpPr>
+          <p:nvPr>
+            <p:ph type="title"/>
+          </p:nvPr>
+        </p:nvSpPr>
+        <p:spPr/>
+        <p:txBody>
+          <a:bodyPr/>
+          <a:lstStyle/>
+          <a:p>
+            <a:r>
+              <a:rPr lang="ru-RU" dirty="0"/>
+              <a:t>Контрольные вопросы</a:t>
+            </a:r>
+          </a:p>
+        </p:txBody>
+      </p:sp>
+      <p:sp>
+        <p:nvSpPr>
+          <p:cNvPr id="3" name="Объект 2"/>
+          <p:cNvSpPr>
+            <a:spLocks noGrp="1"/>
+          </p:cNvSpPr>
+          <p:nvPr>
+            <p:ph idx="1"/>
+          </p:nvPr>
+        </p:nvSpPr>
+        <p:spPr/>
+        <p:txBody>
+          <a:bodyPr>
+            <a:normAutofit/>
+          </a:bodyPr>
+          <a:lstStyle/>
+          <a:p>
+            <a:pPr marL="0" lvl="0" indent="0">
+              <a:buNone/>
+            </a:pPr>
+            <a:r>
+              <a:rPr lang="ru-RU" dirty="0"/>
+              <a:t>Условная вероятность </a:t>
+            </a:r>
+            <a:r>
+              <a:rPr lang="en-US" dirty="0"/>
+              <a:t>P</a:t>
+            </a:r>
+            <a:r>
+              <a:rPr lang="ru-RU" dirty="0"/>
+              <a:t>(</a:t>
+            </a:r>
+            <a:r>
+              <a:rPr lang="en-US" dirty="0"/>
+              <a:t>A</a:t>
+            </a:r>
+            <a:r>
+              <a:rPr lang="ru-RU" dirty="0"/>
+              <a:t>|</a:t>
+            </a:r>
+            <a:r>
+              <a:rPr lang="en-US" dirty="0"/>
+              <a:t>B</a:t>
+            </a:r>
+            <a:r>
+              <a:rPr lang="ru-RU" dirty="0"/>
+              <a:t>) – </a:t>
+            </a:r>
+            <a:r>
+              <a:rPr lang="ru-RU" dirty="0" smtClean="0"/>
+              <a:t>это</a:t>
+            </a:r>
+            <a:endParaRPr lang="en-US" dirty="0" smtClean="0"/>
+          </a:p>
+          <a:p>
+            <a:pPr marL="0" lvl="0" indent="0">
+              <a:buNone/>
+            </a:pPr>
+            <a:endParaRPr lang="ru-RU" sz="2400" dirty="0"/>
+          </a:p>
+          <a:p>
+            <a:r>
+              <a:rPr lang="ru-RU" dirty="0"/>
+              <a:t>Вероятность наступления </a:t>
+            </a:r>
+            <a:r>
+              <a:rPr lang="en-US" dirty="0"/>
+              <a:t>A</a:t>
+            </a:r>
+            <a:r>
+              <a:rPr lang="ru-RU" dirty="0"/>
+              <a:t> при условии, что </a:t>
+            </a:r>
+            <a:r>
+              <a:rPr lang="en-US" dirty="0"/>
+              <a:t>B </a:t>
+            </a:r>
+            <a:r>
+              <a:rPr lang="ru-RU" dirty="0"/>
+              <a:t>уже произошло. </a:t>
+            </a:r>
+          </a:p>
+          <a:p>
+            <a:r>
+              <a:rPr lang="ru-RU" dirty="0"/>
+              <a:t>Вероятность наступления </a:t>
+            </a:r>
+            <a:r>
+              <a:rPr lang="en-US" dirty="0"/>
+              <a:t>B</a:t>
+            </a:r>
+            <a:r>
+              <a:rPr lang="ru-RU" dirty="0"/>
+              <a:t> при условии, что </a:t>
+            </a:r>
+            <a:r>
+              <a:rPr lang="en-US" dirty="0"/>
+              <a:t>A </a:t>
+            </a:r>
+            <a:r>
+              <a:rPr lang="ru-RU" dirty="0"/>
+              <a:t>уже произошло.</a:t>
+            </a:r>
+          </a:p>
+          <a:p>
+            <a:r>
+              <a:rPr lang="ru-RU" dirty="0"/>
+              <a:t>Вероятность наступления </a:t>
+            </a:r>
+            <a:r>
+              <a:rPr lang="en-US" dirty="0"/>
+              <a:t>A</a:t>
+            </a:r>
+            <a:r>
+              <a:rPr lang="ru-RU" dirty="0"/>
+              <a:t> при условии, что </a:t>
+            </a:r>
+            <a:r>
+              <a:rPr lang="en-US" dirty="0"/>
+              <a:t>B </a:t>
+            </a:r>
+            <a:r>
+              <a:rPr lang="ru-RU" dirty="0"/>
+              <a:t>не произошло. </a:t>
+            </a:r>
+          </a:p>
+          <a:p>
+            <a:r>
+              <a:rPr lang="ru-RU" dirty="0"/>
+              <a:t>Вероятность наступления </a:t>
+            </a:r>
+            <a:r>
+              <a:rPr lang="en-US" dirty="0"/>
+              <a:t>B</a:t>
+            </a:r>
+            <a:r>
+              <a:rPr lang="ru-RU" dirty="0"/>
+              <a:t> при условии, что </a:t>
+            </a:r>
+            <a:r>
+              <a:rPr lang="en-US" dirty="0"/>
+              <a:t>A </a:t>
+            </a:r>
+            <a:r>
+              <a:rPr lang="ru-RU" dirty="0"/>
+              <a:t>не произошло</a:t>
+            </a:r>
+            <a:r>
+              <a:rPr lang="ru-RU" dirty="0" smtClean="0"/>
+              <a:t>.</a:t>
+            </a:r>
+            <a:endParaRPr lang="ru-RU" dirty="0"/>
+          </a:p>
+        </p:txBody>
+      </p:sp>
+    </p:spTree>
+    <p:extLst>
+      <p:ext uri="{BB962C8B-B14F-4D97-AF65-F5344CB8AC3E}">
+        <p14:creationId xmlns:p14="http://schemas.microsoft.com/office/powerpoint/2010/main" val="1825262927"/>
+      </p:ext>
+    </p:extLst>
+  </p:cSld>
+  <p:clrMapOvr>
+    <a:masterClrMapping/>
+  </p:clrMapOvr>
+</p:sld>
+</file>
+
+<file path=ppt/slides/slide45.xml><?xml version="1.0" encoding="utf-8"?>
+<p:sld xmlns:a="http://schemas.openxmlformats.org/drawingml/2006/main" xmlns:r="http://schemas.openxmlformats.org/officeDocument/2006/relationships" xmlns:p="http://schemas.openxmlformats.org/presentationml/2006/main">
+  <p:cSld>
+    <p:spTree>
+      <p:nvGrpSpPr>
+        <p:cNvPr id="1" name=""/>
+        <p:cNvGrpSpPr/>
+        <p:nvPr/>
+      </p:nvGrpSpPr>
+      <p:grpSpPr>
+        <a:xfrm>
+          <a:off x="0" y="0"/>
+          <a:ext cx="0" cy="0"/>
+          <a:chOff x="0" y="0"/>
+          <a:chExt cx="0" cy="0"/>
+        </a:xfrm>
+      </p:grpSpPr>
+      <p:sp>
+        <p:nvSpPr>
+          <p:cNvPr id="2" name="Заголовок 1"/>
+          <p:cNvSpPr>
+            <a:spLocks noGrp="1"/>
+          </p:cNvSpPr>
+          <p:nvPr>
+            <p:ph type="title"/>
+          </p:nvPr>
+        </p:nvSpPr>
+        <p:spPr/>
+        <p:txBody>
+          <a:bodyPr/>
+          <a:lstStyle/>
+          <a:p>
+            <a:r>
+              <a:rPr lang="ru-RU" dirty="0"/>
+              <a:t>Контрольные вопросы</a:t>
+            </a:r>
+          </a:p>
+        </p:txBody>
+      </p:sp>
+      <p:sp>
+        <p:nvSpPr>
+          <p:cNvPr id="3" name="Объект 2"/>
+          <p:cNvSpPr>
+            <a:spLocks noGrp="1"/>
+          </p:cNvSpPr>
+          <p:nvPr>
+            <p:ph idx="1"/>
+          </p:nvPr>
+        </p:nvSpPr>
+        <p:spPr/>
+        <p:txBody>
+          <a:bodyPr>
+            <a:normAutofit/>
+          </a:bodyPr>
+          <a:lstStyle/>
+          <a:p>
+            <a:pPr marL="0" lvl="0" indent="0">
+              <a:buNone/>
+            </a:pPr>
+            <a:r>
+              <a:rPr lang="ru-RU" dirty="0"/>
+              <a:t>Если события </a:t>
+            </a:r>
+            <a:r>
+              <a:rPr lang="en-US" dirty="0"/>
+              <a:t>A </a:t>
+            </a:r>
+            <a:r>
+              <a:rPr lang="ru-RU" dirty="0"/>
+              <a:t>и </a:t>
+            </a:r>
+            <a:r>
+              <a:rPr lang="en-US" dirty="0"/>
+              <a:t>B </a:t>
+            </a:r>
+            <a:r>
+              <a:rPr lang="ru-RU" dirty="0"/>
+              <a:t>независимы, то чему равна условная вероятность </a:t>
+            </a:r>
+            <a:r>
+              <a:rPr lang="en-US" dirty="0"/>
+              <a:t>P</a:t>
+            </a:r>
+            <a:r>
+              <a:rPr lang="ru-RU" dirty="0"/>
+              <a:t>(</a:t>
+            </a:r>
+            <a:r>
+              <a:rPr lang="en-US" dirty="0"/>
+              <a:t>A</a:t>
+            </a:r>
+            <a:r>
+              <a:rPr lang="ru-RU" dirty="0"/>
+              <a:t>|</a:t>
+            </a:r>
+            <a:r>
+              <a:rPr lang="en-US" dirty="0"/>
+              <a:t>B</a:t>
+            </a:r>
+            <a:r>
+              <a:rPr lang="ru-RU" dirty="0" smtClean="0"/>
+              <a:t>)?</a:t>
+            </a:r>
+            <a:endParaRPr lang="en-US" dirty="0" smtClean="0"/>
+          </a:p>
+          <a:p>
+            <a:pPr marL="0" lvl="0" indent="0">
+              <a:buNone/>
+            </a:pPr>
+            <a:endParaRPr lang="ru-RU" sz="2400" dirty="0"/>
+          </a:p>
+          <a:p>
+            <a:r>
+              <a:rPr lang="en-US" dirty="0"/>
+              <a:t>P(A) P(B)</a:t>
+            </a:r>
+            <a:endParaRPr lang="ru-RU" dirty="0"/>
+          </a:p>
+          <a:p>
+            <a:r>
+              <a:rPr lang="en-US" dirty="0"/>
+              <a:t>P(A)</a:t>
+            </a:r>
+            <a:endParaRPr lang="ru-RU" dirty="0"/>
+          </a:p>
+          <a:p>
+            <a:r>
+              <a:rPr lang="en-US" dirty="0"/>
+              <a:t>P(B)</a:t>
+            </a:r>
+            <a:endParaRPr lang="ru-RU" dirty="0"/>
+          </a:p>
+          <a:p>
+            <a:r>
+              <a:rPr lang="en-US" dirty="0"/>
+              <a:t>P(A) / P(B)</a:t>
+            </a:r>
+            <a:endParaRPr lang="ru-RU" dirty="0"/>
+          </a:p>
+          <a:p>
+            <a:pPr marL="0" indent="0">
+              <a:buNone/>
+            </a:pPr>
+            <a:endParaRPr lang="ru-RU" dirty="0"/>
+          </a:p>
+        </p:txBody>
+      </p:sp>
+    </p:spTree>
+    <p:extLst>
+      <p:ext uri="{BB962C8B-B14F-4D97-AF65-F5344CB8AC3E}">
+        <p14:creationId xmlns:p14="http://schemas.microsoft.com/office/powerpoint/2010/main" val="2757807296"/>
+      </p:ext>
+    </p:extLst>
+  </p:cSld>
+  <p:clrMapOvr>
+    <a:masterClrMapping/>
+  </p:clrMapOvr>
+</p:sld>
+</file>
+
+<file path=ppt/slides/slide46.xml><?xml version="1.0" encoding="utf-8"?>
+<p:sld xmlns:a="http://schemas.openxmlformats.org/drawingml/2006/main" xmlns:r="http://schemas.openxmlformats.org/officeDocument/2006/relationships" xmlns:p="http://schemas.openxmlformats.org/presentationml/2006/main">
+  <p:cSld>
+    <p:spTree>
+      <p:nvGrpSpPr>
+        <p:cNvPr id="1" name=""/>
+        <p:cNvGrpSpPr/>
+        <p:nvPr/>
+      </p:nvGrpSpPr>
+      <p:grpSpPr>
+        <a:xfrm>
+          <a:off x="0" y="0"/>
+          <a:ext cx="0" cy="0"/>
+          <a:chOff x="0" y="0"/>
+          <a:chExt cx="0" cy="0"/>
+        </a:xfrm>
+      </p:grpSpPr>
+      <p:sp>
+        <p:nvSpPr>
+          <p:cNvPr id="2" name="Заголовок 1"/>
+          <p:cNvSpPr>
+            <a:spLocks noGrp="1"/>
+          </p:cNvSpPr>
+          <p:nvPr>
+            <p:ph type="title"/>
+          </p:nvPr>
+        </p:nvSpPr>
+        <p:spPr/>
+        <p:txBody>
+          <a:bodyPr/>
+          <a:lstStyle/>
+          <a:p>
+            <a:r>
+              <a:rPr lang="ru-RU" dirty="0"/>
+              <a:t>Контрольные вопросы</a:t>
+            </a:r>
+          </a:p>
+        </p:txBody>
+      </p:sp>
+      <p:sp>
+        <p:nvSpPr>
+          <p:cNvPr id="3" name="Объект 2"/>
+          <p:cNvSpPr>
+            <a:spLocks noGrp="1"/>
+          </p:cNvSpPr>
+          <p:nvPr>
+            <p:ph idx="1"/>
+          </p:nvPr>
+        </p:nvSpPr>
+        <p:spPr/>
+        <p:txBody>
+          <a:bodyPr>
+            <a:normAutofit/>
+          </a:bodyPr>
+          <a:lstStyle/>
+          <a:p>
+            <a:pPr marL="0" lvl="0" indent="0">
+              <a:buNone/>
+            </a:pPr>
+            <a:r>
+              <a:rPr lang="ru-RU" dirty="0"/>
+              <a:t>Для определения </a:t>
+            </a:r>
+            <a:r>
+              <a:rPr lang="en-US" dirty="0"/>
+              <a:t>P</a:t>
+            </a:r>
+            <a:r>
+              <a:rPr lang="ru-RU" dirty="0"/>
+              <a:t>(</a:t>
+            </a:r>
+            <a:r>
+              <a:rPr lang="en-US" dirty="0"/>
+              <a:t>A</a:t>
+            </a:r>
+            <a:r>
+              <a:rPr lang="ru-RU" dirty="0"/>
+              <a:t>|</a:t>
+            </a:r>
+            <a:r>
+              <a:rPr lang="en-US" dirty="0"/>
+              <a:t>B</a:t>
+            </a:r>
+            <a:r>
+              <a:rPr lang="ru-RU" dirty="0"/>
+              <a:t>) с помощью теоремы Байеса нужно знать</a:t>
+            </a:r>
+            <a:endParaRPr lang="ru-RU" sz="2400" dirty="0"/>
+          </a:p>
+          <a:p>
+            <a:endParaRPr lang="en-US" dirty="0" smtClean="0"/>
+          </a:p>
+          <a:p>
+            <a:r>
+              <a:rPr lang="en-US" dirty="0" smtClean="0"/>
+              <a:t>P(A</a:t>
+            </a:r>
+            <a:r>
+              <a:rPr lang="en-US" dirty="0"/>
+              <a:t>)</a:t>
+            </a:r>
+            <a:endParaRPr lang="ru-RU" dirty="0"/>
+          </a:p>
+          <a:p>
+            <a:r>
+              <a:rPr lang="en-US" dirty="0"/>
+              <a:t>P(B)</a:t>
+            </a:r>
+            <a:endParaRPr lang="ru-RU" dirty="0"/>
+          </a:p>
+          <a:p>
+            <a:r>
+              <a:rPr lang="en-US" dirty="0"/>
+              <a:t>P(B|A)</a:t>
+            </a:r>
+            <a:endParaRPr lang="ru-RU" dirty="0"/>
+          </a:p>
+          <a:p>
+            <a:r>
+              <a:rPr lang="ru-RU" dirty="0"/>
+              <a:t>Всё вышеперечисленное</a:t>
+            </a:r>
+            <a:r>
+              <a:rPr lang="ru-RU" dirty="0" smtClean="0"/>
+              <a:t>.</a:t>
+            </a:r>
+            <a:endParaRPr lang="ru-RU" dirty="0"/>
+          </a:p>
+        </p:txBody>
+      </p:sp>
+    </p:spTree>
+    <p:extLst>
+      <p:ext uri="{BB962C8B-B14F-4D97-AF65-F5344CB8AC3E}">
+        <p14:creationId xmlns:p14="http://schemas.microsoft.com/office/powerpoint/2010/main" val="1236304526"/>
+      </p:ext>
+    </p:extLst>
+  </p:cSld>
+  <p:clrMapOvr>
+    <a:masterClrMapping/>
+  </p:clrMapOvr>
+</p:sld>
+</file>
+
+<file path=ppt/slides/slide47.xml><?xml version="1.0" encoding="utf-8"?>
+<p:sld xmlns:a="http://schemas.openxmlformats.org/drawingml/2006/main" xmlns:r="http://schemas.openxmlformats.org/officeDocument/2006/relationships" xmlns:p="http://schemas.openxmlformats.org/presentationml/2006/main">
+  <p:cSld>
+    <p:spTree>
+      <p:nvGrpSpPr>
+        <p:cNvPr id="1" name=""/>
+        <p:cNvGrpSpPr/>
+        <p:nvPr/>
+      </p:nvGrpSpPr>
+      <p:grpSpPr>
+        <a:xfrm>
+          <a:off x="0" y="0"/>
+          <a:ext cx="0" cy="0"/>
+          <a:chOff x="0" y="0"/>
+          <a:chExt cx="0" cy="0"/>
+        </a:xfrm>
+      </p:grpSpPr>
+      <p:sp>
+        <p:nvSpPr>
+          <p:cNvPr id="2" name="Заголовок 1"/>
+          <p:cNvSpPr>
+            <a:spLocks noGrp="1"/>
+          </p:cNvSpPr>
+          <p:nvPr>
+            <p:ph type="title"/>
+          </p:nvPr>
+        </p:nvSpPr>
+        <p:spPr/>
+        <p:txBody>
+          <a:bodyPr/>
+          <a:lstStyle/>
+          <a:p>
+            <a:r>
+              <a:rPr lang="ru-RU" dirty="0"/>
+              <a:t>Контрольные вопросы</a:t>
+            </a:r>
+          </a:p>
+        </p:txBody>
+      </p:sp>
+      <p:sp>
+        <p:nvSpPr>
+          <p:cNvPr id="3" name="Объект 2"/>
+          <p:cNvSpPr>
+            <a:spLocks noGrp="1"/>
+          </p:cNvSpPr>
+          <p:nvPr>
+            <p:ph idx="1"/>
+          </p:nvPr>
+        </p:nvSpPr>
+        <p:spPr/>
+        <p:txBody>
+          <a:bodyPr>
+            <a:normAutofit/>
+          </a:bodyPr>
+          <a:lstStyle/>
+          <a:p>
+            <a:pPr marL="0" lvl="0" indent="0">
+              <a:buNone/>
+            </a:pPr>
+            <a:r>
+              <a:rPr lang="en-US" dirty="0" err="1"/>
+              <a:t>Теорема</a:t>
+            </a:r>
+            <a:r>
+              <a:rPr lang="en-US" dirty="0"/>
+              <a:t> </a:t>
+            </a:r>
+            <a:r>
+              <a:rPr lang="en-US" dirty="0" err="1"/>
+              <a:t>Байеса</a:t>
+            </a:r>
+            <a:r>
+              <a:rPr lang="en-US" dirty="0"/>
+              <a:t> </a:t>
+            </a:r>
+            <a:r>
+              <a:rPr lang="en-US" dirty="0" err="1" smtClean="0"/>
+              <a:t>позволяет</a:t>
+            </a:r>
+            <a:endParaRPr lang="en-US" dirty="0" smtClean="0"/>
+          </a:p>
+          <a:p>
+            <a:pPr marL="0" lvl="0" indent="0">
+              <a:buNone/>
+            </a:pPr>
+            <a:endParaRPr lang="ru-RU" sz="2400" dirty="0"/>
+          </a:p>
+          <a:p>
+            <a:r>
+              <a:rPr lang="ru-RU" dirty="0"/>
+              <a:t>Уточнить вероятность гипотезы до проведения эксперимента.</a:t>
+            </a:r>
+          </a:p>
+          <a:p>
+            <a:r>
+              <a:rPr lang="ru-RU" dirty="0"/>
+              <a:t>Вычислить вероятность успешного проведения эксперимента.</a:t>
+            </a:r>
+          </a:p>
+          <a:p>
+            <a:r>
+              <a:rPr lang="ru-RU" dirty="0"/>
+              <a:t>Уточнить вероятность гипотезы после проведения эксперимента.</a:t>
+            </a:r>
+          </a:p>
+          <a:p>
+            <a:r>
+              <a:rPr lang="ru-RU" dirty="0"/>
+              <a:t>Вычислить вероятность неуспешного проведения эксперимента</a:t>
+            </a:r>
+            <a:r>
+              <a:rPr lang="ru-RU" dirty="0" smtClean="0"/>
+              <a:t>.</a:t>
+            </a:r>
+            <a:endParaRPr lang="ru-RU" dirty="0"/>
+          </a:p>
+        </p:txBody>
+      </p:sp>
+    </p:spTree>
+    <p:extLst>
+      <p:ext uri="{BB962C8B-B14F-4D97-AF65-F5344CB8AC3E}">
+        <p14:creationId xmlns:p14="http://schemas.microsoft.com/office/powerpoint/2010/main" val="108417216"/>
+      </p:ext>
+    </p:extLst>
+  </p:cSld>
+  <p:clrMapOvr>
+    <a:masterClrMapping/>
+  </p:clrMapOvr>
+</p:sld>
+</file>
+
+<file path=ppt/slides/slide48.xml><?xml version="1.0" encoding="utf-8"?>
+<p:sld xmlns:a="http://schemas.openxmlformats.org/drawingml/2006/main" xmlns:r="http://schemas.openxmlformats.org/officeDocument/2006/relationships" xmlns:p="http://schemas.openxmlformats.org/presentationml/2006/main">
+  <p:cSld>
+    <p:spTree>
+      <p:nvGrpSpPr>
+        <p:cNvPr id="1" name=""/>
+        <p:cNvGrpSpPr/>
+        <p:nvPr/>
+      </p:nvGrpSpPr>
+      <p:grpSpPr>
+        <a:xfrm>
+          <a:off x="0" y="0"/>
+          <a:ext cx="0" cy="0"/>
+          <a:chOff x="0" y="0"/>
+          <a:chExt cx="0" cy="0"/>
+        </a:xfrm>
+      </p:grpSpPr>
+      <p:sp>
+        <p:nvSpPr>
+          <p:cNvPr id="2" name="Заголовок 1"/>
+          <p:cNvSpPr>
+            <a:spLocks noGrp="1"/>
+          </p:cNvSpPr>
+          <p:nvPr>
+            <p:ph type="title"/>
+          </p:nvPr>
+        </p:nvSpPr>
+        <p:spPr/>
+        <p:txBody>
+          <a:bodyPr/>
+          <a:lstStyle/>
+          <a:p>
+            <a:r>
+              <a:rPr lang="ru-RU" dirty="0"/>
+              <a:t>Контрольные вопросы</a:t>
+            </a:r>
+          </a:p>
+        </p:txBody>
+      </p:sp>
+      <p:sp>
+        <p:nvSpPr>
+          <p:cNvPr id="3" name="Объект 2"/>
+          <p:cNvSpPr>
+            <a:spLocks noGrp="1"/>
+          </p:cNvSpPr>
+          <p:nvPr>
+            <p:ph idx="1"/>
+          </p:nvPr>
+        </p:nvSpPr>
+        <p:spPr/>
+        <p:txBody>
+          <a:bodyPr>
+            <a:normAutofit/>
+          </a:bodyPr>
+          <a:lstStyle/>
+          <a:p>
+            <a:pPr marL="0" lvl="0" indent="0">
+              <a:buNone/>
+            </a:pPr>
+            <a:r>
+              <a:rPr lang="ru-RU" dirty="0"/>
+              <a:t>В чём заключается «наивность» Байесовского классификатора</a:t>
+            </a:r>
+            <a:r>
+              <a:rPr lang="ru-RU" dirty="0" smtClean="0"/>
+              <a:t>?</a:t>
+            </a:r>
+            <a:endParaRPr lang="en-US" dirty="0" smtClean="0"/>
+          </a:p>
+          <a:p>
+            <a:pPr marL="0" lvl="0" indent="0">
+              <a:buNone/>
+            </a:pPr>
+            <a:endParaRPr lang="ru-RU" sz="2400" dirty="0"/>
+          </a:p>
+          <a:p>
+            <a:r>
+              <a:rPr lang="ru-RU" dirty="0"/>
+              <a:t>Значения параметров в элементе не могут повторяться.</a:t>
+            </a:r>
+          </a:p>
+          <a:p>
+            <a:r>
+              <a:rPr lang="ru-RU" dirty="0"/>
+              <a:t>Параметры элементов в наборе данных считаются независимыми.</a:t>
+            </a:r>
+          </a:p>
+          <a:p>
+            <a:r>
+              <a:rPr lang="ru-RU" dirty="0"/>
+              <a:t>Количество классов равно двум.</a:t>
+            </a:r>
+          </a:p>
+          <a:p>
+            <a:r>
+              <a:rPr lang="ru-RU" dirty="0"/>
+              <a:t>Порядок следования параметров в элемент определяет их важность</a:t>
+            </a:r>
+            <a:r>
+              <a:rPr lang="ru-RU" dirty="0" smtClean="0"/>
+              <a:t>.</a:t>
+            </a:r>
+            <a:endParaRPr lang="ru-RU" dirty="0"/>
+          </a:p>
+        </p:txBody>
+      </p:sp>
+    </p:spTree>
+    <p:extLst>
+      <p:ext uri="{BB962C8B-B14F-4D97-AF65-F5344CB8AC3E}">
+        <p14:creationId xmlns:p14="http://schemas.microsoft.com/office/powerpoint/2010/main" val="1975107756"/>
+      </p:ext>
+    </p:extLst>
+  </p:cSld>
+  <p:clrMapOvr>
+    <a:masterClrMapping/>
+  </p:clrMapOvr>
+</p:sld>
+</file>
+
+<file path=ppt/slides/slide49.xml><?xml version="1.0" encoding="utf-8"?>
+<p:sld xmlns:a="http://schemas.openxmlformats.org/drawingml/2006/main" xmlns:r="http://schemas.openxmlformats.org/officeDocument/2006/relationships" xmlns:p="http://schemas.openxmlformats.org/presentationml/2006/main">
+  <p:cSld>
+    <p:spTree>
+      <p:nvGrpSpPr>
+        <p:cNvPr id="1" name=""/>
+        <p:cNvGrpSpPr/>
+        <p:nvPr/>
+      </p:nvGrpSpPr>
+      <p:grpSpPr>
+        <a:xfrm>
+          <a:off x="0" y="0"/>
+          <a:ext cx="0" cy="0"/>
+          <a:chOff x="0" y="0"/>
+          <a:chExt cx="0" cy="0"/>
+        </a:xfrm>
+      </p:grpSpPr>
+      <p:sp>
+        <p:nvSpPr>
+          <p:cNvPr id="2" name="Заголовок 1"/>
+          <p:cNvSpPr>
+            <a:spLocks noGrp="1"/>
+          </p:cNvSpPr>
+          <p:nvPr>
+            <p:ph type="title"/>
+          </p:nvPr>
+        </p:nvSpPr>
+        <p:spPr/>
+        <p:txBody>
+          <a:bodyPr/>
+          <a:lstStyle/>
+          <a:p>
+            <a:r>
+              <a:rPr lang="ru-RU" dirty="0"/>
+              <a:t>Контрольные вопросы</a:t>
+            </a:r>
+          </a:p>
+        </p:txBody>
+      </p:sp>
+      <p:sp>
+        <p:nvSpPr>
+          <p:cNvPr id="3" name="Объект 2"/>
+          <p:cNvSpPr>
+            <a:spLocks noGrp="1"/>
+          </p:cNvSpPr>
+          <p:nvPr>
+            <p:ph idx="1"/>
+          </p:nvPr>
+        </p:nvSpPr>
+        <p:spPr/>
+        <p:txBody>
+          <a:bodyPr>
+            <a:normAutofit/>
+          </a:bodyPr>
+          <a:lstStyle/>
+          <a:p>
+            <a:pPr marL="0" lvl="0" indent="0">
+              <a:buNone/>
+            </a:pPr>
+            <a:r>
+              <a:rPr lang="ru-RU" dirty="0"/>
+              <a:t>С каким минусом Байесовского классификатора борется сглаживание Лапласа</a:t>
+            </a:r>
+            <a:r>
+              <a:rPr lang="ru-RU" dirty="0" smtClean="0"/>
+              <a:t>?</a:t>
+            </a:r>
+            <a:endParaRPr lang="en-US" dirty="0" smtClean="0"/>
+          </a:p>
+          <a:p>
+            <a:pPr marL="0" lvl="0" indent="0">
+              <a:buNone/>
+            </a:pPr>
+            <a:endParaRPr lang="ru-RU" sz="2400" dirty="0"/>
+          </a:p>
+          <a:p>
+            <a:r>
+              <a:rPr lang="ru-RU" dirty="0"/>
+              <a:t>Низкая скорость обучения.</a:t>
+            </a:r>
+          </a:p>
+          <a:p>
+            <a:r>
+              <a:rPr lang="ru-RU" dirty="0"/>
+              <a:t>Параметры должны быть независимыми.</a:t>
+            </a:r>
+          </a:p>
+          <a:p>
+            <a:r>
+              <a:rPr lang="ru-RU" dirty="0"/>
+              <a:t>Значения параметров должны быть категориальными.</a:t>
+            </a:r>
+          </a:p>
+          <a:p>
+            <a:r>
+              <a:rPr lang="ru-RU" dirty="0"/>
+              <a:t>Невозможно работать со значениями параметров, которых не было в обучающей выборке</a:t>
+            </a:r>
+            <a:r>
+              <a:rPr lang="ru-RU" dirty="0" smtClean="0"/>
+              <a:t>.</a:t>
+            </a:r>
+            <a:endParaRPr lang="ru-RU" dirty="0"/>
+          </a:p>
+        </p:txBody>
+      </p:sp>
+    </p:spTree>
+    <p:extLst>
+      <p:ext uri="{BB962C8B-B14F-4D97-AF65-F5344CB8AC3E}">
+        <p14:creationId xmlns:p14="http://schemas.microsoft.com/office/powerpoint/2010/main" val="3846467850"/>
+      </p:ext>
+    </p:extLst>
+  </p:cSld>
+  <p:clrMapOvr>
+    <a:masterClrMapping/>
+  </p:clrMapOvr>
+</p:sld>
+</file>
+
 <file path=ppt/slides/slide5.xml><?xml version="1.0" encoding="utf-8"?>
 <p:sld xmlns:a="http://schemas.openxmlformats.org/drawingml/2006/main" xmlns:r="http://schemas.openxmlformats.org/officeDocument/2006/relationships" xmlns:p="http://schemas.openxmlformats.org/presentationml/2006/main">
   <p:cSld>
@@ -19575,6 +20439,393 @@
     <p:extLst>
       <p:ext uri="{BB962C8B-B14F-4D97-AF65-F5344CB8AC3E}">
         <p14:creationId xmlns:p14="http://schemas.microsoft.com/office/powerpoint/2010/main" val="4116309028"/>
+      </p:ext>
+    </p:extLst>
+  </p:cSld>
+  <p:clrMapOvr>
+    <a:masterClrMapping/>
+  </p:clrMapOvr>
+</p:sld>
+</file>
+
+<file path=ppt/slides/slide50.xml><?xml version="1.0" encoding="utf-8"?>
+<p:sld xmlns:a="http://schemas.openxmlformats.org/drawingml/2006/main" xmlns:r="http://schemas.openxmlformats.org/officeDocument/2006/relationships" xmlns:p="http://schemas.openxmlformats.org/presentationml/2006/main">
+  <p:cSld>
+    <p:spTree>
+      <p:nvGrpSpPr>
+        <p:cNvPr id="1" name=""/>
+        <p:cNvGrpSpPr/>
+        <p:nvPr/>
+      </p:nvGrpSpPr>
+      <p:grpSpPr>
+        <a:xfrm>
+          <a:off x="0" y="0"/>
+          <a:ext cx="0" cy="0"/>
+          <a:chOff x="0" y="0"/>
+          <a:chExt cx="0" cy="0"/>
+        </a:xfrm>
+      </p:grpSpPr>
+      <p:sp>
+        <p:nvSpPr>
+          <p:cNvPr id="2" name="Заголовок 1"/>
+          <p:cNvSpPr>
+            <a:spLocks noGrp="1"/>
+          </p:cNvSpPr>
+          <p:nvPr>
+            <p:ph type="title"/>
+          </p:nvPr>
+        </p:nvSpPr>
+        <p:spPr/>
+        <p:txBody>
+          <a:bodyPr/>
+          <a:lstStyle/>
+          <a:p>
+            <a:r>
+              <a:rPr lang="ru-RU" dirty="0"/>
+              <a:t>Контрольные вопросы</a:t>
+            </a:r>
+          </a:p>
+        </p:txBody>
+      </p:sp>
+      <p:sp>
+        <p:nvSpPr>
+          <p:cNvPr id="3" name="Объект 2"/>
+          <p:cNvSpPr>
+            <a:spLocks noGrp="1"/>
+          </p:cNvSpPr>
+          <p:nvPr>
+            <p:ph idx="1"/>
+          </p:nvPr>
+        </p:nvSpPr>
+        <p:spPr/>
+        <p:txBody>
+          <a:bodyPr>
+            <a:normAutofit/>
+          </a:bodyPr>
+          <a:lstStyle/>
+          <a:p>
+            <a:pPr marL="0" lvl="0" indent="0">
+              <a:buNone/>
+            </a:pPr>
+            <a:r>
+              <a:rPr lang="ru-RU" dirty="0"/>
+              <a:t>Что из перечисленного не является плюсом Байесовского классификатора</a:t>
+            </a:r>
+            <a:r>
+              <a:rPr lang="ru-RU" dirty="0" smtClean="0"/>
+              <a:t>?</a:t>
+            </a:r>
+            <a:endParaRPr lang="en-US" dirty="0" smtClean="0"/>
+          </a:p>
+          <a:p>
+            <a:pPr marL="0" lvl="0" indent="0">
+              <a:buNone/>
+            </a:pPr>
+            <a:endParaRPr lang="ru-RU" sz="2400" dirty="0"/>
+          </a:p>
+          <a:p>
+            <a:r>
+              <a:rPr lang="ru-RU" dirty="0"/>
+              <a:t>Хорошо работает в случае малого количества элементов.</a:t>
+            </a:r>
+          </a:p>
+          <a:p>
+            <a:r>
+              <a:rPr lang="ru-RU" dirty="0"/>
+              <a:t>Хорошо работает в случае большого количества параметров.</a:t>
+            </a:r>
+          </a:p>
+          <a:p>
+            <a:r>
+              <a:rPr lang="ru-RU" dirty="0"/>
+              <a:t>Возможность работы с числовыми значениями параметров.</a:t>
+            </a:r>
+          </a:p>
+          <a:p>
+            <a:r>
+              <a:rPr lang="ru-RU" dirty="0"/>
+              <a:t>Быстрые обучения и работа</a:t>
+            </a:r>
+            <a:r>
+              <a:rPr lang="ru-RU" dirty="0" smtClean="0"/>
+              <a:t>.</a:t>
+            </a:r>
+            <a:endParaRPr lang="ru-RU" dirty="0"/>
+          </a:p>
+        </p:txBody>
+      </p:sp>
+    </p:spTree>
+    <p:extLst>
+      <p:ext uri="{BB962C8B-B14F-4D97-AF65-F5344CB8AC3E}">
+        <p14:creationId xmlns:p14="http://schemas.microsoft.com/office/powerpoint/2010/main" val="3168993524"/>
+      </p:ext>
+    </p:extLst>
+  </p:cSld>
+  <p:clrMapOvr>
+    <a:masterClrMapping/>
+  </p:clrMapOvr>
+</p:sld>
+</file>
+
+<file path=ppt/slides/slide51.xml><?xml version="1.0" encoding="utf-8"?>
+<p:sld xmlns:a="http://schemas.openxmlformats.org/drawingml/2006/main" xmlns:r="http://schemas.openxmlformats.org/officeDocument/2006/relationships" xmlns:p="http://schemas.openxmlformats.org/presentationml/2006/main">
+  <p:cSld>
+    <p:spTree>
+      <p:nvGrpSpPr>
+        <p:cNvPr id="1" name=""/>
+        <p:cNvGrpSpPr/>
+        <p:nvPr/>
+      </p:nvGrpSpPr>
+      <p:grpSpPr>
+        <a:xfrm>
+          <a:off x="0" y="0"/>
+          <a:ext cx="0" cy="0"/>
+          <a:chOff x="0" y="0"/>
+          <a:chExt cx="0" cy="0"/>
+        </a:xfrm>
+      </p:grpSpPr>
+      <p:sp>
+        <p:nvSpPr>
+          <p:cNvPr id="2" name="Заголовок 1"/>
+          <p:cNvSpPr>
+            <a:spLocks noGrp="1"/>
+          </p:cNvSpPr>
+          <p:nvPr>
+            <p:ph type="title"/>
+          </p:nvPr>
+        </p:nvSpPr>
+        <p:spPr/>
+        <p:txBody>
+          <a:bodyPr/>
+          <a:lstStyle/>
+          <a:p>
+            <a:r>
+              <a:rPr lang="ru-RU" dirty="0"/>
+              <a:t>Контрольные вопросы</a:t>
+            </a:r>
+          </a:p>
+        </p:txBody>
+      </p:sp>
+      <p:sp>
+        <p:nvSpPr>
+          <p:cNvPr id="3" name="Объект 2"/>
+          <p:cNvSpPr>
+            <a:spLocks noGrp="1"/>
+          </p:cNvSpPr>
+          <p:nvPr>
+            <p:ph idx="1"/>
+          </p:nvPr>
+        </p:nvSpPr>
+        <p:spPr/>
+        <p:txBody>
+          <a:bodyPr>
+            <a:normAutofit/>
+          </a:bodyPr>
+          <a:lstStyle/>
+          <a:p>
+            <a:pPr marL="0" lvl="0" indent="0">
+              <a:buNone/>
+            </a:pPr>
+            <a:r>
+              <a:rPr lang="ru-RU" dirty="0"/>
+              <a:t>Какие типы задач решают наивный Байесовский классификатор и логистическая регрессия</a:t>
+            </a:r>
+            <a:r>
+              <a:rPr lang="ru-RU" dirty="0" smtClean="0"/>
+              <a:t>?</a:t>
+            </a:r>
+            <a:endParaRPr lang="en-US" dirty="0" smtClean="0"/>
+          </a:p>
+          <a:p>
+            <a:pPr lvl="0"/>
+            <a:endParaRPr lang="ru-RU" sz="2400" dirty="0"/>
+          </a:p>
+          <a:p>
+            <a:r>
+              <a:rPr lang="ru-RU" dirty="0"/>
+              <a:t>Наивный Байесовский классификатор – задачу классификации, логистическая регрессия – задачу регрессии.</a:t>
+            </a:r>
+          </a:p>
+          <a:p>
+            <a:r>
+              <a:rPr lang="ru-RU" dirty="0"/>
+              <a:t>Наивный Байесовский классификатор – задачу регрессии, логистическая регрессия – задачу классификации.</a:t>
+            </a:r>
+          </a:p>
+          <a:p>
+            <a:r>
+              <a:rPr lang="ru-RU" dirty="0"/>
+              <a:t>Оба алгоритма решают задачу регрессии.</a:t>
+            </a:r>
+          </a:p>
+          <a:p>
+            <a:r>
+              <a:rPr lang="ru-RU" dirty="0"/>
+              <a:t>Оба алгоритма решают задачу классификации</a:t>
+            </a:r>
+            <a:r>
+              <a:rPr lang="ru-RU" dirty="0" smtClean="0"/>
+              <a:t>.</a:t>
+            </a:r>
+            <a:endParaRPr lang="ru-RU" dirty="0"/>
+          </a:p>
+        </p:txBody>
+      </p:sp>
+    </p:spTree>
+    <p:extLst>
+      <p:ext uri="{BB962C8B-B14F-4D97-AF65-F5344CB8AC3E}">
+        <p14:creationId xmlns:p14="http://schemas.microsoft.com/office/powerpoint/2010/main" val="699400461"/>
+      </p:ext>
+    </p:extLst>
+  </p:cSld>
+  <p:clrMapOvr>
+    <a:masterClrMapping/>
+  </p:clrMapOvr>
+</p:sld>
+</file>
+
+<file path=ppt/slides/slide52.xml><?xml version="1.0" encoding="utf-8"?>
+<p:sld xmlns:a="http://schemas.openxmlformats.org/drawingml/2006/main" xmlns:r="http://schemas.openxmlformats.org/officeDocument/2006/relationships" xmlns:p="http://schemas.openxmlformats.org/presentationml/2006/main">
+  <p:cSld>
+    <p:spTree>
+      <p:nvGrpSpPr>
+        <p:cNvPr id="1" name=""/>
+        <p:cNvGrpSpPr/>
+        <p:nvPr/>
+      </p:nvGrpSpPr>
+      <p:grpSpPr>
+        <a:xfrm>
+          <a:off x="0" y="0"/>
+          <a:ext cx="0" cy="0"/>
+          <a:chOff x="0" y="0"/>
+          <a:chExt cx="0" cy="0"/>
+        </a:xfrm>
+      </p:grpSpPr>
+      <p:sp>
+        <p:nvSpPr>
+          <p:cNvPr id="2" name="Заголовок 1"/>
+          <p:cNvSpPr>
+            <a:spLocks noGrp="1"/>
+          </p:cNvSpPr>
+          <p:nvPr>
+            <p:ph type="title"/>
+          </p:nvPr>
+        </p:nvSpPr>
+        <p:spPr/>
+        <p:txBody>
+          <a:bodyPr/>
+          <a:lstStyle/>
+          <a:p>
+            <a:r>
+              <a:rPr lang="ru-RU" dirty="0"/>
+              <a:t>Контрольные вопросы</a:t>
+            </a:r>
+          </a:p>
+        </p:txBody>
+      </p:sp>
+      <p:sp>
+        <p:nvSpPr>
+          <p:cNvPr id="3" name="Объект 2"/>
+          <p:cNvSpPr>
+            <a:spLocks noGrp="1"/>
+          </p:cNvSpPr>
+          <p:nvPr>
+            <p:ph idx="1"/>
+          </p:nvPr>
+        </p:nvSpPr>
+        <p:spPr/>
+        <p:txBody>
+          <a:bodyPr>
+            <a:normAutofit fontScale="92500" lnSpcReduction="10000"/>
+          </a:bodyPr>
+          <a:lstStyle/>
+          <a:p>
+            <a:pPr marL="0" lvl="0" indent="0">
+              <a:buNone/>
+            </a:pPr>
+            <a:r>
+              <a:rPr lang="ru-RU" dirty="0"/>
+              <a:t>Какие из алгоритмов относятся к генеративному и </a:t>
+            </a:r>
+            <a:r>
+              <a:rPr lang="ru-RU" dirty="0" err="1"/>
+              <a:t>дискриминативному</a:t>
+            </a:r>
+            <a:r>
+              <a:rPr lang="ru-RU" dirty="0"/>
+              <a:t> подходу</a:t>
+            </a:r>
+            <a:r>
+              <a:rPr lang="ru-RU" dirty="0" smtClean="0"/>
+              <a:t>?</a:t>
+            </a:r>
+            <a:endParaRPr lang="en-US" dirty="0" smtClean="0"/>
+          </a:p>
+          <a:p>
+            <a:pPr marL="0" lvl="0" indent="0">
+              <a:buNone/>
+            </a:pPr>
+            <a:endParaRPr lang="ru-RU" sz="2400" dirty="0"/>
+          </a:p>
+          <a:p>
+            <a:r>
+              <a:rPr lang="ru-RU" dirty="0"/>
+              <a:t>Наивный Байесовский классификатор и логистическая регрессия оба относятся к генеративному подходу.</a:t>
+            </a:r>
+          </a:p>
+          <a:p>
+            <a:r>
+              <a:rPr lang="ru-RU" dirty="0"/>
+              <a:t>Наивный Байесовский классификатор и логистическая регрессия оба относятся к </a:t>
+            </a:r>
+            <a:r>
+              <a:rPr lang="ru-RU" dirty="0" err="1"/>
+              <a:t>дискриминативному</a:t>
+            </a:r>
+            <a:r>
+              <a:rPr lang="ru-RU" dirty="0"/>
+              <a:t> подходу.</a:t>
+            </a:r>
+          </a:p>
+          <a:p>
+            <a:r>
+              <a:rPr lang="ru-RU" dirty="0"/>
+              <a:t>Наивный Байесовский классификатор – генеративный подход, логистическая регрессия – </a:t>
+            </a:r>
+            <a:r>
+              <a:rPr lang="ru-RU" dirty="0" err="1"/>
+              <a:t>дискриминативный</a:t>
+            </a:r>
+            <a:r>
+              <a:rPr lang="ru-RU" dirty="0"/>
+              <a:t> подход.</a:t>
+            </a:r>
+          </a:p>
+          <a:p>
+            <a:r>
+              <a:rPr lang="ru-RU" dirty="0"/>
+              <a:t>Наивный Байесовский классификатор – </a:t>
+            </a:r>
+            <a:r>
+              <a:rPr lang="ru-RU" dirty="0" err="1"/>
+              <a:t>дискриминативный</a:t>
+            </a:r>
+            <a:r>
+              <a:rPr lang="ru-RU" dirty="0"/>
+              <a:t> подход, логистическая регрессия – генеративный подход</a:t>
+            </a:r>
+            <a:r>
+              <a:rPr lang="ru-RU" dirty="0" smtClean="0"/>
+              <a:t>.</a:t>
+            </a:r>
+            <a:endParaRPr lang="ru-RU" dirty="0"/>
+          </a:p>
+        </p:txBody>
+      </p:sp>
+    </p:spTree>
+    <p:extLst>
+      <p:ext uri="{BB962C8B-B14F-4D97-AF65-F5344CB8AC3E}">
+        <p14:creationId xmlns:p14="http://schemas.microsoft.com/office/powerpoint/2010/main" val="1821271607"/>
       </p:ext>
     </p:extLst>
   </p:cSld>
